--- a/img/trees.pptx
+++ b/img/trees.pptx
@@ -110,6 +110,11 @@
       </a:defRPr>
     </a:lvl9pPr>
   </p:defaultTextStyle>
+  <p:extLst>
+    <p:ext uri="{EFAFB233-063F-42B5-8137-9DF3F51BA10A}">
+      <p15:sldGuideLst xmlns:p15="http://schemas.microsoft.com/office/powerpoint/2012/main"/>
+    </p:ext>
+  </p:extLst>
 </p:presentation>
 </file>
 
@@ -195,7 +200,7 @@
           <a:p>
             <a:fld id="{7032D634-87B9-4515-9E90-7412EACBC911}" type="datetimeFigureOut">
               <a:rPr lang="fr-FR" smtClean="0"/>
-              <a:t>28/02/2020</a:t>
+              <a:t>19/03/2020</a:t>
             </a:fld>
             <a:endParaRPr lang="fr-FR"/>
           </a:p>
@@ -593,7 +598,7 @@
           <a:p>
             <a:fld id="{CC506755-3F84-4679-BA59-3527CD676A9A}" type="datetimeFigureOut">
               <a:rPr lang="fr-FR" smtClean="0"/>
-              <a:t>28/02/2020</a:t>
+              <a:t>19/03/2020</a:t>
             </a:fld>
             <a:endParaRPr lang="fr-FR"/>
           </a:p>
@@ -763,7 +768,7 @@
           <a:p>
             <a:fld id="{CC506755-3F84-4679-BA59-3527CD676A9A}" type="datetimeFigureOut">
               <a:rPr lang="fr-FR" smtClean="0"/>
-              <a:t>28/02/2020</a:t>
+              <a:t>19/03/2020</a:t>
             </a:fld>
             <a:endParaRPr lang="fr-FR"/>
           </a:p>
@@ -943,7 +948,7 @@
           <a:p>
             <a:fld id="{CC506755-3F84-4679-BA59-3527CD676A9A}" type="datetimeFigureOut">
               <a:rPr lang="fr-FR" smtClean="0"/>
-              <a:t>28/02/2020</a:t>
+              <a:t>19/03/2020</a:t>
             </a:fld>
             <a:endParaRPr lang="fr-FR"/>
           </a:p>
@@ -1113,7 +1118,7 @@
           <a:p>
             <a:fld id="{CC506755-3F84-4679-BA59-3527CD676A9A}" type="datetimeFigureOut">
               <a:rPr lang="fr-FR" smtClean="0"/>
-              <a:t>28/02/2020</a:t>
+              <a:t>19/03/2020</a:t>
             </a:fld>
             <a:endParaRPr lang="fr-FR"/>
           </a:p>
@@ -1357,7 +1362,7 @@
           <a:p>
             <a:fld id="{CC506755-3F84-4679-BA59-3527CD676A9A}" type="datetimeFigureOut">
               <a:rPr lang="fr-FR" smtClean="0"/>
-              <a:t>28/02/2020</a:t>
+              <a:t>19/03/2020</a:t>
             </a:fld>
             <a:endParaRPr lang="fr-FR"/>
           </a:p>
@@ -1589,7 +1594,7 @@
           <a:p>
             <a:fld id="{CC506755-3F84-4679-BA59-3527CD676A9A}" type="datetimeFigureOut">
               <a:rPr lang="fr-FR" smtClean="0"/>
-              <a:t>28/02/2020</a:t>
+              <a:t>19/03/2020</a:t>
             </a:fld>
             <a:endParaRPr lang="fr-FR"/>
           </a:p>
@@ -1956,7 +1961,7 @@
           <a:p>
             <a:fld id="{CC506755-3F84-4679-BA59-3527CD676A9A}" type="datetimeFigureOut">
               <a:rPr lang="fr-FR" smtClean="0"/>
-              <a:t>28/02/2020</a:t>
+              <a:t>19/03/2020</a:t>
             </a:fld>
             <a:endParaRPr lang="fr-FR"/>
           </a:p>
@@ -2074,7 +2079,7 @@
           <a:p>
             <a:fld id="{CC506755-3F84-4679-BA59-3527CD676A9A}" type="datetimeFigureOut">
               <a:rPr lang="fr-FR" smtClean="0"/>
-              <a:t>28/02/2020</a:t>
+              <a:t>19/03/2020</a:t>
             </a:fld>
             <a:endParaRPr lang="fr-FR"/>
           </a:p>
@@ -2169,7 +2174,7 @@
           <a:p>
             <a:fld id="{CC506755-3F84-4679-BA59-3527CD676A9A}" type="datetimeFigureOut">
               <a:rPr lang="fr-FR" smtClean="0"/>
-              <a:t>28/02/2020</a:t>
+              <a:t>19/03/2020</a:t>
             </a:fld>
             <a:endParaRPr lang="fr-FR"/>
           </a:p>
@@ -2446,7 +2451,7 @@
           <a:p>
             <a:fld id="{CC506755-3F84-4679-BA59-3527CD676A9A}" type="datetimeFigureOut">
               <a:rPr lang="fr-FR" smtClean="0"/>
-              <a:t>28/02/2020</a:t>
+              <a:t>19/03/2020</a:t>
             </a:fld>
             <a:endParaRPr lang="fr-FR"/>
           </a:p>
@@ -2703,7 +2708,7 @@
           <a:p>
             <a:fld id="{CC506755-3F84-4679-BA59-3527CD676A9A}" type="datetimeFigureOut">
               <a:rPr lang="fr-FR" smtClean="0"/>
-              <a:t>28/02/2020</a:t>
+              <a:t>19/03/2020</a:t>
             </a:fld>
             <a:endParaRPr lang="fr-FR"/>
           </a:p>
@@ -2916,7 +2921,7 @@
           <a:p>
             <a:fld id="{CC506755-3F84-4679-BA59-3527CD676A9A}" type="datetimeFigureOut">
               <a:rPr lang="fr-FR" smtClean="0"/>
-              <a:t>28/02/2020</a:t>
+              <a:t>19/03/2020</a:t>
             </a:fld>
             <a:endParaRPr lang="fr-FR"/>
           </a:p>
@@ -4505,8 +4510,8 @@
             <a:solidFill>
               <a:schemeClr val="tx1"/>
             </a:solidFill>
-            <a:headEnd type="oval"/>
-            <a:tailEnd type="oval"/>
+            <a:headEnd type="oval" w="lg" len="lg"/>
+            <a:tailEnd type="oval" w="lg" len="lg"/>
           </a:ln>
         </p:spPr>
         <p:style>
@@ -4550,8 +4555,8 @@
             <a:solidFill>
               <a:schemeClr val="tx1"/>
             </a:solidFill>
-            <a:headEnd type="oval"/>
-            <a:tailEnd type="oval"/>
+            <a:headEnd type="oval" w="lg" len="lg"/>
+            <a:tailEnd type="oval" w="lg" len="lg"/>
           </a:ln>
         </p:spPr>
         <p:style>
@@ -4595,8 +4600,8 @@
             <a:solidFill>
               <a:schemeClr val="tx1"/>
             </a:solidFill>
-            <a:headEnd type="oval"/>
-            <a:tailEnd type="oval"/>
+            <a:headEnd type="oval" w="lg" len="lg"/>
+            <a:tailEnd type="oval" w="lg" len="lg"/>
           </a:ln>
         </p:spPr>
         <p:style>
@@ -4640,8 +4645,8 @@
             <a:solidFill>
               <a:schemeClr val="tx1"/>
             </a:solidFill>
-            <a:headEnd type="oval"/>
-            <a:tailEnd type="oval"/>
+            <a:headEnd type="oval" w="lg" len="lg"/>
+            <a:tailEnd type="oval" w="lg" len="lg"/>
           </a:ln>
         </p:spPr>
         <p:style>
@@ -4820,8 +4825,8 @@
             <a:solidFill>
               <a:schemeClr val="tx1"/>
             </a:solidFill>
-            <a:headEnd type="oval"/>
-            <a:tailEnd type="oval"/>
+            <a:headEnd type="oval" w="lg" len="lg"/>
+            <a:tailEnd type="oval" w="lg" len="lg"/>
           </a:ln>
         </p:spPr>
         <p:style>
@@ -4865,7 +4870,7 @@
             <a:solidFill>
               <a:srgbClr val="C00000"/>
             </a:solidFill>
-            <a:headEnd type="oval"/>
+            <a:headEnd type="oval" w="lg" len="lg"/>
             <a:tailEnd type="oval"/>
           </a:ln>
         </p:spPr>
@@ -4901,7 +4906,7 @@
         <p:spPr>
           <a:xfrm>
             <a:off x="3897173" y="3896556"/>
-            <a:ext cx="0" cy="33851"/>
+            <a:ext cx="0" cy="0"/>
           </a:xfrm>
           <a:prstGeom prst="line">
             <a:avLst/>
@@ -4910,7 +4915,7 @@
             <a:solidFill>
               <a:srgbClr val="C00000"/>
             </a:solidFill>
-            <a:headEnd type="oval"/>
+            <a:headEnd type="oval" w="lg" len="lg"/>
             <a:tailEnd type="oval"/>
           </a:ln>
         </p:spPr>
@@ -4946,7 +4951,7 @@
             <p:spPr>
               <a:xfrm>
                 <a:off x="2803261" y="1510973"/>
-                <a:ext cx="413510" cy="430887"/>
+                <a:ext cx="435119" cy="444417"/>
               </a:xfrm>
               <a:prstGeom prst="rect">
                 <a:avLst/>
@@ -4962,6 +4967,7 @@
               </a:bodyPr>
               <a:lstStyle/>
               <a:p>
+                <a:pPr/>
                 <a14:m>
                   <m:oMathPara xmlns:m="http://schemas.openxmlformats.org/officeDocument/2006/math">
                     <m:oMathParaPr>
@@ -4971,23 +4977,34 @@
                       <m:sSub>
                         <m:sSubPr>
                           <m:ctrlPr>
-                            <a:rPr lang="fr-FR" sz="2800" i="1">
+                            <a:rPr lang="fr-FR" sz="2800" b="0" i="1" smtClean="0">
                               <a:latin typeface="Cambria Math" panose="02040503050406030204" pitchFamily="18" charset="0"/>
                             </a:rPr>
                           </m:ctrlPr>
                         </m:sSubPr>
                         <m:e>
-                          <m:r>
-                            <a:rPr lang="fr-FR" sz="2800" i="1">
-                              <a:latin typeface="Cambria Math" panose="02040503050406030204" pitchFamily="18" charset="0"/>
-                              <a:ea typeface="Cambria Math" panose="02040503050406030204" pitchFamily="18" charset="0"/>
-                            </a:rPr>
-                            <m:t>ℐ</m:t>
-                          </m:r>
+                          <m:acc>
+                            <m:accPr>
+                              <m:chr m:val="̇"/>
+                              <m:ctrlPr>
+                                <a:rPr lang="fr-FR" sz="2800" b="0" i="1" smtClean="0">
+                                  <a:latin typeface="Cambria Math" panose="02040503050406030204" pitchFamily="18" charset="0"/>
+                                </a:rPr>
+                              </m:ctrlPr>
+                            </m:accPr>
+                            <m:e>
+                              <m:r>
+                                <a:rPr lang="fr-FR" sz="2800" b="0" i="1" smtClean="0">
+                                  <a:latin typeface="Cambria Math" panose="02040503050406030204" pitchFamily="18" charset="0"/>
+                                </a:rPr>
+                                <m:t>𝑇</m:t>
+                              </m:r>
+                            </m:e>
+                          </m:acc>
                         </m:e>
                         <m:sub>
                           <m:r>
-                            <a:rPr lang="fr-FR" sz="2800" i="1">
+                            <a:rPr lang="fr-FR" sz="2800" b="0" i="1" smtClean="0">
                               <a:latin typeface="Cambria Math" panose="02040503050406030204" pitchFamily="18" charset="0"/>
                             </a:rPr>
                             <m:t>𝑛</m:t>
@@ -5020,7 +5037,7 @@
             <p:spPr>
               <a:xfrm>
                 <a:off x="2803261" y="1510973"/>
-                <a:ext cx="413510" cy="430887"/>
+                <a:ext cx="435119" cy="444417"/>
               </a:xfrm>
               <a:prstGeom prst="rect">
                 <a:avLst/>
@@ -5067,7 +5084,7 @@
             <p:spPr>
               <a:xfrm>
                 <a:off x="1927728" y="2941478"/>
-                <a:ext cx="491032" cy="430887"/>
+                <a:ext cx="435119" cy="430887"/>
               </a:xfrm>
               <a:prstGeom prst="rect">
                 <a:avLst/>
@@ -5083,6 +5100,7 @@
               </a:bodyPr>
               <a:lstStyle/>
               <a:p>
+                <a:pPr/>
                 <a14:m>
                   <m:oMathPara xmlns:m="http://schemas.openxmlformats.org/officeDocument/2006/math">
                     <m:oMathParaPr>
@@ -5092,23 +5110,34 @@
                       <m:sSub>
                         <m:sSubPr>
                           <m:ctrlPr>
-                            <a:rPr lang="fr-FR" sz="2800" i="1">
+                            <a:rPr lang="fr-FR" sz="2800" b="0" i="1" smtClean="0">
                               <a:latin typeface="Cambria Math" panose="02040503050406030204" pitchFamily="18" charset="0"/>
                             </a:rPr>
                           </m:ctrlPr>
                         </m:sSubPr>
                         <m:e>
-                          <m:r>
-                            <a:rPr lang="fr-FR" sz="2800" i="1">
-                              <a:latin typeface="Cambria Math" panose="02040503050406030204" pitchFamily="18" charset="0"/>
-                              <a:ea typeface="Cambria Math" panose="02040503050406030204" pitchFamily="18" charset="0"/>
-                            </a:rPr>
-                            <m:t>ℒ</m:t>
-                          </m:r>
+                          <m:acc>
+                            <m:accPr>
+                              <m:chr m:val="̅"/>
+                              <m:ctrlPr>
+                                <a:rPr lang="fr-FR" sz="2800" i="1" smtClean="0">
+                                  <a:latin typeface="Cambria Math" panose="02040503050406030204" pitchFamily="18" charset="0"/>
+                                </a:rPr>
+                              </m:ctrlPr>
+                            </m:accPr>
+                            <m:e>
+                              <m:r>
+                                <a:rPr lang="fr-FR" sz="2800" b="0" i="1" smtClean="0">
+                                  <a:latin typeface="Cambria Math" panose="02040503050406030204" pitchFamily="18" charset="0"/>
+                                </a:rPr>
+                                <m:t>𝑇</m:t>
+                              </m:r>
+                            </m:e>
+                          </m:acc>
                         </m:e>
                         <m:sub>
                           <m:r>
-                            <a:rPr lang="fr-FR" sz="2800" i="1">
+                            <a:rPr lang="fr-FR" sz="2800" b="0" i="1" smtClean="0">
                               <a:latin typeface="Cambria Math" panose="02040503050406030204" pitchFamily="18" charset="0"/>
                             </a:rPr>
                             <m:t>𝑛</m:t>
@@ -5141,7 +5170,7 @@
             <p:spPr>
               <a:xfrm>
                 <a:off x="1927728" y="2941478"/>
-                <a:ext cx="491032" cy="430887"/>
+                <a:ext cx="435119" cy="430887"/>
               </a:xfrm>
               <a:prstGeom prst="rect">
                 <a:avLst/>
@@ -5197,7 +5226,7 @@
             <a:solidFill>
               <a:srgbClr val="0070C0"/>
             </a:solidFill>
-            <a:headEnd type="oval"/>
+            <a:headEnd type="oval" w="lg" len="lg"/>
             <a:tailEnd type="oval"/>
           </a:ln>
         </p:spPr>
@@ -5242,7 +5271,7 @@
             <a:solidFill>
               <a:srgbClr val="0070C0"/>
             </a:solidFill>
-            <a:headEnd type="oval"/>
+            <a:headEnd type="oval" w="lg" len="lg"/>
             <a:tailEnd type="oval"/>
           </a:ln>
         </p:spPr>
@@ -5319,8 +5348,8 @@
                 <a:lumMod val="65000"/>
               </a:schemeClr>
             </a:solidFill>
-            <a:headEnd type="oval"/>
-            <a:tailEnd type="oval"/>
+            <a:headEnd type="oval" w="lg" len="lg"/>
+            <a:tailEnd type="oval" w="lg" len="lg"/>
           </a:ln>
         </p:spPr>
         <p:style>
@@ -5366,8 +5395,8 @@
                 <a:lumMod val="65000"/>
               </a:schemeClr>
             </a:solidFill>
-            <a:headEnd type="oval"/>
-            <a:tailEnd type="oval"/>
+            <a:headEnd type="oval" w="lg" len="lg"/>
+            <a:tailEnd type="oval" w="lg" len="lg"/>
           </a:ln>
         </p:spPr>
         <p:style>
@@ -5413,8 +5442,8 @@
                 <a:lumMod val="65000"/>
               </a:schemeClr>
             </a:solidFill>
-            <a:headEnd type="oval"/>
-            <a:tailEnd type="oval"/>
+            <a:headEnd type="oval" w="lg" len="lg"/>
+            <a:tailEnd type="oval" w="lg" len="lg"/>
           </a:ln>
         </p:spPr>
         <p:style>
@@ -5460,8 +5489,8 @@
                 <a:lumMod val="65000"/>
               </a:schemeClr>
             </a:solidFill>
-            <a:headEnd type="oval"/>
-            <a:tailEnd type="oval"/>
+            <a:headEnd type="oval" w="lg" len="lg"/>
+            <a:tailEnd type="oval" w="lg" len="lg"/>
           </a:ln>
         </p:spPr>
         <p:style>
@@ -5507,8 +5536,8 @@
                 <a:lumMod val="65000"/>
               </a:schemeClr>
             </a:solidFill>
-            <a:headEnd type="oval"/>
-            <a:tailEnd type="oval"/>
+            <a:headEnd type="oval" w="lg" len="lg"/>
+            <a:tailEnd type="oval" w="lg" len="lg"/>
           </a:ln>
         </p:spPr>
         <p:style>
@@ -5554,8 +5583,8 @@
                 <a:lumMod val="65000"/>
               </a:schemeClr>
             </a:solidFill>
-            <a:headEnd type="oval"/>
-            <a:tailEnd type="oval"/>
+            <a:headEnd type="oval" w="lg" len="lg"/>
+            <a:tailEnd type="oval" w="lg" len="lg"/>
           </a:ln>
         </p:spPr>
         <p:style>
@@ -5601,8 +5630,8 @@
                 <a:lumMod val="65000"/>
               </a:schemeClr>
             </a:solidFill>
-            <a:headEnd type="oval"/>
-            <a:tailEnd type="oval"/>
+            <a:headEnd type="oval" w="lg" len="lg"/>
+            <a:tailEnd type="oval" w="lg" len="lg"/>
           </a:ln>
         </p:spPr>
         <p:style>
@@ -5648,8 +5677,8 @@
                 <a:lumMod val="65000"/>
               </a:schemeClr>
             </a:solidFill>
-            <a:headEnd type="oval"/>
-            <a:tailEnd type="oval"/>
+            <a:headEnd type="oval" w="lg" len="lg"/>
+            <a:tailEnd type="oval" w="lg" len="lg"/>
           </a:ln>
         </p:spPr>
         <p:style>
@@ -5693,8 +5722,8 @@
             <a:solidFill>
               <a:srgbClr val="C00000"/>
             </a:solidFill>
-            <a:headEnd type="oval"/>
-            <a:tailEnd type="oval"/>
+            <a:headEnd type="oval" w="lg" len="lg"/>
+            <a:tailEnd type="oval" w="lg" len="lg"/>
           </a:ln>
         </p:spPr>
         <p:style>
@@ -5729,7 +5758,7 @@
         <p:spPr>
           <a:xfrm>
             <a:off x="3798670" y="4017978"/>
-            <a:ext cx="0" cy="33851"/>
+            <a:ext cx="1" cy="0"/>
           </a:xfrm>
           <a:prstGeom prst="line">
             <a:avLst/>
@@ -5738,8 +5767,8 @@
             <a:solidFill>
               <a:srgbClr val="C00000"/>
             </a:solidFill>
-            <a:headEnd type="oval"/>
-            <a:tailEnd type="oval"/>
+            <a:headEnd type="oval" w="lg" len="lg"/>
+            <a:tailEnd type="oval" w="lg" len="lg"/>
           </a:ln>
         </p:spPr>
         <p:style>
@@ -5773,7 +5802,7 @@
         </p:nvCxnSpPr>
         <p:spPr>
           <a:xfrm flipV="1">
-            <a:off x="3009361" y="2607216"/>
+            <a:off x="2951491" y="2589855"/>
             <a:ext cx="345754" cy="1383043"/>
           </a:xfrm>
           <a:prstGeom prst="line">
@@ -5818,7 +5847,7 @@
         </p:nvCxnSpPr>
         <p:spPr>
           <a:xfrm flipH="1" flipV="1">
-            <a:off x="3550922" y="2616452"/>
+            <a:off x="3620368" y="2599089"/>
             <a:ext cx="345754" cy="1383043"/>
           </a:xfrm>
           <a:prstGeom prst="line">
@@ -5863,8 +5892,8 @@
         </p:nvCxnSpPr>
         <p:spPr>
           <a:xfrm flipV="1">
-            <a:off x="3352932" y="1479761"/>
-            <a:ext cx="617551" cy="1127461"/>
+            <a:off x="3314606" y="1468188"/>
+            <a:ext cx="609581" cy="1037731"/>
           </a:xfrm>
           <a:prstGeom prst="line">
             <a:avLst/>
@@ -5908,7 +5937,7 @@
         </p:nvCxnSpPr>
         <p:spPr>
           <a:xfrm flipV="1">
-            <a:off x="808081" y="1479759"/>
+            <a:off x="750211" y="1468185"/>
             <a:ext cx="617551" cy="1127461"/>
           </a:xfrm>
           <a:prstGeom prst="line">
@@ -5953,7 +5982,7 @@
         </p:nvCxnSpPr>
         <p:spPr>
           <a:xfrm flipH="1" flipV="1">
-            <a:off x="4163896" y="1479758"/>
+            <a:off x="4221767" y="1456610"/>
             <a:ext cx="617551" cy="1127461"/>
           </a:xfrm>
           <a:prstGeom prst="line">
@@ -5998,7 +6027,7 @@
         </p:nvCxnSpPr>
         <p:spPr>
           <a:xfrm flipH="1" flipV="1">
-            <a:off x="1627741" y="1479757"/>
+            <a:off x="1668252" y="1479757"/>
             <a:ext cx="617551" cy="1127461"/>
           </a:xfrm>
           <a:prstGeom prst="line">
@@ -6043,8 +6072,8 @@
         </p:nvCxnSpPr>
         <p:spPr>
           <a:xfrm flipV="1">
-            <a:off x="1469614" y="697665"/>
-            <a:ext cx="1274618" cy="735900"/>
+            <a:off x="1551009" y="645582"/>
+            <a:ext cx="1158500" cy="656573"/>
           </a:xfrm>
           <a:prstGeom prst="line">
             <a:avLst/>
@@ -6088,7 +6117,7 @@
         </p:nvCxnSpPr>
         <p:spPr>
           <a:xfrm flipH="1" flipV="1">
-            <a:off x="2859369" y="697665"/>
+            <a:off x="2876731" y="645580"/>
             <a:ext cx="1274618" cy="735900"/>
           </a:xfrm>
           <a:prstGeom prst="line">
@@ -6150,6 +6179,7 @@
               </a:bodyPr>
               <a:lstStyle/>
               <a:p>
+                <a:pPr/>
                 <a14:m>
                   <m:oMathPara xmlns:m="http://schemas.openxmlformats.org/officeDocument/2006/math">
                     <m:oMathParaPr>
@@ -6157,10 +6187,10 @@
                     </m:oMathParaPr>
                     <m:oMath xmlns:m="http://schemas.openxmlformats.org/officeDocument/2006/math">
                       <m:r>
-                        <a:rPr lang="fr-FR" sz="2800" i="1">
+                        <a:rPr lang="fr-FR" sz="2800" b="0" i="1" smtClean="0">
                           <a:latin typeface="Cambria Math" panose="02040503050406030204" pitchFamily="18" charset="0"/>
                         </a:rPr>
-                        <m:t>ℬ</m:t>
+                        <m:t>𝐵</m:t>
                       </m:r>
                     </m:oMath>
                   </m:oMathPara>
@@ -6244,8 +6274,8 @@
             <a:solidFill>
               <a:srgbClr val="0070C0"/>
             </a:solidFill>
-            <a:headEnd type="oval"/>
-            <a:tailEnd type="oval"/>
+            <a:headEnd type="oval" w="lg" len="lg"/>
+            <a:tailEnd type="oval" w="lg" len="lg"/>
           </a:ln>
         </p:spPr>
         <p:style>
@@ -6289,8 +6319,8 @@
             <a:solidFill>
               <a:srgbClr val="0070C0"/>
             </a:solidFill>
-            <a:headEnd type="oval"/>
-            <a:tailEnd type="oval"/>
+            <a:headEnd type="oval" w="lg" len="lg"/>
+            <a:tailEnd type="oval" w="lg" len="lg"/>
           </a:ln>
         </p:spPr>
         <p:style>
@@ -6366,8 +6396,8 @@
                 <a:lumMod val="75000"/>
               </a:schemeClr>
             </a:solidFill>
-            <a:headEnd type="oval"/>
-            <a:tailEnd type="oval"/>
+            <a:headEnd type="oval" w="lg" len="lg"/>
+            <a:tailEnd type="oval" w="lg" len="lg"/>
           </a:ln>
         </p:spPr>
         <p:style>
@@ -6413,8 +6443,8 @@
                 <a:lumMod val="75000"/>
               </a:schemeClr>
             </a:solidFill>
-            <a:headEnd type="oval"/>
-            <a:tailEnd type="oval"/>
+            <a:headEnd type="oval" w="lg" len="lg"/>
+            <a:tailEnd type="oval" w="lg" len="lg"/>
           </a:ln>
         </p:spPr>
         <p:style>
@@ -6460,8 +6490,8 @@
                 <a:lumMod val="75000"/>
               </a:schemeClr>
             </a:solidFill>
-            <a:headEnd type="oval"/>
-            <a:tailEnd type="oval"/>
+            <a:headEnd type="oval" w="lg" len="lg"/>
+            <a:tailEnd type="oval" w="lg" len="lg"/>
           </a:ln>
         </p:spPr>
         <p:style>
@@ -6507,8 +6537,8 @@
                 <a:lumMod val="75000"/>
               </a:schemeClr>
             </a:solidFill>
-            <a:headEnd type="oval"/>
-            <a:tailEnd type="oval"/>
+            <a:headEnd type="oval" w="lg" len="lg"/>
+            <a:tailEnd type="oval" w="lg" len="lg"/>
           </a:ln>
         </p:spPr>
         <p:style>
@@ -6554,8 +6584,8 @@
                 <a:lumMod val="75000"/>
               </a:schemeClr>
             </a:solidFill>
-            <a:headEnd type="oval"/>
-            <a:tailEnd type="oval"/>
+            <a:headEnd type="oval" w="lg" len="lg"/>
+            <a:tailEnd type="oval" w="lg" len="lg"/>
           </a:ln>
         </p:spPr>
         <p:style>
@@ -6601,8 +6631,8 @@
                 <a:lumMod val="75000"/>
               </a:schemeClr>
             </a:solidFill>
-            <a:headEnd type="oval"/>
-            <a:tailEnd type="oval"/>
+            <a:headEnd type="oval" w="lg" len="lg"/>
+            <a:tailEnd type="oval" w="lg" len="lg"/>
           </a:ln>
         </p:spPr>
         <p:style>
@@ -6648,8 +6678,8 @@
                 <a:lumMod val="75000"/>
               </a:schemeClr>
             </a:solidFill>
-            <a:headEnd type="oval"/>
-            <a:tailEnd type="oval"/>
+            <a:headEnd type="oval" w="lg" len="lg"/>
+            <a:tailEnd type="oval" w="lg" len="lg"/>
           </a:ln>
         </p:spPr>
         <p:style>
@@ -6695,8 +6725,8 @@
                 <a:lumMod val="75000"/>
               </a:schemeClr>
             </a:solidFill>
-            <a:headEnd type="oval"/>
-            <a:tailEnd type="oval"/>
+            <a:headEnd type="oval" w="lg" len="lg"/>
+            <a:tailEnd type="oval" w="lg" len="lg"/>
           </a:ln>
         </p:spPr>
         <p:style>
@@ -6740,8 +6770,8 @@
             <a:solidFill>
               <a:srgbClr val="C00000"/>
             </a:solidFill>
-            <a:headEnd type="oval"/>
-            <a:tailEnd type="oval"/>
+            <a:headEnd type="oval" w="lg" len="lg"/>
+            <a:tailEnd type="oval" w="lg" len="lg"/>
           </a:ln>
         </p:spPr>
         <p:style>
@@ -6776,7 +6806,7 @@
         <p:spPr>
           <a:xfrm>
             <a:off x="3869310" y="3932046"/>
-            <a:ext cx="0" cy="33851"/>
+            <a:ext cx="1" cy="0"/>
           </a:xfrm>
           <a:prstGeom prst="line">
             <a:avLst/>
@@ -6785,8 +6815,8 @@
             <a:solidFill>
               <a:srgbClr val="C00000"/>
             </a:solidFill>
-            <a:headEnd type="oval"/>
-            <a:tailEnd type="oval"/>
+            <a:headEnd type="oval" w="lg" len="lg"/>
+            <a:tailEnd type="oval" w="lg" len="lg"/>
           </a:ln>
         </p:spPr>
         <p:style>
@@ -6821,7 +6851,7 @@
             <p:spPr>
               <a:xfrm>
                 <a:off x="2775390" y="1546464"/>
-                <a:ext cx="416396" cy="430887"/>
+                <a:ext cx="396711" cy="430887"/>
               </a:xfrm>
               <a:prstGeom prst="rect">
                 <a:avLst/>
@@ -6837,6 +6867,7 @@
               </a:bodyPr>
               <a:lstStyle/>
               <a:p>
+                <a:pPr/>
                 <a14:m>
                   <m:oMathPara xmlns:m="http://schemas.openxmlformats.org/officeDocument/2006/math">
                     <m:oMathParaPr>
@@ -6844,10 +6875,10 @@
                     </m:oMathParaPr>
                     <m:oMath xmlns:m="http://schemas.openxmlformats.org/officeDocument/2006/math">
                       <m:r>
-                        <a:rPr lang="fr-FR" sz="2800" i="1">
+                        <a:rPr lang="fr-FR" sz="2800" b="0" i="1" smtClean="0">
                           <a:latin typeface="Cambria Math" panose="02040503050406030204" pitchFamily="18" charset="0"/>
                         </a:rPr>
-                        <m:t>𝒜</m:t>
+                        <m:t>𝑀</m:t>
                       </m:r>
                     </m:oMath>
                   </m:oMathPara>
@@ -6875,7 +6906,7 @@
             <p:spPr>
               <a:xfrm>
                 <a:off x="2775390" y="1546464"/>
-                <a:ext cx="416396" cy="430887"/>
+                <a:ext cx="396711" cy="430887"/>
               </a:xfrm>
               <a:prstGeom prst="rect">
                 <a:avLst/>
@@ -7027,8 +7058,8 @@
             <a:solidFill>
               <a:srgbClr val="0070C0"/>
             </a:solidFill>
-            <a:headEnd type="oval"/>
-            <a:tailEnd type="oval"/>
+            <a:headEnd type="oval" w="lg" len="lg"/>
+            <a:tailEnd type="oval" w="lg" len="lg"/>
           </a:ln>
         </p:spPr>
         <p:style>
@@ -9306,8 +9337,8 @@
             <a:solidFill>
               <a:schemeClr val="tx1"/>
             </a:solidFill>
-            <a:headEnd type="oval"/>
-            <a:tailEnd type="oval"/>
+            <a:headEnd type="oval" w="lg" len="lg"/>
+            <a:tailEnd type="oval" w="lg" len="lg"/>
           </a:ln>
         </p:spPr>
         <p:style>
@@ -9351,8 +9382,8 @@
             <a:solidFill>
               <a:schemeClr val="tx1"/>
             </a:solidFill>
-            <a:headEnd type="oval"/>
-            <a:tailEnd type="oval"/>
+            <a:headEnd type="oval" w="lg" len="lg"/>
+            <a:tailEnd type="oval" w="lg" len="lg"/>
           </a:ln>
         </p:spPr>
         <p:style>
@@ -9396,8 +9427,8 @@
             <a:solidFill>
               <a:schemeClr val="tx1"/>
             </a:solidFill>
-            <a:headEnd type="oval"/>
-            <a:tailEnd type="oval"/>
+            <a:headEnd type="oval" w="lg" len="lg"/>
+            <a:tailEnd type="oval" w="lg" len="lg"/>
           </a:ln>
         </p:spPr>
         <p:style>
@@ -9441,8 +9472,8 @@
             <a:solidFill>
               <a:schemeClr val="tx1"/>
             </a:solidFill>
-            <a:headEnd type="oval"/>
-            <a:tailEnd type="oval"/>
+            <a:headEnd type="oval" w="lg" len="lg"/>
+            <a:tailEnd type="oval" w="lg" len="lg"/>
           </a:ln>
         </p:spPr>
         <p:style>
@@ -9486,8 +9517,8 @@
             <a:solidFill>
               <a:schemeClr val="tx1"/>
             </a:solidFill>
-            <a:headEnd type="oval"/>
-            <a:tailEnd type="oval"/>
+            <a:headEnd type="oval" w="lg" len="lg"/>
+            <a:tailEnd type="oval" w="lg" len="lg"/>
           </a:ln>
         </p:spPr>
         <p:style>
@@ -9531,8 +9562,8 @@
             <a:solidFill>
               <a:schemeClr val="tx1"/>
             </a:solidFill>
-            <a:headEnd type="oval"/>
-            <a:tailEnd type="oval"/>
+            <a:headEnd type="oval" w="lg" len="lg"/>
+            <a:tailEnd type="oval" w="lg" len="lg"/>
           </a:ln>
         </p:spPr>
         <p:style>
@@ -9576,8 +9607,8 @@
             <a:solidFill>
               <a:schemeClr val="tx1"/>
             </a:solidFill>
-            <a:headEnd type="oval"/>
-            <a:tailEnd type="oval"/>
+            <a:headEnd type="oval" w="lg" len="lg"/>
+            <a:tailEnd type="oval" w="lg" len="lg"/>
           </a:ln>
         </p:spPr>
         <p:style>
@@ -9621,8 +9652,8 @@
             <a:solidFill>
               <a:schemeClr val="tx1"/>
             </a:solidFill>
-            <a:headEnd type="oval"/>
-            <a:tailEnd type="oval"/>
+            <a:headEnd type="oval" w="lg" len="lg"/>
+            <a:tailEnd type="oval" w="lg" len="lg"/>
           </a:ln>
         </p:spPr>
         <p:style>
@@ -9666,8 +9697,8 @@
             <a:solidFill>
               <a:srgbClr val="C00000"/>
             </a:solidFill>
-            <a:headEnd type="oval"/>
-            <a:tailEnd type="oval"/>
+            <a:headEnd type="oval" w="lg" len="lg"/>
+            <a:tailEnd type="oval" w="lg" len="lg"/>
           </a:ln>
         </p:spPr>
         <p:style>
@@ -9711,8 +9742,8 @@
             <a:solidFill>
               <a:srgbClr val="C00000"/>
             </a:solidFill>
-            <a:headEnd type="oval"/>
-            <a:tailEnd type="oval"/>
+            <a:headEnd type="oval" w="lg" len="lg"/>
+            <a:tailEnd type="oval" w="lg" len="lg"/>
           </a:ln>
         </p:spPr>
         <p:style>
@@ -9730,8 +9761,8 @@
           </a:fontRef>
         </p:style>
       </p:cxnSp>
-      <mc:AlternateContent xmlns:mc="http://schemas.openxmlformats.org/markup-compatibility/2006">
-        <mc:Choice xmlns:a14="http://schemas.microsoft.com/office/drawing/2010/main" Requires="a14">
+      <mc:AlternateContent xmlns:mc="http://schemas.openxmlformats.org/markup-compatibility/2006" xmlns:a14="http://schemas.microsoft.com/office/drawing/2010/main">
+        <mc:Choice Requires="a14">
           <p:sp>
             <p:nvSpPr>
               <p:cNvPr id="46" name="ZoneTexte 45">
@@ -9763,6 +9794,7 @@
               </a:bodyPr>
               <a:lstStyle/>
               <a:p>
+                <a:pPr/>
                 <a14:m>
                   <m:oMathPara xmlns:m="http://schemas.openxmlformats.org/officeDocument/2006/math">
                     <m:oMathParaPr>
@@ -9790,7 +9822,7 @@
             </p:txBody>
           </p:sp>
         </mc:Choice>
-        <mc:Fallback>
+        <mc:Fallback xmlns="">
           <p:sp>
             <p:nvSpPr>
               <p:cNvPr id="46" name="ZoneTexte 45">
@@ -9864,8 +9896,8 @@
             <a:solidFill>
               <a:srgbClr val="0070C0"/>
             </a:solidFill>
-            <a:headEnd type="oval"/>
-            <a:tailEnd type="oval"/>
+            <a:headEnd type="oval" w="lg" len="lg"/>
+            <a:tailEnd type="oval" w="lg" len="lg"/>
           </a:ln>
         </p:spPr>
         <p:style>
@@ -9945,7 +9977,7 @@
             <p:spPr>
               <a:xfrm>
                 <a:off x="2803252" y="1461285"/>
-                <a:ext cx="413510" cy="430887"/>
+                <a:ext cx="435119" cy="444417"/>
               </a:xfrm>
               <a:prstGeom prst="rect">
                 <a:avLst/>
@@ -9961,6 +9993,7 @@
               </a:bodyPr>
               <a:lstStyle/>
               <a:p>
+                <a:pPr/>
                 <a14:m>
                   <m:oMathPara xmlns:m="http://schemas.openxmlformats.org/officeDocument/2006/math">
                     <m:oMathParaPr>
@@ -9976,13 +10009,24 @@
                           </m:ctrlPr>
                         </m:sSubPr>
                         <m:e>
-                          <m:r>
-                            <a:rPr lang="fr-FR" sz="2800" i="1">
-                              <a:latin typeface="Cambria Math" panose="02040503050406030204" pitchFamily="18" charset="0"/>
-                              <a:ea typeface="Cambria Math" panose="02040503050406030204" pitchFamily="18" charset="0"/>
-                            </a:rPr>
-                            <m:t>ℐ</m:t>
-                          </m:r>
+                          <m:acc>
+                            <m:accPr>
+                              <m:chr m:val="̇"/>
+                              <m:ctrlPr>
+                                <a:rPr lang="fr-FR" sz="2800" i="1">
+                                  <a:latin typeface="Cambria Math" panose="02040503050406030204" pitchFamily="18" charset="0"/>
+                                </a:rPr>
+                              </m:ctrlPr>
+                            </m:accPr>
+                            <m:e>
+                              <m:r>
+                                <a:rPr lang="fr-FR" sz="2800" i="1">
+                                  <a:latin typeface="Cambria Math" panose="02040503050406030204" pitchFamily="18" charset="0"/>
+                                </a:rPr>
+                                <m:t>𝑇</m:t>
+                              </m:r>
+                            </m:e>
+                          </m:acc>
                         </m:e>
                         <m:sub>
                           <m:r>
@@ -10019,7 +10063,7 @@
             <p:spPr>
               <a:xfrm>
                 <a:off x="2803252" y="1461285"/>
-                <a:ext cx="413510" cy="430887"/>
+                <a:ext cx="435119" cy="444417"/>
               </a:xfrm>
               <a:prstGeom prst="rect">
                 <a:avLst/>
@@ -10066,7 +10110,7 @@
             <p:spPr>
               <a:xfrm>
                 <a:off x="1973320" y="3005620"/>
-                <a:ext cx="518283" cy="430887"/>
+                <a:ext cx="519886" cy="430887"/>
               </a:xfrm>
               <a:prstGeom prst="rect">
                 <a:avLst/>
@@ -10082,6 +10126,7 @@
               </a:bodyPr>
               <a:lstStyle/>
               <a:p>
+                <a:pPr/>
                 <a14:m>
                   <m:oMathPara xmlns:m="http://schemas.openxmlformats.org/officeDocument/2006/math">
                     <m:oMathParaPr>
@@ -10091,20 +10136,30 @@
                       <m:sSubSup>
                         <m:sSubSupPr>
                           <m:ctrlPr>
-                            <a:rPr lang="fr-FR" sz="2800" i="1">
+                            <a:rPr lang="fr-FR" sz="2800" b="0" i="0" smtClean="0">
                               <a:latin typeface="Cambria Math" panose="02040503050406030204" pitchFamily="18" charset="0"/>
-                              <a:ea typeface="Cambria Math" panose="02040503050406030204" pitchFamily="18" charset="0"/>
                             </a:rPr>
                           </m:ctrlPr>
                         </m:sSubSupPr>
                         <m:e>
-                          <m:r>
-                            <a:rPr lang="fr-FR" sz="2800" i="1">
-                              <a:latin typeface="Cambria Math" panose="02040503050406030204" pitchFamily="18" charset="0"/>
-                              <a:ea typeface="Cambria Math" panose="02040503050406030204" pitchFamily="18" charset="0"/>
-                            </a:rPr>
-                            <m:t>ℒ</m:t>
-                          </m:r>
+                          <m:acc>
+                            <m:accPr>
+                              <m:chr m:val="̅"/>
+                              <m:ctrlPr>
+                                <a:rPr lang="fr-FR" sz="2800" i="1">
+                                  <a:latin typeface="Cambria Math" panose="02040503050406030204" pitchFamily="18" charset="0"/>
+                                </a:rPr>
+                              </m:ctrlPr>
+                            </m:accPr>
+                            <m:e>
+                              <m:r>
+                                <a:rPr lang="fr-FR" sz="2800" i="1">
+                                  <a:latin typeface="Cambria Math" panose="02040503050406030204" pitchFamily="18" charset="0"/>
+                                </a:rPr>
+                                <m:t>𝑇</m:t>
+                              </m:r>
+                            </m:e>
+                          </m:acc>
                         </m:e>
                         <m:sub>
                           <m:r>
@@ -10116,9 +10171,8 @@
                         </m:sub>
                         <m:sup>
                           <m:r>
-                            <a:rPr lang="fr-FR" sz="2800" i="1">
+                            <a:rPr lang="fr-FR" sz="2800" b="0" i="0" smtClean="0">
                               <a:latin typeface="Cambria Math" panose="02040503050406030204" pitchFamily="18" charset="0"/>
-                              <a:ea typeface="Cambria Math" panose="02040503050406030204" pitchFamily="18" charset="0"/>
                             </a:rPr>
                             <m:t>−</m:t>
                           </m:r>
@@ -10150,7 +10204,7 @@
             <p:spPr>
               <a:xfrm>
                 <a:off x="1973320" y="3005620"/>
-                <a:ext cx="518283" cy="430887"/>
+                <a:ext cx="519886" cy="430887"/>
               </a:xfrm>
               <a:prstGeom prst="rect">
                 <a:avLst/>

--- a/img/trees.pptx
+++ b/img/trees.pptx
@@ -3982,11 +3982,14 @@
           <a:solidFill>
             <a:schemeClr val="bg1">
               <a:lumMod val="95000"/>
+              <a:alpha val="60000"/>
             </a:schemeClr>
           </a:solidFill>
           <a:ln>
             <a:solidFill>
-              <a:schemeClr val="tx1"/>
+              <a:schemeClr val="tx1">
+                <a:alpha val="60000"/>
+              </a:schemeClr>
             </a:solidFill>
           </a:ln>
         </p:spPr>
@@ -4446,11 +4449,14 @@
           <a:solidFill>
             <a:schemeClr val="bg1">
               <a:lumMod val="95000"/>
+              <a:alpha val="60000"/>
             </a:schemeClr>
           </a:solidFill>
           <a:ln>
             <a:solidFill>
-              <a:schemeClr val="tx1"/>
+              <a:schemeClr val="tx1">
+                <a:alpha val="60000"/>
+              </a:schemeClr>
             </a:solidFill>
           </a:ln>
         </p:spPr>
@@ -4934,8 +4940,8 @@
           </a:fontRef>
         </p:style>
       </p:cxnSp>
-      <mc:AlternateContent xmlns:mc="http://schemas.openxmlformats.org/markup-compatibility/2006">
-        <mc:Choice xmlns:a14="http://schemas.microsoft.com/office/drawing/2010/main" Requires="a14">
+      <mc:AlternateContent xmlns:mc="http://schemas.openxmlformats.org/markup-compatibility/2006" xmlns:a14="http://schemas.microsoft.com/office/drawing/2010/main">
+        <mc:Choice Requires="a14">
           <p:sp>
             <p:nvSpPr>
               <p:cNvPr id="41" name="ZoneTexte 40">
@@ -5019,7 +5025,7 @@
             </p:txBody>
           </p:sp>
         </mc:Choice>
-        <mc:Fallback>
+        <mc:Fallback xmlns="">
           <p:sp>
             <p:nvSpPr>
               <p:cNvPr id="41" name="ZoneTexte 40">
@@ -5067,8 +5073,8 @@
           </p:sp>
         </mc:Fallback>
       </mc:AlternateContent>
-      <mc:AlternateContent xmlns:mc="http://schemas.openxmlformats.org/markup-compatibility/2006">
-        <mc:Choice xmlns:a14="http://schemas.microsoft.com/office/drawing/2010/main" Requires="a14">
+      <mc:AlternateContent xmlns:mc="http://schemas.openxmlformats.org/markup-compatibility/2006" xmlns:a14="http://schemas.microsoft.com/office/drawing/2010/main">
+        <mc:Choice Requires="a14">
           <p:sp>
             <p:nvSpPr>
               <p:cNvPr id="42" name="ZoneTexte 41">
@@ -5152,7 +5158,7 @@
             </p:txBody>
           </p:sp>
         </mc:Choice>
-        <mc:Fallback>
+        <mc:Fallback xmlns="">
           <p:sp>
             <p:nvSpPr>
               <p:cNvPr id="42" name="ZoneTexte 41">
@@ -6146,8 +6152,8 @@
           </a:fontRef>
         </p:style>
       </p:cxnSp>
-      <mc:AlternateContent xmlns:mc="http://schemas.openxmlformats.org/markup-compatibility/2006">
-        <mc:Choice xmlns:a14="http://schemas.microsoft.com/office/drawing/2010/main" Requires="a14">
+      <mc:AlternateContent xmlns:mc="http://schemas.openxmlformats.org/markup-compatibility/2006" xmlns:a14="http://schemas.microsoft.com/office/drawing/2010/main">
+        <mc:Choice Requires="a14">
           <p:sp>
             <p:nvSpPr>
               <p:cNvPr id="36" name="ZoneTexte 35">
@@ -6200,7 +6206,7 @@
             </p:txBody>
           </p:sp>
         </mc:Choice>
-        <mc:Fallback>
+        <mc:Fallback xmlns="">
           <p:sp>
             <p:nvSpPr>
               <p:cNvPr id="36" name="ZoneTexte 35">
@@ -6834,8 +6840,8 @@
           </a:fontRef>
         </p:style>
       </p:cxnSp>
-      <mc:AlternateContent xmlns:mc="http://schemas.openxmlformats.org/markup-compatibility/2006">
-        <mc:Choice xmlns:a14="http://schemas.microsoft.com/office/drawing/2010/main" Requires="a14">
+      <mc:AlternateContent xmlns:mc="http://schemas.openxmlformats.org/markup-compatibility/2006" xmlns:a14="http://schemas.microsoft.com/office/drawing/2010/main">
+        <mc:Choice Requires="a14">
           <p:sp>
             <p:nvSpPr>
               <p:cNvPr id="46" name="ZoneTexte 45">
@@ -6888,7 +6894,7 @@
             </p:txBody>
           </p:sp>
         </mc:Choice>
-        <mc:Fallback>
+        <mc:Fallback xmlns="">
           <p:sp>
             <p:nvSpPr>
               <p:cNvPr id="46" name="ZoneTexte 45">
@@ -8813,7 +8819,9 @@
           </a:solidFill>
           <a:ln>
             <a:solidFill>
-              <a:schemeClr val="tx1"/>
+              <a:schemeClr val="tx1">
+                <a:alpha val="60000"/>
+              </a:schemeClr>
             </a:solidFill>
           </a:ln>
         </p:spPr>
@@ -9277,7 +9285,9 @@
           </a:solidFill>
           <a:ln>
             <a:solidFill>
-              <a:schemeClr val="tx1"/>
+              <a:schemeClr val="tx1">
+                <a:alpha val="60000"/>
+              </a:schemeClr>
             </a:solidFill>
           </a:ln>
         </p:spPr>
@@ -9960,8 +9970,8 @@
           </a:fontRef>
         </p:style>
       </p:cxnSp>
-      <mc:AlternateContent xmlns:mc="http://schemas.openxmlformats.org/markup-compatibility/2006">
-        <mc:Choice xmlns:a14="http://schemas.microsoft.com/office/drawing/2010/main" Requires="a14">
+      <mc:AlternateContent xmlns:mc="http://schemas.openxmlformats.org/markup-compatibility/2006" xmlns:a14="http://schemas.microsoft.com/office/drawing/2010/main">
+        <mc:Choice Requires="a14">
           <p:sp>
             <p:nvSpPr>
               <p:cNvPr id="18" name="ZoneTexte 17">
@@ -10045,7 +10055,7 @@
             </p:txBody>
           </p:sp>
         </mc:Choice>
-        <mc:Fallback>
+        <mc:Fallback xmlns="">
           <p:sp>
             <p:nvSpPr>
               <p:cNvPr id="18" name="ZoneTexte 17">
@@ -10109,7 +10119,7 @@
             </p:nvSpPr>
             <p:spPr>
               <a:xfrm>
-                <a:off x="1973320" y="3005620"/>
+                <a:off x="1846685" y="2928006"/>
                 <a:ext cx="519886" cy="430887"/>
               </a:xfrm>
               <a:prstGeom prst="rect">
@@ -10136,7 +10146,7 @@
                       <m:sSubSup>
                         <m:sSubSupPr>
                           <m:ctrlPr>
-                            <a:rPr lang="fr-FR" sz="2800" b="0" i="0" smtClean="0">
+                            <a:rPr lang="fr-FR" sz="2800" b="0" i="1" smtClean="0">
                               <a:latin typeface="Cambria Math" panose="02040503050406030204" pitchFamily="18" charset="0"/>
                             </a:rPr>
                           </m:ctrlPr>
@@ -10203,7 +10213,7 @@
             </p:nvSpPr>
             <p:spPr>
               <a:xfrm>
-                <a:off x="1973320" y="3005620"/>
+                <a:off x="1846685" y="2928006"/>
                 <a:ext cx="519886" cy="430887"/>
               </a:xfrm>
               <a:prstGeom prst="rect">

--- a/img/trees.pptx
+++ b/img/trees.pptx
@@ -200,7 +200,7 @@
           <a:p>
             <a:fld id="{7032D634-87B9-4515-9E90-7412EACBC911}" type="datetimeFigureOut">
               <a:rPr lang="fr-FR" smtClean="0"/>
-              <a:t>19/03/2020</a:t>
+              <a:t>23/03/2020</a:t>
             </a:fld>
             <a:endParaRPr lang="fr-FR"/>
           </a:p>
@@ -598,7 +598,7 @@
           <a:p>
             <a:fld id="{CC506755-3F84-4679-BA59-3527CD676A9A}" type="datetimeFigureOut">
               <a:rPr lang="fr-FR" smtClean="0"/>
-              <a:t>19/03/2020</a:t>
+              <a:t>23/03/2020</a:t>
             </a:fld>
             <a:endParaRPr lang="fr-FR"/>
           </a:p>
@@ -768,7 +768,7 @@
           <a:p>
             <a:fld id="{CC506755-3F84-4679-BA59-3527CD676A9A}" type="datetimeFigureOut">
               <a:rPr lang="fr-FR" smtClean="0"/>
-              <a:t>19/03/2020</a:t>
+              <a:t>23/03/2020</a:t>
             </a:fld>
             <a:endParaRPr lang="fr-FR"/>
           </a:p>
@@ -948,7 +948,7 @@
           <a:p>
             <a:fld id="{CC506755-3F84-4679-BA59-3527CD676A9A}" type="datetimeFigureOut">
               <a:rPr lang="fr-FR" smtClean="0"/>
-              <a:t>19/03/2020</a:t>
+              <a:t>23/03/2020</a:t>
             </a:fld>
             <a:endParaRPr lang="fr-FR"/>
           </a:p>
@@ -1118,7 +1118,7 @@
           <a:p>
             <a:fld id="{CC506755-3F84-4679-BA59-3527CD676A9A}" type="datetimeFigureOut">
               <a:rPr lang="fr-FR" smtClean="0"/>
-              <a:t>19/03/2020</a:t>
+              <a:t>23/03/2020</a:t>
             </a:fld>
             <a:endParaRPr lang="fr-FR"/>
           </a:p>
@@ -1362,7 +1362,7 @@
           <a:p>
             <a:fld id="{CC506755-3F84-4679-BA59-3527CD676A9A}" type="datetimeFigureOut">
               <a:rPr lang="fr-FR" smtClean="0"/>
-              <a:t>19/03/2020</a:t>
+              <a:t>23/03/2020</a:t>
             </a:fld>
             <a:endParaRPr lang="fr-FR"/>
           </a:p>
@@ -1594,7 +1594,7 @@
           <a:p>
             <a:fld id="{CC506755-3F84-4679-BA59-3527CD676A9A}" type="datetimeFigureOut">
               <a:rPr lang="fr-FR" smtClean="0"/>
-              <a:t>19/03/2020</a:t>
+              <a:t>23/03/2020</a:t>
             </a:fld>
             <a:endParaRPr lang="fr-FR"/>
           </a:p>
@@ -1961,7 +1961,7 @@
           <a:p>
             <a:fld id="{CC506755-3F84-4679-BA59-3527CD676A9A}" type="datetimeFigureOut">
               <a:rPr lang="fr-FR" smtClean="0"/>
-              <a:t>19/03/2020</a:t>
+              <a:t>23/03/2020</a:t>
             </a:fld>
             <a:endParaRPr lang="fr-FR"/>
           </a:p>
@@ -2079,7 +2079,7 @@
           <a:p>
             <a:fld id="{CC506755-3F84-4679-BA59-3527CD676A9A}" type="datetimeFigureOut">
               <a:rPr lang="fr-FR" smtClean="0"/>
-              <a:t>19/03/2020</a:t>
+              <a:t>23/03/2020</a:t>
             </a:fld>
             <a:endParaRPr lang="fr-FR"/>
           </a:p>
@@ -2174,7 +2174,7 @@
           <a:p>
             <a:fld id="{CC506755-3F84-4679-BA59-3527CD676A9A}" type="datetimeFigureOut">
               <a:rPr lang="fr-FR" smtClean="0"/>
-              <a:t>19/03/2020</a:t>
+              <a:t>23/03/2020</a:t>
             </a:fld>
             <a:endParaRPr lang="fr-FR"/>
           </a:p>
@@ -2451,7 +2451,7 @@
           <a:p>
             <a:fld id="{CC506755-3F84-4679-BA59-3527CD676A9A}" type="datetimeFigureOut">
               <a:rPr lang="fr-FR" smtClean="0"/>
-              <a:t>19/03/2020</a:t>
+              <a:t>23/03/2020</a:t>
             </a:fld>
             <a:endParaRPr lang="fr-FR"/>
           </a:p>
@@ -2708,7 +2708,7 @@
           <a:p>
             <a:fld id="{CC506755-3F84-4679-BA59-3527CD676A9A}" type="datetimeFigureOut">
               <a:rPr lang="fr-FR" smtClean="0"/>
-              <a:t>19/03/2020</a:t>
+              <a:t>23/03/2020</a:t>
             </a:fld>
             <a:endParaRPr lang="fr-FR"/>
           </a:p>
@@ -2921,7 +2921,7 @@
           <a:p>
             <a:fld id="{CC506755-3F84-4679-BA59-3527CD676A9A}" type="datetimeFigureOut">
               <a:rPr lang="fr-FR" smtClean="0"/>
-              <a:t>19/03/2020</a:t>
+              <a:t>23/03/2020</a:t>
             </a:fld>
             <a:endParaRPr lang="fr-FR"/>
           </a:p>
@@ -5073,8 +5073,8 @@
           </p:sp>
         </mc:Fallback>
       </mc:AlternateContent>
-      <mc:AlternateContent xmlns:mc="http://schemas.openxmlformats.org/markup-compatibility/2006" xmlns:a14="http://schemas.microsoft.com/office/drawing/2010/main">
-        <mc:Choice Requires="a14">
+      <mc:AlternateContent xmlns:mc="http://schemas.openxmlformats.org/markup-compatibility/2006">
+        <mc:Choice xmlns:a14="http://schemas.microsoft.com/office/drawing/2010/main" Requires="a14">
           <p:sp>
             <p:nvSpPr>
               <p:cNvPr id="42" name="ZoneTexte 41">
@@ -5089,8 +5089,8 @@
             </p:nvSpPr>
             <p:spPr>
               <a:xfrm>
-                <a:off x="1927728" y="2941478"/>
-                <a:ext cx="435119" cy="430887"/>
+                <a:off x="1786354" y="2982811"/>
+                <a:ext cx="644600" cy="430887"/>
               </a:xfrm>
               <a:prstGeom prst="rect">
                 <a:avLst/>
@@ -5113,6 +5113,12 @@
                       <m:jc m:val="centerGroup"/>
                     </m:oMathParaPr>
                     <m:oMath xmlns:m="http://schemas.openxmlformats.org/officeDocument/2006/math">
+                      <m:r>
+                        <a:rPr lang="fr-FR" sz="2800" b="0" i="1" smtClean="0">
+                          <a:latin typeface="Cambria Math" panose="02040503050406030204" pitchFamily="18" charset="0"/>
+                        </a:rPr>
+                        <m:t>𝜕</m:t>
+                      </m:r>
                       <m:sSub>
                         <m:sSubPr>
                           <m:ctrlPr>
@@ -5122,24 +5128,12 @@
                           </m:ctrlPr>
                         </m:sSubPr>
                         <m:e>
-                          <m:acc>
-                            <m:accPr>
-                              <m:chr m:val="̅"/>
-                              <m:ctrlPr>
-                                <a:rPr lang="fr-FR" sz="2800" i="1" smtClean="0">
-                                  <a:latin typeface="Cambria Math" panose="02040503050406030204" pitchFamily="18" charset="0"/>
-                                </a:rPr>
-                              </m:ctrlPr>
-                            </m:accPr>
-                            <m:e>
-                              <m:r>
-                                <a:rPr lang="fr-FR" sz="2800" b="0" i="1" smtClean="0">
-                                  <a:latin typeface="Cambria Math" panose="02040503050406030204" pitchFamily="18" charset="0"/>
-                                </a:rPr>
-                                <m:t>𝑇</m:t>
-                              </m:r>
-                            </m:e>
-                          </m:acc>
+                          <m:r>
+                            <a:rPr lang="fr-FR" sz="2800" b="0" i="1" smtClean="0">
+                              <a:latin typeface="Cambria Math" panose="02040503050406030204" pitchFamily="18" charset="0"/>
+                            </a:rPr>
+                            <m:t>𝑇</m:t>
+                          </m:r>
                         </m:e>
                         <m:sub>
                           <m:r>
@@ -5158,7 +5152,7 @@
             </p:txBody>
           </p:sp>
         </mc:Choice>
-        <mc:Fallback xmlns="">
+        <mc:Fallback>
           <p:sp>
             <p:nvSpPr>
               <p:cNvPr id="42" name="ZoneTexte 41">
@@ -5175,8 +5169,8 @@
             </p:nvSpPr>
             <p:spPr>
               <a:xfrm>
-                <a:off x="1927728" y="2941478"/>
-                <a:ext cx="435119" cy="430887"/>
+                <a:off x="1786354" y="2982811"/>
+                <a:ext cx="644600" cy="430887"/>
               </a:xfrm>
               <a:prstGeom prst="rect">
                 <a:avLst/>
@@ -6152,8 +6146,8 @@
           </a:fontRef>
         </p:style>
       </p:cxnSp>
-      <mc:AlternateContent xmlns:mc="http://schemas.openxmlformats.org/markup-compatibility/2006" xmlns:a14="http://schemas.microsoft.com/office/drawing/2010/main">
-        <mc:Choice Requires="a14">
+      <mc:AlternateContent xmlns:mc="http://schemas.openxmlformats.org/markup-compatibility/2006">
+        <mc:Choice xmlns:a14="http://schemas.microsoft.com/office/drawing/2010/main" Requires="a14">
           <p:sp>
             <p:nvSpPr>
               <p:cNvPr id="36" name="ZoneTexte 35">
@@ -6169,7 +6163,7 @@
             <p:spPr>
               <a:xfrm>
                 <a:off x="2744226" y="1626460"/>
-                <a:ext cx="336310" cy="430887"/>
+                <a:ext cx="475130" cy="430887"/>
               </a:xfrm>
               <a:prstGeom prst="rect">
                 <a:avLst/>
@@ -6192,12 +6186,31 @@
                       <m:jc m:val="centerGroup"/>
                     </m:oMathParaPr>
                     <m:oMath xmlns:m="http://schemas.openxmlformats.org/officeDocument/2006/math">
-                      <m:r>
-                        <a:rPr lang="fr-FR" sz="2800" b="0" i="1" smtClean="0">
-                          <a:latin typeface="Cambria Math" panose="02040503050406030204" pitchFamily="18" charset="0"/>
-                        </a:rPr>
-                        <m:t>𝐵</m:t>
-                      </m:r>
+                      <m:sSub>
+                        <m:sSubPr>
+                          <m:ctrlPr>
+                            <a:rPr lang="fr-FR" sz="2800" b="0" i="1" smtClean="0">
+                              <a:latin typeface="Cambria Math" panose="02040503050406030204" pitchFamily="18" charset="0"/>
+                            </a:rPr>
+                          </m:ctrlPr>
+                        </m:sSubPr>
+                        <m:e>
+                          <m:r>
+                            <a:rPr lang="fr-FR" sz="2800" b="0" i="1" smtClean="0">
+                              <a:latin typeface="Cambria Math" panose="02040503050406030204" pitchFamily="18" charset="0"/>
+                            </a:rPr>
+                            <m:t>𝐵</m:t>
+                          </m:r>
+                        </m:e>
+                        <m:sub>
+                          <m:r>
+                            <a:rPr lang="fr-FR" sz="2800" b="0" i="1" smtClean="0">
+                              <a:latin typeface="Cambria Math" panose="02040503050406030204" pitchFamily="18" charset="0"/>
+                            </a:rPr>
+                            <m:t>𝑛</m:t>
+                          </m:r>
+                        </m:sub>
+                      </m:sSub>
                     </m:oMath>
                   </m:oMathPara>
                 </a14:m>
@@ -6206,7 +6219,7 @@
             </p:txBody>
           </p:sp>
         </mc:Choice>
-        <mc:Fallback xmlns="">
+        <mc:Fallback>
           <p:sp>
             <p:nvSpPr>
               <p:cNvPr id="36" name="ZoneTexte 35">
@@ -6224,7 +6237,7 @@
             <p:spPr>
               <a:xfrm>
                 <a:off x="2744226" y="1626460"/>
-                <a:ext cx="336310" cy="430887"/>
+                <a:ext cx="475130" cy="430887"/>
               </a:xfrm>
               <a:prstGeom prst="rect">
                 <a:avLst/>
@@ -6840,8 +6853,8 @@
           </a:fontRef>
         </p:style>
       </p:cxnSp>
-      <mc:AlternateContent xmlns:mc="http://schemas.openxmlformats.org/markup-compatibility/2006" xmlns:a14="http://schemas.microsoft.com/office/drawing/2010/main">
-        <mc:Choice Requires="a14">
+      <mc:AlternateContent xmlns:mc="http://schemas.openxmlformats.org/markup-compatibility/2006">
+        <mc:Choice xmlns:a14="http://schemas.microsoft.com/office/drawing/2010/main" Requires="a14">
           <p:sp>
             <p:nvSpPr>
               <p:cNvPr id="46" name="ZoneTexte 45">
@@ -6857,7 +6870,7 @@
             <p:spPr>
               <a:xfrm>
                 <a:off x="2775390" y="1546464"/>
-                <a:ext cx="396711" cy="430887"/>
+                <a:ext cx="556178" cy="430887"/>
               </a:xfrm>
               <a:prstGeom prst="rect">
                 <a:avLst/>
@@ -6880,12 +6893,31 @@
                       <m:jc m:val="centerGroup"/>
                     </m:oMathParaPr>
                     <m:oMath xmlns:m="http://schemas.openxmlformats.org/officeDocument/2006/math">
-                      <m:r>
-                        <a:rPr lang="fr-FR" sz="2800" b="0" i="1" smtClean="0">
-                          <a:latin typeface="Cambria Math" panose="02040503050406030204" pitchFamily="18" charset="0"/>
-                        </a:rPr>
-                        <m:t>𝑀</m:t>
-                      </m:r>
+                      <m:sSub>
+                        <m:sSubPr>
+                          <m:ctrlPr>
+                            <a:rPr lang="fr-FR" sz="2800" b="0" i="1" smtClean="0">
+                              <a:latin typeface="Cambria Math" panose="02040503050406030204" pitchFamily="18" charset="0"/>
+                            </a:rPr>
+                          </m:ctrlPr>
+                        </m:sSubPr>
+                        <m:e>
+                          <m:r>
+                            <a:rPr lang="fr-FR" sz="2800" b="0" i="1" smtClean="0">
+                              <a:latin typeface="Cambria Math" panose="02040503050406030204" pitchFamily="18" charset="0"/>
+                            </a:rPr>
+                            <m:t>𝑀</m:t>
+                          </m:r>
+                        </m:e>
+                        <m:sub>
+                          <m:r>
+                            <a:rPr lang="fr-FR" sz="2800" b="0" i="1" smtClean="0">
+                              <a:latin typeface="Cambria Math" panose="02040503050406030204" pitchFamily="18" charset="0"/>
+                            </a:rPr>
+                            <m:t>𝑛</m:t>
+                          </m:r>
+                        </m:sub>
+                      </m:sSub>
                     </m:oMath>
                   </m:oMathPara>
                 </a14:m>
@@ -6894,7 +6926,7 @@
             </p:txBody>
           </p:sp>
         </mc:Choice>
-        <mc:Fallback xmlns="">
+        <mc:Fallback>
           <p:sp>
             <p:nvSpPr>
               <p:cNvPr id="46" name="ZoneTexte 45">
@@ -6912,7 +6944,7 @@
             <p:spPr>
               <a:xfrm>
                 <a:off x="2775390" y="1546464"/>
-                <a:ext cx="396711" cy="430887"/>
+                <a:ext cx="556178" cy="430887"/>
               </a:xfrm>
               <a:prstGeom prst="rect">
                 <a:avLst/>
@@ -7109,8 +7141,8 @@
             <a:solidFill>
               <a:srgbClr val="0070C0"/>
             </a:solidFill>
-            <a:headEnd type="oval"/>
-            <a:tailEnd type="oval"/>
+            <a:headEnd type="oval" w="lg" len="lg"/>
+            <a:tailEnd type="oval" w="lg" len="lg"/>
           </a:ln>
         </p:spPr>
         <p:style>
@@ -9771,8 +9803,8 @@
           </a:fontRef>
         </p:style>
       </p:cxnSp>
-      <mc:AlternateContent xmlns:mc="http://schemas.openxmlformats.org/markup-compatibility/2006" xmlns:a14="http://schemas.microsoft.com/office/drawing/2010/main">
-        <mc:Choice Requires="a14">
+      <mc:AlternateContent xmlns:mc="http://schemas.openxmlformats.org/markup-compatibility/2006">
+        <mc:Choice xmlns:a14="http://schemas.microsoft.com/office/drawing/2010/main" Requires="a14">
           <p:sp>
             <p:nvSpPr>
               <p:cNvPr id="46" name="ZoneTexte 45">
@@ -9788,7 +9820,7 @@
             <p:spPr>
               <a:xfrm>
                 <a:off x="4709999" y="1676728"/>
-                <a:ext cx="354456" cy="430887"/>
+                <a:ext cx="313355" cy="430887"/>
               </a:xfrm>
               <a:prstGeom prst="rect">
                 <a:avLst/>
@@ -9812,13 +9844,13 @@
                     </m:oMathParaPr>
                     <m:oMath xmlns:m="http://schemas.openxmlformats.org/officeDocument/2006/math">
                       <m:r>
-                        <a:rPr lang="fr-FR" sz="2800" i="1" smtClean="0">
+                        <a:rPr lang="fr-FR" sz="2800" b="0" i="1" smtClean="0">
                           <a:solidFill>
                             <a:schemeClr val="tx1"/>
                           </a:solidFill>
                           <a:latin typeface="Cambria Math" panose="02040503050406030204" pitchFamily="18" charset="0"/>
                         </a:rPr>
-                        <m:t>𝒫</m:t>
+                        <m:t>𝑃</m:t>
                       </m:r>
                     </m:oMath>
                   </m:oMathPara>
@@ -9832,7 +9864,7 @@
             </p:txBody>
           </p:sp>
         </mc:Choice>
-        <mc:Fallback xmlns="">
+        <mc:Fallback>
           <p:sp>
             <p:nvSpPr>
               <p:cNvPr id="46" name="ZoneTexte 45">
@@ -9850,7 +9882,7 @@
             <p:spPr>
               <a:xfrm>
                 <a:off x="4709999" y="1676728"/>
-                <a:ext cx="354456" cy="430887"/>
+                <a:ext cx="313355" cy="430887"/>
               </a:xfrm>
               <a:prstGeom prst="rect">
                 <a:avLst/>
@@ -9951,7 +9983,7 @@
             <a:solidFill>
               <a:srgbClr val="0070C0"/>
             </a:solidFill>
-            <a:headEnd type="oval"/>
+            <a:headEnd type="oval" w="lg" len="lg"/>
             <a:tailEnd type="oval"/>
           </a:ln>
         </p:spPr>
@@ -10107,10 +10139,10 @@
         <mc:Choice xmlns:a14="http://schemas.microsoft.com/office/drawing/2010/main" Requires="a14">
           <p:sp>
             <p:nvSpPr>
-              <p:cNvPr id="19" name="ZoneTexte 18">
+              <p:cNvPr id="22" name="ZoneTexte 21">
                 <a:extLst>
                   <a:ext uri="{FF2B5EF4-FFF2-40B4-BE49-F238E27FC236}">
-                    <a16:creationId xmlns:a16="http://schemas.microsoft.com/office/drawing/2014/main" id="{90B58EBD-DD5C-43AF-B482-26C90344DA63}"/>
+                    <a16:creationId xmlns:a16="http://schemas.microsoft.com/office/drawing/2014/main" id="{C9DAD919-B4A9-4316-85D2-1372814504B6}"/>
                   </a:ext>
                 </a:extLst>
               </p:cNvPr>
@@ -10119,8 +10151,8 @@
             </p:nvSpPr>
             <p:spPr>
               <a:xfrm>
-                <a:off x="1846685" y="2928006"/>
-                <a:ext cx="519886" cy="430887"/>
+                <a:off x="1617539" y="2855154"/>
+                <a:ext cx="729366" cy="430887"/>
               </a:xfrm>
               <a:prstGeom prst="rect">
                 <a:avLst/>
@@ -10143,6 +10175,12 @@
                       <m:jc m:val="centerGroup"/>
                     </m:oMathParaPr>
                     <m:oMath xmlns:m="http://schemas.openxmlformats.org/officeDocument/2006/math">
+                      <m:r>
+                        <a:rPr lang="fr-FR" sz="2800" b="0" i="1" smtClean="0">
+                          <a:latin typeface="Cambria Math" panose="02040503050406030204" pitchFamily="18" charset="0"/>
+                        </a:rPr>
+                        <m:t>𝜕</m:t>
+                      </m:r>
                       <m:sSubSup>
                         <m:sSubSupPr>
                           <m:ctrlPr>
@@ -10152,28 +10190,16 @@
                           </m:ctrlPr>
                         </m:sSubSupPr>
                         <m:e>
-                          <m:acc>
-                            <m:accPr>
-                              <m:chr m:val="̅"/>
-                              <m:ctrlPr>
-                                <a:rPr lang="fr-FR" sz="2800" i="1">
-                                  <a:latin typeface="Cambria Math" panose="02040503050406030204" pitchFamily="18" charset="0"/>
-                                </a:rPr>
-                              </m:ctrlPr>
-                            </m:accPr>
-                            <m:e>
-                              <m:r>
-                                <a:rPr lang="fr-FR" sz="2800" i="1">
-                                  <a:latin typeface="Cambria Math" panose="02040503050406030204" pitchFamily="18" charset="0"/>
-                                </a:rPr>
-                                <m:t>𝑇</m:t>
-                              </m:r>
-                            </m:e>
-                          </m:acc>
+                          <m:r>
+                            <a:rPr lang="fr-FR" sz="2800" b="0" i="1" smtClean="0">
+                              <a:latin typeface="Cambria Math" panose="02040503050406030204" pitchFamily="18" charset="0"/>
+                            </a:rPr>
+                            <m:t>𝑇</m:t>
+                          </m:r>
                         </m:e>
                         <m:sub>
                           <m:r>
-                            <a:rPr lang="fr-FR" sz="2800" i="1">
+                            <a:rPr lang="fr-FR" sz="2800" b="0" i="1" smtClean="0">
                               <a:latin typeface="Cambria Math" panose="02040503050406030204" pitchFamily="18" charset="0"/>
                             </a:rPr>
                             <m:t>𝑛</m:t>
@@ -10181,7 +10207,7 @@
                         </m:sub>
                         <m:sup>
                           <m:r>
-                            <a:rPr lang="fr-FR" sz="2800" b="0" i="0" smtClean="0">
+                            <a:rPr lang="fr-FR" sz="2800" b="0" i="1" smtClean="0">
                               <a:latin typeface="Cambria Math" panose="02040503050406030204" pitchFamily="18" charset="0"/>
                             </a:rPr>
                             <m:t>−</m:t>
@@ -10199,10 +10225,10 @@
         <mc:Fallback>
           <p:sp>
             <p:nvSpPr>
-              <p:cNvPr id="19" name="ZoneTexte 18">
+              <p:cNvPr id="22" name="ZoneTexte 21">
                 <a:extLst>
                   <a:ext uri="{FF2B5EF4-FFF2-40B4-BE49-F238E27FC236}">
-                    <a16:creationId xmlns:a16="http://schemas.microsoft.com/office/drawing/2014/main" id="{90B58EBD-DD5C-43AF-B482-26C90344DA63}"/>
+                    <a16:creationId xmlns:a16="http://schemas.microsoft.com/office/drawing/2014/main" id="{C9DAD919-B4A9-4316-85D2-1372814504B6}"/>
                   </a:ext>
                 </a:extLst>
               </p:cNvPr>
@@ -10213,8 +10239,8 @@
             </p:nvSpPr>
             <p:spPr>
               <a:xfrm>
-                <a:off x="1846685" y="2928006"/>
-                <a:ext cx="519886" cy="430887"/>
+                <a:off x="1617539" y="2855154"/>
+                <a:ext cx="729366" cy="430887"/>
               </a:xfrm>
               <a:prstGeom prst="rect">
                 <a:avLst/>
@@ -10244,96 +10270,159 @@
           </p:sp>
         </mc:Fallback>
       </mc:AlternateContent>
-      <p:cxnSp>
-        <p:nvCxnSpPr>
-          <p:cNvPr id="4" name="Connecteur droit 3">
-            <a:extLst>
-              <a:ext uri="{FF2B5EF4-FFF2-40B4-BE49-F238E27FC236}">
-                <a16:creationId xmlns:a16="http://schemas.microsoft.com/office/drawing/2014/main" id="{B99E611C-3FF6-49A5-8F0E-95D7A11B46CA}"/>
-              </a:ext>
-            </a:extLst>
-          </p:cNvPr>
-          <p:cNvCxnSpPr>
-            <a:cxnSpLocks/>
-          </p:cNvCxnSpPr>
-          <p:nvPr/>
-        </p:nvCxnSpPr>
-        <p:spPr>
-          <a:xfrm>
-            <a:off x="4597293" y="2309606"/>
-            <a:ext cx="371892" cy="308413"/>
-          </a:xfrm>
-          <a:prstGeom prst="line">
-            <a:avLst/>
-          </a:prstGeom>
-          <a:ln w="47625" cap="rnd">
-            <a:solidFill>
-              <a:srgbClr val="0070C0">
-                <a:alpha val="60000"/>
-              </a:srgbClr>
-            </a:solidFill>
-          </a:ln>
-        </p:spPr>
-        <p:style>
-          <a:lnRef idx="1">
-            <a:schemeClr val="accent1"/>
-          </a:lnRef>
-          <a:fillRef idx="0">
-            <a:schemeClr val="accent1"/>
-          </a:fillRef>
-          <a:effectRef idx="0">
-            <a:schemeClr val="accent1"/>
-          </a:effectRef>
-          <a:fontRef idx="minor">
-            <a:schemeClr val="tx1"/>
-          </a:fontRef>
-        </p:style>
-      </p:cxnSp>
-      <p:cxnSp>
-        <p:nvCxnSpPr>
-          <p:cNvPr id="24" name="Connecteur droit 23">
-            <a:extLst>
-              <a:ext uri="{FF2B5EF4-FFF2-40B4-BE49-F238E27FC236}">
-                <a16:creationId xmlns:a16="http://schemas.microsoft.com/office/drawing/2014/main" id="{E6DF486A-2F94-4DAD-A3FC-0FD45DAB3426}"/>
-              </a:ext>
-            </a:extLst>
-          </p:cNvPr>
-          <p:cNvCxnSpPr>
-            <a:cxnSpLocks/>
-          </p:cNvCxnSpPr>
-          <p:nvPr/>
-        </p:nvCxnSpPr>
-        <p:spPr>
-          <a:xfrm flipH="1">
-            <a:off x="4591894" y="2309605"/>
-            <a:ext cx="371892" cy="308413"/>
-          </a:xfrm>
-          <a:prstGeom prst="line">
-            <a:avLst/>
-          </a:prstGeom>
-          <a:ln w="47625" cap="rnd">
-            <a:solidFill>
-              <a:srgbClr val="0070C0">
-                <a:alpha val="60000"/>
-              </a:srgbClr>
-            </a:solidFill>
-          </a:ln>
-        </p:spPr>
-        <p:style>
-          <a:lnRef idx="1">
-            <a:schemeClr val="accent1"/>
-          </a:lnRef>
-          <a:fillRef idx="0">
-            <a:schemeClr val="accent1"/>
-          </a:fillRef>
-          <a:effectRef idx="0">
-            <a:schemeClr val="accent1"/>
-          </a:effectRef>
-          <a:fontRef idx="minor">
-            <a:schemeClr val="tx1"/>
-          </a:fontRef>
-        </p:style>
-      </p:cxnSp>
+      <mc:AlternateContent xmlns:mc="http://schemas.openxmlformats.org/markup-compatibility/2006">
+        <mc:Choice xmlns:a14="http://schemas.microsoft.com/office/drawing/2010/main" Requires="a14">
+          <p:sp>
+            <p:nvSpPr>
+              <p:cNvPr id="25" name="ZoneTexte 24">
+                <a:extLst>
+                  <a:ext uri="{FF2B5EF4-FFF2-40B4-BE49-F238E27FC236}">
+                    <a16:creationId xmlns:a16="http://schemas.microsoft.com/office/drawing/2014/main" id="{95AFB021-F4AC-4BA6-9C9C-D757CD46512A}"/>
+                  </a:ext>
+                </a:extLst>
+              </p:cNvPr>
+              <p:cNvSpPr txBox="1"/>
+              <p:nvPr/>
+            </p:nvSpPr>
+            <p:spPr>
+              <a:xfrm>
+                <a:off x="4783238" y="2978433"/>
+                <a:ext cx="644600" cy="430887"/>
+              </a:xfrm>
+              <a:prstGeom prst="rect">
+                <a:avLst/>
+              </a:prstGeom>
+              <a:noFill/>
+              <a:ln>
+                <a:noFill/>
+              </a:ln>
+            </p:spPr>
+            <p:txBody>
+              <a:bodyPr wrap="none" lIns="0" tIns="0" rIns="0" bIns="0" rtlCol="0">
+                <a:spAutoFit/>
+              </a:bodyPr>
+              <a:lstStyle/>
+              <a:p>
+                <a:pPr/>
+                <a14:m>
+                  <m:oMathPara xmlns:m="http://schemas.openxmlformats.org/officeDocument/2006/math">
+                    <m:oMathParaPr>
+                      <m:jc m:val="centerGroup"/>
+                    </m:oMathParaPr>
+                    <m:oMath xmlns:m="http://schemas.openxmlformats.org/officeDocument/2006/math">
+                      <m:r>
+                        <a:rPr lang="fr-FR" sz="2800" b="0" i="1" smtClean="0">
+                          <a:solidFill>
+                            <a:schemeClr val="bg2">
+                              <a:lumMod val="75000"/>
+                            </a:schemeClr>
+                          </a:solidFill>
+                          <a:latin typeface="Cambria Math" panose="02040503050406030204" pitchFamily="18" charset="0"/>
+                        </a:rPr>
+                        <m:t>𝜕</m:t>
+                      </m:r>
+                      <m:sSub>
+                        <m:sSubPr>
+                          <m:ctrlPr>
+                            <a:rPr lang="fr-FR" sz="2800" b="0" i="1" smtClean="0">
+                              <a:solidFill>
+                                <a:schemeClr val="bg2">
+                                  <a:lumMod val="75000"/>
+                                </a:schemeClr>
+                              </a:solidFill>
+                              <a:latin typeface="Cambria Math" panose="02040503050406030204" pitchFamily="18" charset="0"/>
+                            </a:rPr>
+                          </m:ctrlPr>
+                        </m:sSubPr>
+                        <m:e>
+                          <m:r>
+                            <a:rPr lang="fr-FR" sz="2800" b="0" i="1" smtClean="0">
+                              <a:solidFill>
+                                <a:schemeClr val="bg2">
+                                  <a:lumMod val="75000"/>
+                                </a:schemeClr>
+                              </a:solidFill>
+                              <a:latin typeface="Cambria Math" panose="02040503050406030204" pitchFamily="18" charset="0"/>
+                            </a:rPr>
+                            <m:t>𝑇</m:t>
+                          </m:r>
+                        </m:e>
+                        <m:sub>
+                          <m:r>
+                            <a:rPr lang="fr-FR" sz="2800" b="0" i="1" smtClean="0">
+                              <a:solidFill>
+                                <a:schemeClr val="bg2">
+                                  <a:lumMod val="75000"/>
+                                </a:schemeClr>
+                              </a:solidFill>
+                              <a:latin typeface="Cambria Math" panose="02040503050406030204" pitchFamily="18" charset="0"/>
+                            </a:rPr>
+                            <m:t>𝑛</m:t>
+                          </m:r>
+                        </m:sub>
+                      </m:sSub>
+                    </m:oMath>
+                  </m:oMathPara>
+                </a14:m>
+                <a:endParaRPr lang="fr-FR" sz="2800" dirty="0">
+                  <a:solidFill>
+                    <a:schemeClr val="bg2">
+                      <a:lumMod val="75000"/>
+                    </a:schemeClr>
+                  </a:solidFill>
+                </a:endParaRPr>
+              </a:p>
+            </p:txBody>
+          </p:sp>
+        </mc:Choice>
+        <mc:Fallback>
+          <p:sp>
+            <p:nvSpPr>
+              <p:cNvPr id="25" name="ZoneTexte 24">
+                <a:extLst>
+                  <a:ext uri="{FF2B5EF4-FFF2-40B4-BE49-F238E27FC236}">
+                    <a16:creationId xmlns:a16="http://schemas.microsoft.com/office/drawing/2014/main" id="{95AFB021-F4AC-4BA6-9C9C-D757CD46512A}"/>
+                  </a:ext>
+                </a:extLst>
+              </p:cNvPr>
+              <p:cNvSpPr txBox="1">
+                <a:spLocks noRot="1" noChangeAspect="1" noMove="1" noResize="1" noEditPoints="1" noAdjustHandles="1" noChangeArrowheads="1" noChangeShapeType="1" noTextEdit="1"/>
+              </p:cNvSpPr>
+              <p:nvPr/>
+            </p:nvSpPr>
+            <p:spPr>
+              <a:xfrm>
+                <a:off x="4783238" y="2978433"/>
+                <a:ext cx="644600" cy="430887"/>
+              </a:xfrm>
+              <a:prstGeom prst="rect">
+                <a:avLst/>
+              </a:prstGeom>
+              <a:blipFill>
+                <a:blip r:embed="rId5"/>
+                <a:stretch>
+                  <a:fillRect/>
+                </a:stretch>
+              </a:blipFill>
+              <a:ln>
+                <a:noFill/>
+              </a:ln>
+            </p:spPr>
+            <p:txBody>
+              <a:bodyPr/>
+              <a:lstStyle/>
+              <a:p>
+                <a:r>
+                  <a:rPr lang="fr-FR">
+                    <a:noFill/>
+                  </a:rPr>
+                  <a:t> </a:t>
+                </a:r>
+              </a:p>
+            </p:txBody>
+          </p:sp>
+        </mc:Fallback>
+      </mc:AlternateContent>
     </p:spTree>
     <p:extLst>
       <p:ext uri="{BB962C8B-B14F-4D97-AF65-F5344CB8AC3E}">

--- a/img/trees.pptx
+++ b/img/trees.pptx
@@ -5,13 +5,14 @@
     <p:sldMasterId id="2147483684" r:id="rId1"/>
   </p:sldMasterIdLst>
   <p:notesMasterIdLst>
-    <p:notesMasterId r:id="rId6"/>
+    <p:notesMasterId r:id="rId7"/>
   </p:notesMasterIdLst>
   <p:sldIdLst>
     <p:sldId id="256" r:id="rId2"/>
     <p:sldId id="257" r:id="rId3"/>
     <p:sldId id="258" r:id="rId4"/>
     <p:sldId id="259" r:id="rId5"/>
+    <p:sldId id="261" r:id="rId6"/>
   </p:sldIdLst>
   <p:sldSz cx="5759450" cy="4679950"/>
   <p:notesSz cx="6858000" cy="9144000"/>
@@ -200,7 +201,7 @@
           <a:p>
             <a:fld id="{7032D634-87B9-4515-9E90-7412EACBC911}" type="datetimeFigureOut">
               <a:rPr lang="fr-FR" smtClean="0"/>
-              <a:t>23/03/2020</a:t>
+              <a:t>30/03/2020</a:t>
             </a:fld>
             <a:endParaRPr lang="fr-FR"/>
           </a:p>
@@ -598,7 +599,7 @@
           <a:p>
             <a:fld id="{CC506755-3F84-4679-BA59-3527CD676A9A}" type="datetimeFigureOut">
               <a:rPr lang="fr-FR" smtClean="0"/>
-              <a:t>23/03/2020</a:t>
+              <a:t>30/03/2020</a:t>
             </a:fld>
             <a:endParaRPr lang="fr-FR"/>
           </a:p>
@@ -768,7 +769,7 @@
           <a:p>
             <a:fld id="{CC506755-3F84-4679-BA59-3527CD676A9A}" type="datetimeFigureOut">
               <a:rPr lang="fr-FR" smtClean="0"/>
-              <a:t>23/03/2020</a:t>
+              <a:t>30/03/2020</a:t>
             </a:fld>
             <a:endParaRPr lang="fr-FR"/>
           </a:p>
@@ -948,7 +949,7 @@
           <a:p>
             <a:fld id="{CC506755-3F84-4679-BA59-3527CD676A9A}" type="datetimeFigureOut">
               <a:rPr lang="fr-FR" smtClean="0"/>
-              <a:t>23/03/2020</a:t>
+              <a:t>30/03/2020</a:t>
             </a:fld>
             <a:endParaRPr lang="fr-FR"/>
           </a:p>
@@ -1118,7 +1119,7 @@
           <a:p>
             <a:fld id="{CC506755-3F84-4679-BA59-3527CD676A9A}" type="datetimeFigureOut">
               <a:rPr lang="fr-FR" smtClean="0"/>
-              <a:t>23/03/2020</a:t>
+              <a:t>30/03/2020</a:t>
             </a:fld>
             <a:endParaRPr lang="fr-FR"/>
           </a:p>
@@ -1362,7 +1363,7 @@
           <a:p>
             <a:fld id="{CC506755-3F84-4679-BA59-3527CD676A9A}" type="datetimeFigureOut">
               <a:rPr lang="fr-FR" smtClean="0"/>
-              <a:t>23/03/2020</a:t>
+              <a:t>30/03/2020</a:t>
             </a:fld>
             <a:endParaRPr lang="fr-FR"/>
           </a:p>
@@ -1594,7 +1595,7 @@
           <a:p>
             <a:fld id="{CC506755-3F84-4679-BA59-3527CD676A9A}" type="datetimeFigureOut">
               <a:rPr lang="fr-FR" smtClean="0"/>
-              <a:t>23/03/2020</a:t>
+              <a:t>30/03/2020</a:t>
             </a:fld>
             <a:endParaRPr lang="fr-FR"/>
           </a:p>
@@ -1961,7 +1962,7 @@
           <a:p>
             <a:fld id="{CC506755-3F84-4679-BA59-3527CD676A9A}" type="datetimeFigureOut">
               <a:rPr lang="fr-FR" smtClean="0"/>
-              <a:t>23/03/2020</a:t>
+              <a:t>30/03/2020</a:t>
             </a:fld>
             <a:endParaRPr lang="fr-FR"/>
           </a:p>
@@ -2079,7 +2080,7 @@
           <a:p>
             <a:fld id="{CC506755-3F84-4679-BA59-3527CD676A9A}" type="datetimeFigureOut">
               <a:rPr lang="fr-FR" smtClean="0"/>
-              <a:t>23/03/2020</a:t>
+              <a:t>30/03/2020</a:t>
             </a:fld>
             <a:endParaRPr lang="fr-FR"/>
           </a:p>
@@ -2174,7 +2175,7 @@
           <a:p>
             <a:fld id="{CC506755-3F84-4679-BA59-3527CD676A9A}" type="datetimeFigureOut">
               <a:rPr lang="fr-FR" smtClean="0"/>
-              <a:t>23/03/2020</a:t>
+              <a:t>30/03/2020</a:t>
             </a:fld>
             <a:endParaRPr lang="fr-FR"/>
           </a:p>
@@ -2451,7 +2452,7 @@
           <a:p>
             <a:fld id="{CC506755-3F84-4679-BA59-3527CD676A9A}" type="datetimeFigureOut">
               <a:rPr lang="fr-FR" smtClean="0"/>
-              <a:t>23/03/2020</a:t>
+              <a:t>30/03/2020</a:t>
             </a:fld>
             <a:endParaRPr lang="fr-FR"/>
           </a:p>
@@ -2708,7 +2709,7 @@
           <a:p>
             <a:fld id="{CC506755-3F84-4679-BA59-3527CD676A9A}" type="datetimeFigureOut">
               <a:rPr lang="fr-FR" smtClean="0"/>
-              <a:t>23/03/2020</a:t>
+              <a:t>30/03/2020</a:t>
             </a:fld>
             <a:endParaRPr lang="fr-FR"/>
           </a:p>
@@ -2921,7 +2922,7 @@
           <a:p>
             <a:fld id="{CC506755-3F84-4679-BA59-3527CD676A9A}" type="datetimeFigureOut">
               <a:rPr lang="fr-FR" smtClean="0"/>
-              <a:t>23/03/2020</a:t>
+              <a:t>30/03/2020</a:t>
             </a:fld>
             <a:endParaRPr lang="fr-FR"/>
           </a:p>
@@ -5073,8 +5074,8 @@
           </p:sp>
         </mc:Fallback>
       </mc:AlternateContent>
-      <mc:AlternateContent xmlns:mc="http://schemas.openxmlformats.org/markup-compatibility/2006">
-        <mc:Choice xmlns:a14="http://schemas.microsoft.com/office/drawing/2010/main" Requires="a14">
+      <mc:AlternateContent xmlns:mc="http://schemas.openxmlformats.org/markup-compatibility/2006" xmlns:a14="http://schemas.microsoft.com/office/drawing/2010/main">
+        <mc:Choice Requires="a14">
           <p:sp>
             <p:nvSpPr>
               <p:cNvPr id="42" name="ZoneTexte 41">
@@ -5152,7 +5153,7 @@
             </p:txBody>
           </p:sp>
         </mc:Choice>
-        <mc:Fallback>
+        <mc:Fallback xmlns="">
           <p:sp>
             <p:nvSpPr>
               <p:cNvPr id="42" name="ZoneTexte 41">
@@ -6146,8 +6147,8 @@
           </a:fontRef>
         </p:style>
       </p:cxnSp>
-      <mc:AlternateContent xmlns:mc="http://schemas.openxmlformats.org/markup-compatibility/2006">
-        <mc:Choice xmlns:a14="http://schemas.microsoft.com/office/drawing/2010/main" Requires="a14">
+      <mc:AlternateContent xmlns:mc="http://schemas.openxmlformats.org/markup-compatibility/2006" xmlns:a14="http://schemas.microsoft.com/office/drawing/2010/main">
+        <mc:Choice Requires="a14">
           <p:sp>
             <p:nvSpPr>
               <p:cNvPr id="36" name="ZoneTexte 35">
@@ -6219,7 +6220,7 @@
             </p:txBody>
           </p:sp>
         </mc:Choice>
-        <mc:Fallback>
+        <mc:Fallback xmlns="">
           <p:sp>
             <p:nvSpPr>
               <p:cNvPr id="36" name="ZoneTexte 35">
@@ -6853,8 +6854,8 @@
           </a:fontRef>
         </p:style>
       </p:cxnSp>
-      <mc:AlternateContent xmlns:mc="http://schemas.openxmlformats.org/markup-compatibility/2006">
-        <mc:Choice xmlns:a14="http://schemas.microsoft.com/office/drawing/2010/main" Requires="a14">
+      <mc:AlternateContent xmlns:mc="http://schemas.openxmlformats.org/markup-compatibility/2006" xmlns:a14="http://schemas.microsoft.com/office/drawing/2010/main">
+        <mc:Choice Requires="a14">
           <p:sp>
             <p:nvSpPr>
               <p:cNvPr id="46" name="ZoneTexte 45">
@@ -6926,7 +6927,7 @@
             </p:txBody>
           </p:sp>
         </mc:Choice>
-        <mc:Fallback>
+        <mc:Fallback xmlns="">
           <p:sp>
             <p:nvSpPr>
               <p:cNvPr id="46" name="ZoneTexte 45">
@@ -9803,8 +9804,8 @@
           </a:fontRef>
         </p:style>
       </p:cxnSp>
-      <mc:AlternateContent xmlns:mc="http://schemas.openxmlformats.org/markup-compatibility/2006">
-        <mc:Choice xmlns:a14="http://schemas.microsoft.com/office/drawing/2010/main" Requires="a14">
+      <mc:AlternateContent xmlns:mc="http://schemas.openxmlformats.org/markup-compatibility/2006" xmlns:a14="http://schemas.microsoft.com/office/drawing/2010/main">
+        <mc:Choice Requires="a14">
           <p:sp>
             <p:nvSpPr>
               <p:cNvPr id="46" name="ZoneTexte 45">
@@ -9864,7 +9865,7 @@
             </p:txBody>
           </p:sp>
         </mc:Choice>
-        <mc:Fallback>
+        <mc:Fallback xmlns="">
           <p:sp>
             <p:nvSpPr>
               <p:cNvPr id="46" name="ZoneTexte 45">
@@ -10135,8 +10136,8 @@
           </p:sp>
         </mc:Fallback>
       </mc:AlternateContent>
-      <mc:AlternateContent xmlns:mc="http://schemas.openxmlformats.org/markup-compatibility/2006">
-        <mc:Choice xmlns:a14="http://schemas.microsoft.com/office/drawing/2010/main" Requires="a14">
+      <mc:AlternateContent xmlns:mc="http://schemas.openxmlformats.org/markup-compatibility/2006" xmlns:a14="http://schemas.microsoft.com/office/drawing/2010/main">
+        <mc:Choice Requires="a14">
           <p:sp>
             <p:nvSpPr>
               <p:cNvPr id="22" name="ZoneTexte 21">
@@ -10222,7 +10223,7 @@
             </p:txBody>
           </p:sp>
         </mc:Choice>
-        <mc:Fallback>
+        <mc:Fallback xmlns="">
           <p:sp>
             <p:nvSpPr>
               <p:cNvPr id="22" name="ZoneTexte 21">
@@ -10270,8 +10271,8 @@
           </p:sp>
         </mc:Fallback>
       </mc:AlternateContent>
-      <mc:AlternateContent xmlns:mc="http://schemas.openxmlformats.org/markup-compatibility/2006">
-        <mc:Choice xmlns:a14="http://schemas.microsoft.com/office/drawing/2010/main" Requires="a14">
+      <mc:AlternateContent xmlns:mc="http://schemas.openxmlformats.org/markup-compatibility/2006" xmlns:a14="http://schemas.microsoft.com/office/drawing/2010/main">
+        <mc:Choice Requires="a14">
           <p:sp>
             <p:nvSpPr>
               <p:cNvPr id="25" name="ZoneTexte 24">
@@ -10375,7 +10376,7 @@
             </p:txBody>
           </p:sp>
         </mc:Choice>
-        <mc:Fallback>
+        <mc:Fallback xmlns="">
           <p:sp>
             <p:nvSpPr>
               <p:cNvPr id="25" name="ZoneTexte 24">
@@ -10427,6 +10428,895 @@
     <p:extLst>
       <p:ext uri="{BB962C8B-B14F-4D97-AF65-F5344CB8AC3E}">
         <p14:creationId xmlns:p14="http://schemas.microsoft.com/office/powerpoint/2010/main" val="1167236216"/>
+      </p:ext>
+    </p:extLst>
+  </p:cSld>
+  <p:clrMapOvr>
+    <a:masterClrMapping/>
+  </p:clrMapOvr>
+</p:sld>
+</file>
+
+<file path=ppt/slides/slide5.xml><?xml version="1.0" encoding="utf-8"?>
+<p:sld xmlns:a="http://schemas.openxmlformats.org/drawingml/2006/main" xmlns:r="http://schemas.openxmlformats.org/officeDocument/2006/relationships" xmlns:p="http://schemas.openxmlformats.org/presentationml/2006/main">
+  <p:cSld>
+    <p:spTree>
+      <p:nvGrpSpPr>
+        <p:cNvPr id="1" name=""/>
+        <p:cNvGrpSpPr/>
+        <p:nvPr/>
+      </p:nvGrpSpPr>
+      <p:grpSpPr>
+        <a:xfrm>
+          <a:off x="0" y="0"/>
+          <a:ext cx="0" cy="0"/>
+          <a:chOff x="0" y="0"/>
+          <a:chExt cx="0" cy="0"/>
+        </a:xfrm>
+      </p:grpSpPr>
+      <p:cxnSp>
+        <p:nvCxnSpPr>
+          <p:cNvPr id="8" name="Connecteur droit 7">
+            <a:extLst>
+              <a:ext uri="{FF2B5EF4-FFF2-40B4-BE49-F238E27FC236}">
+                <a16:creationId xmlns:a16="http://schemas.microsoft.com/office/drawing/2014/main" id="{B590882D-75B9-4F2C-BB0A-3509DF3F5775}"/>
+              </a:ext>
+            </a:extLst>
+          </p:cNvPr>
+          <p:cNvCxnSpPr>
+            <a:cxnSpLocks/>
+          </p:cNvCxnSpPr>
+          <p:nvPr/>
+        </p:nvCxnSpPr>
+        <p:spPr>
+          <a:xfrm flipH="1" flipV="1">
+            <a:off x="2828505" y="106132"/>
+            <a:ext cx="1274618" cy="735900"/>
+          </a:xfrm>
+          <a:prstGeom prst="line">
+            <a:avLst/>
+          </a:prstGeom>
+          <a:ln>
+            <a:solidFill>
+              <a:schemeClr val="tx1"/>
+            </a:solidFill>
+            <a:headEnd type="oval" w="lg" len="lg"/>
+            <a:tailEnd type="oval" w="lg" len="lg"/>
+          </a:ln>
+        </p:spPr>
+        <p:style>
+          <a:lnRef idx="1">
+            <a:schemeClr val="accent1"/>
+          </a:lnRef>
+          <a:fillRef idx="0">
+            <a:schemeClr val="accent1"/>
+          </a:fillRef>
+          <a:effectRef idx="0">
+            <a:schemeClr val="accent1"/>
+          </a:effectRef>
+          <a:fontRef idx="minor">
+            <a:schemeClr val="tx1"/>
+          </a:fontRef>
+        </p:style>
+      </p:cxnSp>
+      <p:cxnSp>
+        <p:nvCxnSpPr>
+          <p:cNvPr id="13" name="Connecteur droit 12">
+            <a:extLst>
+              <a:ext uri="{FF2B5EF4-FFF2-40B4-BE49-F238E27FC236}">
+                <a16:creationId xmlns:a16="http://schemas.microsoft.com/office/drawing/2014/main" id="{72AD44D8-127E-4921-99FE-5D89133262C8}"/>
+              </a:ext>
+            </a:extLst>
+          </p:cNvPr>
+          <p:cNvCxnSpPr>
+            <a:cxnSpLocks/>
+          </p:cNvCxnSpPr>
+          <p:nvPr/>
+        </p:nvCxnSpPr>
+        <p:spPr>
+          <a:xfrm flipV="1">
+            <a:off x="1553887" y="106132"/>
+            <a:ext cx="1274618" cy="735900"/>
+          </a:xfrm>
+          <a:prstGeom prst="line">
+            <a:avLst/>
+          </a:prstGeom>
+          <a:ln>
+            <a:solidFill>
+              <a:schemeClr val="tx1"/>
+            </a:solidFill>
+            <a:headEnd type="oval" w="lg" len="lg"/>
+            <a:tailEnd type="oval" w="lg" len="lg"/>
+          </a:ln>
+        </p:spPr>
+        <p:style>
+          <a:lnRef idx="1">
+            <a:schemeClr val="accent1"/>
+          </a:lnRef>
+          <a:fillRef idx="0">
+            <a:schemeClr val="accent1"/>
+          </a:fillRef>
+          <a:effectRef idx="0">
+            <a:schemeClr val="accent1"/>
+          </a:effectRef>
+          <a:fontRef idx="minor">
+            <a:schemeClr val="tx1"/>
+          </a:fontRef>
+        </p:style>
+      </p:cxnSp>
+      <p:cxnSp>
+        <p:nvCxnSpPr>
+          <p:cNvPr id="17" name="Connecteur droit 16">
+            <a:extLst>
+              <a:ext uri="{FF2B5EF4-FFF2-40B4-BE49-F238E27FC236}">
+                <a16:creationId xmlns:a16="http://schemas.microsoft.com/office/drawing/2014/main" id="{49003990-6690-44A1-9960-7122938DE4E7}"/>
+              </a:ext>
+            </a:extLst>
+          </p:cNvPr>
+          <p:cNvCxnSpPr>
+            <a:cxnSpLocks/>
+          </p:cNvCxnSpPr>
+          <p:nvPr/>
+        </p:nvCxnSpPr>
+        <p:spPr>
+          <a:xfrm flipV="1">
+            <a:off x="3486673" y="842042"/>
+            <a:ext cx="617551" cy="1127461"/>
+          </a:xfrm>
+          <a:prstGeom prst="line">
+            <a:avLst/>
+          </a:prstGeom>
+          <a:ln>
+            <a:solidFill>
+              <a:schemeClr val="tx1"/>
+            </a:solidFill>
+            <a:headEnd type="oval" w="lg" len="lg"/>
+            <a:tailEnd type="oval" w="lg" len="lg"/>
+          </a:ln>
+        </p:spPr>
+        <p:style>
+          <a:lnRef idx="1">
+            <a:schemeClr val="accent1"/>
+          </a:lnRef>
+          <a:fillRef idx="0">
+            <a:schemeClr val="accent1"/>
+          </a:fillRef>
+          <a:effectRef idx="0">
+            <a:schemeClr val="accent1"/>
+          </a:effectRef>
+          <a:fontRef idx="minor">
+            <a:schemeClr val="tx1"/>
+          </a:fontRef>
+        </p:style>
+      </p:cxnSp>
+      <p:cxnSp>
+        <p:nvCxnSpPr>
+          <p:cNvPr id="20" name="Connecteur droit 19">
+            <a:extLst>
+              <a:ext uri="{FF2B5EF4-FFF2-40B4-BE49-F238E27FC236}">
+                <a16:creationId xmlns:a16="http://schemas.microsoft.com/office/drawing/2014/main" id="{6001CC11-55A5-4F99-A4E1-E81488EF21C6}"/>
+              </a:ext>
+            </a:extLst>
+          </p:cNvPr>
+          <p:cNvCxnSpPr>
+            <a:cxnSpLocks/>
+          </p:cNvCxnSpPr>
+          <p:nvPr/>
+        </p:nvCxnSpPr>
+        <p:spPr>
+          <a:xfrm flipV="1">
+            <a:off x="3140154" y="1969491"/>
+            <a:ext cx="345754" cy="1383043"/>
+          </a:xfrm>
+          <a:prstGeom prst="line">
+            <a:avLst/>
+          </a:prstGeom>
+          <a:ln>
+            <a:solidFill>
+              <a:schemeClr val="tx1"/>
+            </a:solidFill>
+            <a:headEnd type="oval" w="lg" len="lg"/>
+            <a:tailEnd type="oval" w="lg" len="lg"/>
+          </a:ln>
+        </p:spPr>
+        <p:style>
+          <a:lnRef idx="1">
+            <a:schemeClr val="accent1"/>
+          </a:lnRef>
+          <a:fillRef idx="0">
+            <a:schemeClr val="accent1"/>
+          </a:fillRef>
+          <a:effectRef idx="0">
+            <a:schemeClr val="accent1"/>
+          </a:effectRef>
+          <a:fontRef idx="minor">
+            <a:schemeClr val="tx1"/>
+          </a:fontRef>
+        </p:style>
+      </p:cxnSp>
+      <p:cxnSp>
+        <p:nvCxnSpPr>
+          <p:cNvPr id="24" name="Connecteur droit 23">
+            <a:extLst>
+              <a:ext uri="{FF2B5EF4-FFF2-40B4-BE49-F238E27FC236}">
+                <a16:creationId xmlns:a16="http://schemas.microsoft.com/office/drawing/2014/main" id="{E4EBB299-1B7E-4D35-8D3D-5C9EF35F4E4E}"/>
+              </a:ext>
+            </a:extLst>
+          </p:cNvPr>
+          <p:cNvCxnSpPr>
+            <a:cxnSpLocks/>
+          </p:cNvCxnSpPr>
+          <p:nvPr/>
+        </p:nvCxnSpPr>
+        <p:spPr>
+          <a:xfrm flipH="1" flipV="1">
+            <a:off x="4102036" y="842042"/>
+            <a:ext cx="617551" cy="1127461"/>
+          </a:xfrm>
+          <a:prstGeom prst="line">
+            <a:avLst/>
+          </a:prstGeom>
+          <a:ln>
+            <a:solidFill>
+              <a:schemeClr val="tx1"/>
+            </a:solidFill>
+            <a:headEnd type="oval"/>
+            <a:tailEnd type="oval"/>
+          </a:ln>
+        </p:spPr>
+        <p:style>
+          <a:lnRef idx="1">
+            <a:schemeClr val="accent1"/>
+          </a:lnRef>
+          <a:fillRef idx="0">
+            <a:schemeClr val="accent1"/>
+          </a:fillRef>
+          <a:effectRef idx="0">
+            <a:schemeClr val="accent1"/>
+          </a:effectRef>
+          <a:fontRef idx="minor">
+            <a:schemeClr val="tx1"/>
+          </a:fontRef>
+        </p:style>
+      </p:cxnSp>
+      <p:cxnSp>
+        <p:nvCxnSpPr>
+          <p:cNvPr id="26" name="Connecteur droit 25">
+            <a:extLst>
+              <a:ext uri="{FF2B5EF4-FFF2-40B4-BE49-F238E27FC236}">
+                <a16:creationId xmlns:a16="http://schemas.microsoft.com/office/drawing/2014/main" id="{8EAB9239-B0C5-4050-9BB9-134C03E36E9B}"/>
+              </a:ext>
+            </a:extLst>
+          </p:cNvPr>
+          <p:cNvCxnSpPr>
+            <a:cxnSpLocks/>
+          </p:cNvCxnSpPr>
+          <p:nvPr/>
+        </p:nvCxnSpPr>
+        <p:spPr>
+          <a:xfrm flipH="1" flipV="1">
+            <a:off x="3487759" y="1969491"/>
+            <a:ext cx="345754" cy="1383043"/>
+          </a:xfrm>
+          <a:prstGeom prst="line">
+            <a:avLst/>
+          </a:prstGeom>
+          <a:ln>
+            <a:solidFill>
+              <a:schemeClr val="tx1"/>
+            </a:solidFill>
+            <a:headEnd type="oval"/>
+            <a:tailEnd type="oval"/>
+          </a:ln>
+        </p:spPr>
+        <p:style>
+          <a:lnRef idx="1">
+            <a:schemeClr val="accent1"/>
+          </a:lnRef>
+          <a:fillRef idx="0">
+            <a:schemeClr val="accent1"/>
+          </a:fillRef>
+          <a:effectRef idx="0">
+            <a:schemeClr val="accent1"/>
+          </a:effectRef>
+          <a:fontRef idx="minor">
+            <a:schemeClr val="tx1"/>
+          </a:fontRef>
+        </p:style>
+      </p:cxnSp>
+      <p:cxnSp>
+        <p:nvCxnSpPr>
+          <p:cNvPr id="27" name="Connecteur droit 26">
+            <a:extLst>
+              <a:ext uri="{FF2B5EF4-FFF2-40B4-BE49-F238E27FC236}">
+                <a16:creationId xmlns:a16="http://schemas.microsoft.com/office/drawing/2014/main" id="{30507068-AC44-49BA-AFE1-077A1C0448CC}"/>
+              </a:ext>
+            </a:extLst>
+          </p:cNvPr>
+          <p:cNvCxnSpPr>
+            <a:cxnSpLocks/>
+          </p:cNvCxnSpPr>
+          <p:nvPr/>
+        </p:nvCxnSpPr>
+        <p:spPr>
+          <a:xfrm flipV="1">
+            <a:off x="940726" y="842041"/>
+            <a:ext cx="617551" cy="1127461"/>
+          </a:xfrm>
+          <a:prstGeom prst="line">
+            <a:avLst/>
+          </a:prstGeom>
+          <a:ln w="6350">
+            <a:solidFill>
+              <a:schemeClr val="tx1"/>
+            </a:solidFill>
+            <a:headEnd type="oval"/>
+            <a:tailEnd type="oval"/>
+          </a:ln>
+        </p:spPr>
+        <p:style>
+          <a:lnRef idx="1">
+            <a:schemeClr val="accent1"/>
+          </a:lnRef>
+          <a:fillRef idx="0">
+            <a:schemeClr val="accent1"/>
+          </a:fillRef>
+          <a:effectRef idx="0">
+            <a:schemeClr val="accent1"/>
+          </a:effectRef>
+          <a:fontRef idx="minor">
+            <a:schemeClr val="tx1"/>
+          </a:fontRef>
+        </p:style>
+      </p:cxnSp>
+      <p:cxnSp>
+        <p:nvCxnSpPr>
+          <p:cNvPr id="28" name="Connecteur droit 27">
+            <a:extLst>
+              <a:ext uri="{FF2B5EF4-FFF2-40B4-BE49-F238E27FC236}">
+                <a16:creationId xmlns:a16="http://schemas.microsoft.com/office/drawing/2014/main" id="{E015D396-DB2B-493E-8246-97B883EF32C7}"/>
+              </a:ext>
+            </a:extLst>
+          </p:cNvPr>
+          <p:cNvCxnSpPr>
+            <a:cxnSpLocks/>
+          </p:cNvCxnSpPr>
+          <p:nvPr/>
+        </p:nvCxnSpPr>
+        <p:spPr>
+          <a:xfrm flipH="1" flipV="1">
+            <a:off x="1555293" y="842041"/>
+            <a:ext cx="617551" cy="1127461"/>
+          </a:xfrm>
+          <a:prstGeom prst="line">
+            <a:avLst/>
+          </a:prstGeom>
+          <a:ln>
+            <a:solidFill>
+              <a:schemeClr val="tx1"/>
+            </a:solidFill>
+            <a:headEnd type="oval" w="lg" len="lg"/>
+            <a:tailEnd type="oval" w="lg" len="lg"/>
+          </a:ln>
+        </p:spPr>
+        <p:style>
+          <a:lnRef idx="1">
+            <a:schemeClr val="accent1"/>
+          </a:lnRef>
+          <a:fillRef idx="0">
+            <a:schemeClr val="accent1"/>
+          </a:fillRef>
+          <a:effectRef idx="0">
+            <a:schemeClr val="accent1"/>
+          </a:effectRef>
+          <a:fontRef idx="minor">
+            <a:schemeClr val="tx1"/>
+          </a:fontRef>
+        </p:style>
+      </p:cxnSp>
+      <p:cxnSp>
+        <p:nvCxnSpPr>
+          <p:cNvPr id="29" name="Connecteur droit 28">
+            <a:extLst>
+              <a:ext uri="{FF2B5EF4-FFF2-40B4-BE49-F238E27FC236}">
+                <a16:creationId xmlns:a16="http://schemas.microsoft.com/office/drawing/2014/main" id="{E9F5A0C4-F3EE-42CB-B8B3-0E047BA21819}"/>
+              </a:ext>
+            </a:extLst>
+          </p:cNvPr>
+          <p:cNvCxnSpPr>
+            <a:cxnSpLocks/>
+          </p:cNvCxnSpPr>
+          <p:nvPr/>
+        </p:nvCxnSpPr>
+        <p:spPr>
+          <a:xfrm>
+            <a:off x="1556416" y="842042"/>
+            <a:ext cx="0" cy="1"/>
+          </a:xfrm>
+          <a:prstGeom prst="line">
+            <a:avLst/>
+          </a:prstGeom>
+          <a:ln w="28575">
+            <a:solidFill>
+              <a:srgbClr val="C00000"/>
+            </a:solidFill>
+            <a:headEnd type="oval" w="lg" len="lg"/>
+            <a:tailEnd type="oval"/>
+          </a:ln>
+        </p:spPr>
+        <p:style>
+          <a:lnRef idx="1">
+            <a:schemeClr val="accent1"/>
+          </a:lnRef>
+          <a:fillRef idx="0">
+            <a:schemeClr val="accent1"/>
+          </a:fillRef>
+          <a:effectRef idx="0">
+            <a:schemeClr val="accent1"/>
+          </a:effectRef>
+          <a:fontRef idx="minor">
+            <a:schemeClr val="tx1"/>
+          </a:fontRef>
+        </p:style>
+      </p:cxnSp>
+      <p:cxnSp>
+        <p:nvCxnSpPr>
+          <p:cNvPr id="33" name="Connecteur droit 32">
+            <a:extLst>
+              <a:ext uri="{FF2B5EF4-FFF2-40B4-BE49-F238E27FC236}">
+                <a16:creationId xmlns:a16="http://schemas.microsoft.com/office/drawing/2014/main" id="{457305BB-E77D-458B-B82F-AE36D3855DA7}"/>
+              </a:ext>
+            </a:extLst>
+          </p:cNvPr>
+          <p:cNvCxnSpPr>
+            <a:cxnSpLocks/>
+          </p:cNvCxnSpPr>
+          <p:nvPr/>
+        </p:nvCxnSpPr>
+        <p:spPr>
+          <a:xfrm>
+            <a:off x="3833513" y="3352546"/>
+            <a:ext cx="0" cy="0"/>
+          </a:xfrm>
+          <a:prstGeom prst="line">
+            <a:avLst/>
+          </a:prstGeom>
+          <a:ln w="28575">
+            <a:solidFill>
+              <a:srgbClr val="C00000"/>
+            </a:solidFill>
+            <a:headEnd type="oval" w="lg" len="lg"/>
+            <a:tailEnd type="oval"/>
+          </a:ln>
+        </p:spPr>
+        <p:style>
+          <a:lnRef idx="1">
+            <a:schemeClr val="accent1"/>
+          </a:lnRef>
+          <a:fillRef idx="0">
+            <a:schemeClr val="accent1"/>
+          </a:fillRef>
+          <a:effectRef idx="0">
+            <a:schemeClr val="accent1"/>
+          </a:effectRef>
+          <a:fontRef idx="minor">
+            <a:schemeClr val="tx1"/>
+          </a:fontRef>
+        </p:style>
+      </p:cxnSp>
+      <mc:AlternateContent xmlns:mc="http://schemas.openxmlformats.org/markup-compatibility/2006">
+        <mc:Choice xmlns:a14="http://schemas.microsoft.com/office/drawing/2010/main" Requires="a14">
+          <p:sp>
+            <p:nvSpPr>
+              <p:cNvPr id="42" name="ZoneTexte 41">
+                <a:extLst>
+                  <a:ext uri="{FF2B5EF4-FFF2-40B4-BE49-F238E27FC236}">
+                    <a16:creationId xmlns:a16="http://schemas.microsoft.com/office/drawing/2014/main" id="{09444BD3-FF3B-4A39-8578-1A517544DF9C}"/>
+                  </a:ext>
+                </a:extLst>
+              </p:cNvPr>
+              <p:cNvSpPr txBox="1"/>
+              <p:nvPr/>
+            </p:nvSpPr>
+            <p:spPr>
+              <a:xfrm>
+                <a:off x="2384685" y="842032"/>
+                <a:ext cx="990079" cy="430887"/>
+              </a:xfrm>
+              <a:prstGeom prst="rect">
+                <a:avLst/>
+              </a:prstGeom>
+              <a:noFill/>
+              <a:ln>
+                <a:noFill/>
+              </a:ln>
+            </p:spPr>
+            <p:txBody>
+              <a:bodyPr wrap="none" lIns="0" tIns="0" rIns="0" bIns="0" rtlCol="0">
+                <a:spAutoFit/>
+              </a:bodyPr>
+              <a:lstStyle/>
+              <a:p>
+                <a:pPr/>
+                <a14:m>
+                  <m:oMathPara xmlns:m="http://schemas.openxmlformats.org/officeDocument/2006/math">
+                    <m:oMathParaPr>
+                      <m:jc m:val="centerGroup"/>
+                    </m:oMathParaPr>
+                    <m:oMath xmlns:m="http://schemas.openxmlformats.org/officeDocument/2006/math">
+                      <m:r>
+                        <a:rPr lang="fr-FR" sz="2800" b="0" i="1" smtClean="0">
+                          <a:latin typeface="Cambria Math" panose="02040503050406030204" pitchFamily="18" charset="0"/>
+                        </a:rPr>
+                        <m:t>𝑇</m:t>
+                      </m:r>
+                      <m:r>
+                        <a:rPr lang="fr-FR" sz="2800" b="0" i="1" smtClean="0">
+                          <a:latin typeface="Cambria Math" panose="02040503050406030204" pitchFamily="18" charset="0"/>
+                        </a:rPr>
+                        <m:t>(</m:t>
+                      </m:r>
+                      <m:sSub>
+                        <m:sSubPr>
+                          <m:ctrlPr>
+                            <a:rPr lang="fr-FR" sz="2800" b="0" i="1" smtClean="0">
+                              <a:latin typeface="Cambria Math" panose="02040503050406030204" pitchFamily="18" charset="0"/>
+                            </a:rPr>
+                          </m:ctrlPr>
+                        </m:sSubPr>
+                        <m:e>
+                          <m:r>
+                            <a:rPr lang="fr-FR" sz="2800" b="0" i="1" smtClean="0">
+                              <a:latin typeface="Cambria Math" panose="02040503050406030204" pitchFamily="18" charset="0"/>
+                            </a:rPr>
+                            <m:t>𝒢</m:t>
+                          </m:r>
+                        </m:e>
+                        <m:sub>
+                          <m:r>
+                            <a:rPr lang="fr-FR" sz="2800" b="0" i="1" smtClean="0">
+                              <a:latin typeface="Cambria Math" panose="02040503050406030204" pitchFamily="18" charset="0"/>
+                            </a:rPr>
+                            <m:t>𝑛</m:t>
+                          </m:r>
+                        </m:sub>
+                      </m:sSub>
+                      <m:r>
+                        <a:rPr lang="fr-FR" sz="2800" b="0" i="1" smtClean="0">
+                          <a:latin typeface="Cambria Math" panose="02040503050406030204" pitchFamily="18" charset="0"/>
+                        </a:rPr>
+                        <m:t>)</m:t>
+                      </m:r>
+                    </m:oMath>
+                  </m:oMathPara>
+                </a14:m>
+                <a:endParaRPr lang="fr-FR" sz="2800" dirty="0"/>
+              </a:p>
+            </p:txBody>
+          </p:sp>
+        </mc:Choice>
+        <mc:Fallback>
+          <p:sp>
+            <p:nvSpPr>
+              <p:cNvPr id="42" name="ZoneTexte 41">
+                <a:extLst>
+                  <a:ext uri="{FF2B5EF4-FFF2-40B4-BE49-F238E27FC236}">
+                    <a16:creationId xmlns:a16="http://schemas.microsoft.com/office/drawing/2014/main" id="{09444BD3-FF3B-4A39-8578-1A517544DF9C}"/>
+                  </a:ext>
+                </a:extLst>
+              </p:cNvPr>
+              <p:cNvSpPr txBox="1">
+                <a:spLocks noRot="1" noChangeAspect="1" noMove="1" noResize="1" noEditPoints="1" noAdjustHandles="1" noChangeArrowheads="1" noChangeShapeType="1" noTextEdit="1"/>
+              </p:cNvSpPr>
+              <p:nvPr/>
+            </p:nvSpPr>
+            <p:spPr>
+              <a:xfrm>
+                <a:off x="2384685" y="842032"/>
+                <a:ext cx="990079" cy="430887"/>
+              </a:xfrm>
+              <a:prstGeom prst="rect">
+                <a:avLst/>
+              </a:prstGeom>
+              <a:blipFill>
+                <a:blip r:embed="rId2"/>
+                <a:stretch>
+                  <a:fillRect/>
+                </a:stretch>
+              </a:blipFill>
+              <a:ln>
+                <a:noFill/>
+              </a:ln>
+            </p:spPr>
+            <p:txBody>
+              <a:bodyPr/>
+              <a:lstStyle/>
+              <a:p>
+                <a:r>
+                  <a:rPr lang="fr-FR">
+                    <a:noFill/>
+                  </a:rPr>
+                  <a:t> </a:t>
+                </a:r>
+              </a:p>
+            </p:txBody>
+          </p:sp>
+        </mc:Fallback>
+      </mc:AlternateContent>
+      <p:cxnSp>
+        <p:nvCxnSpPr>
+          <p:cNvPr id="43" name="Connecteur droit 42">
+            <a:extLst>
+              <a:ext uri="{FF2B5EF4-FFF2-40B4-BE49-F238E27FC236}">
+                <a16:creationId xmlns:a16="http://schemas.microsoft.com/office/drawing/2014/main" id="{B4A950EF-C211-4A15-B874-76E682760B28}"/>
+              </a:ext>
+            </a:extLst>
+          </p:cNvPr>
+          <p:cNvCxnSpPr>
+            <a:cxnSpLocks/>
+          </p:cNvCxnSpPr>
+          <p:nvPr/>
+        </p:nvCxnSpPr>
+        <p:spPr>
+          <a:xfrm>
+            <a:off x="940726" y="1969502"/>
+            <a:ext cx="1" cy="1"/>
+          </a:xfrm>
+          <a:prstGeom prst="line">
+            <a:avLst/>
+          </a:prstGeom>
+          <a:ln w="28575">
+            <a:solidFill>
+              <a:srgbClr val="0070C0"/>
+            </a:solidFill>
+            <a:headEnd type="oval" w="lg" len="lg"/>
+            <a:tailEnd type="oval"/>
+          </a:ln>
+        </p:spPr>
+        <p:style>
+          <a:lnRef idx="1">
+            <a:schemeClr val="accent1"/>
+          </a:lnRef>
+          <a:fillRef idx="0">
+            <a:schemeClr val="accent1"/>
+          </a:fillRef>
+          <a:effectRef idx="0">
+            <a:schemeClr val="accent1"/>
+          </a:effectRef>
+          <a:fontRef idx="minor">
+            <a:schemeClr val="tx1"/>
+          </a:fontRef>
+        </p:style>
+      </p:cxnSp>
+      <p:cxnSp>
+        <p:nvCxnSpPr>
+          <p:cNvPr id="46" name="Connecteur droit 45">
+            <a:extLst>
+              <a:ext uri="{FF2B5EF4-FFF2-40B4-BE49-F238E27FC236}">
+                <a16:creationId xmlns:a16="http://schemas.microsoft.com/office/drawing/2014/main" id="{2018235F-C80D-45F0-8B39-D83FAADFD9BB}"/>
+              </a:ext>
+            </a:extLst>
+          </p:cNvPr>
+          <p:cNvCxnSpPr>
+            <a:cxnSpLocks/>
+          </p:cNvCxnSpPr>
+          <p:nvPr/>
+        </p:nvCxnSpPr>
+        <p:spPr>
+          <a:xfrm flipH="1">
+            <a:off x="4719587" y="1969492"/>
+            <a:ext cx="1" cy="0"/>
+          </a:xfrm>
+          <a:prstGeom prst="line">
+            <a:avLst/>
+          </a:prstGeom>
+          <a:ln w="28575">
+            <a:solidFill>
+              <a:srgbClr val="0070C0"/>
+            </a:solidFill>
+            <a:headEnd type="oval" w="lg" len="lg"/>
+            <a:tailEnd type="oval"/>
+          </a:ln>
+        </p:spPr>
+        <p:style>
+          <a:lnRef idx="1">
+            <a:schemeClr val="accent1"/>
+          </a:lnRef>
+          <a:fillRef idx="0">
+            <a:schemeClr val="accent1"/>
+          </a:fillRef>
+          <a:effectRef idx="0">
+            <a:schemeClr val="accent1"/>
+          </a:effectRef>
+          <a:fontRef idx="minor">
+            <a:schemeClr val="tx1"/>
+          </a:fontRef>
+        </p:style>
+      </p:cxnSp>
+      <p:cxnSp>
+        <p:nvCxnSpPr>
+          <p:cNvPr id="18" name="Connecteur droit 17">
+            <a:extLst>
+              <a:ext uri="{FF2B5EF4-FFF2-40B4-BE49-F238E27FC236}">
+                <a16:creationId xmlns:a16="http://schemas.microsoft.com/office/drawing/2014/main" id="{AA6A8A39-EAB8-4B2B-AA60-B3FAF3300A6B}"/>
+              </a:ext>
+            </a:extLst>
+          </p:cNvPr>
+          <p:cNvCxnSpPr>
+            <a:cxnSpLocks/>
+          </p:cNvCxnSpPr>
+          <p:nvPr/>
+        </p:nvCxnSpPr>
+        <p:spPr>
+          <a:xfrm flipV="1">
+            <a:off x="3658220" y="3352522"/>
+            <a:ext cx="178277" cy="1229003"/>
+          </a:xfrm>
+          <a:prstGeom prst="line">
+            <a:avLst/>
+          </a:prstGeom>
+          <a:ln w="6350">
+            <a:solidFill>
+              <a:schemeClr val="tx1"/>
+            </a:solidFill>
+            <a:headEnd type="oval"/>
+            <a:tailEnd type="oval"/>
+          </a:ln>
+        </p:spPr>
+        <p:style>
+          <a:lnRef idx="1">
+            <a:schemeClr val="accent1"/>
+          </a:lnRef>
+          <a:fillRef idx="0">
+            <a:schemeClr val="accent1"/>
+          </a:fillRef>
+          <a:effectRef idx="0">
+            <a:schemeClr val="accent1"/>
+          </a:effectRef>
+          <a:fontRef idx="minor">
+            <a:schemeClr val="tx1"/>
+          </a:fontRef>
+        </p:style>
+      </p:cxnSp>
+      <p:cxnSp>
+        <p:nvCxnSpPr>
+          <p:cNvPr id="19" name="Connecteur droit 18">
+            <a:extLst>
+              <a:ext uri="{FF2B5EF4-FFF2-40B4-BE49-F238E27FC236}">
+                <a16:creationId xmlns:a16="http://schemas.microsoft.com/office/drawing/2014/main" id="{8F085D3F-55E1-4B3D-BD40-C18F6D4E80CE}"/>
+              </a:ext>
+            </a:extLst>
+          </p:cNvPr>
+          <p:cNvCxnSpPr>
+            <a:cxnSpLocks/>
+          </p:cNvCxnSpPr>
+          <p:nvPr/>
+        </p:nvCxnSpPr>
+        <p:spPr>
+          <a:xfrm flipH="1" flipV="1">
+            <a:off x="3833515" y="3352524"/>
+            <a:ext cx="170459" cy="1229001"/>
+          </a:xfrm>
+          <a:prstGeom prst="line">
+            <a:avLst/>
+          </a:prstGeom>
+          <a:ln>
+            <a:solidFill>
+              <a:schemeClr val="tx1"/>
+            </a:solidFill>
+            <a:headEnd type="oval" w="lg" len="lg"/>
+            <a:tailEnd type="oval" w="lg" len="lg"/>
+          </a:ln>
+        </p:spPr>
+        <p:style>
+          <a:lnRef idx="1">
+            <a:schemeClr val="accent1"/>
+          </a:lnRef>
+          <a:fillRef idx="0">
+            <a:schemeClr val="accent1"/>
+          </a:fillRef>
+          <a:effectRef idx="0">
+            <a:schemeClr val="accent1"/>
+          </a:effectRef>
+          <a:fontRef idx="minor">
+            <a:schemeClr val="tx1"/>
+          </a:fontRef>
+        </p:style>
+      </p:cxnSp>
+      <p:cxnSp>
+        <p:nvCxnSpPr>
+          <p:cNvPr id="21" name="Connecteur droit 20">
+            <a:extLst>
+              <a:ext uri="{FF2B5EF4-FFF2-40B4-BE49-F238E27FC236}">
+                <a16:creationId xmlns:a16="http://schemas.microsoft.com/office/drawing/2014/main" id="{19B74D00-BE15-402D-9538-9468DD61FBDB}"/>
+              </a:ext>
+            </a:extLst>
+          </p:cNvPr>
+          <p:cNvCxnSpPr>
+            <a:cxnSpLocks/>
+          </p:cNvCxnSpPr>
+          <p:nvPr/>
+        </p:nvCxnSpPr>
+        <p:spPr>
+          <a:xfrm>
+            <a:off x="3834636" y="3352522"/>
+            <a:ext cx="0" cy="1"/>
+          </a:xfrm>
+          <a:prstGeom prst="line">
+            <a:avLst/>
+          </a:prstGeom>
+          <a:ln w="28575">
+            <a:solidFill>
+              <a:srgbClr val="C00000"/>
+            </a:solidFill>
+            <a:headEnd type="oval" w="lg" len="lg"/>
+            <a:tailEnd type="oval"/>
+          </a:ln>
+        </p:spPr>
+        <p:style>
+          <a:lnRef idx="1">
+            <a:schemeClr val="accent1"/>
+          </a:lnRef>
+          <a:fillRef idx="0">
+            <a:schemeClr val="accent1"/>
+          </a:fillRef>
+          <a:effectRef idx="0">
+            <a:schemeClr val="accent1"/>
+          </a:effectRef>
+          <a:fontRef idx="minor">
+            <a:schemeClr val="tx1"/>
+          </a:fontRef>
+        </p:style>
+      </p:cxnSp>
+      <p:cxnSp>
+        <p:nvCxnSpPr>
+          <p:cNvPr id="22" name="Connecteur droit 21">
+            <a:extLst>
+              <a:ext uri="{FF2B5EF4-FFF2-40B4-BE49-F238E27FC236}">
+                <a16:creationId xmlns:a16="http://schemas.microsoft.com/office/drawing/2014/main" id="{F71D45AF-A4A1-4CD8-B847-EED40CE0B35D}"/>
+              </a:ext>
+            </a:extLst>
+          </p:cNvPr>
+          <p:cNvCxnSpPr>
+            <a:cxnSpLocks/>
+          </p:cNvCxnSpPr>
+          <p:nvPr/>
+        </p:nvCxnSpPr>
+        <p:spPr>
+          <a:xfrm flipV="1">
+            <a:off x="3659710" y="4581525"/>
+            <a:ext cx="0" cy="1"/>
+          </a:xfrm>
+          <a:prstGeom prst="line">
+            <a:avLst/>
+          </a:prstGeom>
+          <a:ln w="28575">
+            <a:solidFill>
+              <a:srgbClr val="0070C0"/>
+            </a:solidFill>
+            <a:headEnd type="oval" w="lg" len="lg"/>
+            <a:tailEnd type="oval"/>
+          </a:ln>
+        </p:spPr>
+        <p:style>
+          <a:lnRef idx="1">
+            <a:schemeClr val="accent1"/>
+          </a:lnRef>
+          <a:fillRef idx="0">
+            <a:schemeClr val="accent1"/>
+          </a:fillRef>
+          <a:effectRef idx="0">
+            <a:schemeClr val="accent1"/>
+          </a:effectRef>
+          <a:fontRef idx="minor">
+            <a:schemeClr val="tx1"/>
+          </a:fontRef>
+        </p:style>
+      </p:cxnSp>
+    </p:spTree>
+    <p:extLst>
+      <p:ext uri="{BB962C8B-B14F-4D97-AF65-F5344CB8AC3E}">
+        <p14:creationId xmlns:p14="http://schemas.microsoft.com/office/powerpoint/2010/main" val="3031403019"/>
       </p:ext>
     </p:extLst>
   </p:cSld>

--- a/img/trees.pptx
+++ b/img/trees.pptx
@@ -2,7 +2,7 @@
 <file path=ppt/presentation.xml><?xml version="1.0" encoding="utf-8"?>
 <p:presentation xmlns:a="http://schemas.openxmlformats.org/drawingml/2006/main" xmlns:r="http://schemas.openxmlformats.org/officeDocument/2006/relationships" xmlns:p="http://schemas.openxmlformats.org/presentationml/2006/main" saveSubsetFonts="1">
   <p:sldMasterIdLst>
-    <p:sldMasterId id="2147483684" r:id="rId1"/>
+    <p:sldMasterId id="2147483696" r:id="rId1"/>
   </p:sldMasterIdLst>
   <p:notesMasterIdLst>
     <p:notesMasterId r:id="rId7"/>
@@ -14,7 +14,7 @@
     <p:sldId id="259" r:id="rId5"/>
     <p:sldId id="261" r:id="rId6"/>
   </p:sldIdLst>
-  <p:sldSz cx="5759450" cy="4679950"/>
+  <p:sldSz cx="5759450" cy="5759450"/>
   <p:notesSz cx="6858000" cy="9144000"/>
   <p:defaultTextStyle>
     <a:defPPr>
@@ -201,7 +201,7 @@
           <a:p>
             <a:fld id="{7032D634-87B9-4515-9E90-7412EACBC911}" type="datetimeFigureOut">
               <a:rPr lang="fr-FR" smtClean="0"/>
-              <a:t>30/03/2020</a:t>
+              <a:t>31/03/2020</a:t>
             </a:fld>
             <a:endParaRPr lang="fr-FR"/>
           </a:p>
@@ -219,8 +219,8 @@
         </p:nvSpPr>
         <p:spPr>
           <a:xfrm>
-            <a:off x="1530350" y="1143000"/>
-            <a:ext cx="3797300" cy="3086100"/>
+            <a:off x="1885950" y="1143000"/>
+            <a:ext cx="3086100" cy="3086100"/>
           </a:xfrm>
           <a:prstGeom prst="rect">
             <a:avLst/>
@@ -497,8 +497,8 @@
         </p:nvSpPr>
         <p:spPr>
           <a:xfrm>
-            <a:off x="431959" y="765909"/>
-            <a:ext cx="4895533" cy="1629316"/>
+            <a:off x="431959" y="942577"/>
+            <a:ext cx="4895533" cy="2005142"/>
           </a:xfrm>
         </p:spPr>
         <p:txBody>
@@ -529,8 +529,8 @@
         </p:nvSpPr>
         <p:spPr>
           <a:xfrm>
-            <a:off x="719931" y="2458058"/>
-            <a:ext cx="4319588" cy="1129904"/>
+            <a:off x="719931" y="3025045"/>
+            <a:ext cx="4319588" cy="1390533"/>
           </a:xfrm>
         </p:spPr>
         <p:txBody>
@@ -599,7 +599,7 @@
           <a:p>
             <a:fld id="{CC506755-3F84-4679-BA59-3527CD676A9A}" type="datetimeFigureOut">
               <a:rPr lang="fr-FR" smtClean="0"/>
-              <a:t>30/03/2020</a:t>
+              <a:t>31/03/2020</a:t>
             </a:fld>
             <a:endParaRPr lang="fr-FR"/>
           </a:p>
@@ -650,7 +650,7 @@
     </p:spTree>
     <p:extLst>
       <p:ext uri="{BB962C8B-B14F-4D97-AF65-F5344CB8AC3E}">
-        <p14:creationId xmlns:p14="http://schemas.microsoft.com/office/powerpoint/2010/main" val="3550271485"/>
+        <p14:creationId xmlns:p14="http://schemas.microsoft.com/office/powerpoint/2010/main" val="3216358233"/>
       </p:ext>
     </p:extLst>
   </p:cSld>
@@ -769,7 +769,7 @@
           <a:p>
             <a:fld id="{CC506755-3F84-4679-BA59-3527CD676A9A}" type="datetimeFigureOut">
               <a:rPr lang="fr-FR" smtClean="0"/>
-              <a:t>30/03/2020</a:t>
+              <a:t>31/03/2020</a:t>
             </a:fld>
             <a:endParaRPr lang="fr-FR"/>
           </a:p>
@@ -820,7 +820,7 @@
     </p:spTree>
     <p:extLst>
       <p:ext uri="{BB962C8B-B14F-4D97-AF65-F5344CB8AC3E}">
-        <p14:creationId xmlns:p14="http://schemas.microsoft.com/office/powerpoint/2010/main" val="2938184991"/>
+        <p14:creationId xmlns:p14="http://schemas.microsoft.com/office/powerpoint/2010/main" val="455050775"/>
       </p:ext>
     </p:extLst>
   </p:cSld>
@@ -859,8 +859,8 @@
         </p:nvSpPr>
         <p:spPr>
           <a:xfrm>
-            <a:off x="4121607" y="249164"/>
-            <a:ext cx="1241881" cy="3966041"/>
+            <a:off x="4121607" y="306637"/>
+            <a:ext cx="1241881" cy="4880868"/>
           </a:xfrm>
         </p:spPr>
         <p:txBody>
@@ -887,8 +887,8 @@
         </p:nvSpPr>
         <p:spPr>
           <a:xfrm>
-            <a:off x="395963" y="249164"/>
-            <a:ext cx="3653651" cy="3966041"/>
+            <a:off x="395963" y="306637"/>
+            <a:ext cx="3653651" cy="4880868"/>
           </a:xfrm>
         </p:spPr>
         <p:txBody>
@@ -949,7 +949,7 @@
           <a:p>
             <a:fld id="{CC506755-3F84-4679-BA59-3527CD676A9A}" type="datetimeFigureOut">
               <a:rPr lang="fr-FR" smtClean="0"/>
-              <a:t>30/03/2020</a:t>
+              <a:t>31/03/2020</a:t>
             </a:fld>
             <a:endParaRPr lang="fr-FR"/>
           </a:p>
@@ -1000,7 +1000,7 @@
     </p:spTree>
     <p:extLst>
       <p:ext uri="{BB962C8B-B14F-4D97-AF65-F5344CB8AC3E}">
-        <p14:creationId xmlns:p14="http://schemas.microsoft.com/office/powerpoint/2010/main" val="3255498655"/>
+        <p14:creationId xmlns:p14="http://schemas.microsoft.com/office/powerpoint/2010/main" val="1759685403"/>
       </p:ext>
     </p:extLst>
   </p:cSld>
@@ -1119,7 +1119,7 @@
           <a:p>
             <a:fld id="{CC506755-3F84-4679-BA59-3527CD676A9A}" type="datetimeFigureOut">
               <a:rPr lang="fr-FR" smtClean="0"/>
-              <a:t>30/03/2020</a:t>
+              <a:t>31/03/2020</a:t>
             </a:fld>
             <a:endParaRPr lang="fr-FR"/>
           </a:p>
@@ -1170,7 +1170,7 @@
     </p:spTree>
     <p:extLst>
       <p:ext uri="{BB962C8B-B14F-4D97-AF65-F5344CB8AC3E}">
-        <p14:creationId xmlns:p14="http://schemas.microsoft.com/office/powerpoint/2010/main" val="854058294"/>
+        <p14:creationId xmlns:p14="http://schemas.microsoft.com/office/powerpoint/2010/main" val="2565042225"/>
       </p:ext>
     </p:extLst>
   </p:cSld>
@@ -1209,8 +1209,8 @@
         </p:nvSpPr>
         <p:spPr>
           <a:xfrm>
-            <a:off x="392963" y="1166739"/>
-            <a:ext cx="4967526" cy="1946729"/>
+            <a:off x="392963" y="1435864"/>
+            <a:ext cx="4967526" cy="2395771"/>
           </a:xfrm>
         </p:spPr>
         <p:txBody>
@@ -1241,8 +1241,8 @@
         </p:nvSpPr>
         <p:spPr>
           <a:xfrm>
-            <a:off x="392963" y="3131884"/>
-            <a:ext cx="4967526" cy="1023739"/>
+            <a:off x="392963" y="3854300"/>
+            <a:ext cx="4967526" cy="1259879"/>
           </a:xfrm>
         </p:spPr>
         <p:txBody>
@@ -1363,7 +1363,7 @@
           <a:p>
             <a:fld id="{CC506755-3F84-4679-BA59-3527CD676A9A}" type="datetimeFigureOut">
               <a:rPr lang="fr-FR" smtClean="0"/>
-              <a:t>30/03/2020</a:t>
+              <a:t>31/03/2020</a:t>
             </a:fld>
             <a:endParaRPr lang="fr-FR"/>
           </a:p>
@@ -1414,7 +1414,7 @@
     </p:spTree>
     <p:extLst>
       <p:ext uri="{BB962C8B-B14F-4D97-AF65-F5344CB8AC3E}">
-        <p14:creationId xmlns:p14="http://schemas.microsoft.com/office/powerpoint/2010/main" val="2131874360"/>
+        <p14:creationId xmlns:p14="http://schemas.microsoft.com/office/powerpoint/2010/main" val="3058120450"/>
       </p:ext>
     </p:extLst>
   </p:cSld>
@@ -1476,8 +1476,8 @@
         </p:nvSpPr>
         <p:spPr>
           <a:xfrm>
-            <a:off x="395962" y="1245820"/>
-            <a:ext cx="2447766" cy="2969385"/>
+            <a:off x="395962" y="1533187"/>
+            <a:ext cx="2447766" cy="3654318"/>
           </a:xfrm>
         </p:spPr>
         <p:txBody>
@@ -1533,8 +1533,8 @@
         </p:nvSpPr>
         <p:spPr>
           <a:xfrm>
-            <a:off x="2915722" y="1245820"/>
-            <a:ext cx="2447766" cy="2969385"/>
+            <a:off x="2915722" y="1533187"/>
+            <a:ext cx="2447766" cy="3654318"/>
           </a:xfrm>
         </p:spPr>
         <p:txBody>
@@ -1595,7 +1595,7 @@
           <a:p>
             <a:fld id="{CC506755-3F84-4679-BA59-3527CD676A9A}" type="datetimeFigureOut">
               <a:rPr lang="fr-FR" smtClean="0"/>
-              <a:t>30/03/2020</a:t>
+              <a:t>31/03/2020</a:t>
             </a:fld>
             <a:endParaRPr lang="fr-FR"/>
           </a:p>
@@ -1646,7 +1646,7 @@
     </p:spTree>
     <p:extLst>
       <p:ext uri="{BB962C8B-B14F-4D97-AF65-F5344CB8AC3E}">
-        <p14:creationId xmlns:p14="http://schemas.microsoft.com/office/powerpoint/2010/main" val="1880822543"/>
+        <p14:creationId xmlns:p14="http://schemas.microsoft.com/office/powerpoint/2010/main" val="1438006396"/>
       </p:ext>
     </p:extLst>
   </p:cSld>
@@ -1685,8 +1685,8 @@
         </p:nvSpPr>
         <p:spPr>
           <a:xfrm>
-            <a:off x="396712" y="249165"/>
-            <a:ext cx="4967526" cy="904574"/>
+            <a:off x="396712" y="306639"/>
+            <a:ext cx="4967526" cy="1113227"/>
           </a:xfrm>
         </p:spPr>
         <p:txBody>
@@ -1713,8 +1713,8 @@
         </p:nvSpPr>
         <p:spPr>
           <a:xfrm>
-            <a:off x="396713" y="1147238"/>
-            <a:ext cx="2436517" cy="562244"/>
+            <a:off x="396713" y="1411865"/>
+            <a:ext cx="2436517" cy="691934"/>
           </a:xfrm>
         </p:spPr>
         <p:txBody>
@@ -1778,8 +1778,8 @@
         </p:nvSpPr>
         <p:spPr>
           <a:xfrm>
-            <a:off x="396713" y="1709482"/>
-            <a:ext cx="2436517" cy="2514390"/>
+            <a:off x="396713" y="2103799"/>
+            <a:ext cx="2436517" cy="3094372"/>
           </a:xfrm>
         </p:spPr>
         <p:txBody>
@@ -1835,8 +1835,8 @@
         </p:nvSpPr>
         <p:spPr>
           <a:xfrm>
-            <a:off x="2915722" y="1147238"/>
-            <a:ext cx="2448516" cy="562244"/>
+            <a:off x="2915722" y="1411865"/>
+            <a:ext cx="2448516" cy="691934"/>
           </a:xfrm>
         </p:spPr>
         <p:txBody>
@@ -1900,8 +1900,8 @@
         </p:nvSpPr>
         <p:spPr>
           <a:xfrm>
-            <a:off x="2915722" y="1709482"/>
-            <a:ext cx="2448516" cy="2514390"/>
+            <a:off x="2915722" y="2103799"/>
+            <a:ext cx="2448516" cy="3094372"/>
           </a:xfrm>
         </p:spPr>
         <p:txBody>
@@ -1962,7 +1962,7 @@
           <a:p>
             <a:fld id="{CC506755-3F84-4679-BA59-3527CD676A9A}" type="datetimeFigureOut">
               <a:rPr lang="fr-FR" smtClean="0"/>
-              <a:t>30/03/2020</a:t>
+              <a:t>31/03/2020</a:t>
             </a:fld>
             <a:endParaRPr lang="fr-FR"/>
           </a:p>
@@ -2013,7 +2013,7 @@
     </p:spTree>
     <p:extLst>
       <p:ext uri="{BB962C8B-B14F-4D97-AF65-F5344CB8AC3E}">
-        <p14:creationId xmlns:p14="http://schemas.microsoft.com/office/powerpoint/2010/main" val="3782148421"/>
+        <p14:creationId xmlns:p14="http://schemas.microsoft.com/office/powerpoint/2010/main" val="1006128511"/>
       </p:ext>
     </p:extLst>
   </p:cSld>
@@ -2080,7 +2080,7 @@
           <a:p>
             <a:fld id="{CC506755-3F84-4679-BA59-3527CD676A9A}" type="datetimeFigureOut">
               <a:rPr lang="fr-FR" smtClean="0"/>
-              <a:t>30/03/2020</a:t>
+              <a:t>31/03/2020</a:t>
             </a:fld>
             <a:endParaRPr lang="fr-FR"/>
           </a:p>
@@ -2131,7 +2131,7 @@
     </p:spTree>
     <p:extLst>
       <p:ext uri="{BB962C8B-B14F-4D97-AF65-F5344CB8AC3E}">
-        <p14:creationId xmlns:p14="http://schemas.microsoft.com/office/powerpoint/2010/main" val="1414927325"/>
+        <p14:creationId xmlns:p14="http://schemas.microsoft.com/office/powerpoint/2010/main" val="1160798150"/>
       </p:ext>
     </p:extLst>
   </p:cSld>
@@ -2175,7 +2175,7 @@
           <a:p>
             <a:fld id="{CC506755-3F84-4679-BA59-3527CD676A9A}" type="datetimeFigureOut">
               <a:rPr lang="fr-FR" smtClean="0"/>
-              <a:t>30/03/2020</a:t>
+              <a:t>31/03/2020</a:t>
             </a:fld>
             <a:endParaRPr lang="fr-FR"/>
           </a:p>
@@ -2226,7 +2226,7 @@
     </p:spTree>
     <p:extLst>
       <p:ext uri="{BB962C8B-B14F-4D97-AF65-F5344CB8AC3E}">
-        <p14:creationId xmlns:p14="http://schemas.microsoft.com/office/powerpoint/2010/main" val="1418446175"/>
+        <p14:creationId xmlns:p14="http://schemas.microsoft.com/office/powerpoint/2010/main" val="430649670"/>
       </p:ext>
     </p:extLst>
   </p:cSld>
@@ -2265,8 +2265,8 @@
         </p:nvSpPr>
         <p:spPr>
           <a:xfrm>
-            <a:off x="396712" y="311997"/>
-            <a:ext cx="1857573" cy="1091988"/>
+            <a:off x="396712" y="383963"/>
+            <a:ext cx="1857573" cy="1343872"/>
           </a:xfrm>
         </p:spPr>
         <p:txBody>
@@ -2297,8 +2297,8 @@
         </p:nvSpPr>
         <p:spPr>
           <a:xfrm>
-            <a:off x="2448516" y="673827"/>
-            <a:ext cx="2915722" cy="3325798"/>
+            <a:off x="2448516" y="829256"/>
+            <a:ext cx="2915722" cy="4092942"/>
           </a:xfrm>
         </p:spPr>
         <p:txBody>
@@ -2382,8 +2382,8 @@
         </p:nvSpPr>
         <p:spPr>
           <a:xfrm>
-            <a:off x="396712" y="1403985"/>
-            <a:ext cx="1857573" cy="2601056"/>
+            <a:off x="396712" y="1727835"/>
+            <a:ext cx="1857573" cy="3201028"/>
           </a:xfrm>
         </p:spPr>
         <p:txBody>
@@ -2452,7 +2452,7 @@
           <a:p>
             <a:fld id="{CC506755-3F84-4679-BA59-3527CD676A9A}" type="datetimeFigureOut">
               <a:rPr lang="fr-FR" smtClean="0"/>
-              <a:t>30/03/2020</a:t>
+              <a:t>31/03/2020</a:t>
             </a:fld>
             <a:endParaRPr lang="fr-FR"/>
           </a:p>
@@ -2503,7 +2503,7 @@
     </p:spTree>
     <p:extLst>
       <p:ext uri="{BB962C8B-B14F-4D97-AF65-F5344CB8AC3E}">
-        <p14:creationId xmlns:p14="http://schemas.microsoft.com/office/powerpoint/2010/main" val="983165700"/>
+        <p14:creationId xmlns:p14="http://schemas.microsoft.com/office/powerpoint/2010/main" val="4205149995"/>
       </p:ext>
     </p:extLst>
   </p:cSld>
@@ -2542,8 +2542,8 @@
         </p:nvSpPr>
         <p:spPr>
           <a:xfrm>
-            <a:off x="396712" y="311997"/>
-            <a:ext cx="1857573" cy="1091988"/>
+            <a:off x="396712" y="383963"/>
+            <a:ext cx="1857573" cy="1343872"/>
           </a:xfrm>
         </p:spPr>
         <p:txBody>
@@ -2574,8 +2574,8 @@
         </p:nvSpPr>
         <p:spPr>
           <a:xfrm>
-            <a:off x="2448516" y="673827"/>
-            <a:ext cx="2915722" cy="3325798"/>
+            <a:off x="2448516" y="829256"/>
+            <a:ext cx="2915722" cy="4092942"/>
           </a:xfrm>
         </p:spPr>
         <p:txBody>
@@ -2639,8 +2639,8 @@
         </p:nvSpPr>
         <p:spPr>
           <a:xfrm>
-            <a:off x="396712" y="1403985"/>
-            <a:ext cx="1857573" cy="2601056"/>
+            <a:off x="396712" y="1727835"/>
+            <a:ext cx="1857573" cy="3201028"/>
           </a:xfrm>
         </p:spPr>
         <p:txBody>
@@ -2709,7 +2709,7 @@
           <a:p>
             <a:fld id="{CC506755-3F84-4679-BA59-3527CD676A9A}" type="datetimeFigureOut">
               <a:rPr lang="fr-FR" smtClean="0"/>
-              <a:t>30/03/2020</a:t>
+              <a:t>31/03/2020</a:t>
             </a:fld>
             <a:endParaRPr lang="fr-FR"/>
           </a:p>
@@ -2760,7 +2760,7 @@
     </p:spTree>
     <p:extLst>
       <p:ext uri="{BB962C8B-B14F-4D97-AF65-F5344CB8AC3E}">
-        <p14:creationId xmlns:p14="http://schemas.microsoft.com/office/powerpoint/2010/main" val="1903785706"/>
+        <p14:creationId xmlns:p14="http://schemas.microsoft.com/office/powerpoint/2010/main" val="1116129547"/>
       </p:ext>
     </p:extLst>
   </p:cSld>
@@ -2804,8 +2804,8 @@
         </p:nvSpPr>
         <p:spPr>
           <a:xfrm>
-            <a:off x="395962" y="249165"/>
-            <a:ext cx="4967526" cy="904574"/>
+            <a:off x="395962" y="306639"/>
+            <a:ext cx="4967526" cy="1113227"/>
           </a:xfrm>
           <a:prstGeom prst="rect">
             <a:avLst/>
@@ -2837,8 +2837,8 @@
         </p:nvSpPr>
         <p:spPr>
           <a:xfrm>
-            <a:off x="395962" y="1245820"/>
-            <a:ext cx="4967526" cy="2969385"/>
+            <a:off x="395962" y="1533187"/>
+            <a:ext cx="4967526" cy="3654318"/>
           </a:xfrm>
           <a:prstGeom prst="rect">
             <a:avLst/>
@@ -2899,8 +2899,8 @@
         </p:nvSpPr>
         <p:spPr>
           <a:xfrm>
-            <a:off x="395962" y="4337621"/>
-            <a:ext cx="1295876" cy="249164"/>
+            <a:off x="395962" y="5338158"/>
+            <a:ext cx="1295876" cy="306637"/>
           </a:xfrm>
           <a:prstGeom prst="rect">
             <a:avLst/>
@@ -2922,7 +2922,7 @@
           <a:p>
             <a:fld id="{CC506755-3F84-4679-BA59-3527CD676A9A}" type="datetimeFigureOut">
               <a:rPr lang="fr-FR" smtClean="0"/>
-              <a:t>30/03/2020</a:t>
+              <a:t>31/03/2020</a:t>
             </a:fld>
             <a:endParaRPr lang="fr-FR"/>
           </a:p>
@@ -2940,8 +2940,8 @@
         </p:nvSpPr>
         <p:spPr>
           <a:xfrm>
-            <a:off x="1907818" y="4337621"/>
-            <a:ext cx="1943814" cy="249164"/>
+            <a:off x="1907818" y="5338158"/>
+            <a:ext cx="1943814" cy="306637"/>
           </a:xfrm>
           <a:prstGeom prst="rect">
             <a:avLst/>
@@ -2977,8 +2977,8 @@
         </p:nvSpPr>
         <p:spPr>
           <a:xfrm>
-            <a:off x="4067612" y="4337621"/>
-            <a:ext cx="1295876" cy="249164"/>
+            <a:off x="4067612" y="5338158"/>
+            <a:ext cx="1295876" cy="306637"/>
           </a:xfrm>
           <a:prstGeom prst="rect">
             <a:avLst/>
@@ -3009,23 +3009,23 @@
     </p:spTree>
     <p:extLst>
       <p:ext uri="{BB962C8B-B14F-4D97-AF65-F5344CB8AC3E}">
-        <p14:creationId xmlns:p14="http://schemas.microsoft.com/office/powerpoint/2010/main" val="3077935287"/>
+        <p14:creationId xmlns:p14="http://schemas.microsoft.com/office/powerpoint/2010/main" val="1179789402"/>
       </p:ext>
     </p:extLst>
   </p:cSld>
   <p:clrMap bg1="lt1" tx1="dk1" bg2="lt2" tx2="dk2" accent1="accent1" accent2="accent2" accent3="accent3" accent4="accent4" accent5="accent5" accent6="accent6" hlink="hlink" folHlink="folHlink"/>
   <p:sldLayoutIdLst>
-    <p:sldLayoutId id="2147483685" r:id="rId1"/>
-    <p:sldLayoutId id="2147483686" r:id="rId2"/>
-    <p:sldLayoutId id="2147483687" r:id="rId3"/>
-    <p:sldLayoutId id="2147483688" r:id="rId4"/>
-    <p:sldLayoutId id="2147483689" r:id="rId5"/>
-    <p:sldLayoutId id="2147483690" r:id="rId6"/>
-    <p:sldLayoutId id="2147483691" r:id="rId7"/>
-    <p:sldLayoutId id="2147483692" r:id="rId8"/>
-    <p:sldLayoutId id="2147483693" r:id="rId9"/>
-    <p:sldLayoutId id="2147483694" r:id="rId10"/>
-    <p:sldLayoutId id="2147483695" r:id="rId11"/>
+    <p:sldLayoutId id="2147483697" r:id="rId1"/>
+    <p:sldLayoutId id="2147483698" r:id="rId2"/>
+    <p:sldLayoutId id="2147483699" r:id="rId3"/>
+    <p:sldLayoutId id="2147483700" r:id="rId4"/>
+    <p:sldLayoutId id="2147483701" r:id="rId5"/>
+    <p:sldLayoutId id="2147483702" r:id="rId6"/>
+    <p:sldLayoutId id="2147483703" r:id="rId7"/>
+    <p:sldLayoutId id="2147483704" r:id="rId8"/>
+    <p:sldLayoutId id="2147483705" r:id="rId9"/>
+    <p:sldLayoutId id="2147483706" r:id="rId10"/>
+    <p:sldLayoutId id="2147483707" r:id="rId11"/>
   </p:sldLayoutIdLst>
   <p:txStyles>
     <p:titleStyle>
@@ -3341,7 +3341,7 @@
         </p:nvSpPr>
         <p:spPr>
           <a:xfrm>
-            <a:off x="657685" y="2189885"/>
+            <a:off x="657685" y="2729635"/>
             <a:ext cx="4398246" cy="2027448"/>
           </a:xfrm>
           <a:custGeom>
@@ -4038,7 +4038,7 @@
         </p:nvSpPr>
         <p:spPr>
           <a:xfrm>
-            <a:off x="886400" y="445170"/>
+            <a:off x="886413" y="984933"/>
             <a:ext cx="3601953" cy="3041025"/>
           </a:xfrm>
           <a:custGeom>
@@ -4507,7 +4507,7 @@
         </p:nvCxnSpPr>
         <p:spPr>
           <a:xfrm flipH="1" flipV="1">
-            <a:off x="2892165" y="650142"/>
+            <a:off x="2892165" y="1189892"/>
             <a:ext cx="1274618" cy="735900"/>
           </a:xfrm>
           <a:prstGeom prst="line">
@@ -4552,7 +4552,7 @@
         </p:nvCxnSpPr>
         <p:spPr>
           <a:xfrm flipV="1">
-            <a:off x="1617547" y="650142"/>
+            <a:off x="1617547" y="1189892"/>
             <a:ext cx="1274618" cy="735900"/>
           </a:xfrm>
           <a:prstGeom prst="line">
@@ -4597,7 +4597,7 @@
         </p:nvCxnSpPr>
         <p:spPr>
           <a:xfrm flipV="1">
-            <a:off x="3550333" y="1386052"/>
+            <a:off x="3550346" y="1925815"/>
             <a:ext cx="617551" cy="1127461"/>
           </a:xfrm>
           <a:prstGeom prst="line">
@@ -4642,7 +4642,7 @@
         </p:nvCxnSpPr>
         <p:spPr>
           <a:xfrm flipV="1">
-            <a:off x="3203814" y="2513501"/>
+            <a:off x="3203814" y="3053264"/>
             <a:ext cx="345754" cy="1383043"/>
           </a:xfrm>
           <a:prstGeom prst="line">
@@ -4687,7 +4687,7 @@
         </p:nvCxnSpPr>
         <p:spPr>
           <a:xfrm flipH="1" flipV="1">
-            <a:off x="4165696" y="1386052"/>
+            <a:off x="4165709" y="1925815"/>
             <a:ext cx="617551" cy="1127461"/>
           </a:xfrm>
           <a:prstGeom prst="line">
@@ -4732,7 +4732,7 @@
         </p:nvCxnSpPr>
         <p:spPr>
           <a:xfrm flipH="1" flipV="1">
-            <a:off x="3551419" y="2513501"/>
+            <a:off x="3551419" y="3053264"/>
             <a:ext cx="345754" cy="1383043"/>
           </a:xfrm>
           <a:prstGeom prst="line">
@@ -4777,7 +4777,7 @@
         </p:nvCxnSpPr>
         <p:spPr>
           <a:xfrm flipV="1">
-            <a:off x="1004386" y="1386051"/>
+            <a:off x="1004399" y="1925814"/>
             <a:ext cx="617551" cy="1127461"/>
           </a:xfrm>
           <a:prstGeom prst="line">
@@ -4822,7 +4822,7 @@
         </p:nvCxnSpPr>
         <p:spPr>
           <a:xfrm flipH="1" flipV="1">
-            <a:off x="1618953" y="1386051"/>
+            <a:off x="1618966" y="1925814"/>
             <a:ext cx="617551" cy="1127461"/>
           </a:xfrm>
           <a:prstGeom prst="line">
@@ -4867,7 +4867,7 @@
         </p:nvCxnSpPr>
         <p:spPr>
           <a:xfrm>
-            <a:off x="1620076" y="1386052"/>
+            <a:off x="1620076" y="1925815"/>
             <a:ext cx="0" cy="1"/>
           </a:xfrm>
           <a:prstGeom prst="line">
@@ -4912,7 +4912,7 @@
         </p:nvCxnSpPr>
         <p:spPr>
           <a:xfrm>
-            <a:off x="3897173" y="3896556"/>
+            <a:off x="3897173" y="4436306"/>
             <a:ext cx="0" cy="0"/>
           </a:xfrm>
           <a:prstGeom prst="line">
@@ -4957,7 +4957,7 @@
             </p:nvSpPr>
             <p:spPr>
               <a:xfrm>
-                <a:off x="2803261" y="1510973"/>
+                <a:off x="2803274" y="2050736"/>
                 <a:ext cx="435119" cy="444417"/>
               </a:xfrm>
               <a:prstGeom prst="rect">
@@ -4984,7 +4984,7 @@
                       <m:sSub>
                         <m:sSubPr>
                           <m:ctrlPr>
-                            <a:rPr lang="fr-FR" sz="2800" b="0" i="1" smtClean="0">
+                            <a:rPr lang="fr-FR" sz="2800" i="1">
                               <a:latin typeface="Cambria Math" panose="02040503050406030204" pitchFamily="18" charset="0"/>
                             </a:rPr>
                           </m:ctrlPr>
@@ -4994,14 +4994,14 @@
                             <m:accPr>
                               <m:chr m:val="̇"/>
                               <m:ctrlPr>
-                                <a:rPr lang="fr-FR" sz="2800" b="0" i="1" smtClean="0">
+                                <a:rPr lang="fr-FR" sz="2800" i="1">
                                   <a:latin typeface="Cambria Math" panose="02040503050406030204" pitchFamily="18" charset="0"/>
                                 </a:rPr>
                               </m:ctrlPr>
                             </m:accPr>
                             <m:e>
                               <m:r>
-                                <a:rPr lang="fr-FR" sz="2800" b="0" i="1" smtClean="0">
+                                <a:rPr lang="fr-FR" sz="2800" i="1">
                                   <a:latin typeface="Cambria Math" panose="02040503050406030204" pitchFamily="18" charset="0"/>
                                 </a:rPr>
                                 <m:t>𝑇</m:t>
@@ -5011,7 +5011,7 @@
                         </m:e>
                         <m:sub>
                           <m:r>
-                            <a:rPr lang="fr-FR" sz="2800" b="0" i="1" smtClean="0">
+                            <a:rPr lang="fr-FR" sz="2800" i="1">
                               <a:latin typeface="Cambria Math" panose="02040503050406030204" pitchFamily="18" charset="0"/>
                             </a:rPr>
                             <m:t>𝑛</m:t>
@@ -5043,7 +5043,7 @@
             </p:nvSpPr>
             <p:spPr>
               <a:xfrm>
-                <a:off x="2803261" y="1510973"/>
+                <a:off x="2803274" y="2050736"/>
                 <a:ext cx="435119" cy="444417"/>
               </a:xfrm>
               <a:prstGeom prst="rect">
@@ -5090,7 +5090,7 @@
             </p:nvSpPr>
             <p:spPr>
               <a:xfrm>
-                <a:off x="1786354" y="2982811"/>
+                <a:off x="1786354" y="3522574"/>
                 <a:ext cx="644600" cy="430887"/>
               </a:xfrm>
               <a:prstGeom prst="rect">
@@ -5115,7 +5115,7 @@
                     </m:oMathParaPr>
                     <m:oMath xmlns:m="http://schemas.openxmlformats.org/officeDocument/2006/math">
                       <m:r>
-                        <a:rPr lang="fr-FR" sz="2800" b="0" i="1" smtClean="0">
+                        <a:rPr lang="fr-FR" sz="2800" i="1">
                           <a:latin typeface="Cambria Math" panose="02040503050406030204" pitchFamily="18" charset="0"/>
                         </a:rPr>
                         <m:t>𝜕</m:t>
@@ -5123,14 +5123,14 @@
                       <m:sSub>
                         <m:sSubPr>
                           <m:ctrlPr>
-                            <a:rPr lang="fr-FR" sz="2800" b="0" i="1" smtClean="0">
+                            <a:rPr lang="fr-FR" sz="2800" i="1">
                               <a:latin typeface="Cambria Math" panose="02040503050406030204" pitchFamily="18" charset="0"/>
                             </a:rPr>
                           </m:ctrlPr>
                         </m:sSubPr>
                         <m:e>
                           <m:r>
-                            <a:rPr lang="fr-FR" sz="2800" b="0" i="1" smtClean="0">
+                            <a:rPr lang="fr-FR" sz="2800" i="1">
                               <a:latin typeface="Cambria Math" panose="02040503050406030204" pitchFamily="18" charset="0"/>
                             </a:rPr>
                             <m:t>𝑇</m:t>
@@ -5138,7 +5138,7 @@
                         </m:e>
                         <m:sub>
                           <m:r>
-                            <a:rPr lang="fr-FR" sz="2800" b="0" i="1" smtClean="0">
+                            <a:rPr lang="fr-FR" sz="2800" i="1">
                               <a:latin typeface="Cambria Math" panose="02040503050406030204" pitchFamily="18" charset="0"/>
                             </a:rPr>
                             <m:t>𝑛</m:t>
@@ -5170,7 +5170,7 @@
             </p:nvSpPr>
             <p:spPr>
               <a:xfrm>
-                <a:off x="1786354" y="2982811"/>
+                <a:off x="1786354" y="3522574"/>
                 <a:ext cx="644600" cy="430887"/>
               </a:xfrm>
               <a:prstGeom prst="rect">
@@ -5217,7 +5217,7 @@
         </p:nvCxnSpPr>
         <p:spPr>
           <a:xfrm>
-            <a:off x="1004386" y="2513512"/>
+            <a:off x="1004399" y="3053275"/>
             <a:ext cx="1" cy="1"/>
           </a:xfrm>
           <a:prstGeom prst="line">
@@ -5262,7 +5262,7 @@
         </p:nvCxnSpPr>
         <p:spPr>
           <a:xfrm flipH="1">
-            <a:off x="4783247" y="2513502"/>
+            <a:off x="4783260" y="3053252"/>
             <a:ext cx="1" cy="0"/>
           </a:xfrm>
           <a:prstGeom prst="line">
@@ -5337,7 +5337,7 @@
         </p:nvCxnSpPr>
         <p:spPr>
           <a:xfrm flipH="1" flipV="1">
-            <a:off x="2793664" y="771565"/>
+            <a:off x="2793664" y="1311315"/>
             <a:ext cx="1274618" cy="735900"/>
           </a:xfrm>
           <a:prstGeom prst="line">
@@ -5384,7 +5384,7 @@
         </p:nvCxnSpPr>
         <p:spPr>
           <a:xfrm flipV="1">
-            <a:off x="1519045" y="771565"/>
+            <a:off x="1519045" y="1311315"/>
             <a:ext cx="1274618" cy="735900"/>
           </a:xfrm>
           <a:prstGeom prst="line">
@@ -5431,7 +5431,7 @@
         </p:nvCxnSpPr>
         <p:spPr>
           <a:xfrm flipV="1">
-            <a:off x="3451832" y="1507476"/>
+            <a:off x="3451845" y="2047239"/>
             <a:ext cx="617551" cy="1127461"/>
           </a:xfrm>
           <a:prstGeom prst="line">
@@ -5478,7 +5478,7 @@
         </p:nvCxnSpPr>
         <p:spPr>
           <a:xfrm flipV="1">
-            <a:off x="3105312" y="2634925"/>
+            <a:off x="3105312" y="3174688"/>
             <a:ext cx="345754" cy="1383043"/>
           </a:xfrm>
           <a:prstGeom prst="line">
@@ -5525,7 +5525,7 @@
         </p:nvCxnSpPr>
         <p:spPr>
           <a:xfrm flipH="1" flipV="1">
-            <a:off x="4067193" y="1507476"/>
+            <a:off x="4067206" y="2047239"/>
             <a:ext cx="617551" cy="1127461"/>
           </a:xfrm>
           <a:prstGeom prst="line">
@@ -5572,7 +5572,7 @@
         </p:nvCxnSpPr>
         <p:spPr>
           <a:xfrm flipH="1" flipV="1">
-            <a:off x="3452917" y="2634925"/>
+            <a:off x="3452917" y="3174688"/>
             <a:ext cx="345754" cy="1383043"/>
           </a:xfrm>
           <a:prstGeom prst="line">
@@ -5619,7 +5619,7 @@
         </p:nvCxnSpPr>
         <p:spPr>
           <a:xfrm flipV="1">
-            <a:off x="905883" y="1507474"/>
+            <a:off x="905896" y="2047237"/>
             <a:ext cx="617551" cy="1127461"/>
           </a:xfrm>
           <a:prstGeom prst="line">
@@ -5666,7 +5666,7 @@
         </p:nvCxnSpPr>
         <p:spPr>
           <a:xfrm flipH="1" flipV="1">
-            <a:off x="1520451" y="1507474"/>
+            <a:off x="1520464" y="2047237"/>
             <a:ext cx="617551" cy="1127461"/>
           </a:xfrm>
           <a:prstGeom prst="line">
@@ -5713,7 +5713,7 @@
         </p:nvCxnSpPr>
         <p:spPr>
           <a:xfrm>
-            <a:off x="1521574" y="1507476"/>
+            <a:off x="1521574" y="2047239"/>
             <a:ext cx="0" cy="1"/>
           </a:xfrm>
           <a:prstGeom prst="line">
@@ -5758,7 +5758,7 @@
         </p:nvCxnSpPr>
         <p:spPr>
           <a:xfrm>
-            <a:off x="3798670" y="4017978"/>
+            <a:off x="3798683" y="4557728"/>
             <a:ext cx="1" cy="0"/>
           </a:xfrm>
           <a:prstGeom prst="line">
@@ -5803,7 +5803,7 @@
         </p:nvCxnSpPr>
         <p:spPr>
           <a:xfrm flipV="1">
-            <a:off x="2951491" y="2589855"/>
+            <a:off x="2951491" y="3129618"/>
             <a:ext cx="345754" cy="1383043"/>
           </a:xfrm>
           <a:prstGeom prst="line">
@@ -5848,7 +5848,7 @@
         </p:nvCxnSpPr>
         <p:spPr>
           <a:xfrm flipH="1" flipV="1">
-            <a:off x="3620368" y="2599089"/>
+            <a:off x="3620368" y="3138852"/>
             <a:ext cx="345754" cy="1383043"/>
           </a:xfrm>
           <a:prstGeom prst="line">
@@ -5893,7 +5893,7 @@
         </p:nvCxnSpPr>
         <p:spPr>
           <a:xfrm flipV="1">
-            <a:off x="3314606" y="1468188"/>
+            <a:off x="3314619" y="2007951"/>
             <a:ext cx="609581" cy="1037731"/>
           </a:xfrm>
           <a:prstGeom prst="line">
@@ -5938,7 +5938,7 @@
         </p:nvCxnSpPr>
         <p:spPr>
           <a:xfrm flipV="1">
-            <a:off x="750211" y="1468185"/>
+            <a:off x="750224" y="2007948"/>
             <a:ext cx="617551" cy="1127461"/>
           </a:xfrm>
           <a:prstGeom prst="line">
@@ -5983,7 +5983,7 @@
         </p:nvCxnSpPr>
         <p:spPr>
           <a:xfrm flipH="1" flipV="1">
-            <a:off x="4221767" y="1456610"/>
+            <a:off x="4221780" y="1996373"/>
             <a:ext cx="617551" cy="1127461"/>
           </a:xfrm>
           <a:prstGeom prst="line">
@@ -6028,7 +6028,7 @@
         </p:nvCxnSpPr>
         <p:spPr>
           <a:xfrm flipH="1" flipV="1">
-            <a:off x="1668252" y="1479757"/>
+            <a:off x="1668265" y="2019520"/>
             <a:ext cx="617551" cy="1127461"/>
           </a:xfrm>
           <a:prstGeom prst="line">
@@ -6073,7 +6073,7 @@
         </p:nvCxnSpPr>
         <p:spPr>
           <a:xfrm flipV="1">
-            <a:off x="1551009" y="645582"/>
+            <a:off x="1551009" y="1185345"/>
             <a:ext cx="1158500" cy="656573"/>
           </a:xfrm>
           <a:prstGeom prst="line">
@@ -6118,7 +6118,7 @@
         </p:nvCxnSpPr>
         <p:spPr>
           <a:xfrm flipH="1" flipV="1">
-            <a:off x="2876731" y="645580"/>
+            <a:off x="2876731" y="1185330"/>
             <a:ext cx="1274618" cy="735900"/>
           </a:xfrm>
           <a:prstGeom prst="line">
@@ -6163,7 +6163,7 @@
             </p:nvSpPr>
             <p:spPr>
               <a:xfrm>
-                <a:off x="2744226" y="1626460"/>
+                <a:off x="2744226" y="2166223"/>
                 <a:ext cx="475130" cy="430887"/>
               </a:xfrm>
               <a:prstGeom prst="rect">
@@ -6190,14 +6190,14 @@
                       <m:sSub>
                         <m:sSubPr>
                           <m:ctrlPr>
-                            <a:rPr lang="fr-FR" sz="2800" b="0" i="1" smtClean="0">
+                            <a:rPr lang="fr-FR" sz="2800" i="1">
                               <a:latin typeface="Cambria Math" panose="02040503050406030204" pitchFamily="18" charset="0"/>
                             </a:rPr>
                           </m:ctrlPr>
                         </m:sSubPr>
                         <m:e>
                           <m:r>
-                            <a:rPr lang="fr-FR" sz="2800" b="0" i="1" smtClean="0">
+                            <a:rPr lang="fr-FR" sz="2800" i="1">
                               <a:latin typeface="Cambria Math" panose="02040503050406030204" pitchFamily="18" charset="0"/>
                             </a:rPr>
                             <m:t>𝐵</m:t>
@@ -6205,7 +6205,7 @@
                         </m:e>
                         <m:sub>
                           <m:r>
-                            <a:rPr lang="fr-FR" sz="2800" b="0" i="1" smtClean="0">
+                            <a:rPr lang="fr-FR" sz="2800" i="1">
                               <a:latin typeface="Cambria Math" panose="02040503050406030204" pitchFamily="18" charset="0"/>
                             </a:rPr>
                             <m:t>𝑛</m:t>
@@ -6237,7 +6237,7 @@
             </p:nvSpPr>
             <p:spPr>
               <a:xfrm>
-                <a:off x="2744226" y="1626460"/>
+                <a:off x="2744226" y="2166223"/>
                 <a:ext cx="475130" cy="430887"/>
               </a:xfrm>
               <a:prstGeom prst="rect">
@@ -6284,7 +6284,7 @@
         </p:nvCxnSpPr>
         <p:spPr>
           <a:xfrm>
-            <a:off x="905883" y="2634936"/>
+            <a:off x="905896" y="3174699"/>
             <a:ext cx="1" cy="1"/>
           </a:xfrm>
           <a:prstGeom prst="line">
@@ -6329,7 +6329,7 @@
         </p:nvCxnSpPr>
         <p:spPr>
           <a:xfrm flipH="1">
-            <a:off x="4684744" y="2634924"/>
+            <a:off x="4684757" y="3174674"/>
             <a:ext cx="1" cy="0"/>
           </a:xfrm>
           <a:prstGeom prst="line">
@@ -6404,7 +6404,7 @@
         </p:nvCxnSpPr>
         <p:spPr>
           <a:xfrm flipH="1" flipV="1">
-            <a:off x="2864303" y="685633"/>
+            <a:off x="2864303" y="1225383"/>
             <a:ext cx="1274618" cy="735900"/>
           </a:xfrm>
           <a:prstGeom prst="line">
@@ -6451,7 +6451,7 @@
         </p:nvCxnSpPr>
         <p:spPr>
           <a:xfrm flipV="1">
-            <a:off x="1589685" y="685633"/>
+            <a:off x="1589685" y="1225383"/>
             <a:ext cx="1274618" cy="735900"/>
           </a:xfrm>
           <a:prstGeom prst="line">
@@ -6498,7 +6498,7 @@
         </p:nvCxnSpPr>
         <p:spPr>
           <a:xfrm flipV="1">
-            <a:off x="3522472" y="1421543"/>
+            <a:off x="3522485" y="1961306"/>
             <a:ext cx="617551" cy="1127461"/>
           </a:xfrm>
           <a:prstGeom prst="line">
@@ -6545,7 +6545,7 @@
         </p:nvCxnSpPr>
         <p:spPr>
           <a:xfrm flipV="1">
-            <a:off x="3175952" y="2548992"/>
+            <a:off x="3175952" y="3088755"/>
             <a:ext cx="345754" cy="1383043"/>
           </a:xfrm>
           <a:prstGeom prst="line">
@@ -6592,7 +6592,7 @@
         </p:nvCxnSpPr>
         <p:spPr>
           <a:xfrm flipH="1" flipV="1">
-            <a:off x="4137833" y="1421543"/>
+            <a:off x="4137846" y="1961306"/>
             <a:ext cx="617551" cy="1127461"/>
           </a:xfrm>
           <a:prstGeom prst="line">
@@ -6639,7 +6639,7 @@
         </p:nvCxnSpPr>
         <p:spPr>
           <a:xfrm flipH="1" flipV="1">
-            <a:off x="3523557" y="2548992"/>
+            <a:off x="3523557" y="3088755"/>
             <a:ext cx="345754" cy="1383043"/>
           </a:xfrm>
           <a:prstGeom prst="line">
@@ -6686,7 +6686,7 @@
         </p:nvCxnSpPr>
         <p:spPr>
           <a:xfrm flipV="1">
-            <a:off x="976523" y="1421542"/>
+            <a:off x="976536" y="1961305"/>
             <a:ext cx="617551" cy="1127461"/>
           </a:xfrm>
           <a:prstGeom prst="line">
@@ -6733,7 +6733,7 @@
         </p:nvCxnSpPr>
         <p:spPr>
           <a:xfrm flipH="1" flipV="1">
-            <a:off x="1591091" y="1421542"/>
+            <a:off x="1591104" y="1961305"/>
             <a:ext cx="617551" cy="1127461"/>
           </a:xfrm>
           <a:prstGeom prst="line">
@@ -6780,7 +6780,7 @@
         </p:nvCxnSpPr>
         <p:spPr>
           <a:xfrm>
-            <a:off x="1592214" y="1421543"/>
+            <a:off x="1592214" y="1961306"/>
             <a:ext cx="0" cy="1"/>
           </a:xfrm>
           <a:prstGeom prst="line">
@@ -6825,7 +6825,7 @@
         </p:nvCxnSpPr>
         <p:spPr>
           <a:xfrm>
-            <a:off x="3869310" y="3932046"/>
+            <a:off x="3869323" y="4471796"/>
             <a:ext cx="1" cy="0"/>
           </a:xfrm>
           <a:prstGeom prst="line">
@@ -6870,7 +6870,7 @@
             </p:nvSpPr>
             <p:spPr>
               <a:xfrm>
-                <a:off x="2775390" y="1546464"/>
+                <a:off x="2775390" y="2086227"/>
                 <a:ext cx="556178" cy="430887"/>
               </a:xfrm>
               <a:prstGeom prst="rect">
@@ -6897,14 +6897,14 @@
                       <m:sSub>
                         <m:sSubPr>
                           <m:ctrlPr>
-                            <a:rPr lang="fr-FR" sz="2800" b="0" i="1" smtClean="0">
+                            <a:rPr lang="fr-FR" sz="2800" i="1">
                               <a:latin typeface="Cambria Math" panose="02040503050406030204" pitchFamily="18" charset="0"/>
                             </a:rPr>
                           </m:ctrlPr>
                         </m:sSubPr>
                         <m:e>
                           <m:r>
-                            <a:rPr lang="fr-FR" sz="2800" b="0" i="1" smtClean="0">
+                            <a:rPr lang="fr-FR" sz="2800" i="1">
                               <a:latin typeface="Cambria Math" panose="02040503050406030204" pitchFamily="18" charset="0"/>
                             </a:rPr>
                             <m:t>𝑀</m:t>
@@ -6912,7 +6912,7 @@
                         </m:e>
                         <m:sub>
                           <m:r>
-                            <a:rPr lang="fr-FR" sz="2800" b="0" i="1" smtClean="0">
+                            <a:rPr lang="fr-FR" sz="2800" i="1">
                               <a:latin typeface="Cambria Math" panose="02040503050406030204" pitchFamily="18" charset="0"/>
                             </a:rPr>
                             <m:t>𝑛</m:t>
@@ -6944,7 +6944,7 @@
             </p:nvSpPr>
             <p:spPr>
               <a:xfrm>
-                <a:off x="2775390" y="1546464"/>
+                <a:off x="2775390" y="2086227"/>
                 <a:ext cx="556178" cy="430887"/>
               </a:xfrm>
               <a:prstGeom prst="rect">
@@ -6989,7 +6989,7 @@
         </p:nvSpPr>
         <p:spPr>
           <a:xfrm>
-            <a:off x="1718998" y="1474099"/>
+            <a:off x="1719011" y="2013862"/>
             <a:ext cx="2068945" cy="2355273"/>
           </a:xfrm>
           <a:custGeom>
@@ -7087,7 +7087,7 @@
         </p:nvCxnSpPr>
         <p:spPr>
           <a:xfrm>
-            <a:off x="976523" y="2549003"/>
+            <a:off x="976536" y="3088766"/>
             <a:ext cx="1" cy="1"/>
           </a:xfrm>
           <a:prstGeom prst="line">
@@ -7132,7 +7132,7 @@
         </p:nvCxnSpPr>
         <p:spPr>
           <a:xfrm flipH="1">
-            <a:off x="4755384" y="2548992"/>
+            <a:off x="4755397" y="3088742"/>
             <a:ext cx="1" cy="0"/>
           </a:xfrm>
           <a:prstGeom prst="line">
@@ -7175,7 +7175,7 @@
         </p:nvSpPr>
         <p:spPr>
           <a:xfrm>
-            <a:off x="1064795" y="2604837"/>
+            <a:off x="1064808" y="3144587"/>
             <a:ext cx="3609473" cy="571532"/>
           </a:xfrm>
           <a:custGeom>
@@ -7303,7 +7303,7 @@
         </p:nvSpPr>
         <p:spPr>
           <a:xfrm>
-            <a:off x="657685" y="2129726"/>
+            <a:off x="657685" y="2669476"/>
             <a:ext cx="4398246" cy="2027448"/>
           </a:xfrm>
           <a:custGeom>
@@ -8000,7 +8000,7 @@
         </p:nvSpPr>
         <p:spPr>
           <a:xfrm>
-            <a:off x="657685" y="2159155"/>
+            <a:off x="657685" y="2698918"/>
             <a:ext cx="3513768" cy="1985803"/>
           </a:xfrm>
           <a:custGeom>
@@ -8902,7 +8902,7 @@
         </p:nvSpPr>
         <p:spPr>
           <a:xfrm>
-            <a:off x="886391" y="395482"/>
+            <a:off x="886404" y="935245"/>
             <a:ext cx="3601953" cy="3041025"/>
           </a:xfrm>
           <a:custGeom>
@@ -9370,7 +9370,7 @@
         </p:nvCxnSpPr>
         <p:spPr>
           <a:xfrm flipH="1" flipV="1">
-            <a:off x="2892157" y="600454"/>
+            <a:off x="2892157" y="1140204"/>
             <a:ext cx="1274618" cy="735900"/>
           </a:xfrm>
           <a:prstGeom prst="line">
@@ -9415,7 +9415,7 @@
         </p:nvCxnSpPr>
         <p:spPr>
           <a:xfrm flipV="1">
-            <a:off x="1617539" y="600454"/>
+            <a:off x="1617539" y="1140204"/>
             <a:ext cx="1274618" cy="735900"/>
           </a:xfrm>
           <a:prstGeom prst="line">
@@ -9460,7 +9460,7 @@
         </p:nvCxnSpPr>
         <p:spPr>
           <a:xfrm flipV="1">
-            <a:off x="3550326" y="1336364"/>
+            <a:off x="3550339" y="1876127"/>
             <a:ext cx="617551" cy="1127461"/>
           </a:xfrm>
           <a:prstGeom prst="line">
@@ -9505,7 +9505,7 @@
         </p:nvCxnSpPr>
         <p:spPr>
           <a:xfrm flipV="1">
-            <a:off x="3203806" y="2463813"/>
+            <a:off x="3203806" y="3003576"/>
             <a:ext cx="345754" cy="1383043"/>
           </a:xfrm>
           <a:prstGeom prst="line">
@@ -9550,7 +9550,7 @@
         </p:nvCxnSpPr>
         <p:spPr>
           <a:xfrm flipH="1" flipV="1">
-            <a:off x="4165687" y="1336364"/>
+            <a:off x="4165700" y="1876127"/>
             <a:ext cx="617551" cy="1127461"/>
           </a:xfrm>
           <a:prstGeom prst="line">
@@ -9595,7 +9595,7 @@
         </p:nvCxnSpPr>
         <p:spPr>
           <a:xfrm flipH="1" flipV="1">
-            <a:off x="3551411" y="2463813"/>
+            <a:off x="3551411" y="3003576"/>
             <a:ext cx="345754" cy="1383043"/>
           </a:xfrm>
           <a:prstGeom prst="line">
@@ -9640,7 +9640,7 @@
         </p:nvCxnSpPr>
         <p:spPr>
           <a:xfrm flipV="1">
-            <a:off x="1004377" y="1336363"/>
+            <a:off x="1004390" y="1876126"/>
             <a:ext cx="617551" cy="1127461"/>
           </a:xfrm>
           <a:prstGeom prst="line">
@@ -9685,7 +9685,7 @@
         </p:nvCxnSpPr>
         <p:spPr>
           <a:xfrm flipH="1" flipV="1">
-            <a:off x="1618946" y="1336363"/>
+            <a:off x="1618959" y="1876126"/>
             <a:ext cx="617551" cy="1127461"/>
           </a:xfrm>
           <a:prstGeom prst="line">
@@ -9730,7 +9730,7 @@
         </p:nvCxnSpPr>
         <p:spPr>
           <a:xfrm>
-            <a:off x="1620068" y="1336364"/>
+            <a:off x="1620068" y="1876127"/>
             <a:ext cx="0" cy="1"/>
           </a:xfrm>
           <a:prstGeom prst="line">
@@ -9775,7 +9775,7 @@
         </p:nvCxnSpPr>
         <p:spPr>
           <a:xfrm>
-            <a:off x="3897164" y="3846867"/>
+            <a:off x="3897164" y="4386630"/>
             <a:ext cx="0" cy="33851"/>
           </a:xfrm>
           <a:prstGeom prst="line">
@@ -9820,7 +9820,7 @@
             </p:nvSpPr>
             <p:spPr>
               <a:xfrm>
-                <a:off x="4709999" y="1676728"/>
+                <a:off x="4710012" y="2216491"/>
                 <a:ext cx="313355" cy="430887"/>
               </a:xfrm>
               <a:prstGeom prst="rect">
@@ -9845,10 +9845,7 @@
                     </m:oMathParaPr>
                     <m:oMath xmlns:m="http://schemas.openxmlformats.org/officeDocument/2006/math">
                       <m:r>
-                        <a:rPr lang="fr-FR" sz="2800" b="0" i="1" smtClean="0">
-                          <a:solidFill>
-                            <a:schemeClr val="tx1"/>
-                          </a:solidFill>
+                        <a:rPr lang="fr-FR" sz="2800" i="1">
                           <a:latin typeface="Cambria Math" panose="02040503050406030204" pitchFamily="18" charset="0"/>
                         </a:rPr>
                         <m:t>𝑃</m:t>
@@ -9856,11 +9853,7 @@
                     </m:oMath>
                   </m:oMathPara>
                 </a14:m>
-                <a:endParaRPr lang="fr-FR" sz="2800" dirty="0">
-                  <a:solidFill>
-                    <a:schemeClr val="tx1"/>
-                  </a:solidFill>
-                </a:endParaRPr>
+                <a:endParaRPr lang="fr-FR" sz="2800" dirty="0"/>
               </a:p>
             </p:txBody>
           </p:sp>
@@ -9882,7 +9875,7 @@
             </p:nvSpPr>
             <p:spPr>
               <a:xfrm>
-                <a:off x="4709999" y="1676728"/>
+                <a:off x="4710012" y="2216491"/>
                 <a:ext cx="313355" cy="430887"/>
               </a:xfrm>
               <a:prstGeom prst="rect">
@@ -9929,7 +9922,7 @@
         </p:nvCxnSpPr>
         <p:spPr>
           <a:xfrm>
-            <a:off x="1004377" y="2463824"/>
+            <a:off x="1004390" y="3003587"/>
             <a:ext cx="1" cy="1"/>
           </a:xfrm>
           <a:prstGeom prst="line">
@@ -9974,7 +9967,7 @@
         </p:nvCxnSpPr>
         <p:spPr>
           <a:xfrm flipH="1">
-            <a:off x="4783238" y="2463813"/>
+            <a:off x="4783251" y="3003563"/>
             <a:ext cx="1" cy="0"/>
           </a:xfrm>
           <a:prstGeom prst="line">
@@ -10019,7 +10012,7 @@
             </p:nvSpPr>
             <p:spPr>
               <a:xfrm>
-                <a:off x="2803252" y="1461285"/>
+                <a:off x="2803265" y="2001048"/>
                 <a:ext cx="435119" cy="444417"/>
               </a:xfrm>
               <a:prstGeom prst="rect">
@@ -10105,7 +10098,7 @@
             </p:nvSpPr>
             <p:spPr>
               <a:xfrm>
-                <a:off x="2803252" y="1461285"/>
+                <a:off x="2803265" y="2001048"/>
                 <a:ext cx="435119" cy="444417"/>
               </a:xfrm>
               <a:prstGeom prst="rect">
@@ -10152,7 +10145,7 @@
             </p:nvSpPr>
             <p:spPr>
               <a:xfrm>
-                <a:off x="1617539" y="2855154"/>
+                <a:off x="1617539" y="3394917"/>
                 <a:ext cx="729366" cy="430887"/>
               </a:xfrm>
               <a:prstGeom prst="rect">
@@ -10177,7 +10170,7 @@
                     </m:oMathParaPr>
                     <m:oMath xmlns:m="http://schemas.openxmlformats.org/officeDocument/2006/math">
                       <m:r>
-                        <a:rPr lang="fr-FR" sz="2800" b="0" i="1" smtClean="0">
+                        <a:rPr lang="fr-FR" sz="2800" i="1">
                           <a:latin typeface="Cambria Math" panose="02040503050406030204" pitchFamily="18" charset="0"/>
                         </a:rPr>
                         <m:t>𝜕</m:t>
@@ -10185,14 +10178,14 @@
                       <m:sSubSup>
                         <m:sSubSupPr>
                           <m:ctrlPr>
-                            <a:rPr lang="fr-FR" sz="2800" b="0" i="1" smtClean="0">
+                            <a:rPr lang="fr-FR" sz="2800" i="1">
                               <a:latin typeface="Cambria Math" panose="02040503050406030204" pitchFamily="18" charset="0"/>
                             </a:rPr>
                           </m:ctrlPr>
                         </m:sSubSupPr>
                         <m:e>
                           <m:r>
-                            <a:rPr lang="fr-FR" sz="2800" b="0" i="1" smtClean="0">
+                            <a:rPr lang="fr-FR" sz="2800" i="1">
                               <a:latin typeface="Cambria Math" panose="02040503050406030204" pitchFamily="18" charset="0"/>
                             </a:rPr>
                             <m:t>𝑇</m:t>
@@ -10200,7 +10193,7 @@
                         </m:e>
                         <m:sub>
                           <m:r>
-                            <a:rPr lang="fr-FR" sz="2800" b="0" i="1" smtClean="0">
+                            <a:rPr lang="fr-FR" sz="2800" i="1">
                               <a:latin typeface="Cambria Math" panose="02040503050406030204" pitchFamily="18" charset="0"/>
                             </a:rPr>
                             <m:t>𝑛</m:t>
@@ -10208,7 +10201,7 @@
                         </m:sub>
                         <m:sup>
                           <m:r>
-                            <a:rPr lang="fr-FR" sz="2800" b="0" i="1" smtClean="0">
+                            <a:rPr lang="fr-FR" sz="2800" i="1">
                               <a:latin typeface="Cambria Math" panose="02040503050406030204" pitchFamily="18" charset="0"/>
                             </a:rPr>
                             <m:t>−</m:t>
@@ -10240,7 +10233,7 @@
             </p:nvSpPr>
             <p:spPr>
               <a:xfrm>
-                <a:off x="1617539" y="2855154"/>
+                <a:off x="1617539" y="3394917"/>
                 <a:ext cx="729366" cy="430887"/>
               </a:xfrm>
               <a:prstGeom prst="rect">
@@ -10287,7 +10280,7 @@
             </p:nvSpPr>
             <p:spPr>
               <a:xfrm>
-                <a:off x="4783238" y="2978433"/>
+                <a:off x="4783238" y="3518196"/>
                 <a:ext cx="644600" cy="430887"/>
               </a:xfrm>
               <a:prstGeom prst="rect">
@@ -10312,7 +10305,7 @@
                     </m:oMathParaPr>
                     <m:oMath xmlns:m="http://schemas.openxmlformats.org/officeDocument/2006/math">
                       <m:r>
-                        <a:rPr lang="fr-FR" sz="2800" b="0" i="1" smtClean="0">
+                        <a:rPr lang="fr-FR" sz="2800" i="1">
                           <a:solidFill>
                             <a:schemeClr val="bg2">
                               <a:lumMod val="75000"/>
@@ -10325,7 +10318,7 @@
                       <m:sSub>
                         <m:sSubPr>
                           <m:ctrlPr>
-                            <a:rPr lang="fr-FR" sz="2800" b="0" i="1" smtClean="0">
+                            <a:rPr lang="fr-FR" sz="2800" i="1">
                               <a:solidFill>
                                 <a:schemeClr val="bg2">
                                   <a:lumMod val="75000"/>
@@ -10337,7 +10330,7 @@
                         </m:sSubPr>
                         <m:e>
                           <m:r>
-                            <a:rPr lang="fr-FR" sz="2800" b="0" i="1" smtClean="0">
+                            <a:rPr lang="fr-FR" sz="2800" i="1">
                               <a:solidFill>
                                 <a:schemeClr val="bg2">
                                   <a:lumMod val="75000"/>
@@ -10350,7 +10343,7 @@
                         </m:e>
                         <m:sub>
                           <m:r>
-                            <a:rPr lang="fr-FR" sz="2800" b="0" i="1" smtClean="0">
+                            <a:rPr lang="fr-FR" sz="2800" i="1">
                               <a:solidFill>
                                 <a:schemeClr val="bg2">
                                   <a:lumMod val="75000"/>
@@ -10393,7 +10386,7 @@
             </p:nvSpPr>
             <p:spPr>
               <a:xfrm>
-                <a:off x="4783238" y="2978433"/>
+                <a:off x="4783238" y="3518196"/>
                 <a:ext cx="644600" cy="430887"/>
               </a:xfrm>
               <a:prstGeom prst="rect">
@@ -10454,6 +10447,1469 @@
           <a:chExt cx="0" cy="0"/>
         </a:xfrm>
       </p:grpSpPr>
+      <p:sp>
+        <p:nvSpPr>
+          <p:cNvPr id="35" name="Forme libre : forme 34">
+            <a:extLst>
+              <a:ext uri="{FF2B5EF4-FFF2-40B4-BE49-F238E27FC236}">
+                <a16:creationId xmlns:a16="http://schemas.microsoft.com/office/drawing/2014/main" id="{226058F1-EA34-4799-B961-096DC41EEF55}"/>
+              </a:ext>
+            </a:extLst>
+          </p:cNvPr>
+          <p:cNvSpPr/>
+          <p:nvPr/>
+        </p:nvSpPr>
+        <p:spPr>
+          <a:xfrm>
+            <a:off x="3403129" y="3735983"/>
+            <a:ext cx="874215" cy="1576651"/>
+          </a:xfrm>
+          <a:custGeom>
+            <a:avLst/>
+            <a:gdLst>
+              <a:gd name="connsiteX0" fmla="*/ 37330 w 3556398"/>
+              <a:gd name="connsiteY0" fmla="*/ 1582092 h 3090801"/>
+              <a:gd name="connsiteX1" fmla="*/ 443730 w 3556398"/>
+              <a:gd name="connsiteY1" fmla="*/ 693092 h 3090801"/>
+              <a:gd name="connsiteX2" fmla="*/ 1935980 w 3556398"/>
+              <a:gd name="connsiteY2" fmla="*/ 942 h 3090801"/>
+              <a:gd name="connsiteX3" fmla="*/ 3517130 w 3556398"/>
+              <a:gd name="connsiteY3" fmla="*/ 839142 h 3090801"/>
+              <a:gd name="connsiteX4" fmla="*/ 3002780 w 3556398"/>
+              <a:gd name="connsiteY4" fmla="*/ 2909242 h 3090801"/>
+              <a:gd name="connsiteX5" fmla="*/ 2189980 w 3556398"/>
+              <a:gd name="connsiteY5" fmla="*/ 2852092 h 3090801"/>
+              <a:gd name="connsiteX6" fmla="*/ 1656580 w 3556398"/>
+              <a:gd name="connsiteY6" fmla="*/ 1728142 h 3090801"/>
+              <a:gd name="connsiteX7" fmla="*/ 202430 w 3556398"/>
+              <a:gd name="connsiteY7" fmla="*/ 1785292 h 3090801"/>
+              <a:gd name="connsiteX8" fmla="*/ 37330 w 3556398"/>
+              <a:gd name="connsiteY8" fmla="*/ 1582092 h 3090801"/>
+              <a:gd name="connsiteX0" fmla="*/ 9825 w 3528893"/>
+              <a:gd name="connsiteY0" fmla="*/ 1582092 h 3090801"/>
+              <a:gd name="connsiteX1" fmla="*/ 416225 w 3528893"/>
+              <a:gd name="connsiteY1" fmla="*/ 693092 h 3090801"/>
+              <a:gd name="connsiteX2" fmla="*/ 1908475 w 3528893"/>
+              <a:gd name="connsiteY2" fmla="*/ 942 h 3090801"/>
+              <a:gd name="connsiteX3" fmla="*/ 3489625 w 3528893"/>
+              <a:gd name="connsiteY3" fmla="*/ 839142 h 3090801"/>
+              <a:gd name="connsiteX4" fmla="*/ 2975275 w 3528893"/>
+              <a:gd name="connsiteY4" fmla="*/ 2909242 h 3090801"/>
+              <a:gd name="connsiteX5" fmla="*/ 2162475 w 3528893"/>
+              <a:gd name="connsiteY5" fmla="*/ 2852092 h 3090801"/>
+              <a:gd name="connsiteX6" fmla="*/ 1629075 w 3528893"/>
+              <a:gd name="connsiteY6" fmla="*/ 1728142 h 3090801"/>
+              <a:gd name="connsiteX7" fmla="*/ 714675 w 3528893"/>
+              <a:gd name="connsiteY7" fmla="*/ 1651942 h 3090801"/>
+              <a:gd name="connsiteX8" fmla="*/ 9825 w 3528893"/>
+              <a:gd name="connsiteY8" fmla="*/ 1582092 h 3090801"/>
+              <a:gd name="connsiteX0" fmla="*/ 11759 w 3530827"/>
+              <a:gd name="connsiteY0" fmla="*/ 1582092 h 3090801"/>
+              <a:gd name="connsiteX1" fmla="*/ 418159 w 3530827"/>
+              <a:gd name="connsiteY1" fmla="*/ 693092 h 3090801"/>
+              <a:gd name="connsiteX2" fmla="*/ 1910409 w 3530827"/>
+              <a:gd name="connsiteY2" fmla="*/ 942 h 3090801"/>
+              <a:gd name="connsiteX3" fmla="*/ 3491559 w 3530827"/>
+              <a:gd name="connsiteY3" fmla="*/ 839142 h 3090801"/>
+              <a:gd name="connsiteX4" fmla="*/ 2977209 w 3530827"/>
+              <a:gd name="connsiteY4" fmla="*/ 2909242 h 3090801"/>
+              <a:gd name="connsiteX5" fmla="*/ 2164409 w 3530827"/>
+              <a:gd name="connsiteY5" fmla="*/ 2852092 h 3090801"/>
+              <a:gd name="connsiteX6" fmla="*/ 1631009 w 3530827"/>
+              <a:gd name="connsiteY6" fmla="*/ 1728142 h 3090801"/>
+              <a:gd name="connsiteX7" fmla="*/ 754709 w 3530827"/>
+              <a:gd name="connsiteY7" fmla="*/ 1683692 h 3090801"/>
+              <a:gd name="connsiteX8" fmla="*/ 11759 w 3530827"/>
+              <a:gd name="connsiteY8" fmla="*/ 1582092 h 3090801"/>
+              <a:gd name="connsiteX0" fmla="*/ 11759 w 3530827"/>
+              <a:gd name="connsiteY0" fmla="*/ 1582092 h 3090801"/>
+              <a:gd name="connsiteX1" fmla="*/ 418159 w 3530827"/>
+              <a:gd name="connsiteY1" fmla="*/ 693092 h 3090801"/>
+              <a:gd name="connsiteX2" fmla="*/ 1910409 w 3530827"/>
+              <a:gd name="connsiteY2" fmla="*/ 942 h 3090801"/>
+              <a:gd name="connsiteX3" fmla="*/ 3491559 w 3530827"/>
+              <a:gd name="connsiteY3" fmla="*/ 839142 h 3090801"/>
+              <a:gd name="connsiteX4" fmla="*/ 2977209 w 3530827"/>
+              <a:gd name="connsiteY4" fmla="*/ 2909242 h 3090801"/>
+              <a:gd name="connsiteX5" fmla="*/ 2164409 w 3530827"/>
+              <a:gd name="connsiteY5" fmla="*/ 2852092 h 3090801"/>
+              <a:gd name="connsiteX6" fmla="*/ 1631009 w 3530827"/>
+              <a:gd name="connsiteY6" fmla="*/ 1728142 h 3090801"/>
+              <a:gd name="connsiteX7" fmla="*/ 754709 w 3530827"/>
+              <a:gd name="connsiteY7" fmla="*/ 1683692 h 3090801"/>
+              <a:gd name="connsiteX8" fmla="*/ 11759 w 3530827"/>
+              <a:gd name="connsiteY8" fmla="*/ 1582092 h 3090801"/>
+              <a:gd name="connsiteX0" fmla="*/ 11759 w 3530827"/>
+              <a:gd name="connsiteY0" fmla="*/ 1582092 h 3084963"/>
+              <a:gd name="connsiteX1" fmla="*/ 418159 w 3530827"/>
+              <a:gd name="connsiteY1" fmla="*/ 693092 h 3084963"/>
+              <a:gd name="connsiteX2" fmla="*/ 1910409 w 3530827"/>
+              <a:gd name="connsiteY2" fmla="*/ 942 h 3084963"/>
+              <a:gd name="connsiteX3" fmla="*/ 3491559 w 3530827"/>
+              <a:gd name="connsiteY3" fmla="*/ 839142 h 3084963"/>
+              <a:gd name="connsiteX4" fmla="*/ 2977209 w 3530827"/>
+              <a:gd name="connsiteY4" fmla="*/ 2909242 h 3084963"/>
+              <a:gd name="connsiteX5" fmla="*/ 2164409 w 3530827"/>
+              <a:gd name="connsiteY5" fmla="*/ 2852092 h 3084963"/>
+              <a:gd name="connsiteX6" fmla="*/ 1548459 w 3530827"/>
+              <a:gd name="connsiteY6" fmla="*/ 1855142 h 3084963"/>
+              <a:gd name="connsiteX7" fmla="*/ 754709 w 3530827"/>
+              <a:gd name="connsiteY7" fmla="*/ 1683692 h 3084963"/>
+              <a:gd name="connsiteX8" fmla="*/ 11759 w 3530827"/>
+              <a:gd name="connsiteY8" fmla="*/ 1582092 h 3084963"/>
+              <a:gd name="connsiteX0" fmla="*/ 61157 w 3580225"/>
+              <a:gd name="connsiteY0" fmla="*/ 1582092 h 3084963"/>
+              <a:gd name="connsiteX1" fmla="*/ 467557 w 3580225"/>
+              <a:gd name="connsiteY1" fmla="*/ 693092 h 3084963"/>
+              <a:gd name="connsiteX2" fmla="*/ 1959807 w 3580225"/>
+              <a:gd name="connsiteY2" fmla="*/ 942 h 3084963"/>
+              <a:gd name="connsiteX3" fmla="*/ 3540957 w 3580225"/>
+              <a:gd name="connsiteY3" fmla="*/ 839142 h 3084963"/>
+              <a:gd name="connsiteX4" fmla="*/ 3026607 w 3580225"/>
+              <a:gd name="connsiteY4" fmla="*/ 2909242 h 3084963"/>
+              <a:gd name="connsiteX5" fmla="*/ 2213807 w 3580225"/>
+              <a:gd name="connsiteY5" fmla="*/ 2852092 h 3084963"/>
+              <a:gd name="connsiteX6" fmla="*/ 1597857 w 3580225"/>
+              <a:gd name="connsiteY6" fmla="*/ 1855142 h 3084963"/>
+              <a:gd name="connsiteX7" fmla="*/ 61157 w 3580225"/>
+              <a:gd name="connsiteY7" fmla="*/ 1582092 h 3084963"/>
+              <a:gd name="connsiteX0" fmla="*/ 56026 w 3625894"/>
+              <a:gd name="connsiteY0" fmla="*/ 1740897 h 3085018"/>
+              <a:gd name="connsiteX1" fmla="*/ 513226 w 3625894"/>
+              <a:gd name="connsiteY1" fmla="*/ 693147 h 3085018"/>
+              <a:gd name="connsiteX2" fmla="*/ 2005476 w 3625894"/>
+              <a:gd name="connsiteY2" fmla="*/ 997 h 3085018"/>
+              <a:gd name="connsiteX3" fmla="*/ 3586626 w 3625894"/>
+              <a:gd name="connsiteY3" fmla="*/ 839197 h 3085018"/>
+              <a:gd name="connsiteX4" fmla="*/ 3072276 w 3625894"/>
+              <a:gd name="connsiteY4" fmla="*/ 2909297 h 3085018"/>
+              <a:gd name="connsiteX5" fmla="*/ 2259476 w 3625894"/>
+              <a:gd name="connsiteY5" fmla="*/ 2852147 h 3085018"/>
+              <a:gd name="connsiteX6" fmla="*/ 1643526 w 3625894"/>
+              <a:gd name="connsiteY6" fmla="*/ 1855197 h 3085018"/>
+              <a:gd name="connsiteX7" fmla="*/ 56026 w 3625894"/>
+              <a:gd name="connsiteY7" fmla="*/ 1740897 h 3085018"/>
+              <a:gd name="connsiteX0" fmla="*/ 49733 w 3619601"/>
+              <a:gd name="connsiteY0" fmla="*/ 1740125 h 3084246"/>
+              <a:gd name="connsiteX1" fmla="*/ 545033 w 3619601"/>
+              <a:gd name="connsiteY1" fmla="*/ 901925 h 3084246"/>
+              <a:gd name="connsiteX2" fmla="*/ 1999183 w 3619601"/>
+              <a:gd name="connsiteY2" fmla="*/ 225 h 3084246"/>
+              <a:gd name="connsiteX3" fmla="*/ 3580333 w 3619601"/>
+              <a:gd name="connsiteY3" fmla="*/ 838425 h 3084246"/>
+              <a:gd name="connsiteX4" fmla="*/ 3065983 w 3619601"/>
+              <a:gd name="connsiteY4" fmla="*/ 2908525 h 3084246"/>
+              <a:gd name="connsiteX5" fmla="*/ 2253183 w 3619601"/>
+              <a:gd name="connsiteY5" fmla="*/ 2851375 h 3084246"/>
+              <a:gd name="connsiteX6" fmla="*/ 1637233 w 3619601"/>
+              <a:gd name="connsiteY6" fmla="*/ 1854425 h 3084246"/>
+              <a:gd name="connsiteX7" fmla="*/ 49733 w 3619601"/>
+              <a:gd name="connsiteY7" fmla="*/ 1740125 h 3084246"/>
+              <a:gd name="connsiteX0" fmla="*/ 49458 w 3620376"/>
+              <a:gd name="connsiteY0" fmla="*/ 1600526 h 2944647"/>
+              <a:gd name="connsiteX1" fmla="*/ 544758 w 3620376"/>
+              <a:gd name="connsiteY1" fmla="*/ 762326 h 2944647"/>
+              <a:gd name="connsiteX2" fmla="*/ 1979858 w 3620376"/>
+              <a:gd name="connsiteY2" fmla="*/ 326 h 2944647"/>
+              <a:gd name="connsiteX3" fmla="*/ 3580058 w 3620376"/>
+              <a:gd name="connsiteY3" fmla="*/ 698826 h 2944647"/>
+              <a:gd name="connsiteX4" fmla="*/ 3065708 w 3620376"/>
+              <a:gd name="connsiteY4" fmla="*/ 2768926 h 2944647"/>
+              <a:gd name="connsiteX5" fmla="*/ 2252908 w 3620376"/>
+              <a:gd name="connsiteY5" fmla="*/ 2711776 h 2944647"/>
+              <a:gd name="connsiteX6" fmla="*/ 1636958 w 3620376"/>
+              <a:gd name="connsiteY6" fmla="*/ 1714826 h 2944647"/>
+              <a:gd name="connsiteX7" fmla="*/ 49458 w 3620376"/>
+              <a:gd name="connsiteY7" fmla="*/ 1600526 h 2944647"/>
+              <a:gd name="connsiteX0" fmla="*/ 49458 w 3501655"/>
+              <a:gd name="connsiteY0" fmla="*/ 1601026 h 2929888"/>
+              <a:gd name="connsiteX1" fmla="*/ 544758 w 3501655"/>
+              <a:gd name="connsiteY1" fmla="*/ 762826 h 2929888"/>
+              <a:gd name="connsiteX2" fmla="*/ 1979858 w 3501655"/>
+              <a:gd name="connsiteY2" fmla="*/ 826 h 2929888"/>
+              <a:gd name="connsiteX3" fmla="*/ 3453058 w 3501655"/>
+              <a:gd name="connsiteY3" fmla="*/ 908876 h 2929888"/>
+              <a:gd name="connsiteX4" fmla="*/ 3065708 w 3501655"/>
+              <a:gd name="connsiteY4" fmla="*/ 2769426 h 2929888"/>
+              <a:gd name="connsiteX5" fmla="*/ 2252908 w 3501655"/>
+              <a:gd name="connsiteY5" fmla="*/ 2712276 h 2929888"/>
+              <a:gd name="connsiteX6" fmla="*/ 1636958 w 3501655"/>
+              <a:gd name="connsiteY6" fmla="*/ 1715326 h 2929888"/>
+              <a:gd name="connsiteX7" fmla="*/ 49458 w 3501655"/>
+              <a:gd name="connsiteY7" fmla="*/ 1601026 h 2929888"/>
+              <a:gd name="connsiteX0" fmla="*/ 49458 w 3501655"/>
+              <a:gd name="connsiteY0" fmla="*/ 1601026 h 2982159"/>
+              <a:gd name="connsiteX1" fmla="*/ 544758 w 3501655"/>
+              <a:gd name="connsiteY1" fmla="*/ 762826 h 2982159"/>
+              <a:gd name="connsiteX2" fmla="*/ 1979858 w 3501655"/>
+              <a:gd name="connsiteY2" fmla="*/ 826 h 2982159"/>
+              <a:gd name="connsiteX3" fmla="*/ 3453058 w 3501655"/>
+              <a:gd name="connsiteY3" fmla="*/ 908876 h 2982159"/>
+              <a:gd name="connsiteX4" fmla="*/ 3065708 w 3501655"/>
+              <a:gd name="connsiteY4" fmla="*/ 2769426 h 2982159"/>
+              <a:gd name="connsiteX5" fmla="*/ 2252908 w 3501655"/>
+              <a:gd name="connsiteY5" fmla="*/ 2712276 h 2982159"/>
+              <a:gd name="connsiteX6" fmla="*/ 1636958 w 3501655"/>
+              <a:gd name="connsiteY6" fmla="*/ 1715326 h 2982159"/>
+              <a:gd name="connsiteX7" fmla="*/ 49458 w 3501655"/>
+              <a:gd name="connsiteY7" fmla="*/ 1601026 h 2982159"/>
+              <a:gd name="connsiteX0" fmla="*/ 49458 w 3502021"/>
+              <a:gd name="connsiteY0" fmla="*/ 1601026 h 3017333"/>
+              <a:gd name="connsiteX1" fmla="*/ 544758 w 3502021"/>
+              <a:gd name="connsiteY1" fmla="*/ 762826 h 3017333"/>
+              <a:gd name="connsiteX2" fmla="*/ 1979858 w 3502021"/>
+              <a:gd name="connsiteY2" fmla="*/ 826 h 3017333"/>
+              <a:gd name="connsiteX3" fmla="*/ 3453058 w 3502021"/>
+              <a:gd name="connsiteY3" fmla="*/ 908876 h 3017333"/>
+              <a:gd name="connsiteX4" fmla="*/ 3065708 w 3502021"/>
+              <a:gd name="connsiteY4" fmla="*/ 2769426 h 3017333"/>
+              <a:gd name="connsiteX5" fmla="*/ 2227508 w 3502021"/>
+              <a:gd name="connsiteY5" fmla="*/ 2775776 h 3017333"/>
+              <a:gd name="connsiteX6" fmla="*/ 1636958 w 3502021"/>
+              <a:gd name="connsiteY6" fmla="*/ 1715326 h 3017333"/>
+              <a:gd name="connsiteX7" fmla="*/ 49458 w 3502021"/>
+              <a:gd name="connsiteY7" fmla="*/ 1601026 h 3017333"/>
+              <a:gd name="connsiteX0" fmla="*/ 43611 w 3496174"/>
+              <a:gd name="connsiteY0" fmla="*/ 1601026 h 2956944"/>
+              <a:gd name="connsiteX1" fmla="*/ 538911 w 3496174"/>
+              <a:gd name="connsiteY1" fmla="*/ 762826 h 2956944"/>
+              <a:gd name="connsiteX2" fmla="*/ 1974011 w 3496174"/>
+              <a:gd name="connsiteY2" fmla="*/ 826 h 2956944"/>
+              <a:gd name="connsiteX3" fmla="*/ 3447211 w 3496174"/>
+              <a:gd name="connsiteY3" fmla="*/ 908876 h 2956944"/>
+              <a:gd name="connsiteX4" fmla="*/ 3059861 w 3496174"/>
+              <a:gd name="connsiteY4" fmla="*/ 2769426 h 2956944"/>
+              <a:gd name="connsiteX5" fmla="*/ 2221661 w 3496174"/>
+              <a:gd name="connsiteY5" fmla="*/ 2775776 h 2956944"/>
+              <a:gd name="connsiteX6" fmla="*/ 1535861 w 3496174"/>
+              <a:gd name="connsiteY6" fmla="*/ 1734376 h 2956944"/>
+              <a:gd name="connsiteX7" fmla="*/ 43611 w 3496174"/>
+              <a:gd name="connsiteY7" fmla="*/ 1601026 h 2956944"/>
+              <a:gd name="connsiteX0" fmla="*/ 43611 w 3496174"/>
+              <a:gd name="connsiteY0" fmla="*/ 1601026 h 2956944"/>
+              <a:gd name="connsiteX1" fmla="*/ 538911 w 3496174"/>
+              <a:gd name="connsiteY1" fmla="*/ 762826 h 2956944"/>
+              <a:gd name="connsiteX2" fmla="*/ 1974011 w 3496174"/>
+              <a:gd name="connsiteY2" fmla="*/ 826 h 2956944"/>
+              <a:gd name="connsiteX3" fmla="*/ 3447211 w 3496174"/>
+              <a:gd name="connsiteY3" fmla="*/ 908876 h 2956944"/>
+              <a:gd name="connsiteX4" fmla="*/ 3059861 w 3496174"/>
+              <a:gd name="connsiteY4" fmla="*/ 2769426 h 2956944"/>
+              <a:gd name="connsiteX5" fmla="*/ 2221661 w 3496174"/>
+              <a:gd name="connsiteY5" fmla="*/ 2775776 h 2956944"/>
+              <a:gd name="connsiteX6" fmla="*/ 1535861 w 3496174"/>
+              <a:gd name="connsiteY6" fmla="*/ 1734376 h 2956944"/>
+              <a:gd name="connsiteX7" fmla="*/ 43611 w 3496174"/>
+              <a:gd name="connsiteY7" fmla="*/ 1601026 h 2956944"/>
+              <a:gd name="connsiteX0" fmla="*/ 43611 w 3496174"/>
+              <a:gd name="connsiteY0" fmla="*/ 1601026 h 2971805"/>
+              <a:gd name="connsiteX1" fmla="*/ 538911 w 3496174"/>
+              <a:gd name="connsiteY1" fmla="*/ 762826 h 2971805"/>
+              <a:gd name="connsiteX2" fmla="*/ 1974011 w 3496174"/>
+              <a:gd name="connsiteY2" fmla="*/ 826 h 2971805"/>
+              <a:gd name="connsiteX3" fmla="*/ 3447211 w 3496174"/>
+              <a:gd name="connsiteY3" fmla="*/ 908876 h 2971805"/>
+              <a:gd name="connsiteX4" fmla="*/ 3059861 w 3496174"/>
+              <a:gd name="connsiteY4" fmla="*/ 2769426 h 2971805"/>
+              <a:gd name="connsiteX5" fmla="*/ 2221661 w 3496174"/>
+              <a:gd name="connsiteY5" fmla="*/ 2775776 h 2971805"/>
+              <a:gd name="connsiteX6" fmla="*/ 1535861 w 3496174"/>
+              <a:gd name="connsiteY6" fmla="*/ 1734376 h 2971805"/>
+              <a:gd name="connsiteX7" fmla="*/ 43611 w 3496174"/>
+              <a:gd name="connsiteY7" fmla="*/ 1601026 h 2971805"/>
+              <a:gd name="connsiteX0" fmla="*/ 43611 w 3573474"/>
+              <a:gd name="connsiteY0" fmla="*/ 1601596 h 2969295"/>
+              <a:gd name="connsiteX1" fmla="*/ 538911 w 3573474"/>
+              <a:gd name="connsiteY1" fmla="*/ 763396 h 2969295"/>
+              <a:gd name="connsiteX2" fmla="*/ 1974011 w 3573474"/>
+              <a:gd name="connsiteY2" fmla="*/ 1396 h 2969295"/>
+              <a:gd name="connsiteX3" fmla="*/ 3530338 w 3573474"/>
+              <a:gd name="connsiteY3" fmla="*/ 955628 h 2969295"/>
+              <a:gd name="connsiteX4" fmla="*/ 3059861 w 3573474"/>
+              <a:gd name="connsiteY4" fmla="*/ 2769996 h 2969295"/>
+              <a:gd name="connsiteX5" fmla="*/ 2221661 w 3573474"/>
+              <a:gd name="connsiteY5" fmla="*/ 2776346 h 2969295"/>
+              <a:gd name="connsiteX6" fmla="*/ 1535861 w 3573474"/>
+              <a:gd name="connsiteY6" fmla="*/ 1734946 h 2969295"/>
+              <a:gd name="connsiteX7" fmla="*/ 43611 w 3573474"/>
+              <a:gd name="connsiteY7" fmla="*/ 1601596 h 2969295"/>
+              <a:gd name="connsiteX0" fmla="*/ 43611 w 3599531"/>
+              <a:gd name="connsiteY0" fmla="*/ 1602451 h 2966474"/>
+              <a:gd name="connsiteX1" fmla="*/ 538911 w 3599531"/>
+              <a:gd name="connsiteY1" fmla="*/ 764251 h 2966474"/>
+              <a:gd name="connsiteX2" fmla="*/ 1974011 w 3599531"/>
+              <a:gd name="connsiteY2" fmla="*/ 2251 h 2966474"/>
+              <a:gd name="connsiteX3" fmla="*/ 3558047 w 3599531"/>
+              <a:gd name="connsiteY3" fmla="*/ 1011901 h 2966474"/>
+              <a:gd name="connsiteX4" fmla="*/ 3059861 w 3599531"/>
+              <a:gd name="connsiteY4" fmla="*/ 2770851 h 2966474"/>
+              <a:gd name="connsiteX5" fmla="*/ 2221661 w 3599531"/>
+              <a:gd name="connsiteY5" fmla="*/ 2777201 h 2966474"/>
+              <a:gd name="connsiteX6" fmla="*/ 1535861 w 3599531"/>
+              <a:gd name="connsiteY6" fmla="*/ 1735801 h 2966474"/>
+              <a:gd name="connsiteX7" fmla="*/ 43611 w 3599531"/>
+              <a:gd name="connsiteY7" fmla="*/ 1602451 h 2966474"/>
+              <a:gd name="connsiteX0" fmla="*/ 43611 w 3600744"/>
+              <a:gd name="connsiteY0" fmla="*/ 1602451 h 2992611"/>
+              <a:gd name="connsiteX1" fmla="*/ 538911 w 3600744"/>
+              <a:gd name="connsiteY1" fmla="*/ 764251 h 2992611"/>
+              <a:gd name="connsiteX2" fmla="*/ 1974011 w 3600744"/>
+              <a:gd name="connsiteY2" fmla="*/ 2251 h 2992611"/>
+              <a:gd name="connsiteX3" fmla="*/ 3558047 w 3600744"/>
+              <a:gd name="connsiteY3" fmla="*/ 1011901 h 2992611"/>
+              <a:gd name="connsiteX4" fmla="*/ 3059861 w 3600744"/>
+              <a:gd name="connsiteY4" fmla="*/ 2770851 h 2992611"/>
+              <a:gd name="connsiteX5" fmla="*/ 2221661 w 3600744"/>
+              <a:gd name="connsiteY5" fmla="*/ 2777201 h 2992611"/>
+              <a:gd name="connsiteX6" fmla="*/ 1535861 w 3600744"/>
+              <a:gd name="connsiteY6" fmla="*/ 1735801 h 2992611"/>
+              <a:gd name="connsiteX7" fmla="*/ 43611 w 3600744"/>
+              <a:gd name="connsiteY7" fmla="*/ 1602451 h 2992611"/>
+              <a:gd name="connsiteX0" fmla="*/ 43611 w 3601952"/>
+              <a:gd name="connsiteY0" fmla="*/ 1602451 h 3016531"/>
+              <a:gd name="connsiteX1" fmla="*/ 538911 w 3601952"/>
+              <a:gd name="connsiteY1" fmla="*/ 764251 h 3016531"/>
+              <a:gd name="connsiteX2" fmla="*/ 1974011 w 3601952"/>
+              <a:gd name="connsiteY2" fmla="*/ 2251 h 3016531"/>
+              <a:gd name="connsiteX3" fmla="*/ 3558047 w 3601952"/>
+              <a:gd name="connsiteY3" fmla="*/ 1011901 h 3016531"/>
+              <a:gd name="connsiteX4" fmla="*/ 3069098 w 3601952"/>
+              <a:gd name="connsiteY4" fmla="*/ 2826269 h 3016531"/>
+              <a:gd name="connsiteX5" fmla="*/ 2221661 w 3601952"/>
+              <a:gd name="connsiteY5" fmla="*/ 2777201 h 3016531"/>
+              <a:gd name="connsiteX6" fmla="*/ 1535861 w 3601952"/>
+              <a:gd name="connsiteY6" fmla="*/ 1735801 h 3016531"/>
+              <a:gd name="connsiteX7" fmla="*/ 43611 w 3601952"/>
+              <a:gd name="connsiteY7" fmla="*/ 1602451 h 3016531"/>
+              <a:gd name="connsiteX0" fmla="*/ 43611 w 3601952"/>
+              <a:gd name="connsiteY0" fmla="*/ 1602451 h 3041025"/>
+              <a:gd name="connsiteX1" fmla="*/ 538911 w 3601952"/>
+              <a:gd name="connsiteY1" fmla="*/ 764251 h 3041025"/>
+              <a:gd name="connsiteX2" fmla="*/ 1974011 w 3601952"/>
+              <a:gd name="connsiteY2" fmla="*/ 2251 h 3041025"/>
+              <a:gd name="connsiteX3" fmla="*/ 3558047 w 3601952"/>
+              <a:gd name="connsiteY3" fmla="*/ 1011901 h 3041025"/>
+              <a:gd name="connsiteX4" fmla="*/ 3069098 w 3601952"/>
+              <a:gd name="connsiteY4" fmla="*/ 2826269 h 3041025"/>
+              <a:gd name="connsiteX5" fmla="*/ 2221661 w 3601952"/>
+              <a:gd name="connsiteY5" fmla="*/ 2777201 h 3041025"/>
+              <a:gd name="connsiteX6" fmla="*/ 1535861 w 3601952"/>
+              <a:gd name="connsiteY6" fmla="*/ 1735801 h 3041025"/>
+              <a:gd name="connsiteX7" fmla="*/ 43611 w 3601952"/>
+              <a:gd name="connsiteY7" fmla="*/ 1602451 h 3041025"/>
+              <a:gd name="connsiteX0" fmla="*/ 87685 w 3646026"/>
+              <a:gd name="connsiteY0" fmla="*/ 1602451 h 3041025"/>
+              <a:gd name="connsiteX1" fmla="*/ 582985 w 3646026"/>
+              <a:gd name="connsiteY1" fmla="*/ 764251 h 3041025"/>
+              <a:gd name="connsiteX2" fmla="*/ 2018085 w 3646026"/>
+              <a:gd name="connsiteY2" fmla="*/ 2251 h 3041025"/>
+              <a:gd name="connsiteX3" fmla="*/ 3602121 w 3646026"/>
+              <a:gd name="connsiteY3" fmla="*/ 1011901 h 3041025"/>
+              <a:gd name="connsiteX4" fmla="*/ 3113172 w 3646026"/>
+              <a:gd name="connsiteY4" fmla="*/ 2826269 h 3041025"/>
+              <a:gd name="connsiteX5" fmla="*/ 2265735 w 3646026"/>
+              <a:gd name="connsiteY5" fmla="*/ 2777201 h 3041025"/>
+              <a:gd name="connsiteX6" fmla="*/ 87685 w 3646026"/>
+              <a:gd name="connsiteY6" fmla="*/ 1602451 h 3041025"/>
+              <a:gd name="connsiteX0" fmla="*/ 145797 w 3704138"/>
+              <a:gd name="connsiteY0" fmla="*/ 1602451 h 2833188"/>
+              <a:gd name="connsiteX1" fmla="*/ 641097 w 3704138"/>
+              <a:gd name="connsiteY1" fmla="*/ 764251 h 2833188"/>
+              <a:gd name="connsiteX2" fmla="*/ 2076197 w 3704138"/>
+              <a:gd name="connsiteY2" fmla="*/ 2251 h 2833188"/>
+              <a:gd name="connsiteX3" fmla="*/ 3660233 w 3704138"/>
+              <a:gd name="connsiteY3" fmla="*/ 1011901 h 2833188"/>
+              <a:gd name="connsiteX4" fmla="*/ 3171284 w 3704138"/>
+              <a:gd name="connsiteY4" fmla="*/ 2826269 h 2833188"/>
+              <a:gd name="connsiteX5" fmla="*/ 145797 w 3704138"/>
+              <a:gd name="connsiteY5" fmla="*/ 1602451 h 2833188"/>
+              <a:gd name="connsiteX0" fmla="*/ 2530187 w 3063041"/>
+              <a:gd name="connsiteY0" fmla="*/ 2826269 h 2826268"/>
+              <a:gd name="connsiteX1" fmla="*/ 0 w 3063041"/>
+              <a:gd name="connsiteY1" fmla="*/ 764251 h 2826268"/>
+              <a:gd name="connsiteX2" fmla="*/ 1435100 w 3063041"/>
+              <a:gd name="connsiteY2" fmla="*/ 2251 h 2826268"/>
+              <a:gd name="connsiteX3" fmla="*/ 3019136 w 3063041"/>
+              <a:gd name="connsiteY3" fmla="*/ 1011901 h 2826268"/>
+              <a:gd name="connsiteX4" fmla="*/ 2530187 w 3063041"/>
+              <a:gd name="connsiteY4" fmla="*/ 2826269 h 2826268"/>
+              <a:gd name="connsiteX0" fmla="*/ 2531490 w 3064344"/>
+              <a:gd name="connsiteY0" fmla="*/ 2850345 h 2850345"/>
+              <a:gd name="connsiteX1" fmla="*/ 1303 w 3064344"/>
+              <a:gd name="connsiteY1" fmla="*/ 788327 h 2850345"/>
+              <a:gd name="connsiteX2" fmla="*/ 1436403 w 3064344"/>
+              <a:gd name="connsiteY2" fmla="*/ 26327 h 2850345"/>
+              <a:gd name="connsiteX3" fmla="*/ 3020439 w 3064344"/>
+              <a:gd name="connsiteY3" fmla="*/ 1035977 h 2850345"/>
+              <a:gd name="connsiteX4" fmla="*/ 2531490 w 3064344"/>
+              <a:gd name="connsiteY4" fmla="*/ 2850345 h 2850345"/>
+              <a:gd name="connsiteX0" fmla="*/ 1995608 w 2544142"/>
+              <a:gd name="connsiteY0" fmla="*/ 2834025 h 2847907"/>
+              <a:gd name="connsiteX1" fmla="*/ 1650 w 2544142"/>
+              <a:gd name="connsiteY1" fmla="*/ 1605038 h 2847907"/>
+              <a:gd name="connsiteX2" fmla="*/ 900521 w 2544142"/>
+              <a:gd name="connsiteY2" fmla="*/ 10007 h 2847907"/>
+              <a:gd name="connsiteX3" fmla="*/ 2484557 w 2544142"/>
+              <a:gd name="connsiteY3" fmla="*/ 1019657 h 2847907"/>
+              <a:gd name="connsiteX4" fmla="*/ 1995608 w 2544142"/>
+              <a:gd name="connsiteY4" fmla="*/ 2834025 h 2847907"/>
+              <a:gd name="connsiteX0" fmla="*/ 1995607 w 2537685"/>
+              <a:gd name="connsiteY0" fmla="*/ 2838699 h 2856285"/>
+              <a:gd name="connsiteX1" fmla="*/ 1649 w 2537685"/>
+              <a:gd name="connsiteY1" fmla="*/ 1609712 h 2856285"/>
+              <a:gd name="connsiteX2" fmla="*/ 900520 w 2537685"/>
+              <a:gd name="connsiteY2" fmla="*/ 14681 h 2856285"/>
+              <a:gd name="connsiteX3" fmla="*/ 2477309 w 2537685"/>
+              <a:gd name="connsiteY3" fmla="*/ 932556 h 2856285"/>
+              <a:gd name="connsiteX4" fmla="*/ 1995607 w 2537685"/>
+              <a:gd name="connsiteY4" fmla="*/ 2838699 h 2856285"/>
+              <a:gd name="connsiteX0" fmla="*/ 1995607 w 2537686"/>
+              <a:gd name="connsiteY0" fmla="*/ 2850780 h 2868366"/>
+              <a:gd name="connsiteX1" fmla="*/ 1649 w 2537686"/>
+              <a:gd name="connsiteY1" fmla="*/ 1621793 h 2868366"/>
+              <a:gd name="connsiteX2" fmla="*/ 900520 w 2537686"/>
+              <a:gd name="connsiteY2" fmla="*/ 26762 h 2868366"/>
+              <a:gd name="connsiteX3" fmla="*/ 2477309 w 2537686"/>
+              <a:gd name="connsiteY3" fmla="*/ 944637 h 2868366"/>
+              <a:gd name="connsiteX4" fmla="*/ 1995607 w 2537686"/>
+              <a:gd name="connsiteY4" fmla="*/ 2850780 h 2868366"/>
+              <a:gd name="connsiteX0" fmla="*/ 2018953 w 2547450"/>
+              <a:gd name="connsiteY0" fmla="*/ 2782443 h 2792311"/>
+              <a:gd name="connsiteX1" fmla="*/ 24995 w 2547450"/>
+              <a:gd name="connsiteY1" fmla="*/ 1553456 h 2792311"/>
+              <a:gd name="connsiteX2" fmla="*/ 1126763 w 2547450"/>
+              <a:gd name="connsiteY2" fmla="*/ 29021 h 2792311"/>
+              <a:gd name="connsiteX3" fmla="*/ 2500655 w 2547450"/>
+              <a:gd name="connsiteY3" fmla="*/ 876300 h 2792311"/>
+              <a:gd name="connsiteX4" fmla="*/ 2018953 w 2547450"/>
+              <a:gd name="connsiteY4" fmla="*/ 2782443 h 2792311"/>
+              <a:gd name="connsiteX0" fmla="*/ 1263305 w 2477517"/>
+              <a:gd name="connsiteY0" fmla="*/ 2235653 h 2253997"/>
+              <a:gd name="connsiteX1" fmla="*/ 1226 w 2477517"/>
+              <a:gd name="connsiteY1" fmla="*/ 1550254 h 2253997"/>
+              <a:gd name="connsiteX2" fmla="*/ 1102994 w 2477517"/>
+              <a:gd name="connsiteY2" fmla="*/ 25819 h 2253997"/>
+              <a:gd name="connsiteX3" fmla="*/ 2476886 w 2477517"/>
+              <a:gd name="connsiteY3" fmla="*/ 873098 h 2253997"/>
+              <a:gd name="connsiteX4" fmla="*/ 1263305 w 2477517"/>
+              <a:gd name="connsiteY4" fmla="*/ 2235653 h 2253997"/>
+              <a:gd name="connsiteX0" fmla="*/ 1263305 w 2478444"/>
+              <a:gd name="connsiteY0" fmla="*/ 2235653 h 2239010"/>
+              <a:gd name="connsiteX1" fmla="*/ 1226 w 2478444"/>
+              <a:gd name="connsiteY1" fmla="*/ 1550254 h 2239010"/>
+              <a:gd name="connsiteX2" fmla="*/ 1102994 w 2478444"/>
+              <a:gd name="connsiteY2" fmla="*/ 25819 h 2239010"/>
+              <a:gd name="connsiteX3" fmla="*/ 2476886 w 2478444"/>
+              <a:gd name="connsiteY3" fmla="*/ 873098 h 2239010"/>
+              <a:gd name="connsiteX4" fmla="*/ 1263305 w 2478444"/>
+              <a:gd name="connsiteY4" fmla="*/ 2235653 h 2239010"/>
+              <a:gd name="connsiteX0" fmla="*/ 1263305 w 2479291"/>
+              <a:gd name="connsiteY0" fmla="*/ 2235653 h 2235982"/>
+              <a:gd name="connsiteX1" fmla="*/ 1226 w 2479291"/>
+              <a:gd name="connsiteY1" fmla="*/ 1550254 h 2235982"/>
+              <a:gd name="connsiteX2" fmla="*/ 1102994 w 2479291"/>
+              <a:gd name="connsiteY2" fmla="*/ 25819 h 2235982"/>
+              <a:gd name="connsiteX3" fmla="*/ 2476886 w 2479291"/>
+              <a:gd name="connsiteY3" fmla="*/ 873098 h 2235982"/>
+              <a:gd name="connsiteX4" fmla="*/ 1263305 w 2479291"/>
+              <a:gd name="connsiteY4" fmla="*/ 2235653 h 2235982"/>
+              <a:gd name="connsiteX0" fmla="*/ 973307 w 2187485"/>
+              <a:gd name="connsiteY0" fmla="*/ 2212438 h 2213270"/>
+              <a:gd name="connsiteX1" fmla="*/ 1081 w 2187485"/>
+              <a:gd name="connsiteY1" fmla="*/ 644590 h 2213270"/>
+              <a:gd name="connsiteX2" fmla="*/ 812996 w 2187485"/>
+              <a:gd name="connsiteY2" fmla="*/ 2604 h 2213270"/>
+              <a:gd name="connsiteX3" fmla="*/ 2186888 w 2187485"/>
+              <a:gd name="connsiteY3" fmla="*/ 849883 h 2213270"/>
+              <a:gd name="connsiteX4" fmla="*/ 973307 w 2187485"/>
+              <a:gd name="connsiteY4" fmla="*/ 2212438 h 2213270"/>
+              <a:gd name="connsiteX0" fmla="*/ 1100474 w 2314652"/>
+              <a:gd name="connsiteY0" fmla="*/ 2298667 h 2299500"/>
+              <a:gd name="connsiteX1" fmla="*/ 128248 w 2314652"/>
+              <a:gd name="connsiteY1" fmla="*/ 730819 h 2299500"/>
+              <a:gd name="connsiteX2" fmla="*/ 940163 w 2314652"/>
+              <a:gd name="connsiteY2" fmla="*/ 88833 h 2299500"/>
+              <a:gd name="connsiteX3" fmla="*/ 2314055 w 2314652"/>
+              <a:gd name="connsiteY3" fmla="*/ 936112 h 2299500"/>
+              <a:gd name="connsiteX4" fmla="*/ 1100474 w 2314652"/>
+              <a:gd name="connsiteY4" fmla="*/ 2298667 h 2299500"/>
+              <a:gd name="connsiteX0" fmla="*/ 1004168 w 2235185"/>
+              <a:gd name="connsiteY0" fmla="*/ 1673666 h 1674423"/>
+              <a:gd name="connsiteX1" fmla="*/ 31942 w 2235185"/>
+              <a:gd name="connsiteY1" fmla="*/ 105818 h 1674423"/>
+              <a:gd name="connsiteX2" fmla="*/ 2217749 w 2235185"/>
+              <a:gd name="connsiteY2" fmla="*/ 311111 h 1674423"/>
+              <a:gd name="connsiteX3" fmla="*/ 1004168 w 2235185"/>
+              <a:gd name="connsiteY3" fmla="*/ 1673666 h 1674423"/>
+              <a:gd name="connsiteX0" fmla="*/ 1004168 w 2396518"/>
+              <a:gd name="connsiteY0" fmla="*/ 2055530 h 2060470"/>
+              <a:gd name="connsiteX1" fmla="*/ 31942 w 2396518"/>
+              <a:gd name="connsiteY1" fmla="*/ 487682 h 2060470"/>
+              <a:gd name="connsiteX2" fmla="*/ 2217749 w 2396518"/>
+              <a:gd name="connsiteY2" fmla="*/ 692975 h 2060470"/>
+              <a:gd name="connsiteX3" fmla="*/ 1004168 w 2396518"/>
+              <a:gd name="connsiteY3" fmla="*/ 2055530 h 2060470"/>
+              <a:gd name="connsiteX0" fmla="*/ 1150727 w 2543077"/>
+              <a:gd name="connsiteY0" fmla="*/ 2286401 h 2291342"/>
+              <a:gd name="connsiteX1" fmla="*/ 178501 w 2543077"/>
+              <a:gd name="connsiteY1" fmla="*/ 718553 h 2291342"/>
+              <a:gd name="connsiteX2" fmla="*/ 2364308 w 2543077"/>
+              <a:gd name="connsiteY2" fmla="*/ 923846 h 2291342"/>
+              <a:gd name="connsiteX3" fmla="*/ 1150727 w 2543077"/>
+              <a:gd name="connsiteY3" fmla="*/ 2286401 h 2291342"/>
+              <a:gd name="connsiteX0" fmla="*/ 1305182 w 2821161"/>
+              <a:gd name="connsiteY0" fmla="*/ 2286401 h 2286928"/>
+              <a:gd name="connsiteX1" fmla="*/ 332956 w 2821161"/>
+              <a:gd name="connsiteY1" fmla="*/ 718553 h 2286928"/>
+              <a:gd name="connsiteX2" fmla="*/ 2518763 w 2821161"/>
+              <a:gd name="connsiteY2" fmla="*/ 923846 h 2286928"/>
+              <a:gd name="connsiteX3" fmla="*/ 1305182 w 2821161"/>
+              <a:gd name="connsiteY3" fmla="*/ 2286401 h 2286928"/>
+              <a:gd name="connsiteX0" fmla="*/ 1121558 w 2393546"/>
+              <a:gd name="connsiteY0" fmla="*/ 1595353 h 1595634"/>
+              <a:gd name="connsiteX1" fmla="*/ 134839 w 2393546"/>
+              <a:gd name="connsiteY1" fmla="*/ 98101 h 1595634"/>
+              <a:gd name="connsiteX2" fmla="*/ 2320646 w 2393546"/>
+              <a:gd name="connsiteY2" fmla="*/ 303394 h 1595634"/>
+              <a:gd name="connsiteX3" fmla="*/ 1121558 w 2393546"/>
+              <a:gd name="connsiteY3" fmla="*/ 1595353 h 1595634"/>
+              <a:gd name="connsiteX0" fmla="*/ 1501424 w 2773412"/>
+              <a:gd name="connsiteY0" fmla="*/ 2128605 h 2131022"/>
+              <a:gd name="connsiteX1" fmla="*/ 514705 w 2773412"/>
+              <a:gd name="connsiteY1" fmla="*/ 631353 h 2131022"/>
+              <a:gd name="connsiteX2" fmla="*/ 2700512 w 2773412"/>
+              <a:gd name="connsiteY2" fmla="*/ 836646 h 2131022"/>
+              <a:gd name="connsiteX3" fmla="*/ 1501424 w 2773412"/>
+              <a:gd name="connsiteY3" fmla="*/ 2128605 h 2131022"/>
+              <a:gd name="connsiteX0" fmla="*/ 1501424 w 2914709"/>
+              <a:gd name="connsiteY0" fmla="*/ 2285254 h 2287671"/>
+              <a:gd name="connsiteX1" fmla="*/ 514705 w 2914709"/>
+              <a:gd name="connsiteY1" fmla="*/ 788002 h 2287671"/>
+              <a:gd name="connsiteX2" fmla="*/ 2700512 w 2914709"/>
+              <a:gd name="connsiteY2" fmla="*/ 993295 h 2287671"/>
+              <a:gd name="connsiteX3" fmla="*/ 1501424 w 2914709"/>
+              <a:gd name="connsiteY3" fmla="*/ 2285254 h 2287671"/>
+              <a:gd name="connsiteX0" fmla="*/ 1005173 w 2039933"/>
+              <a:gd name="connsiteY0" fmla="*/ 1748047 h 1752261"/>
+              <a:gd name="connsiteX1" fmla="*/ 18454 w 2039933"/>
+              <a:gd name="connsiteY1" fmla="*/ 250795 h 1752261"/>
+              <a:gd name="connsiteX2" fmla="*/ 1914407 w 2039933"/>
+              <a:gd name="connsiteY2" fmla="*/ 547862 h 1752261"/>
+              <a:gd name="connsiteX3" fmla="*/ 1005173 w 2039933"/>
+              <a:gd name="connsiteY3" fmla="*/ 1748047 h 1752261"/>
+              <a:gd name="connsiteX0" fmla="*/ 1252150 w 2286910"/>
+              <a:gd name="connsiteY0" fmla="*/ 2385953 h 2390167"/>
+              <a:gd name="connsiteX1" fmla="*/ 265431 w 2286910"/>
+              <a:gd name="connsiteY1" fmla="*/ 888701 h 2390167"/>
+              <a:gd name="connsiteX2" fmla="*/ 2161384 w 2286910"/>
+              <a:gd name="connsiteY2" fmla="*/ 1185768 h 2390167"/>
+              <a:gd name="connsiteX3" fmla="*/ 1252150 w 2286910"/>
+              <a:gd name="connsiteY3" fmla="*/ 2385953 h 2390167"/>
+              <a:gd name="connsiteX0" fmla="*/ 1142081 w 2069310"/>
+              <a:gd name="connsiteY0" fmla="*/ 2123900 h 2146255"/>
+              <a:gd name="connsiteX1" fmla="*/ 278549 w 2069310"/>
+              <a:gd name="connsiteY1" fmla="*/ 774900 h 2146255"/>
+              <a:gd name="connsiteX2" fmla="*/ 2051315 w 2069310"/>
+              <a:gd name="connsiteY2" fmla="*/ 923715 h 2146255"/>
+              <a:gd name="connsiteX3" fmla="*/ 1142081 w 2069310"/>
+              <a:gd name="connsiteY3" fmla="*/ 2123900 h 2146255"/>
+              <a:gd name="connsiteX0" fmla="*/ 1165325 w 2097018"/>
+              <a:gd name="connsiteY0" fmla="*/ 2123900 h 2164933"/>
+              <a:gd name="connsiteX1" fmla="*/ 301793 w 2097018"/>
+              <a:gd name="connsiteY1" fmla="*/ 774900 h 2164933"/>
+              <a:gd name="connsiteX2" fmla="*/ 2074559 w 2097018"/>
+              <a:gd name="connsiteY2" fmla="*/ 923715 h 2164933"/>
+              <a:gd name="connsiteX3" fmla="*/ 1165325 w 2097018"/>
+              <a:gd name="connsiteY3" fmla="*/ 2123900 h 2164933"/>
+              <a:gd name="connsiteX0" fmla="*/ 881857 w 1752174"/>
+              <a:gd name="connsiteY0" fmla="*/ 1447028 h 1447527"/>
+              <a:gd name="connsiteX1" fmla="*/ 18325 w 1752174"/>
+              <a:gd name="connsiteY1" fmla="*/ 98028 h 1447527"/>
+              <a:gd name="connsiteX2" fmla="*/ 1733120 w 1752174"/>
+              <a:gd name="connsiteY2" fmla="*/ 253902 h 1447527"/>
+              <a:gd name="connsiteX3" fmla="*/ 881857 w 1752174"/>
+              <a:gd name="connsiteY3" fmla="*/ 1447028 h 1447527"/>
+              <a:gd name="connsiteX0" fmla="*/ 881857 w 2006074"/>
+              <a:gd name="connsiteY0" fmla="*/ 2138307 h 2283892"/>
+              <a:gd name="connsiteX1" fmla="*/ 18325 w 2006074"/>
+              <a:gd name="connsiteY1" fmla="*/ 789307 h 2283892"/>
+              <a:gd name="connsiteX2" fmla="*/ 1733120 w 2006074"/>
+              <a:gd name="connsiteY2" fmla="*/ 945181 h 2283892"/>
+              <a:gd name="connsiteX3" fmla="*/ 881857 w 2006074"/>
+              <a:gd name="connsiteY3" fmla="*/ 2138307 h 2283892"/>
+              <a:gd name="connsiteX0" fmla="*/ 124151 w 2143381"/>
+              <a:gd name="connsiteY0" fmla="*/ 1376349 h 1376877"/>
+              <a:gd name="connsiteX1" fmla="*/ 427280 w 2143381"/>
+              <a:gd name="connsiteY1" fmla="*/ 90886 h 1376877"/>
+              <a:gd name="connsiteX2" fmla="*/ 2142075 w 2143381"/>
+              <a:gd name="connsiteY2" fmla="*/ 246760 h 1376877"/>
+              <a:gd name="connsiteX3" fmla="*/ 124151 w 2143381"/>
+              <a:gd name="connsiteY3" fmla="*/ 1376349 h 1376877"/>
+              <a:gd name="connsiteX0" fmla="*/ 16363 w 2063351"/>
+              <a:gd name="connsiteY0" fmla="*/ 2146086 h 2165274"/>
+              <a:gd name="connsiteX1" fmla="*/ 1131082 w 2063351"/>
+              <a:gd name="connsiteY1" fmla="*/ 27592 h 2165274"/>
+              <a:gd name="connsiteX2" fmla="*/ 2034287 w 2063351"/>
+              <a:gd name="connsiteY2" fmla="*/ 1016497 h 2165274"/>
+              <a:gd name="connsiteX3" fmla="*/ 16363 w 2063351"/>
+              <a:gd name="connsiteY3" fmla="*/ 2146086 h 2165274"/>
+              <a:gd name="connsiteX0" fmla="*/ 26033 w 2321104"/>
+              <a:gd name="connsiteY0" fmla="*/ 2118673 h 2322476"/>
+              <a:gd name="connsiteX1" fmla="*/ 1140752 w 2321104"/>
+              <a:gd name="connsiteY1" fmla="*/ 179 h 2322476"/>
+              <a:gd name="connsiteX2" fmla="*/ 2297579 w 2321104"/>
+              <a:gd name="connsiteY2" fmla="*/ 1998605 h 2322476"/>
+              <a:gd name="connsiteX3" fmla="*/ 26033 w 2321104"/>
+              <a:gd name="connsiteY3" fmla="*/ 2118673 h 2322476"/>
+              <a:gd name="connsiteX0" fmla="*/ 25051 w 2372885"/>
+              <a:gd name="connsiteY0" fmla="*/ 2026729 h 2264528"/>
+              <a:gd name="connsiteX1" fmla="*/ 1190494 w 2372885"/>
+              <a:gd name="connsiteY1" fmla="*/ 10 h 2264528"/>
+              <a:gd name="connsiteX2" fmla="*/ 2347321 w 2372885"/>
+              <a:gd name="connsiteY2" fmla="*/ 1998436 h 2264528"/>
+              <a:gd name="connsiteX3" fmla="*/ 25051 w 2372885"/>
+              <a:gd name="connsiteY3" fmla="*/ 2026729 h 2264528"/>
+              <a:gd name="connsiteX0" fmla="*/ 25051 w 2372885"/>
+              <a:gd name="connsiteY0" fmla="*/ 2132622 h 2383639"/>
+              <a:gd name="connsiteX1" fmla="*/ 1190494 w 2372885"/>
+              <a:gd name="connsiteY1" fmla="*/ 9 h 2383639"/>
+              <a:gd name="connsiteX2" fmla="*/ 2347321 w 2372885"/>
+              <a:gd name="connsiteY2" fmla="*/ 2104329 h 2383639"/>
+              <a:gd name="connsiteX3" fmla="*/ 25051 w 2372885"/>
+              <a:gd name="connsiteY3" fmla="*/ 2132622 h 2383639"/>
+              <a:gd name="connsiteX0" fmla="*/ 29294 w 2476772"/>
+              <a:gd name="connsiteY0" fmla="*/ 2132616 h 2407191"/>
+              <a:gd name="connsiteX1" fmla="*/ 1194737 w 2476772"/>
+              <a:gd name="connsiteY1" fmla="*/ 3 h 2407191"/>
+              <a:gd name="connsiteX2" fmla="*/ 2453013 w 2476772"/>
+              <a:gd name="connsiteY2" fmla="*/ 2146681 h 2407191"/>
+              <a:gd name="connsiteX3" fmla="*/ 29294 w 2476772"/>
+              <a:gd name="connsiteY3" fmla="*/ 2132616 h 2407191"/>
+              <a:gd name="connsiteX0" fmla="*/ 27127 w 2587615"/>
+              <a:gd name="connsiteY0" fmla="*/ 2167917 h 2427159"/>
+              <a:gd name="connsiteX1" fmla="*/ 1301266 w 2587615"/>
+              <a:gd name="connsiteY1" fmla="*/ 5 h 2427159"/>
+              <a:gd name="connsiteX2" fmla="*/ 2559542 w 2587615"/>
+              <a:gd name="connsiteY2" fmla="*/ 2146683 h 2427159"/>
+              <a:gd name="connsiteX3" fmla="*/ 27127 w 2587615"/>
+              <a:gd name="connsiteY3" fmla="*/ 2167917 h 2427159"/>
+            </a:gdLst>
+            <a:ahLst/>
+            <a:cxnLst>
+              <a:cxn ang="0">
+                <a:pos x="connsiteX0" y="connsiteY0"/>
+              </a:cxn>
+              <a:cxn ang="0">
+                <a:pos x="connsiteX1" y="connsiteY1"/>
+              </a:cxn>
+              <a:cxn ang="0">
+                <a:pos x="connsiteX2" y="connsiteY2"/>
+              </a:cxn>
+              <a:cxn ang="0">
+                <a:pos x="connsiteX3" y="connsiteY3"/>
+              </a:cxn>
+            </a:cxnLst>
+            <a:rect l="l" t="t" r="r" b="b"/>
+            <a:pathLst>
+              <a:path w="2587615" h="2427159">
+                <a:moveTo>
+                  <a:pt x="27127" y="2167917"/>
+                </a:moveTo>
+                <a:cubicBezTo>
+                  <a:pt x="-182586" y="1810137"/>
+                  <a:pt x="879197" y="3544"/>
+                  <a:pt x="1301266" y="5"/>
+                </a:cubicBezTo>
+                <a:cubicBezTo>
+                  <a:pt x="1723335" y="-3534"/>
+                  <a:pt x="2771898" y="1785364"/>
+                  <a:pt x="2559542" y="2146683"/>
+                </a:cubicBezTo>
+                <a:cubicBezTo>
+                  <a:pt x="2347186" y="2508002"/>
+                  <a:pt x="236840" y="2525697"/>
+                  <a:pt x="27127" y="2167917"/>
+                </a:cubicBezTo>
+                <a:close/>
+              </a:path>
+            </a:pathLst>
+          </a:custGeom>
+          <a:solidFill>
+            <a:schemeClr val="bg1">
+              <a:lumMod val="95000"/>
+              <a:alpha val="60000"/>
+            </a:schemeClr>
+          </a:solidFill>
+          <a:ln w="9525">
+            <a:solidFill>
+              <a:schemeClr val="tx1">
+                <a:alpha val="60000"/>
+              </a:schemeClr>
+            </a:solidFill>
+            <a:prstDash val="dash"/>
+          </a:ln>
+        </p:spPr>
+        <p:style>
+          <a:lnRef idx="2">
+            <a:schemeClr val="accent1">
+              <a:shade val="50000"/>
+            </a:schemeClr>
+          </a:lnRef>
+          <a:fillRef idx="1">
+            <a:schemeClr val="accent1"/>
+          </a:fillRef>
+          <a:effectRef idx="0">
+            <a:schemeClr val="accent1"/>
+          </a:effectRef>
+          <a:fontRef idx="minor">
+            <a:schemeClr val="lt1"/>
+          </a:fontRef>
+        </p:style>
+        <p:txBody>
+          <a:bodyPr rot="0" spcFirstLastPara="0" vertOverflow="overflow" horzOverflow="overflow" vert="horz" wrap="square" lIns="91440" tIns="45720" rIns="91440" bIns="45720" numCol="1" spcCol="0" rtlCol="0" fromWordArt="0" anchor="ctr" anchorCtr="0" forceAA="0" compatLnSpc="1">
+            <a:prstTxWarp prst="textNoShape">
+              <a:avLst/>
+            </a:prstTxWarp>
+            <a:noAutofit/>
+          </a:bodyPr>
+          <a:lstStyle/>
+          <a:p>
+            <a:pPr algn="ctr"/>
+            <a:endParaRPr lang="fr-FR"/>
+          </a:p>
+        </p:txBody>
+      </p:sp>
+      <p:sp>
+        <p:nvSpPr>
+          <p:cNvPr id="34" name="Forme libre : forme 33">
+            <a:extLst>
+              <a:ext uri="{FF2B5EF4-FFF2-40B4-BE49-F238E27FC236}">
+                <a16:creationId xmlns:a16="http://schemas.microsoft.com/office/drawing/2014/main" id="{3EEC06A1-CA53-4220-B465-8481F7BF36CE}"/>
+              </a:ext>
+            </a:extLst>
+          </p:cNvPr>
+          <p:cNvSpPr/>
+          <p:nvPr/>
+        </p:nvSpPr>
+        <p:spPr>
+          <a:xfrm>
+            <a:off x="739509" y="1202534"/>
+            <a:ext cx="1637561" cy="1576651"/>
+          </a:xfrm>
+          <a:custGeom>
+            <a:avLst/>
+            <a:gdLst>
+              <a:gd name="connsiteX0" fmla="*/ 37330 w 3556398"/>
+              <a:gd name="connsiteY0" fmla="*/ 1582092 h 3090801"/>
+              <a:gd name="connsiteX1" fmla="*/ 443730 w 3556398"/>
+              <a:gd name="connsiteY1" fmla="*/ 693092 h 3090801"/>
+              <a:gd name="connsiteX2" fmla="*/ 1935980 w 3556398"/>
+              <a:gd name="connsiteY2" fmla="*/ 942 h 3090801"/>
+              <a:gd name="connsiteX3" fmla="*/ 3517130 w 3556398"/>
+              <a:gd name="connsiteY3" fmla="*/ 839142 h 3090801"/>
+              <a:gd name="connsiteX4" fmla="*/ 3002780 w 3556398"/>
+              <a:gd name="connsiteY4" fmla="*/ 2909242 h 3090801"/>
+              <a:gd name="connsiteX5" fmla="*/ 2189980 w 3556398"/>
+              <a:gd name="connsiteY5" fmla="*/ 2852092 h 3090801"/>
+              <a:gd name="connsiteX6" fmla="*/ 1656580 w 3556398"/>
+              <a:gd name="connsiteY6" fmla="*/ 1728142 h 3090801"/>
+              <a:gd name="connsiteX7" fmla="*/ 202430 w 3556398"/>
+              <a:gd name="connsiteY7" fmla="*/ 1785292 h 3090801"/>
+              <a:gd name="connsiteX8" fmla="*/ 37330 w 3556398"/>
+              <a:gd name="connsiteY8" fmla="*/ 1582092 h 3090801"/>
+              <a:gd name="connsiteX0" fmla="*/ 9825 w 3528893"/>
+              <a:gd name="connsiteY0" fmla="*/ 1582092 h 3090801"/>
+              <a:gd name="connsiteX1" fmla="*/ 416225 w 3528893"/>
+              <a:gd name="connsiteY1" fmla="*/ 693092 h 3090801"/>
+              <a:gd name="connsiteX2" fmla="*/ 1908475 w 3528893"/>
+              <a:gd name="connsiteY2" fmla="*/ 942 h 3090801"/>
+              <a:gd name="connsiteX3" fmla="*/ 3489625 w 3528893"/>
+              <a:gd name="connsiteY3" fmla="*/ 839142 h 3090801"/>
+              <a:gd name="connsiteX4" fmla="*/ 2975275 w 3528893"/>
+              <a:gd name="connsiteY4" fmla="*/ 2909242 h 3090801"/>
+              <a:gd name="connsiteX5" fmla="*/ 2162475 w 3528893"/>
+              <a:gd name="connsiteY5" fmla="*/ 2852092 h 3090801"/>
+              <a:gd name="connsiteX6" fmla="*/ 1629075 w 3528893"/>
+              <a:gd name="connsiteY6" fmla="*/ 1728142 h 3090801"/>
+              <a:gd name="connsiteX7" fmla="*/ 714675 w 3528893"/>
+              <a:gd name="connsiteY7" fmla="*/ 1651942 h 3090801"/>
+              <a:gd name="connsiteX8" fmla="*/ 9825 w 3528893"/>
+              <a:gd name="connsiteY8" fmla="*/ 1582092 h 3090801"/>
+              <a:gd name="connsiteX0" fmla="*/ 11759 w 3530827"/>
+              <a:gd name="connsiteY0" fmla="*/ 1582092 h 3090801"/>
+              <a:gd name="connsiteX1" fmla="*/ 418159 w 3530827"/>
+              <a:gd name="connsiteY1" fmla="*/ 693092 h 3090801"/>
+              <a:gd name="connsiteX2" fmla="*/ 1910409 w 3530827"/>
+              <a:gd name="connsiteY2" fmla="*/ 942 h 3090801"/>
+              <a:gd name="connsiteX3" fmla="*/ 3491559 w 3530827"/>
+              <a:gd name="connsiteY3" fmla="*/ 839142 h 3090801"/>
+              <a:gd name="connsiteX4" fmla="*/ 2977209 w 3530827"/>
+              <a:gd name="connsiteY4" fmla="*/ 2909242 h 3090801"/>
+              <a:gd name="connsiteX5" fmla="*/ 2164409 w 3530827"/>
+              <a:gd name="connsiteY5" fmla="*/ 2852092 h 3090801"/>
+              <a:gd name="connsiteX6" fmla="*/ 1631009 w 3530827"/>
+              <a:gd name="connsiteY6" fmla="*/ 1728142 h 3090801"/>
+              <a:gd name="connsiteX7" fmla="*/ 754709 w 3530827"/>
+              <a:gd name="connsiteY7" fmla="*/ 1683692 h 3090801"/>
+              <a:gd name="connsiteX8" fmla="*/ 11759 w 3530827"/>
+              <a:gd name="connsiteY8" fmla="*/ 1582092 h 3090801"/>
+              <a:gd name="connsiteX0" fmla="*/ 11759 w 3530827"/>
+              <a:gd name="connsiteY0" fmla="*/ 1582092 h 3090801"/>
+              <a:gd name="connsiteX1" fmla="*/ 418159 w 3530827"/>
+              <a:gd name="connsiteY1" fmla="*/ 693092 h 3090801"/>
+              <a:gd name="connsiteX2" fmla="*/ 1910409 w 3530827"/>
+              <a:gd name="connsiteY2" fmla="*/ 942 h 3090801"/>
+              <a:gd name="connsiteX3" fmla="*/ 3491559 w 3530827"/>
+              <a:gd name="connsiteY3" fmla="*/ 839142 h 3090801"/>
+              <a:gd name="connsiteX4" fmla="*/ 2977209 w 3530827"/>
+              <a:gd name="connsiteY4" fmla="*/ 2909242 h 3090801"/>
+              <a:gd name="connsiteX5" fmla="*/ 2164409 w 3530827"/>
+              <a:gd name="connsiteY5" fmla="*/ 2852092 h 3090801"/>
+              <a:gd name="connsiteX6" fmla="*/ 1631009 w 3530827"/>
+              <a:gd name="connsiteY6" fmla="*/ 1728142 h 3090801"/>
+              <a:gd name="connsiteX7" fmla="*/ 754709 w 3530827"/>
+              <a:gd name="connsiteY7" fmla="*/ 1683692 h 3090801"/>
+              <a:gd name="connsiteX8" fmla="*/ 11759 w 3530827"/>
+              <a:gd name="connsiteY8" fmla="*/ 1582092 h 3090801"/>
+              <a:gd name="connsiteX0" fmla="*/ 11759 w 3530827"/>
+              <a:gd name="connsiteY0" fmla="*/ 1582092 h 3084963"/>
+              <a:gd name="connsiteX1" fmla="*/ 418159 w 3530827"/>
+              <a:gd name="connsiteY1" fmla="*/ 693092 h 3084963"/>
+              <a:gd name="connsiteX2" fmla="*/ 1910409 w 3530827"/>
+              <a:gd name="connsiteY2" fmla="*/ 942 h 3084963"/>
+              <a:gd name="connsiteX3" fmla="*/ 3491559 w 3530827"/>
+              <a:gd name="connsiteY3" fmla="*/ 839142 h 3084963"/>
+              <a:gd name="connsiteX4" fmla="*/ 2977209 w 3530827"/>
+              <a:gd name="connsiteY4" fmla="*/ 2909242 h 3084963"/>
+              <a:gd name="connsiteX5" fmla="*/ 2164409 w 3530827"/>
+              <a:gd name="connsiteY5" fmla="*/ 2852092 h 3084963"/>
+              <a:gd name="connsiteX6" fmla="*/ 1548459 w 3530827"/>
+              <a:gd name="connsiteY6" fmla="*/ 1855142 h 3084963"/>
+              <a:gd name="connsiteX7" fmla="*/ 754709 w 3530827"/>
+              <a:gd name="connsiteY7" fmla="*/ 1683692 h 3084963"/>
+              <a:gd name="connsiteX8" fmla="*/ 11759 w 3530827"/>
+              <a:gd name="connsiteY8" fmla="*/ 1582092 h 3084963"/>
+              <a:gd name="connsiteX0" fmla="*/ 61157 w 3580225"/>
+              <a:gd name="connsiteY0" fmla="*/ 1582092 h 3084963"/>
+              <a:gd name="connsiteX1" fmla="*/ 467557 w 3580225"/>
+              <a:gd name="connsiteY1" fmla="*/ 693092 h 3084963"/>
+              <a:gd name="connsiteX2" fmla="*/ 1959807 w 3580225"/>
+              <a:gd name="connsiteY2" fmla="*/ 942 h 3084963"/>
+              <a:gd name="connsiteX3" fmla="*/ 3540957 w 3580225"/>
+              <a:gd name="connsiteY3" fmla="*/ 839142 h 3084963"/>
+              <a:gd name="connsiteX4" fmla="*/ 3026607 w 3580225"/>
+              <a:gd name="connsiteY4" fmla="*/ 2909242 h 3084963"/>
+              <a:gd name="connsiteX5" fmla="*/ 2213807 w 3580225"/>
+              <a:gd name="connsiteY5" fmla="*/ 2852092 h 3084963"/>
+              <a:gd name="connsiteX6" fmla="*/ 1597857 w 3580225"/>
+              <a:gd name="connsiteY6" fmla="*/ 1855142 h 3084963"/>
+              <a:gd name="connsiteX7" fmla="*/ 61157 w 3580225"/>
+              <a:gd name="connsiteY7" fmla="*/ 1582092 h 3084963"/>
+              <a:gd name="connsiteX0" fmla="*/ 56026 w 3625894"/>
+              <a:gd name="connsiteY0" fmla="*/ 1740897 h 3085018"/>
+              <a:gd name="connsiteX1" fmla="*/ 513226 w 3625894"/>
+              <a:gd name="connsiteY1" fmla="*/ 693147 h 3085018"/>
+              <a:gd name="connsiteX2" fmla="*/ 2005476 w 3625894"/>
+              <a:gd name="connsiteY2" fmla="*/ 997 h 3085018"/>
+              <a:gd name="connsiteX3" fmla="*/ 3586626 w 3625894"/>
+              <a:gd name="connsiteY3" fmla="*/ 839197 h 3085018"/>
+              <a:gd name="connsiteX4" fmla="*/ 3072276 w 3625894"/>
+              <a:gd name="connsiteY4" fmla="*/ 2909297 h 3085018"/>
+              <a:gd name="connsiteX5" fmla="*/ 2259476 w 3625894"/>
+              <a:gd name="connsiteY5" fmla="*/ 2852147 h 3085018"/>
+              <a:gd name="connsiteX6" fmla="*/ 1643526 w 3625894"/>
+              <a:gd name="connsiteY6" fmla="*/ 1855197 h 3085018"/>
+              <a:gd name="connsiteX7" fmla="*/ 56026 w 3625894"/>
+              <a:gd name="connsiteY7" fmla="*/ 1740897 h 3085018"/>
+              <a:gd name="connsiteX0" fmla="*/ 49733 w 3619601"/>
+              <a:gd name="connsiteY0" fmla="*/ 1740125 h 3084246"/>
+              <a:gd name="connsiteX1" fmla="*/ 545033 w 3619601"/>
+              <a:gd name="connsiteY1" fmla="*/ 901925 h 3084246"/>
+              <a:gd name="connsiteX2" fmla="*/ 1999183 w 3619601"/>
+              <a:gd name="connsiteY2" fmla="*/ 225 h 3084246"/>
+              <a:gd name="connsiteX3" fmla="*/ 3580333 w 3619601"/>
+              <a:gd name="connsiteY3" fmla="*/ 838425 h 3084246"/>
+              <a:gd name="connsiteX4" fmla="*/ 3065983 w 3619601"/>
+              <a:gd name="connsiteY4" fmla="*/ 2908525 h 3084246"/>
+              <a:gd name="connsiteX5" fmla="*/ 2253183 w 3619601"/>
+              <a:gd name="connsiteY5" fmla="*/ 2851375 h 3084246"/>
+              <a:gd name="connsiteX6" fmla="*/ 1637233 w 3619601"/>
+              <a:gd name="connsiteY6" fmla="*/ 1854425 h 3084246"/>
+              <a:gd name="connsiteX7" fmla="*/ 49733 w 3619601"/>
+              <a:gd name="connsiteY7" fmla="*/ 1740125 h 3084246"/>
+              <a:gd name="connsiteX0" fmla="*/ 49458 w 3620376"/>
+              <a:gd name="connsiteY0" fmla="*/ 1600526 h 2944647"/>
+              <a:gd name="connsiteX1" fmla="*/ 544758 w 3620376"/>
+              <a:gd name="connsiteY1" fmla="*/ 762326 h 2944647"/>
+              <a:gd name="connsiteX2" fmla="*/ 1979858 w 3620376"/>
+              <a:gd name="connsiteY2" fmla="*/ 326 h 2944647"/>
+              <a:gd name="connsiteX3" fmla="*/ 3580058 w 3620376"/>
+              <a:gd name="connsiteY3" fmla="*/ 698826 h 2944647"/>
+              <a:gd name="connsiteX4" fmla="*/ 3065708 w 3620376"/>
+              <a:gd name="connsiteY4" fmla="*/ 2768926 h 2944647"/>
+              <a:gd name="connsiteX5" fmla="*/ 2252908 w 3620376"/>
+              <a:gd name="connsiteY5" fmla="*/ 2711776 h 2944647"/>
+              <a:gd name="connsiteX6" fmla="*/ 1636958 w 3620376"/>
+              <a:gd name="connsiteY6" fmla="*/ 1714826 h 2944647"/>
+              <a:gd name="connsiteX7" fmla="*/ 49458 w 3620376"/>
+              <a:gd name="connsiteY7" fmla="*/ 1600526 h 2944647"/>
+              <a:gd name="connsiteX0" fmla="*/ 49458 w 3501655"/>
+              <a:gd name="connsiteY0" fmla="*/ 1601026 h 2929888"/>
+              <a:gd name="connsiteX1" fmla="*/ 544758 w 3501655"/>
+              <a:gd name="connsiteY1" fmla="*/ 762826 h 2929888"/>
+              <a:gd name="connsiteX2" fmla="*/ 1979858 w 3501655"/>
+              <a:gd name="connsiteY2" fmla="*/ 826 h 2929888"/>
+              <a:gd name="connsiteX3" fmla="*/ 3453058 w 3501655"/>
+              <a:gd name="connsiteY3" fmla="*/ 908876 h 2929888"/>
+              <a:gd name="connsiteX4" fmla="*/ 3065708 w 3501655"/>
+              <a:gd name="connsiteY4" fmla="*/ 2769426 h 2929888"/>
+              <a:gd name="connsiteX5" fmla="*/ 2252908 w 3501655"/>
+              <a:gd name="connsiteY5" fmla="*/ 2712276 h 2929888"/>
+              <a:gd name="connsiteX6" fmla="*/ 1636958 w 3501655"/>
+              <a:gd name="connsiteY6" fmla="*/ 1715326 h 2929888"/>
+              <a:gd name="connsiteX7" fmla="*/ 49458 w 3501655"/>
+              <a:gd name="connsiteY7" fmla="*/ 1601026 h 2929888"/>
+              <a:gd name="connsiteX0" fmla="*/ 49458 w 3501655"/>
+              <a:gd name="connsiteY0" fmla="*/ 1601026 h 2982159"/>
+              <a:gd name="connsiteX1" fmla="*/ 544758 w 3501655"/>
+              <a:gd name="connsiteY1" fmla="*/ 762826 h 2982159"/>
+              <a:gd name="connsiteX2" fmla="*/ 1979858 w 3501655"/>
+              <a:gd name="connsiteY2" fmla="*/ 826 h 2982159"/>
+              <a:gd name="connsiteX3" fmla="*/ 3453058 w 3501655"/>
+              <a:gd name="connsiteY3" fmla="*/ 908876 h 2982159"/>
+              <a:gd name="connsiteX4" fmla="*/ 3065708 w 3501655"/>
+              <a:gd name="connsiteY4" fmla="*/ 2769426 h 2982159"/>
+              <a:gd name="connsiteX5" fmla="*/ 2252908 w 3501655"/>
+              <a:gd name="connsiteY5" fmla="*/ 2712276 h 2982159"/>
+              <a:gd name="connsiteX6" fmla="*/ 1636958 w 3501655"/>
+              <a:gd name="connsiteY6" fmla="*/ 1715326 h 2982159"/>
+              <a:gd name="connsiteX7" fmla="*/ 49458 w 3501655"/>
+              <a:gd name="connsiteY7" fmla="*/ 1601026 h 2982159"/>
+              <a:gd name="connsiteX0" fmla="*/ 49458 w 3502021"/>
+              <a:gd name="connsiteY0" fmla="*/ 1601026 h 3017333"/>
+              <a:gd name="connsiteX1" fmla="*/ 544758 w 3502021"/>
+              <a:gd name="connsiteY1" fmla="*/ 762826 h 3017333"/>
+              <a:gd name="connsiteX2" fmla="*/ 1979858 w 3502021"/>
+              <a:gd name="connsiteY2" fmla="*/ 826 h 3017333"/>
+              <a:gd name="connsiteX3" fmla="*/ 3453058 w 3502021"/>
+              <a:gd name="connsiteY3" fmla="*/ 908876 h 3017333"/>
+              <a:gd name="connsiteX4" fmla="*/ 3065708 w 3502021"/>
+              <a:gd name="connsiteY4" fmla="*/ 2769426 h 3017333"/>
+              <a:gd name="connsiteX5" fmla="*/ 2227508 w 3502021"/>
+              <a:gd name="connsiteY5" fmla="*/ 2775776 h 3017333"/>
+              <a:gd name="connsiteX6" fmla="*/ 1636958 w 3502021"/>
+              <a:gd name="connsiteY6" fmla="*/ 1715326 h 3017333"/>
+              <a:gd name="connsiteX7" fmla="*/ 49458 w 3502021"/>
+              <a:gd name="connsiteY7" fmla="*/ 1601026 h 3017333"/>
+              <a:gd name="connsiteX0" fmla="*/ 43611 w 3496174"/>
+              <a:gd name="connsiteY0" fmla="*/ 1601026 h 2956944"/>
+              <a:gd name="connsiteX1" fmla="*/ 538911 w 3496174"/>
+              <a:gd name="connsiteY1" fmla="*/ 762826 h 2956944"/>
+              <a:gd name="connsiteX2" fmla="*/ 1974011 w 3496174"/>
+              <a:gd name="connsiteY2" fmla="*/ 826 h 2956944"/>
+              <a:gd name="connsiteX3" fmla="*/ 3447211 w 3496174"/>
+              <a:gd name="connsiteY3" fmla="*/ 908876 h 2956944"/>
+              <a:gd name="connsiteX4" fmla="*/ 3059861 w 3496174"/>
+              <a:gd name="connsiteY4" fmla="*/ 2769426 h 2956944"/>
+              <a:gd name="connsiteX5" fmla="*/ 2221661 w 3496174"/>
+              <a:gd name="connsiteY5" fmla="*/ 2775776 h 2956944"/>
+              <a:gd name="connsiteX6" fmla="*/ 1535861 w 3496174"/>
+              <a:gd name="connsiteY6" fmla="*/ 1734376 h 2956944"/>
+              <a:gd name="connsiteX7" fmla="*/ 43611 w 3496174"/>
+              <a:gd name="connsiteY7" fmla="*/ 1601026 h 2956944"/>
+              <a:gd name="connsiteX0" fmla="*/ 43611 w 3496174"/>
+              <a:gd name="connsiteY0" fmla="*/ 1601026 h 2956944"/>
+              <a:gd name="connsiteX1" fmla="*/ 538911 w 3496174"/>
+              <a:gd name="connsiteY1" fmla="*/ 762826 h 2956944"/>
+              <a:gd name="connsiteX2" fmla="*/ 1974011 w 3496174"/>
+              <a:gd name="connsiteY2" fmla="*/ 826 h 2956944"/>
+              <a:gd name="connsiteX3" fmla="*/ 3447211 w 3496174"/>
+              <a:gd name="connsiteY3" fmla="*/ 908876 h 2956944"/>
+              <a:gd name="connsiteX4" fmla="*/ 3059861 w 3496174"/>
+              <a:gd name="connsiteY4" fmla="*/ 2769426 h 2956944"/>
+              <a:gd name="connsiteX5" fmla="*/ 2221661 w 3496174"/>
+              <a:gd name="connsiteY5" fmla="*/ 2775776 h 2956944"/>
+              <a:gd name="connsiteX6" fmla="*/ 1535861 w 3496174"/>
+              <a:gd name="connsiteY6" fmla="*/ 1734376 h 2956944"/>
+              <a:gd name="connsiteX7" fmla="*/ 43611 w 3496174"/>
+              <a:gd name="connsiteY7" fmla="*/ 1601026 h 2956944"/>
+              <a:gd name="connsiteX0" fmla="*/ 43611 w 3496174"/>
+              <a:gd name="connsiteY0" fmla="*/ 1601026 h 2971805"/>
+              <a:gd name="connsiteX1" fmla="*/ 538911 w 3496174"/>
+              <a:gd name="connsiteY1" fmla="*/ 762826 h 2971805"/>
+              <a:gd name="connsiteX2" fmla="*/ 1974011 w 3496174"/>
+              <a:gd name="connsiteY2" fmla="*/ 826 h 2971805"/>
+              <a:gd name="connsiteX3" fmla="*/ 3447211 w 3496174"/>
+              <a:gd name="connsiteY3" fmla="*/ 908876 h 2971805"/>
+              <a:gd name="connsiteX4" fmla="*/ 3059861 w 3496174"/>
+              <a:gd name="connsiteY4" fmla="*/ 2769426 h 2971805"/>
+              <a:gd name="connsiteX5" fmla="*/ 2221661 w 3496174"/>
+              <a:gd name="connsiteY5" fmla="*/ 2775776 h 2971805"/>
+              <a:gd name="connsiteX6" fmla="*/ 1535861 w 3496174"/>
+              <a:gd name="connsiteY6" fmla="*/ 1734376 h 2971805"/>
+              <a:gd name="connsiteX7" fmla="*/ 43611 w 3496174"/>
+              <a:gd name="connsiteY7" fmla="*/ 1601026 h 2971805"/>
+              <a:gd name="connsiteX0" fmla="*/ 43611 w 3573474"/>
+              <a:gd name="connsiteY0" fmla="*/ 1601596 h 2969295"/>
+              <a:gd name="connsiteX1" fmla="*/ 538911 w 3573474"/>
+              <a:gd name="connsiteY1" fmla="*/ 763396 h 2969295"/>
+              <a:gd name="connsiteX2" fmla="*/ 1974011 w 3573474"/>
+              <a:gd name="connsiteY2" fmla="*/ 1396 h 2969295"/>
+              <a:gd name="connsiteX3" fmla="*/ 3530338 w 3573474"/>
+              <a:gd name="connsiteY3" fmla="*/ 955628 h 2969295"/>
+              <a:gd name="connsiteX4" fmla="*/ 3059861 w 3573474"/>
+              <a:gd name="connsiteY4" fmla="*/ 2769996 h 2969295"/>
+              <a:gd name="connsiteX5" fmla="*/ 2221661 w 3573474"/>
+              <a:gd name="connsiteY5" fmla="*/ 2776346 h 2969295"/>
+              <a:gd name="connsiteX6" fmla="*/ 1535861 w 3573474"/>
+              <a:gd name="connsiteY6" fmla="*/ 1734946 h 2969295"/>
+              <a:gd name="connsiteX7" fmla="*/ 43611 w 3573474"/>
+              <a:gd name="connsiteY7" fmla="*/ 1601596 h 2969295"/>
+              <a:gd name="connsiteX0" fmla="*/ 43611 w 3599531"/>
+              <a:gd name="connsiteY0" fmla="*/ 1602451 h 2966474"/>
+              <a:gd name="connsiteX1" fmla="*/ 538911 w 3599531"/>
+              <a:gd name="connsiteY1" fmla="*/ 764251 h 2966474"/>
+              <a:gd name="connsiteX2" fmla="*/ 1974011 w 3599531"/>
+              <a:gd name="connsiteY2" fmla="*/ 2251 h 2966474"/>
+              <a:gd name="connsiteX3" fmla="*/ 3558047 w 3599531"/>
+              <a:gd name="connsiteY3" fmla="*/ 1011901 h 2966474"/>
+              <a:gd name="connsiteX4" fmla="*/ 3059861 w 3599531"/>
+              <a:gd name="connsiteY4" fmla="*/ 2770851 h 2966474"/>
+              <a:gd name="connsiteX5" fmla="*/ 2221661 w 3599531"/>
+              <a:gd name="connsiteY5" fmla="*/ 2777201 h 2966474"/>
+              <a:gd name="connsiteX6" fmla="*/ 1535861 w 3599531"/>
+              <a:gd name="connsiteY6" fmla="*/ 1735801 h 2966474"/>
+              <a:gd name="connsiteX7" fmla="*/ 43611 w 3599531"/>
+              <a:gd name="connsiteY7" fmla="*/ 1602451 h 2966474"/>
+              <a:gd name="connsiteX0" fmla="*/ 43611 w 3600744"/>
+              <a:gd name="connsiteY0" fmla="*/ 1602451 h 2992611"/>
+              <a:gd name="connsiteX1" fmla="*/ 538911 w 3600744"/>
+              <a:gd name="connsiteY1" fmla="*/ 764251 h 2992611"/>
+              <a:gd name="connsiteX2" fmla="*/ 1974011 w 3600744"/>
+              <a:gd name="connsiteY2" fmla="*/ 2251 h 2992611"/>
+              <a:gd name="connsiteX3" fmla="*/ 3558047 w 3600744"/>
+              <a:gd name="connsiteY3" fmla="*/ 1011901 h 2992611"/>
+              <a:gd name="connsiteX4" fmla="*/ 3059861 w 3600744"/>
+              <a:gd name="connsiteY4" fmla="*/ 2770851 h 2992611"/>
+              <a:gd name="connsiteX5" fmla="*/ 2221661 w 3600744"/>
+              <a:gd name="connsiteY5" fmla="*/ 2777201 h 2992611"/>
+              <a:gd name="connsiteX6" fmla="*/ 1535861 w 3600744"/>
+              <a:gd name="connsiteY6" fmla="*/ 1735801 h 2992611"/>
+              <a:gd name="connsiteX7" fmla="*/ 43611 w 3600744"/>
+              <a:gd name="connsiteY7" fmla="*/ 1602451 h 2992611"/>
+              <a:gd name="connsiteX0" fmla="*/ 43611 w 3601952"/>
+              <a:gd name="connsiteY0" fmla="*/ 1602451 h 3016531"/>
+              <a:gd name="connsiteX1" fmla="*/ 538911 w 3601952"/>
+              <a:gd name="connsiteY1" fmla="*/ 764251 h 3016531"/>
+              <a:gd name="connsiteX2" fmla="*/ 1974011 w 3601952"/>
+              <a:gd name="connsiteY2" fmla="*/ 2251 h 3016531"/>
+              <a:gd name="connsiteX3" fmla="*/ 3558047 w 3601952"/>
+              <a:gd name="connsiteY3" fmla="*/ 1011901 h 3016531"/>
+              <a:gd name="connsiteX4" fmla="*/ 3069098 w 3601952"/>
+              <a:gd name="connsiteY4" fmla="*/ 2826269 h 3016531"/>
+              <a:gd name="connsiteX5" fmla="*/ 2221661 w 3601952"/>
+              <a:gd name="connsiteY5" fmla="*/ 2777201 h 3016531"/>
+              <a:gd name="connsiteX6" fmla="*/ 1535861 w 3601952"/>
+              <a:gd name="connsiteY6" fmla="*/ 1735801 h 3016531"/>
+              <a:gd name="connsiteX7" fmla="*/ 43611 w 3601952"/>
+              <a:gd name="connsiteY7" fmla="*/ 1602451 h 3016531"/>
+              <a:gd name="connsiteX0" fmla="*/ 43611 w 3601952"/>
+              <a:gd name="connsiteY0" fmla="*/ 1602451 h 3041025"/>
+              <a:gd name="connsiteX1" fmla="*/ 538911 w 3601952"/>
+              <a:gd name="connsiteY1" fmla="*/ 764251 h 3041025"/>
+              <a:gd name="connsiteX2" fmla="*/ 1974011 w 3601952"/>
+              <a:gd name="connsiteY2" fmla="*/ 2251 h 3041025"/>
+              <a:gd name="connsiteX3" fmla="*/ 3558047 w 3601952"/>
+              <a:gd name="connsiteY3" fmla="*/ 1011901 h 3041025"/>
+              <a:gd name="connsiteX4" fmla="*/ 3069098 w 3601952"/>
+              <a:gd name="connsiteY4" fmla="*/ 2826269 h 3041025"/>
+              <a:gd name="connsiteX5" fmla="*/ 2221661 w 3601952"/>
+              <a:gd name="connsiteY5" fmla="*/ 2777201 h 3041025"/>
+              <a:gd name="connsiteX6" fmla="*/ 1535861 w 3601952"/>
+              <a:gd name="connsiteY6" fmla="*/ 1735801 h 3041025"/>
+              <a:gd name="connsiteX7" fmla="*/ 43611 w 3601952"/>
+              <a:gd name="connsiteY7" fmla="*/ 1602451 h 3041025"/>
+              <a:gd name="connsiteX0" fmla="*/ 87685 w 3646026"/>
+              <a:gd name="connsiteY0" fmla="*/ 1602451 h 3041025"/>
+              <a:gd name="connsiteX1" fmla="*/ 582985 w 3646026"/>
+              <a:gd name="connsiteY1" fmla="*/ 764251 h 3041025"/>
+              <a:gd name="connsiteX2" fmla="*/ 2018085 w 3646026"/>
+              <a:gd name="connsiteY2" fmla="*/ 2251 h 3041025"/>
+              <a:gd name="connsiteX3" fmla="*/ 3602121 w 3646026"/>
+              <a:gd name="connsiteY3" fmla="*/ 1011901 h 3041025"/>
+              <a:gd name="connsiteX4" fmla="*/ 3113172 w 3646026"/>
+              <a:gd name="connsiteY4" fmla="*/ 2826269 h 3041025"/>
+              <a:gd name="connsiteX5" fmla="*/ 2265735 w 3646026"/>
+              <a:gd name="connsiteY5" fmla="*/ 2777201 h 3041025"/>
+              <a:gd name="connsiteX6" fmla="*/ 87685 w 3646026"/>
+              <a:gd name="connsiteY6" fmla="*/ 1602451 h 3041025"/>
+              <a:gd name="connsiteX0" fmla="*/ 145797 w 3704138"/>
+              <a:gd name="connsiteY0" fmla="*/ 1602451 h 2833188"/>
+              <a:gd name="connsiteX1" fmla="*/ 641097 w 3704138"/>
+              <a:gd name="connsiteY1" fmla="*/ 764251 h 2833188"/>
+              <a:gd name="connsiteX2" fmla="*/ 2076197 w 3704138"/>
+              <a:gd name="connsiteY2" fmla="*/ 2251 h 2833188"/>
+              <a:gd name="connsiteX3" fmla="*/ 3660233 w 3704138"/>
+              <a:gd name="connsiteY3" fmla="*/ 1011901 h 2833188"/>
+              <a:gd name="connsiteX4" fmla="*/ 3171284 w 3704138"/>
+              <a:gd name="connsiteY4" fmla="*/ 2826269 h 2833188"/>
+              <a:gd name="connsiteX5" fmla="*/ 145797 w 3704138"/>
+              <a:gd name="connsiteY5" fmla="*/ 1602451 h 2833188"/>
+              <a:gd name="connsiteX0" fmla="*/ 2530187 w 3063041"/>
+              <a:gd name="connsiteY0" fmla="*/ 2826269 h 2826268"/>
+              <a:gd name="connsiteX1" fmla="*/ 0 w 3063041"/>
+              <a:gd name="connsiteY1" fmla="*/ 764251 h 2826268"/>
+              <a:gd name="connsiteX2" fmla="*/ 1435100 w 3063041"/>
+              <a:gd name="connsiteY2" fmla="*/ 2251 h 2826268"/>
+              <a:gd name="connsiteX3" fmla="*/ 3019136 w 3063041"/>
+              <a:gd name="connsiteY3" fmla="*/ 1011901 h 2826268"/>
+              <a:gd name="connsiteX4" fmla="*/ 2530187 w 3063041"/>
+              <a:gd name="connsiteY4" fmla="*/ 2826269 h 2826268"/>
+              <a:gd name="connsiteX0" fmla="*/ 2531490 w 3064344"/>
+              <a:gd name="connsiteY0" fmla="*/ 2850345 h 2850345"/>
+              <a:gd name="connsiteX1" fmla="*/ 1303 w 3064344"/>
+              <a:gd name="connsiteY1" fmla="*/ 788327 h 2850345"/>
+              <a:gd name="connsiteX2" fmla="*/ 1436403 w 3064344"/>
+              <a:gd name="connsiteY2" fmla="*/ 26327 h 2850345"/>
+              <a:gd name="connsiteX3" fmla="*/ 3020439 w 3064344"/>
+              <a:gd name="connsiteY3" fmla="*/ 1035977 h 2850345"/>
+              <a:gd name="connsiteX4" fmla="*/ 2531490 w 3064344"/>
+              <a:gd name="connsiteY4" fmla="*/ 2850345 h 2850345"/>
+              <a:gd name="connsiteX0" fmla="*/ 1995608 w 2544142"/>
+              <a:gd name="connsiteY0" fmla="*/ 2834025 h 2847907"/>
+              <a:gd name="connsiteX1" fmla="*/ 1650 w 2544142"/>
+              <a:gd name="connsiteY1" fmla="*/ 1605038 h 2847907"/>
+              <a:gd name="connsiteX2" fmla="*/ 900521 w 2544142"/>
+              <a:gd name="connsiteY2" fmla="*/ 10007 h 2847907"/>
+              <a:gd name="connsiteX3" fmla="*/ 2484557 w 2544142"/>
+              <a:gd name="connsiteY3" fmla="*/ 1019657 h 2847907"/>
+              <a:gd name="connsiteX4" fmla="*/ 1995608 w 2544142"/>
+              <a:gd name="connsiteY4" fmla="*/ 2834025 h 2847907"/>
+              <a:gd name="connsiteX0" fmla="*/ 1995607 w 2537685"/>
+              <a:gd name="connsiteY0" fmla="*/ 2838699 h 2856285"/>
+              <a:gd name="connsiteX1" fmla="*/ 1649 w 2537685"/>
+              <a:gd name="connsiteY1" fmla="*/ 1609712 h 2856285"/>
+              <a:gd name="connsiteX2" fmla="*/ 900520 w 2537685"/>
+              <a:gd name="connsiteY2" fmla="*/ 14681 h 2856285"/>
+              <a:gd name="connsiteX3" fmla="*/ 2477309 w 2537685"/>
+              <a:gd name="connsiteY3" fmla="*/ 932556 h 2856285"/>
+              <a:gd name="connsiteX4" fmla="*/ 1995607 w 2537685"/>
+              <a:gd name="connsiteY4" fmla="*/ 2838699 h 2856285"/>
+              <a:gd name="connsiteX0" fmla="*/ 1995607 w 2537686"/>
+              <a:gd name="connsiteY0" fmla="*/ 2850780 h 2868366"/>
+              <a:gd name="connsiteX1" fmla="*/ 1649 w 2537686"/>
+              <a:gd name="connsiteY1" fmla="*/ 1621793 h 2868366"/>
+              <a:gd name="connsiteX2" fmla="*/ 900520 w 2537686"/>
+              <a:gd name="connsiteY2" fmla="*/ 26762 h 2868366"/>
+              <a:gd name="connsiteX3" fmla="*/ 2477309 w 2537686"/>
+              <a:gd name="connsiteY3" fmla="*/ 944637 h 2868366"/>
+              <a:gd name="connsiteX4" fmla="*/ 1995607 w 2537686"/>
+              <a:gd name="connsiteY4" fmla="*/ 2850780 h 2868366"/>
+              <a:gd name="connsiteX0" fmla="*/ 2018953 w 2547450"/>
+              <a:gd name="connsiteY0" fmla="*/ 2782443 h 2792311"/>
+              <a:gd name="connsiteX1" fmla="*/ 24995 w 2547450"/>
+              <a:gd name="connsiteY1" fmla="*/ 1553456 h 2792311"/>
+              <a:gd name="connsiteX2" fmla="*/ 1126763 w 2547450"/>
+              <a:gd name="connsiteY2" fmla="*/ 29021 h 2792311"/>
+              <a:gd name="connsiteX3" fmla="*/ 2500655 w 2547450"/>
+              <a:gd name="connsiteY3" fmla="*/ 876300 h 2792311"/>
+              <a:gd name="connsiteX4" fmla="*/ 2018953 w 2547450"/>
+              <a:gd name="connsiteY4" fmla="*/ 2782443 h 2792311"/>
+              <a:gd name="connsiteX0" fmla="*/ 1263305 w 2477517"/>
+              <a:gd name="connsiteY0" fmla="*/ 2235653 h 2253997"/>
+              <a:gd name="connsiteX1" fmla="*/ 1226 w 2477517"/>
+              <a:gd name="connsiteY1" fmla="*/ 1550254 h 2253997"/>
+              <a:gd name="connsiteX2" fmla="*/ 1102994 w 2477517"/>
+              <a:gd name="connsiteY2" fmla="*/ 25819 h 2253997"/>
+              <a:gd name="connsiteX3" fmla="*/ 2476886 w 2477517"/>
+              <a:gd name="connsiteY3" fmla="*/ 873098 h 2253997"/>
+              <a:gd name="connsiteX4" fmla="*/ 1263305 w 2477517"/>
+              <a:gd name="connsiteY4" fmla="*/ 2235653 h 2253997"/>
+              <a:gd name="connsiteX0" fmla="*/ 1263305 w 2478444"/>
+              <a:gd name="connsiteY0" fmla="*/ 2235653 h 2239010"/>
+              <a:gd name="connsiteX1" fmla="*/ 1226 w 2478444"/>
+              <a:gd name="connsiteY1" fmla="*/ 1550254 h 2239010"/>
+              <a:gd name="connsiteX2" fmla="*/ 1102994 w 2478444"/>
+              <a:gd name="connsiteY2" fmla="*/ 25819 h 2239010"/>
+              <a:gd name="connsiteX3" fmla="*/ 2476886 w 2478444"/>
+              <a:gd name="connsiteY3" fmla="*/ 873098 h 2239010"/>
+              <a:gd name="connsiteX4" fmla="*/ 1263305 w 2478444"/>
+              <a:gd name="connsiteY4" fmla="*/ 2235653 h 2239010"/>
+              <a:gd name="connsiteX0" fmla="*/ 1263305 w 2479291"/>
+              <a:gd name="connsiteY0" fmla="*/ 2235653 h 2235982"/>
+              <a:gd name="connsiteX1" fmla="*/ 1226 w 2479291"/>
+              <a:gd name="connsiteY1" fmla="*/ 1550254 h 2235982"/>
+              <a:gd name="connsiteX2" fmla="*/ 1102994 w 2479291"/>
+              <a:gd name="connsiteY2" fmla="*/ 25819 h 2235982"/>
+              <a:gd name="connsiteX3" fmla="*/ 2476886 w 2479291"/>
+              <a:gd name="connsiteY3" fmla="*/ 873098 h 2235982"/>
+              <a:gd name="connsiteX4" fmla="*/ 1263305 w 2479291"/>
+              <a:gd name="connsiteY4" fmla="*/ 2235653 h 2235982"/>
+              <a:gd name="connsiteX0" fmla="*/ 973307 w 2187485"/>
+              <a:gd name="connsiteY0" fmla="*/ 2212438 h 2213270"/>
+              <a:gd name="connsiteX1" fmla="*/ 1081 w 2187485"/>
+              <a:gd name="connsiteY1" fmla="*/ 644590 h 2213270"/>
+              <a:gd name="connsiteX2" fmla="*/ 812996 w 2187485"/>
+              <a:gd name="connsiteY2" fmla="*/ 2604 h 2213270"/>
+              <a:gd name="connsiteX3" fmla="*/ 2186888 w 2187485"/>
+              <a:gd name="connsiteY3" fmla="*/ 849883 h 2213270"/>
+              <a:gd name="connsiteX4" fmla="*/ 973307 w 2187485"/>
+              <a:gd name="connsiteY4" fmla="*/ 2212438 h 2213270"/>
+              <a:gd name="connsiteX0" fmla="*/ 1100474 w 2314652"/>
+              <a:gd name="connsiteY0" fmla="*/ 2298667 h 2299500"/>
+              <a:gd name="connsiteX1" fmla="*/ 128248 w 2314652"/>
+              <a:gd name="connsiteY1" fmla="*/ 730819 h 2299500"/>
+              <a:gd name="connsiteX2" fmla="*/ 940163 w 2314652"/>
+              <a:gd name="connsiteY2" fmla="*/ 88833 h 2299500"/>
+              <a:gd name="connsiteX3" fmla="*/ 2314055 w 2314652"/>
+              <a:gd name="connsiteY3" fmla="*/ 936112 h 2299500"/>
+              <a:gd name="connsiteX4" fmla="*/ 1100474 w 2314652"/>
+              <a:gd name="connsiteY4" fmla="*/ 2298667 h 2299500"/>
+              <a:gd name="connsiteX0" fmla="*/ 1004168 w 2235185"/>
+              <a:gd name="connsiteY0" fmla="*/ 1673666 h 1674423"/>
+              <a:gd name="connsiteX1" fmla="*/ 31942 w 2235185"/>
+              <a:gd name="connsiteY1" fmla="*/ 105818 h 1674423"/>
+              <a:gd name="connsiteX2" fmla="*/ 2217749 w 2235185"/>
+              <a:gd name="connsiteY2" fmla="*/ 311111 h 1674423"/>
+              <a:gd name="connsiteX3" fmla="*/ 1004168 w 2235185"/>
+              <a:gd name="connsiteY3" fmla="*/ 1673666 h 1674423"/>
+              <a:gd name="connsiteX0" fmla="*/ 1004168 w 2396518"/>
+              <a:gd name="connsiteY0" fmla="*/ 2055530 h 2060470"/>
+              <a:gd name="connsiteX1" fmla="*/ 31942 w 2396518"/>
+              <a:gd name="connsiteY1" fmla="*/ 487682 h 2060470"/>
+              <a:gd name="connsiteX2" fmla="*/ 2217749 w 2396518"/>
+              <a:gd name="connsiteY2" fmla="*/ 692975 h 2060470"/>
+              <a:gd name="connsiteX3" fmla="*/ 1004168 w 2396518"/>
+              <a:gd name="connsiteY3" fmla="*/ 2055530 h 2060470"/>
+              <a:gd name="connsiteX0" fmla="*/ 1150727 w 2543077"/>
+              <a:gd name="connsiteY0" fmla="*/ 2286401 h 2291342"/>
+              <a:gd name="connsiteX1" fmla="*/ 178501 w 2543077"/>
+              <a:gd name="connsiteY1" fmla="*/ 718553 h 2291342"/>
+              <a:gd name="connsiteX2" fmla="*/ 2364308 w 2543077"/>
+              <a:gd name="connsiteY2" fmla="*/ 923846 h 2291342"/>
+              <a:gd name="connsiteX3" fmla="*/ 1150727 w 2543077"/>
+              <a:gd name="connsiteY3" fmla="*/ 2286401 h 2291342"/>
+              <a:gd name="connsiteX0" fmla="*/ 1305182 w 2821161"/>
+              <a:gd name="connsiteY0" fmla="*/ 2286401 h 2286928"/>
+              <a:gd name="connsiteX1" fmla="*/ 332956 w 2821161"/>
+              <a:gd name="connsiteY1" fmla="*/ 718553 h 2286928"/>
+              <a:gd name="connsiteX2" fmla="*/ 2518763 w 2821161"/>
+              <a:gd name="connsiteY2" fmla="*/ 923846 h 2286928"/>
+              <a:gd name="connsiteX3" fmla="*/ 1305182 w 2821161"/>
+              <a:gd name="connsiteY3" fmla="*/ 2286401 h 2286928"/>
+              <a:gd name="connsiteX0" fmla="*/ 1121558 w 2393546"/>
+              <a:gd name="connsiteY0" fmla="*/ 1595353 h 1595634"/>
+              <a:gd name="connsiteX1" fmla="*/ 134839 w 2393546"/>
+              <a:gd name="connsiteY1" fmla="*/ 98101 h 1595634"/>
+              <a:gd name="connsiteX2" fmla="*/ 2320646 w 2393546"/>
+              <a:gd name="connsiteY2" fmla="*/ 303394 h 1595634"/>
+              <a:gd name="connsiteX3" fmla="*/ 1121558 w 2393546"/>
+              <a:gd name="connsiteY3" fmla="*/ 1595353 h 1595634"/>
+              <a:gd name="connsiteX0" fmla="*/ 1501424 w 2773412"/>
+              <a:gd name="connsiteY0" fmla="*/ 2128605 h 2131022"/>
+              <a:gd name="connsiteX1" fmla="*/ 514705 w 2773412"/>
+              <a:gd name="connsiteY1" fmla="*/ 631353 h 2131022"/>
+              <a:gd name="connsiteX2" fmla="*/ 2700512 w 2773412"/>
+              <a:gd name="connsiteY2" fmla="*/ 836646 h 2131022"/>
+              <a:gd name="connsiteX3" fmla="*/ 1501424 w 2773412"/>
+              <a:gd name="connsiteY3" fmla="*/ 2128605 h 2131022"/>
+              <a:gd name="connsiteX0" fmla="*/ 1501424 w 2914709"/>
+              <a:gd name="connsiteY0" fmla="*/ 2285254 h 2287671"/>
+              <a:gd name="connsiteX1" fmla="*/ 514705 w 2914709"/>
+              <a:gd name="connsiteY1" fmla="*/ 788002 h 2287671"/>
+              <a:gd name="connsiteX2" fmla="*/ 2700512 w 2914709"/>
+              <a:gd name="connsiteY2" fmla="*/ 993295 h 2287671"/>
+              <a:gd name="connsiteX3" fmla="*/ 1501424 w 2914709"/>
+              <a:gd name="connsiteY3" fmla="*/ 2285254 h 2287671"/>
+              <a:gd name="connsiteX0" fmla="*/ 1005173 w 2039933"/>
+              <a:gd name="connsiteY0" fmla="*/ 1748047 h 1752261"/>
+              <a:gd name="connsiteX1" fmla="*/ 18454 w 2039933"/>
+              <a:gd name="connsiteY1" fmla="*/ 250795 h 1752261"/>
+              <a:gd name="connsiteX2" fmla="*/ 1914407 w 2039933"/>
+              <a:gd name="connsiteY2" fmla="*/ 547862 h 1752261"/>
+              <a:gd name="connsiteX3" fmla="*/ 1005173 w 2039933"/>
+              <a:gd name="connsiteY3" fmla="*/ 1748047 h 1752261"/>
+              <a:gd name="connsiteX0" fmla="*/ 1252150 w 2286910"/>
+              <a:gd name="connsiteY0" fmla="*/ 2385953 h 2390167"/>
+              <a:gd name="connsiteX1" fmla="*/ 265431 w 2286910"/>
+              <a:gd name="connsiteY1" fmla="*/ 888701 h 2390167"/>
+              <a:gd name="connsiteX2" fmla="*/ 2161384 w 2286910"/>
+              <a:gd name="connsiteY2" fmla="*/ 1185768 h 2390167"/>
+              <a:gd name="connsiteX3" fmla="*/ 1252150 w 2286910"/>
+              <a:gd name="connsiteY3" fmla="*/ 2385953 h 2390167"/>
+              <a:gd name="connsiteX0" fmla="*/ 1142081 w 2069310"/>
+              <a:gd name="connsiteY0" fmla="*/ 2123900 h 2146255"/>
+              <a:gd name="connsiteX1" fmla="*/ 278549 w 2069310"/>
+              <a:gd name="connsiteY1" fmla="*/ 774900 h 2146255"/>
+              <a:gd name="connsiteX2" fmla="*/ 2051315 w 2069310"/>
+              <a:gd name="connsiteY2" fmla="*/ 923715 h 2146255"/>
+              <a:gd name="connsiteX3" fmla="*/ 1142081 w 2069310"/>
+              <a:gd name="connsiteY3" fmla="*/ 2123900 h 2146255"/>
+              <a:gd name="connsiteX0" fmla="*/ 1165325 w 2097018"/>
+              <a:gd name="connsiteY0" fmla="*/ 2123900 h 2164933"/>
+              <a:gd name="connsiteX1" fmla="*/ 301793 w 2097018"/>
+              <a:gd name="connsiteY1" fmla="*/ 774900 h 2164933"/>
+              <a:gd name="connsiteX2" fmla="*/ 2074559 w 2097018"/>
+              <a:gd name="connsiteY2" fmla="*/ 923715 h 2164933"/>
+              <a:gd name="connsiteX3" fmla="*/ 1165325 w 2097018"/>
+              <a:gd name="connsiteY3" fmla="*/ 2123900 h 2164933"/>
+              <a:gd name="connsiteX0" fmla="*/ 881857 w 1752174"/>
+              <a:gd name="connsiteY0" fmla="*/ 1447028 h 1447527"/>
+              <a:gd name="connsiteX1" fmla="*/ 18325 w 1752174"/>
+              <a:gd name="connsiteY1" fmla="*/ 98028 h 1447527"/>
+              <a:gd name="connsiteX2" fmla="*/ 1733120 w 1752174"/>
+              <a:gd name="connsiteY2" fmla="*/ 253902 h 1447527"/>
+              <a:gd name="connsiteX3" fmla="*/ 881857 w 1752174"/>
+              <a:gd name="connsiteY3" fmla="*/ 1447028 h 1447527"/>
+              <a:gd name="connsiteX0" fmla="*/ 881857 w 2006074"/>
+              <a:gd name="connsiteY0" fmla="*/ 2138307 h 2283892"/>
+              <a:gd name="connsiteX1" fmla="*/ 18325 w 2006074"/>
+              <a:gd name="connsiteY1" fmla="*/ 789307 h 2283892"/>
+              <a:gd name="connsiteX2" fmla="*/ 1733120 w 2006074"/>
+              <a:gd name="connsiteY2" fmla="*/ 945181 h 2283892"/>
+              <a:gd name="connsiteX3" fmla="*/ 881857 w 2006074"/>
+              <a:gd name="connsiteY3" fmla="*/ 2138307 h 2283892"/>
+              <a:gd name="connsiteX0" fmla="*/ 124151 w 2143381"/>
+              <a:gd name="connsiteY0" fmla="*/ 1376349 h 1376877"/>
+              <a:gd name="connsiteX1" fmla="*/ 427280 w 2143381"/>
+              <a:gd name="connsiteY1" fmla="*/ 90886 h 1376877"/>
+              <a:gd name="connsiteX2" fmla="*/ 2142075 w 2143381"/>
+              <a:gd name="connsiteY2" fmla="*/ 246760 h 1376877"/>
+              <a:gd name="connsiteX3" fmla="*/ 124151 w 2143381"/>
+              <a:gd name="connsiteY3" fmla="*/ 1376349 h 1376877"/>
+              <a:gd name="connsiteX0" fmla="*/ 16363 w 2063351"/>
+              <a:gd name="connsiteY0" fmla="*/ 2146086 h 2165274"/>
+              <a:gd name="connsiteX1" fmla="*/ 1131082 w 2063351"/>
+              <a:gd name="connsiteY1" fmla="*/ 27592 h 2165274"/>
+              <a:gd name="connsiteX2" fmla="*/ 2034287 w 2063351"/>
+              <a:gd name="connsiteY2" fmla="*/ 1016497 h 2165274"/>
+              <a:gd name="connsiteX3" fmla="*/ 16363 w 2063351"/>
+              <a:gd name="connsiteY3" fmla="*/ 2146086 h 2165274"/>
+              <a:gd name="connsiteX0" fmla="*/ 26033 w 2321104"/>
+              <a:gd name="connsiteY0" fmla="*/ 2118673 h 2322476"/>
+              <a:gd name="connsiteX1" fmla="*/ 1140752 w 2321104"/>
+              <a:gd name="connsiteY1" fmla="*/ 179 h 2322476"/>
+              <a:gd name="connsiteX2" fmla="*/ 2297579 w 2321104"/>
+              <a:gd name="connsiteY2" fmla="*/ 1998605 h 2322476"/>
+              <a:gd name="connsiteX3" fmla="*/ 26033 w 2321104"/>
+              <a:gd name="connsiteY3" fmla="*/ 2118673 h 2322476"/>
+              <a:gd name="connsiteX0" fmla="*/ 25051 w 2372885"/>
+              <a:gd name="connsiteY0" fmla="*/ 2026729 h 2264528"/>
+              <a:gd name="connsiteX1" fmla="*/ 1190494 w 2372885"/>
+              <a:gd name="connsiteY1" fmla="*/ 10 h 2264528"/>
+              <a:gd name="connsiteX2" fmla="*/ 2347321 w 2372885"/>
+              <a:gd name="connsiteY2" fmla="*/ 1998436 h 2264528"/>
+              <a:gd name="connsiteX3" fmla="*/ 25051 w 2372885"/>
+              <a:gd name="connsiteY3" fmla="*/ 2026729 h 2264528"/>
+              <a:gd name="connsiteX0" fmla="*/ 25051 w 2372885"/>
+              <a:gd name="connsiteY0" fmla="*/ 2132622 h 2383639"/>
+              <a:gd name="connsiteX1" fmla="*/ 1190494 w 2372885"/>
+              <a:gd name="connsiteY1" fmla="*/ 9 h 2383639"/>
+              <a:gd name="connsiteX2" fmla="*/ 2347321 w 2372885"/>
+              <a:gd name="connsiteY2" fmla="*/ 2104329 h 2383639"/>
+              <a:gd name="connsiteX3" fmla="*/ 25051 w 2372885"/>
+              <a:gd name="connsiteY3" fmla="*/ 2132622 h 2383639"/>
+              <a:gd name="connsiteX0" fmla="*/ 29294 w 2476772"/>
+              <a:gd name="connsiteY0" fmla="*/ 2132616 h 2407191"/>
+              <a:gd name="connsiteX1" fmla="*/ 1194737 w 2476772"/>
+              <a:gd name="connsiteY1" fmla="*/ 3 h 2407191"/>
+              <a:gd name="connsiteX2" fmla="*/ 2453013 w 2476772"/>
+              <a:gd name="connsiteY2" fmla="*/ 2146681 h 2407191"/>
+              <a:gd name="connsiteX3" fmla="*/ 29294 w 2476772"/>
+              <a:gd name="connsiteY3" fmla="*/ 2132616 h 2407191"/>
+              <a:gd name="connsiteX0" fmla="*/ 27127 w 2587615"/>
+              <a:gd name="connsiteY0" fmla="*/ 2167917 h 2427159"/>
+              <a:gd name="connsiteX1" fmla="*/ 1301266 w 2587615"/>
+              <a:gd name="connsiteY1" fmla="*/ 5 h 2427159"/>
+              <a:gd name="connsiteX2" fmla="*/ 2559542 w 2587615"/>
+              <a:gd name="connsiteY2" fmla="*/ 2146683 h 2427159"/>
+              <a:gd name="connsiteX3" fmla="*/ 27127 w 2587615"/>
+              <a:gd name="connsiteY3" fmla="*/ 2167917 h 2427159"/>
+            </a:gdLst>
+            <a:ahLst/>
+            <a:cxnLst>
+              <a:cxn ang="0">
+                <a:pos x="connsiteX0" y="connsiteY0"/>
+              </a:cxn>
+              <a:cxn ang="0">
+                <a:pos x="connsiteX1" y="connsiteY1"/>
+              </a:cxn>
+              <a:cxn ang="0">
+                <a:pos x="connsiteX2" y="connsiteY2"/>
+              </a:cxn>
+              <a:cxn ang="0">
+                <a:pos x="connsiteX3" y="connsiteY3"/>
+              </a:cxn>
+            </a:cxnLst>
+            <a:rect l="l" t="t" r="r" b="b"/>
+            <a:pathLst>
+              <a:path w="2587615" h="2427159">
+                <a:moveTo>
+                  <a:pt x="27127" y="2167917"/>
+                </a:moveTo>
+                <a:cubicBezTo>
+                  <a:pt x="-182586" y="1810137"/>
+                  <a:pt x="879197" y="3544"/>
+                  <a:pt x="1301266" y="5"/>
+                </a:cubicBezTo>
+                <a:cubicBezTo>
+                  <a:pt x="1723335" y="-3534"/>
+                  <a:pt x="2771898" y="1785364"/>
+                  <a:pt x="2559542" y="2146683"/>
+                </a:cubicBezTo>
+                <a:cubicBezTo>
+                  <a:pt x="2347186" y="2508002"/>
+                  <a:pt x="236840" y="2525697"/>
+                  <a:pt x="27127" y="2167917"/>
+                </a:cubicBezTo>
+                <a:close/>
+              </a:path>
+            </a:pathLst>
+          </a:custGeom>
+          <a:solidFill>
+            <a:schemeClr val="bg1">
+              <a:lumMod val="95000"/>
+              <a:alpha val="60000"/>
+            </a:schemeClr>
+          </a:solidFill>
+          <a:ln w="9525">
+            <a:solidFill>
+              <a:schemeClr val="tx1">
+                <a:alpha val="60000"/>
+              </a:schemeClr>
+            </a:solidFill>
+          </a:ln>
+        </p:spPr>
+        <p:style>
+          <a:lnRef idx="2">
+            <a:schemeClr val="accent1">
+              <a:shade val="50000"/>
+            </a:schemeClr>
+          </a:lnRef>
+          <a:fillRef idx="1">
+            <a:schemeClr val="accent1"/>
+          </a:fillRef>
+          <a:effectRef idx="0">
+            <a:schemeClr val="accent1"/>
+          </a:effectRef>
+          <a:fontRef idx="minor">
+            <a:schemeClr val="lt1"/>
+          </a:fontRef>
+        </p:style>
+        <p:txBody>
+          <a:bodyPr rot="0" spcFirstLastPara="0" vertOverflow="overflow" horzOverflow="overflow" vert="horz" wrap="square" lIns="91440" tIns="45720" rIns="91440" bIns="45720" numCol="1" spcCol="0" rtlCol="0" fromWordArt="0" anchor="ctr" anchorCtr="0" forceAA="0" compatLnSpc="1">
+            <a:prstTxWarp prst="textNoShape">
+              <a:avLst/>
+            </a:prstTxWarp>
+            <a:noAutofit/>
+          </a:bodyPr>
+          <a:lstStyle/>
+          <a:p>
+            <a:pPr algn="ctr"/>
+            <a:endParaRPr lang="fr-FR"/>
+          </a:p>
+        </p:txBody>
+      </p:sp>
       <p:cxnSp>
         <p:nvCxnSpPr>
           <p:cNvPr id="8" name="Connecteur droit 7">
@@ -10470,7 +11926,7 @@
         </p:nvCxnSpPr>
         <p:spPr>
           <a:xfrm flipH="1" flipV="1">
-            <a:off x="2828505" y="106132"/>
+            <a:off x="2828505" y="645882"/>
             <a:ext cx="1274618" cy="735900"/>
           </a:xfrm>
           <a:prstGeom prst="line">
@@ -10515,7 +11971,7 @@
         </p:nvCxnSpPr>
         <p:spPr>
           <a:xfrm flipV="1">
-            <a:off x="1553887" y="106132"/>
+            <a:off x="1553887" y="645882"/>
             <a:ext cx="1274618" cy="735900"/>
           </a:xfrm>
           <a:prstGeom prst="line">
@@ -10560,7 +12016,7 @@
         </p:nvCxnSpPr>
         <p:spPr>
           <a:xfrm flipV="1">
-            <a:off x="3486673" y="842042"/>
+            <a:off x="3486686" y="1381805"/>
             <a:ext cx="617551" cy="1127461"/>
           </a:xfrm>
           <a:prstGeom prst="line">
@@ -10605,7 +12061,7 @@
         </p:nvCxnSpPr>
         <p:spPr>
           <a:xfrm flipV="1">
-            <a:off x="3140154" y="1969491"/>
+            <a:off x="3140154" y="2509254"/>
             <a:ext cx="345754" cy="1383043"/>
           </a:xfrm>
           <a:prstGeom prst="line">
@@ -10650,7 +12106,7 @@
         </p:nvCxnSpPr>
         <p:spPr>
           <a:xfrm flipH="1" flipV="1">
-            <a:off x="4102036" y="842042"/>
+            <a:off x="4102049" y="1381805"/>
             <a:ext cx="617551" cy="1127461"/>
           </a:xfrm>
           <a:prstGeom prst="line">
@@ -10695,7 +12151,7 @@
         </p:nvCxnSpPr>
         <p:spPr>
           <a:xfrm flipH="1" flipV="1">
-            <a:off x="3487759" y="1969491"/>
+            <a:off x="3487759" y="2509254"/>
             <a:ext cx="345754" cy="1383043"/>
           </a:xfrm>
           <a:prstGeom prst="line">
@@ -10740,7 +12196,7 @@
         </p:nvCxnSpPr>
         <p:spPr>
           <a:xfrm flipV="1">
-            <a:off x="940726" y="842041"/>
+            <a:off x="940739" y="1381804"/>
             <a:ext cx="617551" cy="1127461"/>
           </a:xfrm>
           <a:prstGeom prst="line">
@@ -10785,7 +12241,7 @@
         </p:nvCxnSpPr>
         <p:spPr>
           <a:xfrm flipH="1" flipV="1">
-            <a:off x="1555293" y="842041"/>
+            <a:off x="1555306" y="1381804"/>
             <a:ext cx="617551" cy="1127461"/>
           </a:xfrm>
           <a:prstGeom prst="line">
@@ -10830,7 +12286,7 @@
         </p:nvCxnSpPr>
         <p:spPr>
           <a:xfrm>
-            <a:off x="1556416" y="842042"/>
+            <a:off x="1556416" y="1381805"/>
             <a:ext cx="0" cy="1"/>
           </a:xfrm>
           <a:prstGeom prst="line">
@@ -10875,7 +12331,7 @@
         </p:nvCxnSpPr>
         <p:spPr>
           <a:xfrm>
-            <a:off x="3833513" y="3352546"/>
+            <a:off x="3833513" y="3892296"/>
             <a:ext cx="0" cy="0"/>
           </a:xfrm>
           <a:prstGeom prst="line">
@@ -10920,7 +12376,7 @@
             </p:nvSpPr>
             <p:spPr>
               <a:xfrm>
-                <a:off x="2384685" y="842032"/>
+                <a:off x="2384685" y="1166350"/>
                 <a:ext cx="990079" cy="430887"/>
               </a:xfrm>
               <a:prstGeom prst="rect">
@@ -10945,13 +12401,13 @@
                     </m:oMathParaPr>
                     <m:oMath xmlns:m="http://schemas.openxmlformats.org/officeDocument/2006/math">
                       <m:r>
-                        <a:rPr lang="fr-FR" sz="2800" b="0" i="1" smtClean="0">
+                        <a:rPr lang="fr-FR" sz="2800" i="1">
                           <a:latin typeface="Cambria Math" panose="02040503050406030204" pitchFamily="18" charset="0"/>
                         </a:rPr>
                         <m:t>𝑇</m:t>
                       </m:r>
                       <m:r>
-                        <a:rPr lang="fr-FR" sz="2800" b="0" i="1" smtClean="0">
+                        <a:rPr lang="fr-FR" sz="2800" i="1">
                           <a:latin typeface="Cambria Math" panose="02040503050406030204" pitchFamily="18" charset="0"/>
                         </a:rPr>
                         <m:t>(</m:t>
@@ -10959,14 +12415,14 @@
                       <m:sSub>
                         <m:sSubPr>
                           <m:ctrlPr>
-                            <a:rPr lang="fr-FR" sz="2800" b="0" i="1" smtClean="0">
+                            <a:rPr lang="fr-FR" sz="2800" i="1">
                               <a:latin typeface="Cambria Math" panose="02040503050406030204" pitchFamily="18" charset="0"/>
                             </a:rPr>
                           </m:ctrlPr>
                         </m:sSubPr>
                         <m:e>
                           <m:r>
-                            <a:rPr lang="fr-FR" sz="2800" b="0" i="1" smtClean="0">
+                            <a:rPr lang="fr-FR" sz="2800" i="1">
                               <a:latin typeface="Cambria Math" panose="02040503050406030204" pitchFamily="18" charset="0"/>
                             </a:rPr>
                             <m:t>𝒢</m:t>
@@ -10974,7 +12430,7 @@
                         </m:e>
                         <m:sub>
                           <m:r>
-                            <a:rPr lang="fr-FR" sz="2800" b="0" i="1" smtClean="0">
+                            <a:rPr lang="fr-FR" sz="2800" i="1">
                               <a:latin typeface="Cambria Math" panose="02040503050406030204" pitchFamily="18" charset="0"/>
                             </a:rPr>
                             <m:t>𝑛</m:t>
@@ -10982,7 +12438,7 @@
                         </m:sub>
                       </m:sSub>
                       <m:r>
-                        <a:rPr lang="fr-FR" sz="2800" b="0" i="1" smtClean="0">
+                        <a:rPr lang="fr-FR" sz="2800" i="1">
                           <a:latin typeface="Cambria Math" panose="02040503050406030204" pitchFamily="18" charset="0"/>
                         </a:rPr>
                         <m:t>)</m:t>
@@ -11012,7 +12468,7 @@
             </p:nvSpPr>
             <p:spPr>
               <a:xfrm>
-                <a:off x="2384685" y="842032"/>
+                <a:off x="2384685" y="1166350"/>
                 <a:ext cx="990079" cy="430887"/>
               </a:xfrm>
               <a:prstGeom prst="rect">
@@ -11059,7 +12515,7 @@
         </p:nvCxnSpPr>
         <p:spPr>
           <a:xfrm>
-            <a:off x="940726" y="1969502"/>
+            <a:off x="940739" y="2509265"/>
             <a:ext cx="1" cy="1"/>
           </a:xfrm>
           <a:prstGeom prst="line">
@@ -11104,7 +12560,7 @@
         </p:nvCxnSpPr>
         <p:spPr>
           <a:xfrm flipH="1">
-            <a:off x="4719587" y="1969492"/>
+            <a:off x="4719600" y="2509242"/>
             <a:ext cx="1" cy="0"/>
           </a:xfrm>
           <a:prstGeom prst="line">
@@ -11149,7 +12605,7 @@
         </p:nvCxnSpPr>
         <p:spPr>
           <a:xfrm flipV="1">
-            <a:off x="3658220" y="3352522"/>
+            <a:off x="3658233" y="3892285"/>
             <a:ext cx="178277" cy="1229003"/>
           </a:xfrm>
           <a:prstGeom prst="line">
@@ -11194,7 +12650,7 @@
         </p:nvCxnSpPr>
         <p:spPr>
           <a:xfrm flipH="1" flipV="1">
-            <a:off x="3833515" y="3352524"/>
+            <a:off x="3833528" y="3892287"/>
             <a:ext cx="170459" cy="1229001"/>
           </a:xfrm>
           <a:prstGeom prst="line">
@@ -11239,7 +12695,7 @@
         </p:nvCxnSpPr>
         <p:spPr>
           <a:xfrm>
-            <a:off x="3834636" y="3352522"/>
+            <a:off x="3834636" y="3892285"/>
             <a:ext cx="0" cy="1"/>
           </a:xfrm>
           <a:prstGeom prst="line">
@@ -11284,7 +12740,7 @@
         </p:nvCxnSpPr>
         <p:spPr>
           <a:xfrm flipV="1">
-            <a:off x="3659710" y="4581525"/>
+            <a:off x="3659710" y="5121288"/>
             <a:ext cx="0" cy="1"/>
           </a:xfrm>
           <a:prstGeom prst="line">
@@ -11313,6 +12769,102 @@
           </a:fontRef>
         </p:style>
       </p:cxnSp>
+      <p:sp>
+        <p:nvSpPr>
+          <p:cNvPr id="23" name="Forme libre : forme 22">
+            <a:extLst>
+              <a:ext uri="{FF2B5EF4-FFF2-40B4-BE49-F238E27FC236}">
+                <a16:creationId xmlns:a16="http://schemas.microsoft.com/office/drawing/2014/main" id="{5E49531C-1B41-4574-B390-836CA1F8C13B}"/>
+              </a:ext>
+            </a:extLst>
+          </p:cNvPr>
+          <p:cNvSpPr/>
+          <p:nvPr/>
+        </p:nvSpPr>
+        <p:spPr>
+          <a:xfrm>
+            <a:off x="1657428" y="1433149"/>
+            <a:ext cx="2068945" cy="2355273"/>
+          </a:xfrm>
+          <a:custGeom>
+            <a:avLst/>
+            <a:gdLst>
+              <a:gd name="connsiteX0" fmla="*/ 0 w 2068945"/>
+              <a:gd name="connsiteY0" fmla="*/ 0 h 2355273"/>
+              <a:gd name="connsiteX1" fmla="*/ 1348509 w 2068945"/>
+              <a:gd name="connsiteY1" fmla="*/ 858982 h 2355273"/>
+              <a:gd name="connsiteX2" fmla="*/ 2068945 w 2068945"/>
+              <a:gd name="connsiteY2" fmla="*/ 2355273 h 2355273"/>
+            </a:gdLst>
+            <a:ahLst/>
+            <a:cxnLst>
+              <a:cxn ang="0">
+                <a:pos x="connsiteX0" y="connsiteY0"/>
+              </a:cxn>
+              <a:cxn ang="0">
+                <a:pos x="connsiteX1" y="connsiteY1"/>
+              </a:cxn>
+              <a:cxn ang="0">
+                <a:pos x="connsiteX2" y="connsiteY2"/>
+              </a:cxn>
+            </a:cxnLst>
+            <a:rect l="l" t="t" r="r" b="b"/>
+            <a:pathLst>
+              <a:path w="2068945" h="2355273">
+                <a:moveTo>
+                  <a:pt x="0" y="0"/>
+                </a:moveTo>
+                <a:cubicBezTo>
+                  <a:pt x="501842" y="233218"/>
+                  <a:pt x="1003685" y="466437"/>
+                  <a:pt x="1348509" y="858982"/>
+                </a:cubicBezTo>
+                <a:cubicBezTo>
+                  <a:pt x="1693333" y="1251528"/>
+                  <a:pt x="1881139" y="1803400"/>
+                  <a:pt x="2068945" y="2355273"/>
+                </a:cubicBezTo>
+              </a:path>
+            </a:pathLst>
+          </a:custGeom>
+          <a:noFill/>
+          <a:ln>
+            <a:solidFill>
+              <a:srgbClr val="C00000"/>
+            </a:solidFill>
+            <a:tailEnd type="triangle" w="lg" len="lg"/>
+          </a:ln>
+        </p:spPr>
+        <p:style>
+          <a:lnRef idx="2">
+            <a:schemeClr val="accent1">
+              <a:shade val="50000"/>
+            </a:schemeClr>
+          </a:lnRef>
+          <a:fillRef idx="1">
+            <a:schemeClr val="accent1"/>
+          </a:fillRef>
+          <a:effectRef idx="0">
+            <a:schemeClr val="accent1"/>
+          </a:effectRef>
+          <a:fontRef idx="minor">
+            <a:schemeClr val="lt1"/>
+          </a:fontRef>
+        </p:style>
+        <p:txBody>
+          <a:bodyPr rot="0" spcFirstLastPara="0" vertOverflow="overflow" horzOverflow="overflow" vert="horz" wrap="square" lIns="91440" tIns="45720" rIns="91440" bIns="45720" numCol="1" spcCol="0" rtlCol="0" fromWordArt="0" anchor="ctr" anchorCtr="0" forceAA="0" compatLnSpc="1">
+            <a:prstTxWarp prst="textNoShape">
+              <a:avLst/>
+            </a:prstTxWarp>
+            <a:noAutofit/>
+          </a:bodyPr>
+          <a:lstStyle/>
+          <a:p>
+            <a:pPr algn="ctr"/>
+            <a:endParaRPr lang="fr-FR"/>
+          </a:p>
+        </p:txBody>
+      </p:sp>
     </p:spTree>
     <p:extLst>
       <p:ext uri="{BB962C8B-B14F-4D97-AF65-F5344CB8AC3E}">

--- a/img/trees.pptx
+++ b/img/trees.pptx
@@ -201,7 +201,7 @@
           <a:p>
             <a:fld id="{7032D634-87B9-4515-9E90-7412EACBC911}" type="datetimeFigureOut">
               <a:rPr lang="fr-FR" smtClean="0"/>
-              <a:t>31/03/2020</a:t>
+              <a:t>02/04/2020</a:t>
             </a:fld>
             <a:endParaRPr lang="fr-FR"/>
           </a:p>
@@ -599,7 +599,7 @@
           <a:p>
             <a:fld id="{CC506755-3F84-4679-BA59-3527CD676A9A}" type="datetimeFigureOut">
               <a:rPr lang="fr-FR" smtClean="0"/>
-              <a:t>31/03/2020</a:t>
+              <a:t>02/04/2020</a:t>
             </a:fld>
             <a:endParaRPr lang="fr-FR"/>
           </a:p>
@@ -769,7 +769,7 @@
           <a:p>
             <a:fld id="{CC506755-3F84-4679-BA59-3527CD676A9A}" type="datetimeFigureOut">
               <a:rPr lang="fr-FR" smtClean="0"/>
-              <a:t>31/03/2020</a:t>
+              <a:t>02/04/2020</a:t>
             </a:fld>
             <a:endParaRPr lang="fr-FR"/>
           </a:p>
@@ -949,7 +949,7 @@
           <a:p>
             <a:fld id="{CC506755-3F84-4679-BA59-3527CD676A9A}" type="datetimeFigureOut">
               <a:rPr lang="fr-FR" smtClean="0"/>
-              <a:t>31/03/2020</a:t>
+              <a:t>02/04/2020</a:t>
             </a:fld>
             <a:endParaRPr lang="fr-FR"/>
           </a:p>
@@ -1119,7 +1119,7 @@
           <a:p>
             <a:fld id="{CC506755-3F84-4679-BA59-3527CD676A9A}" type="datetimeFigureOut">
               <a:rPr lang="fr-FR" smtClean="0"/>
-              <a:t>31/03/2020</a:t>
+              <a:t>02/04/2020</a:t>
             </a:fld>
             <a:endParaRPr lang="fr-FR"/>
           </a:p>
@@ -1363,7 +1363,7 @@
           <a:p>
             <a:fld id="{CC506755-3F84-4679-BA59-3527CD676A9A}" type="datetimeFigureOut">
               <a:rPr lang="fr-FR" smtClean="0"/>
-              <a:t>31/03/2020</a:t>
+              <a:t>02/04/2020</a:t>
             </a:fld>
             <a:endParaRPr lang="fr-FR"/>
           </a:p>
@@ -1595,7 +1595,7 @@
           <a:p>
             <a:fld id="{CC506755-3F84-4679-BA59-3527CD676A9A}" type="datetimeFigureOut">
               <a:rPr lang="fr-FR" smtClean="0"/>
-              <a:t>31/03/2020</a:t>
+              <a:t>02/04/2020</a:t>
             </a:fld>
             <a:endParaRPr lang="fr-FR"/>
           </a:p>
@@ -1962,7 +1962,7 @@
           <a:p>
             <a:fld id="{CC506755-3F84-4679-BA59-3527CD676A9A}" type="datetimeFigureOut">
               <a:rPr lang="fr-FR" smtClean="0"/>
-              <a:t>31/03/2020</a:t>
+              <a:t>02/04/2020</a:t>
             </a:fld>
             <a:endParaRPr lang="fr-FR"/>
           </a:p>
@@ -2080,7 +2080,7 @@
           <a:p>
             <a:fld id="{CC506755-3F84-4679-BA59-3527CD676A9A}" type="datetimeFigureOut">
               <a:rPr lang="fr-FR" smtClean="0"/>
-              <a:t>31/03/2020</a:t>
+              <a:t>02/04/2020</a:t>
             </a:fld>
             <a:endParaRPr lang="fr-FR"/>
           </a:p>
@@ -2175,7 +2175,7 @@
           <a:p>
             <a:fld id="{CC506755-3F84-4679-BA59-3527CD676A9A}" type="datetimeFigureOut">
               <a:rPr lang="fr-FR" smtClean="0"/>
-              <a:t>31/03/2020</a:t>
+              <a:t>02/04/2020</a:t>
             </a:fld>
             <a:endParaRPr lang="fr-FR"/>
           </a:p>
@@ -2452,7 +2452,7 @@
           <a:p>
             <a:fld id="{CC506755-3F84-4679-BA59-3527CD676A9A}" type="datetimeFigureOut">
               <a:rPr lang="fr-FR" smtClean="0"/>
-              <a:t>31/03/2020</a:t>
+              <a:t>02/04/2020</a:t>
             </a:fld>
             <a:endParaRPr lang="fr-FR"/>
           </a:p>
@@ -2709,7 +2709,7 @@
           <a:p>
             <a:fld id="{CC506755-3F84-4679-BA59-3527CD676A9A}" type="datetimeFigureOut">
               <a:rPr lang="fr-FR" smtClean="0"/>
-              <a:t>31/03/2020</a:t>
+              <a:t>02/04/2020</a:t>
             </a:fld>
             <a:endParaRPr lang="fr-FR"/>
           </a:p>
@@ -2922,7 +2922,7 @@
           <a:p>
             <a:fld id="{CC506755-3F84-4679-BA59-3527CD676A9A}" type="datetimeFigureOut">
               <a:rPr lang="fr-FR" smtClean="0"/>
-              <a:t>31/03/2020</a:t>
+              <a:t>02/04/2020</a:t>
             </a:fld>
             <a:endParaRPr lang="fr-FR"/>
           </a:p>
@@ -4851,96 +4851,6 @@
           </a:fontRef>
         </p:style>
       </p:cxnSp>
-      <p:cxnSp>
-        <p:nvCxnSpPr>
-          <p:cNvPr id="29" name="Connecteur droit 28">
-            <a:extLst>
-              <a:ext uri="{FF2B5EF4-FFF2-40B4-BE49-F238E27FC236}">
-                <a16:creationId xmlns:a16="http://schemas.microsoft.com/office/drawing/2014/main" id="{E9F5A0C4-F3EE-42CB-B8B3-0E047BA21819}"/>
-              </a:ext>
-            </a:extLst>
-          </p:cNvPr>
-          <p:cNvCxnSpPr>
-            <a:cxnSpLocks/>
-          </p:cNvCxnSpPr>
-          <p:nvPr/>
-        </p:nvCxnSpPr>
-        <p:spPr>
-          <a:xfrm>
-            <a:off x="1620076" y="1925815"/>
-            <a:ext cx="0" cy="1"/>
-          </a:xfrm>
-          <a:prstGeom prst="line">
-            <a:avLst/>
-          </a:prstGeom>
-          <a:ln w="28575">
-            <a:solidFill>
-              <a:srgbClr val="C00000"/>
-            </a:solidFill>
-            <a:headEnd type="oval" w="lg" len="lg"/>
-            <a:tailEnd type="oval"/>
-          </a:ln>
-        </p:spPr>
-        <p:style>
-          <a:lnRef idx="1">
-            <a:schemeClr val="accent1"/>
-          </a:lnRef>
-          <a:fillRef idx="0">
-            <a:schemeClr val="accent1"/>
-          </a:fillRef>
-          <a:effectRef idx="0">
-            <a:schemeClr val="accent1"/>
-          </a:effectRef>
-          <a:fontRef idx="minor">
-            <a:schemeClr val="tx1"/>
-          </a:fontRef>
-        </p:style>
-      </p:cxnSp>
-      <p:cxnSp>
-        <p:nvCxnSpPr>
-          <p:cNvPr id="33" name="Connecteur droit 32">
-            <a:extLst>
-              <a:ext uri="{FF2B5EF4-FFF2-40B4-BE49-F238E27FC236}">
-                <a16:creationId xmlns:a16="http://schemas.microsoft.com/office/drawing/2014/main" id="{457305BB-E77D-458B-B82F-AE36D3855DA7}"/>
-              </a:ext>
-            </a:extLst>
-          </p:cNvPr>
-          <p:cNvCxnSpPr>
-            <a:cxnSpLocks/>
-          </p:cNvCxnSpPr>
-          <p:nvPr/>
-        </p:nvCxnSpPr>
-        <p:spPr>
-          <a:xfrm>
-            <a:off x="3897173" y="4436306"/>
-            <a:ext cx="0" cy="0"/>
-          </a:xfrm>
-          <a:prstGeom prst="line">
-            <a:avLst/>
-          </a:prstGeom>
-          <a:ln w="28575">
-            <a:solidFill>
-              <a:srgbClr val="C00000"/>
-            </a:solidFill>
-            <a:headEnd type="oval" w="lg" len="lg"/>
-            <a:tailEnd type="oval"/>
-          </a:ln>
-        </p:spPr>
-        <p:style>
-          <a:lnRef idx="1">
-            <a:schemeClr val="accent1"/>
-          </a:lnRef>
-          <a:fillRef idx="0">
-            <a:schemeClr val="accent1"/>
-          </a:fillRef>
-          <a:effectRef idx="0">
-            <a:schemeClr val="accent1"/>
-          </a:effectRef>
-          <a:fontRef idx="minor">
-            <a:schemeClr val="tx1"/>
-          </a:fontRef>
-        </p:style>
-      </p:cxnSp>
       <mc:AlternateContent xmlns:mc="http://schemas.openxmlformats.org/markup-compatibility/2006" xmlns:a14="http://schemas.microsoft.com/office/drawing/2010/main">
         <mc:Choice Requires="a14">
           <p:sp>
@@ -5201,96 +5111,222 @@
           </p:sp>
         </mc:Fallback>
       </mc:AlternateContent>
-      <p:cxnSp>
-        <p:nvCxnSpPr>
-          <p:cNvPr id="43" name="Connecteur droit 42">
+      <p:sp>
+        <p:nvSpPr>
+          <p:cNvPr id="3" name="Triangle isocèle 2">
             <a:extLst>
               <a:ext uri="{FF2B5EF4-FFF2-40B4-BE49-F238E27FC236}">
-                <a16:creationId xmlns:a16="http://schemas.microsoft.com/office/drawing/2014/main" id="{B4A950EF-C211-4A15-B874-76E682760B28}"/>
+                <a16:creationId xmlns:a16="http://schemas.microsoft.com/office/drawing/2014/main" id="{8DFE2A0B-30F9-477E-8587-DF32C9E21E1E}"/>
               </a:ext>
             </a:extLst>
           </p:cNvPr>
-          <p:cNvCxnSpPr>
-            <a:cxnSpLocks/>
-          </p:cNvCxnSpPr>
+          <p:cNvSpPr/>
           <p:nvPr/>
-        </p:nvCxnSpPr>
+        </p:nvSpPr>
         <p:spPr>
           <a:xfrm>
-            <a:off x="1004399" y="3053275"/>
-            <a:ext cx="1" cy="1"/>
+            <a:off x="925464" y="2975163"/>
+            <a:ext cx="146100" cy="125949"/>
           </a:xfrm>
-          <a:prstGeom prst="line">
+          <a:prstGeom prst="triangle">
             <a:avLst/>
           </a:prstGeom>
-          <a:ln w="28575">
+          <a:solidFill>
+            <a:schemeClr val="accent2"/>
+          </a:solidFill>
+          <a:ln>
             <a:solidFill>
-              <a:srgbClr val="0070C0"/>
+              <a:schemeClr val="accent2"/>
             </a:solidFill>
-            <a:headEnd type="oval" w="lg" len="lg"/>
-            <a:tailEnd type="oval"/>
           </a:ln>
         </p:spPr>
         <p:style>
-          <a:lnRef idx="1">
-            <a:schemeClr val="accent1"/>
+          <a:lnRef idx="2">
+            <a:schemeClr val="accent1">
+              <a:shade val="50000"/>
+            </a:schemeClr>
           </a:lnRef>
-          <a:fillRef idx="0">
+          <a:fillRef idx="1">
             <a:schemeClr val="accent1"/>
           </a:fillRef>
           <a:effectRef idx="0">
             <a:schemeClr val="accent1"/>
           </a:effectRef>
           <a:fontRef idx="minor">
-            <a:schemeClr val="tx1"/>
+            <a:schemeClr val="lt1"/>
           </a:fontRef>
         </p:style>
-      </p:cxnSp>
-      <p:cxnSp>
-        <p:nvCxnSpPr>
-          <p:cNvPr id="46" name="Connecteur droit 45">
+        <p:txBody>
+          <a:bodyPr rtlCol="0" anchor="ctr"/>
+          <a:lstStyle/>
+          <a:p>
+            <a:pPr algn="ctr"/>
+            <a:endParaRPr lang="fr-FR"/>
+          </a:p>
+        </p:txBody>
+      </p:sp>
+      <p:sp>
+        <p:nvSpPr>
+          <p:cNvPr id="4" name="Rectangle 3">
             <a:extLst>
               <a:ext uri="{FF2B5EF4-FFF2-40B4-BE49-F238E27FC236}">
-                <a16:creationId xmlns:a16="http://schemas.microsoft.com/office/drawing/2014/main" id="{2018235F-C80D-45F0-8B39-D83FAADFD9BB}"/>
+                <a16:creationId xmlns:a16="http://schemas.microsoft.com/office/drawing/2014/main" id="{E4B86D35-40CB-4AC3-8025-787C2E2CE296}"/>
               </a:ext>
             </a:extLst>
           </p:cNvPr>
-          <p:cNvCxnSpPr>
-            <a:cxnSpLocks/>
-          </p:cNvCxnSpPr>
+          <p:cNvSpPr/>
           <p:nvPr/>
-        </p:nvCxnSpPr>
+        </p:nvSpPr>
         <p:spPr>
           <a:xfrm flipH="1">
-            <a:off x="4783260" y="3053252"/>
-            <a:ext cx="1" cy="0"/>
+            <a:off x="1557621" y="1867436"/>
+            <a:ext cx="124614" cy="124614"/>
           </a:xfrm>
-          <a:prstGeom prst="line">
+          <a:prstGeom prst="rect">
             <a:avLst/>
           </a:prstGeom>
-          <a:ln w="28575">
+          <a:solidFill>
+            <a:schemeClr val="accent1"/>
+          </a:solidFill>
+          <a:ln>
             <a:solidFill>
-              <a:srgbClr val="0070C0"/>
+              <a:schemeClr val="accent1"/>
             </a:solidFill>
-            <a:headEnd type="oval" w="lg" len="lg"/>
-            <a:tailEnd type="oval"/>
           </a:ln>
         </p:spPr>
         <p:style>
-          <a:lnRef idx="1">
-            <a:schemeClr val="accent1"/>
+          <a:lnRef idx="2">
+            <a:schemeClr val="accent1">
+              <a:shade val="50000"/>
+            </a:schemeClr>
           </a:lnRef>
-          <a:fillRef idx="0">
+          <a:fillRef idx="1">
             <a:schemeClr val="accent1"/>
           </a:fillRef>
           <a:effectRef idx="0">
             <a:schemeClr val="accent1"/>
           </a:effectRef>
           <a:fontRef idx="minor">
-            <a:schemeClr val="tx1"/>
+            <a:schemeClr val="lt1"/>
           </a:fontRef>
         </p:style>
-      </p:cxnSp>
+        <p:txBody>
+          <a:bodyPr rtlCol="0" anchor="ctr"/>
+          <a:lstStyle/>
+          <a:p>
+            <a:pPr algn="ctr"/>
+            <a:endParaRPr lang="fr-FR"/>
+          </a:p>
+        </p:txBody>
+      </p:sp>
+      <p:sp>
+        <p:nvSpPr>
+          <p:cNvPr id="22" name="Triangle isocèle 21">
+            <a:extLst>
+              <a:ext uri="{FF2B5EF4-FFF2-40B4-BE49-F238E27FC236}">
+                <a16:creationId xmlns:a16="http://schemas.microsoft.com/office/drawing/2014/main" id="{CB9F040D-70D5-46C5-9890-BCCE03CD8274}"/>
+              </a:ext>
+            </a:extLst>
+          </p:cNvPr>
+          <p:cNvSpPr/>
+          <p:nvPr/>
+        </p:nvSpPr>
+        <p:spPr>
+          <a:xfrm>
+            <a:off x="4710912" y="2975163"/>
+            <a:ext cx="146100" cy="125949"/>
+          </a:xfrm>
+          <a:prstGeom prst="triangle">
+            <a:avLst/>
+          </a:prstGeom>
+          <a:solidFill>
+            <a:schemeClr val="accent2"/>
+          </a:solidFill>
+          <a:ln>
+            <a:solidFill>
+              <a:schemeClr val="accent2"/>
+            </a:solidFill>
+          </a:ln>
+        </p:spPr>
+        <p:style>
+          <a:lnRef idx="2">
+            <a:schemeClr val="accent1">
+              <a:shade val="50000"/>
+            </a:schemeClr>
+          </a:lnRef>
+          <a:fillRef idx="1">
+            <a:schemeClr val="accent1"/>
+          </a:fillRef>
+          <a:effectRef idx="0">
+            <a:schemeClr val="accent1"/>
+          </a:effectRef>
+          <a:fontRef idx="minor">
+            <a:schemeClr val="lt1"/>
+          </a:fontRef>
+        </p:style>
+        <p:txBody>
+          <a:bodyPr rtlCol="0" anchor="ctr"/>
+          <a:lstStyle/>
+          <a:p>
+            <a:pPr algn="ctr"/>
+            <a:endParaRPr lang="fr-FR"/>
+          </a:p>
+        </p:txBody>
+      </p:sp>
+      <p:sp>
+        <p:nvSpPr>
+          <p:cNvPr id="23" name="Rectangle 22">
+            <a:extLst>
+              <a:ext uri="{FF2B5EF4-FFF2-40B4-BE49-F238E27FC236}">
+                <a16:creationId xmlns:a16="http://schemas.microsoft.com/office/drawing/2014/main" id="{42564C81-4494-4820-B1CA-E4B3B62F3424}"/>
+              </a:ext>
+            </a:extLst>
+          </p:cNvPr>
+          <p:cNvSpPr/>
+          <p:nvPr/>
+        </p:nvSpPr>
+        <p:spPr>
+          <a:xfrm flipH="1">
+            <a:off x="3840071" y="4384060"/>
+            <a:ext cx="124614" cy="124614"/>
+          </a:xfrm>
+          <a:prstGeom prst="rect">
+            <a:avLst/>
+          </a:prstGeom>
+          <a:solidFill>
+            <a:schemeClr val="accent1"/>
+          </a:solidFill>
+          <a:ln>
+            <a:solidFill>
+              <a:schemeClr val="accent1"/>
+            </a:solidFill>
+          </a:ln>
+        </p:spPr>
+        <p:style>
+          <a:lnRef idx="2">
+            <a:schemeClr val="accent1">
+              <a:shade val="50000"/>
+            </a:schemeClr>
+          </a:lnRef>
+          <a:fillRef idx="1">
+            <a:schemeClr val="accent1"/>
+          </a:fillRef>
+          <a:effectRef idx="0">
+            <a:schemeClr val="accent1"/>
+          </a:effectRef>
+          <a:fontRef idx="minor">
+            <a:schemeClr val="lt1"/>
+          </a:fontRef>
+        </p:style>
+        <p:txBody>
+          <a:bodyPr rtlCol="0" anchor="ctr"/>
+          <a:lstStyle/>
+          <a:p>
+            <a:pPr algn="ctr"/>
+            <a:endParaRPr lang="fr-FR"/>
+          </a:p>
+        </p:txBody>
+      </p:sp>
     </p:spTree>
     <p:extLst>
       <p:ext uri="{BB962C8B-B14F-4D97-AF65-F5344CB8AC3E}">
@@ -5396,7 +5432,7 @@
                 <a:lumMod val="65000"/>
               </a:schemeClr>
             </a:solidFill>
-            <a:headEnd type="oval" w="lg" len="lg"/>
+            <a:headEnd type="none" w="lg" len="lg"/>
             <a:tailEnd type="oval" w="lg" len="lg"/>
           </a:ln>
         </p:spPr>
@@ -5537,7 +5573,7 @@
                 <a:lumMod val="65000"/>
               </a:schemeClr>
             </a:solidFill>
-            <a:headEnd type="oval" w="lg" len="lg"/>
+            <a:headEnd type="none" w="lg" len="lg"/>
             <a:tailEnd type="oval" w="lg" len="lg"/>
           </a:ln>
         </p:spPr>
@@ -5584,7 +5620,7 @@
                 <a:lumMod val="65000"/>
               </a:schemeClr>
             </a:solidFill>
-            <a:headEnd type="oval" w="lg" len="lg"/>
+            <a:headEnd type="none" w="lg" len="lg"/>
             <a:tailEnd type="oval" w="lg" len="lg"/>
           </a:ln>
         </p:spPr>
@@ -5631,8 +5667,8 @@
                 <a:lumMod val="65000"/>
               </a:schemeClr>
             </a:solidFill>
-            <a:headEnd type="oval" w="lg" len="lg"/>
-            <a:tailEnd type="oval" w="lg" len="lg"/>
+            <a:headEnd type="none" w="lg" len="lg"/>
+            <a:tailEnd type="none" w="lg" len="lg"/>
           </a:ln>
         </p:spPr>
         <p:style>
@@ -5679,97 +5715,7 @@
               </a:schemeClr>
             </a:solidFill>
             <a:headEnd type="oval" w="lg" len="lg"/>
-            <a:tailEnd type="oval" w="lg" len="lg"/>
-          </a:ln>
-        </p:spPr>
-        <p:style>
-          <a:lnRef idx="1">
-            <a:schemeClr val="accent1"/>
-          </a:lnRef>
-          <a:fillRef idx="0">
-            <a:schemeClr val="accent1"/>
-          </a:fillRef>
-          <a:effectRef idx="0">
-            <a:schemeClr val="accent1"/>
-          </a:effectRef>
-          <a:fontRef idx="minor">
-            <a:schemeClr val="tx1"/>
-          </a:fontRef>
-        </p:style>
-      </p:cxnSp>
-      <p:cxnSp>
-        <p:nvCxnSpPr>
-          <p:cNvPr id="29" name="Connecteur droit 28">
-            <a:extLst>
-              <a:ext uri="{FF2B5EF4-FFF2-40B4-BE49-F238E27FC236}">
-                <a16:creationId xmlns:a16="http://schemas.microsoft.com/office/drawing/2014/main" id="{E9F5A0C4-F3EE-42CB-B8B3-0E047BA21819}"/>
-              </a:ext>
-            </a:extLst>
-          </p:cNvPr>
-          <p:cNvCxnSpPr>
-            <a:cxnSpLocks/>
-          </p:cNvCxnSpPr>
-          <p:nvPr/>
-        </p:nvCxnSpPr>
-        <p:spPr>
-          <a:xfrm>
-            <a:off x="1521574" y="2047239"/>
-            <a:ext cx="0" cy="1"/>
-          </a:xfrm>
-          <a:prstGeom prst="line">
-            <a:avLst/>
-          </a:prstGeom>
-          <a:ln w="28575">
-            <a:solidFill>
-              <a:srgbClr val="C00000"/>
-            </a:solidFill>
-            <a:headEnd type="oval" w="lg" len="lg"/>
-            <a:tailEnd type="oval" w="lg" len="lg"/>
-          </a:ln>
-        </p:spPr>
-        <p:style>
-          <a:lnRef idx="1">
-            <a:schemeClr val="accent1"/>
-          </a:lnRef>
-          <a:fillRef idx="0">
-            <a:schemeClr val="accent1"/>
-          </a:fillRef>
-          <a:effectRef idx="0">
-            <a:schemeClr val="accent1"/>
-          </a:effectRef>
-          <a:fontRef idx="minor">
-            <a:schemeClr val="tx1"/>
-          </a:fontRef>
-        </p:style>
-      </p:cxnSp>
-      <p:cxnSp>
-        <p:nvCxnSpPr>
-          <p:cNvPr id="33" name="Connecteur droit 32">
-            <a:extLst>
-              <a:ext uri="{FF2B5EF4-FFF2-40B4-BE49-F238E27FC236}">
-                <a16:creationId xmlns:a16="http://schemas.microsoft.com/office/drawing/2014/main" id="{457305BB-E77D-458B-B82F-AE36D3855DA7}"/>
-              </a:ext>
-            </a:extLst>
-          </p:cNvPr>
-          <p:cNvCxnSpPr>
-            <a:cxnSpLocks/>
-          </p:cNvCxnSpPr>
-          <p:nvPr/>
-        </p:nvCxnSpPr>
-        <p:spPr>
-          <a:xfrm>
-            <a:off x="3798683" y="4557728"/>
-            <a:ext cx="1" cy="0"/>
-          </a:xfrm>
-          <a:prstGeom prst="line">
-            <a:avLst/>
-          </a:prstGeom>
-          <a:ln w="28575">
-            <a:solidFill>
-              <a:srgbClr val="C00000"/>
-            </a:solidFill>
-            <a:headEnd type="oval" w="lg" len="lg"/>
-            <a:tailEnd type="oval" w="lg" len="lg"/>
+            <a:tailEnd type="none" w="lg" len="lg"/>
           </a:ln>
         </p:spPr>
         <p:style>
@@ -6268,96 +6214,222 @@
           </p:sp>
         </mc:Fallback>
       </mc:AlternateContent>
-      <p:cxnSp>
-        <p:nvCxnSpPr>
-          <p:cNvPr id="37" name="Connecteur droit 36">
+      <p:sp>
+        <p:nvSpPr>
+          <p:cNvPr id="23" name="Triangle isocèle 22">
             <a:extLst>
               <a:ext uri="{FF2B5EF4-FFF2-40B4-BE49-F238E27FC236}">
-                <a16:creationId xmlns:a16="http://schemas.microsoft.com/office/drawing/2014/main" id="{BD7B7498-F61E-4EE6-8E01-B32F63EB72EC}"/>
+                <a16:creationId xmlns:a16="http://schemas.microsoft.com/office/drawing/2014/main" id="{08F1C469-3B1C-4900-BBD6-A48CDB8142ED}"/>
               </a:ext>
             </a:extLst>
           </p:cNvPr>
-          <p:cNvCxnSpPr>
-            <a:cxnSpLocks/>
-          </p:cNvCxnSpPr>
+          <p:cNvSpPr/>
           <p:nvPr/>
-        </p:nvCxnSpPr>
+        </p:nvSpPr>
         <p:spPr>
           <a:xfrm>
-            <a:off x="905896" y="3174699"/>
-            <a:ext cx="1" cy="1"/>
+            <a:off x="826520" y="3100816"/>
+            <a:ext cx="146100" cy="125949"/>
           </a:xfrm>
-          <a:prstGeom prst="line">
+          <a:prstGeom prst="triangle">
             <a:avLst/>
           </a:prstGeom>
-          <a:ln w="28575">
+          <a:solidFill>
+            <a:schemeClr val="accent2"/>
+          </a:solidFill>
+          <a:ln>
             <a:solidFill>
-              <a:srgbClr val="0070C0"/>
+              <a:schemeClr val="accent2"/>
             </a:solidFill>
-            <a:headEnd type="oval" w="lg" len="lg"/>
-            <a:tailEnd type="oval" w="lg" len="lg"/>
           </a:ln>
         </p:spPr>
         <p:style>
-          <a:lnRef idx="1">
-            <a:schemeClr val="accent1"/>
+          <a:lnRef idx="2">
+            <a:schemeClr val="accent1">
+              <a:shade val="50000"/>
+            </a:schemeClr>
           </a:lnRef>
-          <a:fillRef idx="0">
+          <a:fillRef idx="1">
             <a:schemeClr val="accent1"/>
           </a:fillRef>
           <a:effectRef idx="0">
             <a:schemeClr val="accent1"/>
           </a:effectRef>
           <a:fontRef idx="minor">
-            <a:schemeClr val="tx1"/>
+            <a:schemeClr val="lt1"/>
           </a:fontRef>
         </p:style>
-      </p:cxnSp>
-      <p:cxnSp>
-        <p:nvCxnSpPr>
-          <p:cNvPr id="40" name="Connecteur droit 39">
+        <p:txBody>
+          <a:bodyPr rtlCol="0" anchor="ctr"/>
+          <a:lstStyle/>
+          <a:p>
+            <a:pPr algn="ctr"/>
+            <a:endParaRPr lang="fr-FR"/>
+          </a:p>
+        </p:txBody>
+      </p:sp>
+      <p:sp>
+        <p:nvSpPr>
+          <p:cNvPr id="38" name="Rectangle 37">
             <a:extLst>
               <a:ext uri="{FF2B5EF4-FFF2-40B4-BE49-F238E27FC236}">
-                <a16:creationId xmlns:a16="http://schemas.microsoft.com/office/drawing/2014/main" id="{AA7D6D73-B0E5-4770-9FB4-DE8BA94E46BA}"/>
+                <a16:creationId xmlns:a16="http://schemas.microsoft.com/office/drawing/2014/main" id="{13A8C6BC-D25E-463A-9428-47C755624CBB}"/>
               </a:ext>
             </a:extLst>
           </p:cNvPr>
-          <p:cNvCxnSpPr>
-            <a:cxnSpLocks/>
-          </p:cNvCxnSpPr>
+          <p:cNvSpPr/>
           <p:nvPr/>
-        </p:nvCxnSpPr>
+        </p:nvSpPr>
         <p:spPr>
           <a:xfrm flipH="1">
-            <a:off x="4684757" y="3174674"/>
-            <a:ext cx="1" cy="0"/>
+            <a:off x="1458677" y="1993089"/>
+            <a:ext cx="124614" cy="124614"/>
           </a:xfrm>
-          <a:prstGeom prst="line">
+          <a:prstGeom prst="rect">
             <a:avLst/>
           </a:prstGeom>
-          <a:ln w="28575">
+          <a:solidFill>
+            <a:schemeClr val="accent1"/>
+          </a:solidFill>
+          <a:ln>
             <a:solidFill>
-              <a:srgbClr val="0070C0"/>
+              <a:schemeClr val="accent1"/>
             </a:solidFill>
-            <a:headEnd type="oval" w="lg" len="lg"/>
-            <a:tailEnd type="oval" w="lg" len="lg"/>
           </a:ln>
         </p:spPr>
         <p:style>
-          <a:lnRef idx="1">
-            <a:schemeClr val="accent1"/>
+          <a:lnRef idx="2">
+            <a:schemeClr val="accent1">
+              <a:shade val="50000"/>
+            </a:schemeClr>
           </a:lnRef>
-          <a:fillRef idx="0">
+          <a:fillRef idx="1">
             <a:schemeClr val="accent1"/>
           </a:fillRef>
           <a:effectRef idx="0">
             <a:schemeClr val="accent1"/>
           </a:effectRef>
           <a:fontRef idx="minor">
-            <a:schemeClr val="tx1"/>
+            <a:schemeClr val="lt1"/>
           </a:fontRef>
         </p:style>
-      </p:cxnSp>
+        <p:txBody>
+          <a:bodyPr rtlCol="0" anchor="ctr"/>
+          <a:lstStyle/>
+          <a:p>
+            <a:pPr algn="ctr"/>
+            <a:endParaRPr lang="fr-FR"/>
+          </a:p>
+        </p:txBody>
+      </p:sp>
+      <p:sp>
+        <p:nvSpPr>
+          <p:cNvPr id="39" name="Triangle isocèle 38">
+            <a:extLst>
+              <a:ext uri="{FF2B5EF4-FFF2-40B4-BE49-F238E27FC236}">
+                <a16:creationId xmlns:a16="http://schemas.microsoft.com/office/drawing/2014/main" id="{E206BE2E-0723-47B5-90D2-BCBF5EB00951}"/>
+              </a:ext>
+            </a:extLst>
+          </p:cNvPr>
+          <p:cNvSpPr/>
+          <p:nvPr/>
+        </p:nvSpPr>
+        <p:spPr>
+          <a:xfrm>
+            <a:off x="4611968" y="3100816"/>
+            <a:ext cx="146100" cy="125949"/>
+          </a:xfrm>
+          <a:prstGeom prst="triangle">
+            <a:avLst/>
+          </a:prstGeom>
+          <a:solidFill>
+            <a:schemeClr val="accent2"/>
+          </a:solidFill>
+          <a:ln>
+            <a:solidFill>
+              <a:schemeClr val="accent2"/>
+            </a:solidFill>
+          </a:ln>
+        </p:spPr>
+        <p:style>
+          <a:lnRef idx="2">
+            <a:schemeClr val="accent1">
+              <a:shade val="50000"/>
+            </a:schemeClr>
+          </a:lnRef>
+          <a:fillRef idx="1">
+            <a:schemeClr val="accent1"/>
+          </a:fillRef>
+          <a:effectRef idx="0">
+            <a:schemeClr val="accent1"/>
+          </a:effectRef>
+          <a:fontRef idx="minor">
+            <a:schemeClr val="lt1"/>
+          </a:fontRef>
+        </p:style>
+        <p:txBody>
+          <a:bodyPr rtlCol="0" anchor="ctr"/>
+          <a:lstStyle/>
+          <a:p>
+            <a:pPr algn="ctr"/>
+            <a:endParaRPr lang="fr-FR"/>
+          </a:p>
+        </p:txBody>
+      </p:sp>
+      <p:sp>
+        <p:nvSpPr>
+          <p:cNvPr id="41" name="Rectangle 40">
+            <a:extLst>
+              <a:ext uri="{FF2B5EF4-FFF2-40B4-BE49-F238E27FC236}">
+                <a16:creationId xmlns:a16="http://schemas.microsoft.com/office/drawing/2014/main" id="{8F80287B-236D-417C-8E5D-25E73E78C5BF}"/>
+              </a:ext>
+            </a:extLst>
+          </p:cNvPr>
+          <p:cNvSpPr/>
+          <p:nvPr/>
+        </p:nvSpPr>
+        <p:spPr>
+          <a:xfrm flipH="1">
+            <a:off x="3741127" y="4509713"/>
+            <a:ext cx="124614" cy="124614"/>
+          </a:xfrm>
+          <a:prstGeom prst="rect">
+            <a:avLst/>
+          </a:prstGeom>
+          <a:solidFill>
+            <a:schemeClr val="accent1"/>
+          </a:solidFill>
+          <a:ln>
+            <a:solidFill>
+              <a:schemeClr val="accent1"/>
+            </a:solidFill>
+          </a:ln>
+        </p:spPr>
+        <p:style>
+          <a:lnRef idx="2">
+            <a:schemeClr val="accent1">
+              <a:shade val="50000"/>
+            </a:schemeClr>
+          </a:lnRef>
+          <a:fillRef idx="1">
+            <a:schemeClr val="accent1"/>
+          </a:fillRef>
+          <a:effectRef idx="0">
+            <a:schemeClr val="accent1"/>
+          </a:effectRef>
+          <a:fontRef idx="minor">
+            <a:schemeClr val="lt1"/>
+          </a:fontRef>
+        </p:style>
+        <p:txBody>
+          <a:bodyPr rtlCol="0" anchor="ctr"/>
+          <a:lstStyle/>
+          <a:p>
+            <a:pPr algn="ctr"/>
+            <a:endParaRPr lang="fr-FR"/>
+          </a:p>
+        </p:txBody>
+      </p:sp>
     </p:spTree>
     <p:extLst>
       <p:ext uri="{BB962C8B-B14F-4D97-AF65-F5344CB8AC3E}">
@@ -12207,7 +12279,7 @@
               <a:schemeClr val="tx1"/>
             </a:solidFill>
             <a:headEnd type="oval"/>
-            <a:tailEnd type="oval"/>
+            <a:tailEnd type="none"/>
           </a:ln>
         </p:spPr>
         <p:style>
@@ -12252,7 +12324,7 @@
               <a:schemeClr val="tx1"/>
             </a:solidFill>
             <a:headEnd type="oval" w="lg" len="lg"/>
-            <a:tailEnd type="oval" w="lg" len="lg"/>
+            <a:tailEnd type="none" w="lg" len="lg"/>
           </a:ln>
         </p:spPr>
         <p:style>
@@ -12270,98 +12342,8 @@
           </a:fontRef>
         </p:style>
       </p:cxnSp>
-      <p:cxnSp>
-        <p:nvCxnSpPr>
-          <p:cNvPr id="29" name="Connecteur droit 28">
-            <a:extLst>
-              <a:ext uri="{FF2B5EF4-FFF2-40B4-BE49-F238E27FC236}">
-                <a16:creationId xmlns:a16="http://schemas.microsoft.com/office/drawing/2014/main" id="{E9F5A0C4-F3EE-42CB-B8B3-0E047BA21819}"/>
-              </a:ext>
-            </a:extLst>
-          </p:cNvPr>
-          <p:cNvCxnSpPr>
-            <a:cxnSpLocks/>
-          </p:cNvCxnSpPr>
-          <p:nvPr/>
-        </p:nvCxnSpPr>
-        <p:spPr>
-          <a:xfrm>
-            <a:off x="1556416" y="1381805"/>
-            <a:ext cx="0" cy="1"/>
-          </a:xfrm>
-          <a:prstGeom prst="line">
-            <a:avLst/>
-          </a:prstGeom>
-          <a:ln w="28575">
-            <a:solidFill>
-              <a:srgbClr val="C00000"/>
-            </a:solidFill>
-            <a:headEnd type="oval" w="lg" len="lg"/>
-            <a:tailEnd type="oval"/>
-          </a:ln>
-        </p:spPr>
-        <p:style>
-          <a:lnRef idx="1">
-            <a:schemeClr val="accent1"/>
-          </a:lnRef>
-          <a:fillRef idx="0">
-            <a:schemeClr val="accent1"/>
-          </a:fillRef>
-          <a:effectRef idx="0">
-            <a:schemeClr val="accent1"/>
-          </a:effectRef>
-          <a:fontRef idx="minor">
-            <a:schemeClr val="tx1"/>
-          </a:fontRef>
-        </p:style>
-      </p:cxnSp>
-      <p:cxnSp>
-        <p:nvCxnSpPr>
-          <p:cNvPr id="33" name="Connecteur droit 32">
-            <a:extLst>
-              <a:ext uri="{FF2B5EF4-FFF2-40B4-BE49-F238E27FC236}">
-                <a16:creationId xmlns:a16="http://schemas.microsoft.com/office/drawing/2014/main" id="{457305BB-E77D-458B-B82F-AE36D3855DA7}"/>
-              </a:ext>
-            </a:extLst>
-          </p:cNvPr>
-          <p:cNvCxnSpPr>
-            <a:cxnSpLocks/>
-          </p:cNvCxnSpPr>
-          <p:nvPr/>
-        </p:nvCxnSpPr>
-        <p:spPr>
-          <a:xfrm>
-            <a:off x="3833513" y="3892296"/>
-            <a:ext cx="0" cy="0"/>
-          </a:xfrm>
-          <a:prstGeom prst="line">
-            <a:avLst/>
-          </a:prstGeom>
-          <a:ln w="28575">
-            <a:solidFill>
-              <a:srgbClr val="C00000"/>
-            </a:solidFill>
-            <a:headEnd type="oval" w="lg" len="lg"/>
-            <a:tailEnd type="oval"/>
-          </a:ln>
-        </p:spPr>
-        <p:style>
-          <a:lnRef idx="1">
-            <a:schemeClr val="accent1"/>
-          </a:lnRef>
-          <a:fillRef idx="0">
-            <a:schemeClr val="accent1"/>
-          </a:fillRef>
-          <a:effectRef idx="0">
-            <a:schemeClr val="accent1"/>
-          </a:effectRef>
-          <a:fontRef idx="minor">
-            <a:schemeClr val="tx1"/>
-          </a:fontRef>
-        </p:style>
-      </p:cxnSp>
-      <mc:AlternateContent xmlns:mc="http://schemas.openxmlformats.org/markup-compatibility/2006">
-        <mc:Choice xmlns:a14="http://schemas.microsoft.com/office/drawing/2010/main" Requires="a14">
+      <mc:AlternateContent xmlns:mc="http://schemas.openxmlformats.org/markup-compatibility/2006" xmlns:a14="http://schemas.microsoft.com/office/drawing/2010/main">
+        <mc:Choice Requires="a14">
           <p:sp>
             <p:nvSpPr>
               <p:cNvPr id="42" name="ZoneTexte 41">
@@ -12451,7 +12433,7 @@
             </p:txBody>
           </p:sp>
         </mc:Choice>
-        <mc:Fallback>
+        <mc:Fallback xmlns="">
           <p:sp>
             <p:nvSpPr>
               <p:cNvPr id="42" name="ZoneTexte 41">
@@ -12501,96 +12483,6 @@
       </mc:AlternateContent>
       <p:cxnSp>
         <p:nvCxnSpPr>
-          <p:cNvPr id="43" name="Connecteur droit 42">
-            <a:extLst>
-              <a:ext uri="{FF2B5EF4-FFF2-40B4-BE49-F238E27FC236}">
-                <a16:creationId xmlns:a16="http://schemas.microsoft.com/office/drawing/2014/main" id="{B4A950EF-C211-4A15-B874-76E682760B28}"/>
-              </a:ext>
-            </a:extLst>
-          </p:cNvPr>
-          <p:cNvCxnSpPr>
-            <a:cxnSpLocks/>
-          </p:cNvCxnSpPr>
-          <p:nvPr/>
-        </p:nvCxnSpPr>
-        <p:spPr>
-          <a:xfrm>
-            <a:off x="940739" y="2509265"/>
-            <a:ext cx="1" cy="1"/>
-          </a:xfrm>
-          <a:prstGeom prst="line">
-            <a:avLst/>
-          </a:prstGeom>
-          <a:ln w="28575">
-            <a:solidFill>
-              <a:srgbClr val="0070C0"/>
-            </a:solidFill>
-            <a:headEnd type="oval" w="lg" len="lg"/>
-            <a:tailEnd type="oval"/>
-          </a:ln>
-        </p:spPr>
-        <p:style>
-          <a:lnRef idx="1">
-            <a:schemeClr val="accent1"/>
-          </a:lnRef>
-          <a:fillRef idx="0">
-            <a:schemeClr val="accent1"/>
-          </a:fillRef>
-          <a:effectRef idx="0">
-            <a:schemeClr val="accent1"/>
-          </a:effectRef>
-          <a:fontRef idx="minor">
-            <a:schemeClr val="tx1"/>
-          </a:fontRef>
-        </p:style>
-      </p:cxnSp>
-      <p:cxnSp>
-        <p:nvCxnSpPr>
-          <p:cNvPr id="46" name="Connecteur droit 45">
-            <a:extLst>
-              <a:ext uri="{FF2B5EF4-FFF2-40B4-BE49-F238E27FC236}">
-                <a16:creationId xmlns:a16="http://schemas.microsoft.com/office/drawing/2014/main" id="{2018235F-C80D-45F0-8B39-D83FAADFD9BB}"/>
-              </a:ext>
-            </a:extLst>
-          </p:cNvPr>
-          <p:cNvCxnSpPr>
-            <a:cxnSpLocks/>
-          </p:cNvCxnSpPr>
-          <p:nvPr/>
-        </p:nvCxnSpPr>
-        <p:spPr>
-          <a:xfrm flipH="1">
-            <a:off x="4719600" y="2509242"/>
-            <a:ext cx="1" cy="0"/>
-          </a:xfrm>
-          <a:prstGeom prst="line">
-            <a:avLst/>
-          </a:prstGeom>
-          <a:ln w="28575">
-            <a:solidFill>
-              <a:srgbClr val="0070C0"/>
-            </a:solidFill>
-            <a:headEnd type="oval" w="lg" len="lg"/>
-            <a:tailEnd type="oval"/>
-          </a:ln>
-        </p:spPr>
-        <p:style>
-          <a:lnRef idx="1">
-            <a:schemeClr val="accent1"/>
-          </a:lnRef>
-          <a:fillRef idx="0">
-            <a:schemeClr val="accent1"/>
-          </a:fillRef>
-          <a:effectRef idx="0">
-            <a:schemeClr val="accent1"/>
-          </a:effectRef>
-          <a:fontRef idx="minor">
-            <a:schemeClr val="tx1"/>
-          </a:fontRef>
-        </p:style>
-      </p:cxnSp>
-      <p:cxnSp>
-        <p:nvCxnSpPr>
           <p:cNvPr id="18" name="Connecteur droit 17">
             <a:extLst>
               <a:ext uri="{FF2B5EF4-FFF2-40B4-BE49-F238E27FC236}">
@@ -12662,96 +12554,6 @@
             </a:solidFill>
             <a:headEnd type="oval" w="lg" len="lg"/>
             <a:tailEnd type="oval" w="lg" len="lg"/>
-          </a:ln>
-        </p:spPr>
-        <p:style>
-          <a:lnRef idx="1">
-            <a:schemeClr val="accent1"/>
-          </a:lnRef>
-          <a:fillRef idx="0">
-            <a:schemeClr val="accent1"/>
-          </a:fillRef>
-          <a:effectRef idx="0">
-            <a:schemeClr val="accent1"/>
-          </a:effectRef>
-          <a:fontRef idx="minor">
-            <a:schemeClr val="tx1"/>
-          </a:fontRef>
-        </p:style>
-      </p:cxnSp>
-      <p:cxnSp>
-        <p:nvCxnSpPr>
-          <p:cNvPr id="21" name="Connecteur droit 20">
-            <a:extLst>
-              <a:ext uri="{FF2B5EF4-FFF2-40B4-BE49-F238E27FC236}">
-                <a16:creationId xmlns:a16="http://schemas.microsoft.com/office/drawing/2014/main" id="{19B74D00-BE15-402D-9538-9468DD61FBDB}"/>
-              </a:ext>
-            </a:extLst>
-          </p:cNvPr>
-          <p:cNvCxnSpPr>
-            <a:cxnSpLocks/>
-          </p:cNvCxnSpPr>
-          <p:nvPr/>
-        </p:nvCxnSpPr>
-        <p:spPr>
-          <a:xfrm>
-            <a:off x="3834636" y="3892285"/>
-            <a:ext cx="0" cy="1"/>
-          </a:xfrm>
-          <a:prstGeom prst="line">
-            <a:avLst/>
-          </a:prstGeom>
-          <a:ln w="28575">
-            <a:solidFill>
-              <a:srgbClr val="C00000"/>
-            </a:solidFill>
-            <a:headEnd type="oval" w="lg" len="lg"/>
-            <a:tailEnd type="oval"/>
-          </a:ln>
-        </p:spPr>
-        <p:style>
-          <a:lnRef idx="1">
-            <a:schemeClr val="accent1"/>
-          </a:lnRef>
-          <a:fillRef idx="0">
-            <a:schemeClr val="accent1"/>
-          </a:fillRef>
-          <a:effectRef idx="0">
-            <a:schemeClr val="accent1"/>
-          </a:effectRef>
-          <a:fontRef idx="minor">
-            <a:schemeClr val="tx1"/>
-          </a:fontRef>
-        </p:style>
-      </p:cxnSp>
-      <p:cxnSp>
-        <p:nvCxnSpPr>
-          <p:cNvPr id="22" name="Connecteur droit 21">
-            <a:extLst>
-              <a:ext uri="{FF2B5EF4-FFF2-40B4-BE49-F238E27FC236}">
-                <a16:creationId xmlns:a16="http://schemas.microsoft.com/office/drawing/2014/main" id="{F71D45AF-A4A1-4CD8-B847-EED40CE0B35D}"/>
-              </a:ext>
-            </a:extLst>
-          </p:cNvPr>
-          <p:cNvCxnSpPr>
-            <a:cxnSpLocks/>
-          </p:cNvCxnSpPr>
-          <p:nvPr/>
-        </p:nvCxnSpPr>
-        <p:spPr>
-          <a:xfrm flipV="1">
-            <a:off x="3659710" y="5121288"/>
-            <a:ext cx="0" cy="1"/>
-          </a:xfrm>
-          <a:prstGeom prst="line">
-            <a:avLst/>
-          </a:prstGeom>
-          <a:ln w="28575">
-            <a:solidFill>
-              <a:srgbClr val="0070C0"/>
-            </a:solidFill>
-            <a:headEnd type="oval" w="lg" len="lg"/>
-            <a:tailEnd type="oval"/>
           </a:ln>
         </p:spPr>
         <p:style>
@@ -12830,7 +12632,7 @@
           <a:noFill/>
           <a:ln>
             <a:solidFill>
-              <a:srgbClr val="C00000"/>
+              <a:schemeClr val="accent1"/>
             </a:solidFill>
             <a:tailEnd type="triangle" w="lg" len="lg"/>
           </a:ln>
@@ -12858,6 +12660,276 @@
             </a:prstTxWarp>
             <a:noAutofit/>
           </a:bodyPr>
+          <a:lstStyle/>
+          <a:p>
+            <a:pPr algn="ctr"/>
+            <a:endParaRPr lang="fr-FR"/>
+          </a:p>
+        </p:txBody>
+      </p:sp>
+      <p:sp>
+        <p:nvSpPr>
+          <p:cNvPr id="25" name="Triangle isocèle 24">
+            <a:extLst>
+              <a:ext uri="{FF2B5EF4-FFF2-40B4-BE49-F238E27FC236}">
+                <a16:creationId xmlns:a16="http://schemas.microsoft.com/office/drawing/2014/main" id="{C95CF851-9F28-4CCF-BDC9-DD4A706E13C8}"/>
+              </a:ext>
+            </a:extLst>
+          </p:cNvPr>
+          <p:cNvSpPr/>
+          <p:nvPr/>
+        </p:nvSpPr>
+        <p:spPr>
+          <a:xfrm>
+            <a:off x="859423" y="2427202"/>
+            <a:ext cx="146100" cy="125949"/>
+          </a:xfrm>
+          <a:prstGeom prst="triangle">
+            <a:avLst/>
+          </a:prstGeom>
+          <a:solidFill>
+            <a:schemeClr val="accent2"/>
+          </a:solidFill>
+          <a:ln>
+            <a:solidFill>
+              <a:schemeClr val="accent2"/>
+            </a:solidFill>
+          </a:ln>
+        </p:spPr>
+        <p:style>
+          <a:lnRef idx="2">
+            <a:schemeClr val="accent1">
+              <a:shade val="50000"/>
+            </a:schemeClr>
+          </a:lnRef>
+          <a:fillRef idx="1">
+            <a:schemeClr val="accent1"/>
+          </a:fillRef>
+          <a:effectRef idx="0">
+            <a:schemeClr val="accent1"/>
+          </a:effectRef>
+          <a:fontRef idx="minor">
+            <a:schemeClr val="lt1"/>
+          </a:fontRef>
+        </p:style>
+        <p:txBody>
+          <a:bodyPr rtlCol="0" anchor="ctr"/>
+          <a:lstStyle/>
+          <a:p>
+            <a:pPr algn="ctr"/>
+            <a:endParaRPr lang="fr-FR"/>
+          </a:p>
+        </p:txBody>
+      </p:sp>
+      <p:sp>
+        <p:nvSpPr>
+          <p:cNvPr id="30" name="Rectangle 29">
+            <a:extLst>
+              <a:ext uri="{FF2B5EF4-FFF2-40B4-BE49-F238E27FC236}">
+                <a16:creationId xmlns:a16="http://schemas.microsoft.com/office/drawing/2014/main" id="{3F039872-4698-483B-B1F5-A99330E18733}"/>
+              </a:ext>
+            </a:extLst>
+          </p:cNvPr>
+          <p:cNvSpPr/>
+          <p:nvPr/>
+        </p:nvSpPr>
+        <p:spPr>
+          <a:xfrm flipH="1">
+            <a:off x="1491580" y="1319475"/>
+            <a:ext cx="124614" cy="124614"/>
+          </a:xfrm>
+          <a:prstGeom prst="rect">
+            <a:avLst/>
+          </a:prstGeom>
+          <a:solidFill>
+            <a:schemeClr val="accent1"/>
+          </a:solidFill>
+          <a:ln>
+            <a:solidFill>
+              <a:schemeClr val="accent1"/>
+            </a:solidFill>
+          </a:ln>
+        </p:spPr>
+        <p:style>
+          <a:lnRef idx="2">
+            <a:schemeClr val="accent1">
+              <a:shade val="50000"/>
+            </a:schemeClr>
+          </a:lnRef>
+          <a:fillRef idx="1">
+            <a:schemeClr val="accent1"/>
+          </a:fillRef>
+          <a:effectRef idx="0">
+            <a:schemeClr val="accent1"/>
+          </a:effectRef>
+          <a:fontRef idx="minor">
+            <a:schemeClr val="lt1"/>
+          </a:fontRef>
+        </p:style>
+        <p:txBody>
+          <a:bodyPr rtlCol="0" anchor="ctr"/>
+          <a:lstStyle/>
+          <a:p>
+            <a:pPr algn="ctr"/>
+            <a:endParaRPr lang="fr-FR"/>
+          </a:p>
+        </p:txBody>
+      </p:sp>
+      <p:sp>
+        <p:nvSpPr>
+          <p:cNvPr id="31" name="Triangle isocèle 30">
+            <a:extLst>
+              <a:ext uri="{FF2B5EF4-FFF2-40B4-BE49-F238E27FC236}">
+                <a16:creationId xmlns:a16="http://schemas.microsoft.com/office/drawing/2014/main" id="{015B2200-FDDD-40BF-A89D-2AEEF4EBA2FA}"/>
+              </a:ext>
+            </a:extLst>
+          </p:cNvPr>
+          <p:cNvSpPr/>
+          <p:nvPr/>
+        </p:nvSpPr>
+        <p:spPr>
+          <a:xfrm>
+            <a:off x="4644871" y="2427202"/>
+            <a:ext cx="146100" cy="125949"/>
+          </a:xfrm>
+          <a:prstGeom prst="triangle">
+            <a:avLst/>
+          </a:prstGeom>
+          <a:solidFill>
+            <a:schemeClr val="accent2"/>
+          </a:solidFill>
+          <a:ln>
+            <a:solidFill>
+              <a:schemeClr val="accent2"/>
+            </a:solidFill>
+          </a:ln>
+        </p:spPr>
+        <p:style>
+          <a:lnRef idx="2">
+            <a:schemeClr val="accent1">
+              <a:shade val="50000"/>
+            </a:schemeClr>
+          </a:lnRef>
+          <a:fillRef idx="1">
+            <a:schemeClr val="accent1"/>
+          </a:fillRef>
+          <a:effectRef idx="0">
+            <a:schemeClr val="accent1"/>
+          </a:effectRef>
+          <a:fontRef idx="minor">
+            <a:schemeClr val="lt1"/>
+          </a:fontRef>
+        </p:style>
+        <p:txBody>
+          <a:bodyPr rtlCol="0" anchor="ctr"/>
+          <a:lstStyle/>
+          <a:p>
+            <a:pPr algn="ctr"/>
+            <a:endParaRPr lang="fr-FR"/>
+          </a:p>
+        </p:txBody>
+      </p:sp>
+      <p:sp>
+        <p:nvSpPr>
+          <p:cNvPr id="32" name="Rectangle 31">
+            <a:extLst>
+              <a:ext uri="{FF2B5EF4-FFF2-40B4-BE49-F238E27FC236}">
+                <a16:creationId xmlns:a16="http://schemas.microsoft.com/office/drawing/2014/main" id="{5F1424F5-60D2-4DD5-89D9-77E9900235A5}"/>
+              </a:ext>
+            </a:extLst>
+          </p:cNvPr>
+          <p:cNvSpPr/>
+          <p:nvPr/>
+        </p:nvSpPr>
+        <p:spPr>
+          <a:xfrm flipH="1">
+            <a:off x="3774030" y="3836099"/>
+            <a:ext cx="124614" cy="124614"/>
+          </a:xfrm>
+          <a:prstGeom prst="rect">
+            <a:avLst/>
+          </a:prstGeom>
+          <a:solidFill>
+            <a:schemeClr val="accent1"/>
+          </a:solidFill>
+          <a:ln>
+            <a:solidFill>
+              <a:schemeClr val="accent1"/>
+            </a:solidFill>
+          </a:ln>
+        </p:spPr>
+        <p:style>
+          <a:lnRef idx="2">
+            <a:schemeClr val="accent1">
+              <a:shade val="50000"/>
+            </a:schemeClr>
+          </a:lnRef>
+          <a:fillRef idx="1">
+            <a:schemeClr val="accent1"/>
+          </a:fillRef>
+          <a:effectRef idx="0">
+            <a:schemeClr val="accent1"/>
+          </a:effectRef>
+          <a:fontRef idx="minor">
+            <a:schemeClr val="lt1"/>
+          </a:fontRef>
+        </p:style>
+        <p:txBody>
+          <a:bodyPr rtlCol="0" anchor="ctr"/>
+          <a:lstStyle/>
+          <a:p>
+            <a:pPr algn="ctr"/>
+            <a:endParaRPr lang="fr-FR"/>
+          </a:p>
+        </p:txBody>
+      </p:sp>
+      <p:sp>
+        <p:nvSpPr>
+          <p:cNvPr id="36" name="Triangle isocèle 35">
+            <a:extLst>
+              <a:ext uri="{FF2B5EF4-FFF2-40B4-BE49-F238E27FC236}">
+                <a16:creationId xmlns:a16="http://schemas.microsoft.com/office/drawing/2014/main" id="{BC64A30B-40DA-461D-85A8-44D2B0BBE411}"/>
+              </a:ext>
+            </a:extLst>
+          </p:cNvPr>
+          <p:cNvSpPr/>
+          <p:nvPr/>
+        </p:nvSpPr>
+        <p:spPr>
+          <a:xfrm>
+            <a:off x="3593001" y="5037110"/>
+            <a:ext cx="146100" cy="125949"/>
+          </a:xfrm>
+          <a:prstGeom prst="triangle">
+            <a:avLst/>
+          </a:prstGeom>
+          <a:solidFill>
+            <a:schemeClr val="accent2"/>
+          </a:solidFill>
+          <a:ln>
+            <a:solidFill>
+              <a:schemeClr val="accent2"/>
+            </a:solidFill>
+          </a:ln>
+        </p:spPr>
+        <p:style>
+          <a:lnRef idx="2">
+            <a:schemeClr val="accent1">
+              <a:shade val="50000"/>
+            </a:schemeClr>
+          </a:lnRef>
+          <a:fillRef idx="1">
+            <a:schemeClr val="accent1"/>
+          </a:fillRef>
+          <a:effectRef idx="0">
+            <a:schemeClr val="accent1"/>
+          </a:effectRef>
+          <a:fontRef idx="minor">
+            <a:schemeClr val="lt1"/>
+          </a:fontRef>
+        </p:style>
+        <p:txBody>
+          <a:bodyPr rtlCol="0" anchor="ctr"/>
           <a:lstStyle/>
           <a:p>
             <a:pPr algn="ctr"/>
@@ -12881,7 +12953,7 @@
 <file path=ppt/theme/theme1.xml><?xml version="1.0" encoding="utf-8"?>
 <a:theme xmlns:a="http://schemas.openxmlformats.org/drawingml/2006/main" name="Office Theme">
   <a:themeElements>
-    <a:clrScheme name="Thème Office">
+    <a:clrScheme name="Matplotlib">
       <a:dk1>
         <a:sysClr val="windowText" lastClr="000000"/>
       </a:dk1>
@@ -12895,13 +12967,13 @@
         <a:srgbClr val="E7E6E6"/>
       </a:lt2>
       <a:accent1>
-        <a:srgbClr val="1D9A78"/>
+        <a:srgbClr val="FF7F0E"/>
       </a:accent1>
       <a:accent2>
-        <a:srgbClr val="8BC145"/>
+        <a:srgbClr val="1F77B4"/>
       </a:accent2>
       <a:accent3>
-        <a:srgbClr val="36AFCE"/>
+        <a:srgbClr val="2CA02C"/>
       </a:accent3>
       <a:accent4>
         <a:srgbClr val="1D6FA9"/>

--- a/img/trees.pptx
+++ b/img/trees.pptx
@@ -201,7 +201,7 @@
           <a:p>
             <a:fld id="{7032D634-87B9-4515-9E90-7412EACBC911}" type="datetimeFigureOut">
               <a:rPr lang="fr-FR" smtClean="0"/>
-              <a:t>02/04/2020</a:t>
+              <a:t>31/08/2020</a:t>
             </a:fld>
             <a:endParaRPr lang="fr-FR"/>
           </a:p>
@@ -599,7 +599,7 @@
           <a:p>
             <a:fld id="{CC506755-3F84-4679-BA59-3527CD676A9A}" type="datetimeFigureOut">
               <a:rPr lang="fr-FR" smtClean="0"/>
-              <a:t>02/04/2020</a:t>
+              <a:t>31/08/2020</a:t>
             </a:fld>
             <a:endParaRPr lang="fr-FR"/>
           </a:p>
@@ -769,7 +769,7 @@
           <a:p>
             <a:fld id="{CC506755-3F84-4679-BA59-3527CD676A9A}" type="datetimeFigureOut">
               <a:rPr lang="fr-FR" smtClean="0"/>
-              <a:t>02/04/2020</a:t>
+              <a:t>31/08/2020</a:t>
             </a:fld>
             <a:endParaRPr lang="fr-FR"/>
           </a:p>
@@ -949,7 +949,7 @@
           <a:p>
             <a:fld id="{CC506755-3F84-4679-BA59-3527CD676A9A}" type="datetimeFigureOut">
               <a:rPr lang="fr-FR" smtClean="0"/>
-              <a:t>02/04/2020</a:t>
+              <a:t>31/08/2020</a:t>
             </a:fld>
             <a:endParaRPr lang="fr-FR"/>
           </a:p>
@@ -1119,7 +1119,7 @@
           <a:p>
             <a:fld id="{CC506755-3F84-4679-BA59-3527CD676A9A}" type="datetimeFigureOut">
               <a:rPr lang="fr-FR" smtClean="0"/>
-              <a:t>02/04/2020</a:t>
+              <a:t>31/08/2020</a:t>
             </a:fld>
             <a:endParaRPr lang="fr-FR"/>
           </a:p>
@@ -1363,7 +1363,7 @@
           <a:p>
             <a:fld id="{CC506755-3F84-4679-BA59-3527CD676A9A}" type="datetimeFigureOut">
               <a:rPr lang="fr-FR" smtClean="0"/>
-              <a:t>02/04/2020</a:t>
+              <a:t>31/08/2020</a:t>
             </a:fld>
             <a:endParaRPr lang="fr-FR"/>
           </a:p>
@@ -1595,7 +1595,7 @@
           <a:p>
             <a:fld id="{CC506755-3F84-4679-BA59-3527CD676A9A}" type="datetimeFigureOut">
               <a:rPr lang="fr-FR" smtClean="0"/>
-              <a:t>02/04/2020</a:t>
+              <a:t>31/08/2020</a:t>
             </a:fld>
             <a:endParaRPr lang="fr-FR"/>
           </a:p>
@@ -1962,7 +1962,7 @@
           <a:p>
             <a:fld id="{CC506755-3F84-4679-BA59-3527CD676A9A}" type="datetimeFigureOut">
               <a:rPr lang="fr-FR" smtClean="0"/>
-              <a:t>02/04/2020</a:t>
+              <a:t>31/08/2020</a:t>
             </a:fld>
             <a:endParaRPr lang="fr-FR"/>
           </a:p>
@@ -2080,7 +2080,7 @@
           <a:p>
             <a:fld id="{CC506755-3F84-4679-BA59-3527CD676A9A}" type="datetimeFigureOut">
               <a:rPr lang="fr-FR" smtClean="0"/>
-              <a:t>02/04/2020</a:t>
+              <a:t>31/08/2020</a:t>
             </a:fld>
             <a:endParaRPr lang="fr-FR"/>
           </a:p>
@@ -2175,7 +2175,7 @@
           <a:p>
             <a:fld id="{CC506755-3F84-4679-BA59-3527CD676A9A}" type="datetimeFigureOut">
               <a:rPr lang="fr-FR" smtClean="0"/>
-              <a:t>02/04/2020</a:t>
+              <a:t>31/08/2020</a:t>
             </a:fld>
             <a:endParaRPr lang="fr-FR"/>
           </a:p>
@@ -2452,7 +2452,7 @@
           <a:p>
             <a:fld id="{CC506755-3F84-4679-BA59-3527CD676A9A}" type="datetimeFigureOut">
               <a:rPr lang="fr-FR" smtClean="0"/>
-              <a:t>02/04/2020</a:t>
+              <a:t>31/08/2020</a:t>
             </a:fld>
             <a:endParaRPr lang="fr-FR"/>
           </a:p>
@@ -2709,7 +2709,7 @@
           <a:p>
             <a:fld id="{CC506755-3F84-4679-BA59-3527CD676A9A}" type="datetimeFigureOut">
               <a:rPr lang="fr-FR" smtClean="0"/>
-              <a:t>02/04/2020</a:t>
+              <a:t>31/08/2020</a:t>
             </a:fld>
             <a:endParaRPr lang="fr-FR"/>
           </a:p>
@@ -2922,7 +2922,7 @@
           <a:p>
             <a:fld id="{CC506755-3F84-4679-BA59-3527CD676A9A}" type="datetimeFigureOut">
               <a:rPr lang="fr-FR" smtClean="0"/>
-              <a:t>02/04/2020</a:t>
+              <a:t>31/08/2020</a:t>
             </a:fld>
             <a:endParaRPr lang="fr-FR"/>
           </a:p>
@@ -4855,139 +4855,6 @@
         <mc:Choice Requires="a14">
           <p:sp>
             <p:nvSpPr>
-              <p:cNvPr id="41" name="ZoneTexte 40">
-                <a:extLst>
-                  <a:ext uri="{FF2B5EF4-FFF2-40B4-BE49-F238E27FC236}">
-                    <a16:creationId xmlns:a16="http://schemas.microsoft.com/office/drawing/2014/main" id="{C80DEA8D-55F0-4F3B-8B2A-04A2B81E1A47}"/>
-                  </a:ext>
-                </a:extLst>
-              </p:cNvPr>
-              <p:cNvSpPr txBox="1"/>
-              <p:nvPr/>
-            </p:nvSpPr>
-            <p:spPr>
-              <a:xfrm>
-                <a:off x="2803274" y="2050736"/>
-                <a:ext cx="435119" cy="444417"/>
-              </a:xfrm>
-              <a:prstGeom prst="rect">
-                <a:avLst/>
-              </a:prstGeom>
-              <a:noFill/>
-              <a:ln>
-                <a:noFill/>
-              </a:ln>
-            </p:spPr>
-            <p:txBody>
-              <a:bodyPr wrap="none" lIns="0" tIns="0" rIns="0" bIns="0" rtlCol="0">
-                <a:spAutoFit/>
-              </a:bodyPr>
-              <a:lstStyle/>
-              <a:p>
-                <a:pPr/>
-                <a14:m>
-                  <m:oMathPara xmlns:m="http://schemas.openxmlformats.org/officeDocument/2006/math">
-                    <m:oMathParaPr>
-                      <m:jc m:val="centerGroup"/>
-                    </m:oMathParaPr>
-                    <m:oMath xmlns:m="http://schemas.openxmlformats.org/officeDocument/2006/math">
-                      <m:sSub>
-                        <m:sSubPr>
-                          <m:ctrlPr>
-                            <a:rPr lang="fr-FR" sz="2800" i="1">
-                              <a:latin typeface="Cambria Math" panose="02040503050406030204" pitchFamily="18" charset="0"/>
-                            </a:rPr>
-                          </m:ctrlPr>
-                        </m:sSubPr>
-                        <m:e>
-                          <m:acc>
-                            <m:accPr>
-                              <m:chr m:val="̇"/>
-                              <m:ctrlPr>
-                                <a:rPr lang="fr-FR" sz="2800" i="1">
-                                  <a:latin typeface="Cambria Math" panose="02040503050406030204" pitchFamily="18" charset="0"/>
-                                </a:rPr>
-                              </m:ctrlPr>
-                            </m:accPr>
-                            <m:e>
-                              <m:r>
-                                <a:rPr lang="fr-FR" sz="2800" i="1">
-                                  <a:latin typeface="Cambria Math" panose="02040503050406030204" pitchFamily="18" charset="0"/>
-                                </a:rPr>
-                                <m:t>𝑇</m:t>
-                              </m:r>
-                            </m:e>
-                          </m:acc>
-                        </m:e>
-                        <m:sub>
-                          <m:r>
-                            <a:rPr lang="fr-FR" sz="2800" i="1">
-                              <a:latin typeface="Cambria Math" panose="02040503050406030204" pitchFamily="18" charset="0"/>
-                            </a:rPr>
-                            <m:t>𝑛</m:t>
-                          </m:r>
-                        </m:sub>
-                      </m:sSub>
-                    </m:oMath>
-                  </m:oMathPara>
-                </a14:m>
-                <a:endParaRPr lang="fr-FR" sz="2800" dirty="0"/>
-              </a:p>
-            </p:txBody>
-          </p:sp>
-        </mc:Choice>
-        <mc:Fallback xmlns="">
-          <p:sp>
-            <p:nvSpPr>
-              <p:cNvPr id="41" name="ZoneTexte 40">
-                <a:extLst>
-                  <a:ext uri="{FF2B5EF4-FFF2-40B4-BE49-F238E27FC236}">
-                    <a16:creationId xmlns:a16="http://schemas.microsoft.com/office/drawing/2014/main" id="{C80DEA8D-55F0-4F3B-8B2A-04A2B81E1A47}"/>
-                  </a:ext>
-                </a:extLst>
-              </p:cNvPr>
-              <p:cNvSpPr txBox="1">
-                <a:spLocks noRot="1" noChangeAspect="1" noMove="1" noResize="1" noEditPoints="1" noAdjustHandles="1" noChangeArrowheads="1" noChangeShapeType="1" noTextEdit="1"/>
-              </p:cNvSpPr>
-              <p:nvPr/>
-            </p:nvSpPr>
-            <p:spPr>
-              <a:xfrm>
-                <a:off x="2803274" y="2050736"/>
-                <a:ext cx="435119" cy="444417"/>
-              </a:xfrm>
-              <a:prstGeom prst="rect">
-                <a:avLst/>
-              </a:prstGeom>
-              <a:blipFill>
-                <a:blip r:embed="rId2"/>
-                <a:stretch>
-                  <a:fillRect/>
-                </a:stretch>
-              </a:blipFill>
-              <a:ln>
-                <a:noFill/>
-              </a:ln>
-            </p:spPr>
-            <p:txBody>
-              <a:bodyPr/>
-              <a:lstStyle/>
-              <a:p>
-                <a:r>
-                  <a:rPr lang="fr-FR">
-                    <a:noFill/>
-                  </a:rPr>
-                  <a:t> </a:t>
-                </a:r>
-              </a:p>
-            </p:txBody>
-          </p:sp>
-        </mc:Fallback>
-      </mc:AlternateContent>
-      <mc:AlternateContent xmlns:mc="http://schemas.openxmlformats.org/markup-compatibility/2006" xmlns:a14="http://schemas.microsoft.com/office/drawing/2010/main">
-        <mc:Choice Requires="a14">
-          <p:sp>
-            <p:nvSpPr>
               <p:cNvPr id="42" name="ZoneTexte 41">
                 <a:extLst>
                   <a:ext uri="{FF2B5EF4-FFF2-40B4-BE49-F238E27FC236}">
@@ -5327,6 +5194,250 @@
           </a:p>
         </p:txBody>
       </p:sp>
+      <p:grpSp>
+        <p:nvGrpSpPr>
+          <p:cNvPr id="6" name="Groupe 5">
+            <a:extLst>
+              <a:ext uri="{FF2B5EF4-FFF2-40B4-BE49-F238E27FC236}">
+                <a16:creationId xmlns:a16="http://schemas.microsoft.com/office/drawing/2014/main" id="{446A940D-0B4E-481C-9E80-E370292BB165}"/>
+              </a:ext>
+            </a:extLst>
+          </p:cNvPr>
+          <p:cNvGrpSpPr/>
+          <p:nvPr/>
+        </p:nvGrpSpPr>
+        <p:grpSpPr>
+          <a:xfrm>
+            <a:off x="2803274" y="1928924"/>
+            <a:ext cx="435119" cy="552699"/>
+            <a:chOff x="2803274" y="1928924"/>
+            <a:chExt cx="435119" cy="552699"/>
+          </a:xfrm>
+        </p:grpSpPr>
+        <mc:AlternateContent xmlns:mc="http://schemas.openxmlformats.org/markup-compatibility/2006">
+          <mc:Choice xmlns:a14="http://schemas.microsoft.com/office/drawing/2010/main" Requires="a14">
+            <p:sp>
+              <p:nvSpPr>
+                <p:cNvPr id="41" name="ZoneTexte 40">
+                  <a:extLst>
+                    <a:ext uri="{FF2B5EF4-FFF2-40B4-BE49-F238E27FC236}">
+                      <a16:creationId xmlns:a16="http://schemas.microsoft.com/office/drawing/2014/main" id="{C80DEA8D-55F0-4F3B-8B2A-04A2B81E1A47}"/>
+                    </a:ext>
+                  </a:extLst>
+                </p:cNvPr>
+                <p:cNvSpPr txBox="1"/>
+                <p:nvPr/>
+              </p:nvSpPr>
+              <p:spPr>
+                <a:xfrm>
+                  <a:off x="2803274" y="2050736"/>
+                  <a:ext cx="435119" cy="430887"/>
+                </a:xfrm>
+                <a:prstGeom prst="rect">
+                  <a:avLst/>
+                </a:prstGeom>
+                <a:noFill/>
+                <a:ln>
+                  <a:noFill/>
+                </a:ln>
+              </p:spPr>
+              <p:txBody>
+                <a:bodyPr wrap="none" lIns="0" tIns="0" rIns="0" bIns="0" rtlCol="0">
+                  <a:spAutoFit/>
+                </a:bodyPr>
+                <a:lstStyle/>
+                <a:p>
+                  <a:pPr/>
+                  <a14:m>
+                    <m:oMathPara xmlns:m="http://schemas.openxmlformats.org/officeDocument/2006/math">
+                      <m:oMathParaPr>
+                        <m:jc m:val="centerGroup"/>
+                      </m:oMathParaPr>
+                      <m:oMath xmlns:m="http://schemas.openxmlformats.org/officeDocument/2006/math">
+                        <m:sSub>
+                          <m:sSubPr>
+                            <m:ctrlPr>
+                              <a:rPr lang="fr-FR" sz="2800" b="0" i="1" smtClean="0">
+                                <a:latin typeface="Cambria Math" panose="02040503050406030204" pitchFamily="18" charset="0"/>
+                              </a:rPr>
+                            </m:ctrlPr>
+                          </m:sSubPr>
+                          <m:e>
+                            <m:r>
+                              <a:rPr lang="fr-FR" sz="2800" b="0" i="1" smtClean="0">
+                                <a:latin typeface="Cambria Math" panose="02040503050406030204" pitchFamily="18" charset="0"/>
+                              </a:rPr>
+                              <m:t>𝑇</m:t>
+                            </m:r>
+                          </m:e>
+                          <m:sub>
+                            <m:r>
+                              <a:rPr lang="fr-FR" sz="2800" b="0" i="1" smtClean="0">
+                                <a:latin typeface="Cambria Math" panose="02040503050406030204" pitchFamily="18" charset="0"/>
+                              </a:rPr>
+                              <m:t>𝑛</m:t>
+                            </m:r>
+                          </m:sub>
+                        </m:sSub>
+                      </m:oMath>
+                    </m:oMathPara>
+                  </a14:m>
+                  <a:endParaRPr lang="fr-FR" sz="2800" dirty="0"/>
+                </a:p>
+              </p:txBody>
+            </p:sp>
+          </mc:Choice>
+          <mc:Fallback>
+            <p:sp>
+              <p:nvSpPr>
+                <p:cNvPr id="41" name="ZoneTexte 40">
+                  <a:extLst>
+                    <a:ext uri="{FF2B5EF4-FFF2-40B4-BE49-F238E27FC236}">
+                      <a16:creationId xmlns:a16="http://schemas.microsoft.com/office/drawing/2014/main" id="{C80DEA8D-55F0-4F3B-8B2A-04A2B81E1A47}"/>
+                    </a:ext>
+                  </a:extLst>
+                </p:cNvPr>
+                <p:cNvSpPr txBox="1">
+                  <a:spLocks noRot="1" noChangeAspect="1" noMove="1" noResize="1" noEditPoints="1" noAdjustHandles="1" noChangeArrowheads="1" noChangeShapeType="1" noTextEdit="1"/>
+                </p:cNvSpPr>
+                <p:nvPr/>
+              </p:nvSpPr>
+              <p:spPr>
+                <a:xfrm>
+                  <a:off x="2803274" y="2050736"/>
+                  <a:ext cx="435119" cy="430887"/>
+                </a:xfrm>
+                <a:prstGeom prst="rect">
+                  <a:avLst/>
+                </a:prstGeom>
+                <a:blipFill>
+                  <a:blip r:embed="rId4"/>
+                  <a:stretch>
+                    <a:fillRect/>
+                  </a:stretch>
+                </a:blipFill>
+                <a:ln>
+                  <a:noFill/>
+                </a:ln>
+              </p:spPr>
+              <p:txBody>
+                <a:bodyPr/>
+                <a:lstStyle/>
+                <a:p>
+                  <a:r>
+                    <a:rPr lang="fr-FR">
+                      <a:noFill/>
+                    </a:rPr>
+                    <a:t> </a:t>
+                  </a:r>
+                </a:p>
+              </p:txBody>
+            </p:sp>
+          </mc:Fallback>
+        </mc:AlternateContent>
+        <mc:AlternateContent xmlns:mc="http://schemas.openxmlformats.org/markup-compatibility/2006">
+          <mc:Choice xmlns:a14="http://schemas.microsoft.com/office/drawing/2010/main" Requires="a14">
+            <p:sp>
+              <p:nvSpPr>
+                <p:cNvPr id="2" name="ZoneTexte 1">
+                  <a:extLst>
+                    <a:ext uri="{FF2B5EF4-FFF2-40B4-BE49-F238E27FC236}">
+                      <a16:creationId xmlns:a16="http://schemas.microsoft.com/office/drawing/2014/main" id="{1AE92A60-62A1-4356-A87B-B8F9C88CA950}"/>
+                    </a:ext>
+                  </a:extLst>
+                </p:cNvPr>
+                <p:cNvSpPr txBox="1"/>
+                <p:nvPr/>
+              </p:nvSpPr>
+              <p:spPr>
+                <a:xfrm>
+                  <a:off x="2892132" y="1928924"/>
+                  <a:ext cx="155492" cy="276999"/>
+                </a:xfrm>
+                <a:prstGeom prst="rect">
+                  <a:avLst/>
+                </a:prstGeom>
+                <a:noFill/>
+                <a:ln>
+                  <a:noFill/>
+                </a:ln>
+              </p:spPr>
+              <p:txBody>
+                <a:bodyPr wrap="none" lIns="0" tIns="0" rIns="0" bIns="0" rtlCol="0">
+                  <a:spAutoFit/>
+                </a:bodyPr>
+                <a:lstStyle/>
+                <a:p>
+                  <a:pPr/>
+                  <a14:m>
+                    <m:oMathPara xmlns:m="http://schemas.openxmlformats.org/officeDocument/2006/math">
+                      <m:oMathParaPr>
+                        <m:jc m:val="centerGroup"/>
+                      </m:oMathParaPr>
+                      <m:oMath xmlns:m="http://schemas.openxmlformats.org/officeDocument/2006/math">
+                        <m:r>
+                          <a:rPr lang="fr-FR" b="0" i="1" smtClean="0">
+                            <a:latin typeface="Cambria Math" panose="02040503050406030204" pitchFamily="18" charset="0"/>
+                          </a:rPr>
+                          <m:t>∘</m:t>
+                        </m:r>
+                      </m:oMath>
+                    </m:oMathPara>
+                  </a14:m>
+                  <a:endParaRPr lang="fr-FR" sz="2800" dirty="0"/>
+                </a:p>
+              </p:txBody>
+            </p:sp>
+          </mc:Choice>
+          <mc:Fallback>
+            <p:sp>
+              <p:nvSpPr>
+                <p:cNvPr id="2" name="ZoneTexte 1">
+                  <a:extLst>
+                    <a:ext uri="{FF2B5EF4-FFF2-40B4-BE49-F238E27FC236}">
+                      <a16:creationId xmlns:a16="http://schemas.microsoft.com/office/drawing/2014/main" id="{1AE92A60-62A1-4356-A87B-B8F9C88CA950}"/>
+                    </a:ext>
+                  </a:extLst>
+                </p:cNvPr>
+                <p:cNvSpPr txBox="1">
+                  <a:spLocks noRot="1" noChangeAspect="1" noMove="1" noResize="1" noEditPoints="1" noAdjustHandles="1" noChangeArrowheads="1" noChangeShapeType="1" noTextEdit="1"/>
+                </p:cNvSpPr>
+                <p:nvPr/>
+              </p:nvSpPr>
+              <p:spPr>
+                <a:xfrm>
+                  <a:off x="2892132" y="1928924"/>
+                  <a:ext cx="155492" cy="276999"/>
+                </a:xfrm>
+                <a:prstGeom prst="rect">
+                  <a:avLst/>
+                </a:prstGeom>
+                <a:blipFill>
+                  <a:blip r:embed="rId5"/>
+                  <a:stretch>
+                    <a:fillRect l="-19231" r="-15385"/>
+                  </a:stretch>
+                </a:blipFill>
+                <a:ln>
+                  <a:noFill/>
+                </a:ln>
+              </p:spPr>
+              <p:txBody>
+                <a:bodyPr/>
+                <a:lstStyle/>
+                <a:p>
+                  <a:r>
+                    <a:rPr lang="fr-FR">
+                      <a:noFill/>
+                    </a:rPr>
+                    <a:t> </a:t>
+                  </a:r>
+                </a:p>
+              </p:txBody>
+            </p:sp>
+          </mc:Fallback>
+        </mc:AlternateContent>
+      </p:grpSp>
     </p:spTree>
     <p:extLst>
       <p:ext uri="{BB962C8B-B14F-4D97-AF65-F5344CB8AC3E}">
@@ -7375,7 +7486,7 @@
         </p:nvSpPr>
         <p:spPr>
           <a:xfrm>
-            <a:off x="657685" y="2669476"/>
+            <a:off x="657685" y="2712004"/>
             <a:ext cx="4398246" cy="2027448"/>
           </a:xfrm>
           <a:custGeom>
@@ -8072,7 +8183,7 @@
         </p:nvSpPr>
         <p:spPr>
           <a:xfrm>
-            <a:off x="657685" y="2698918"/>
+            <a:off x="657685" y="2741446"/>
             <a:ext cx="3513768" cy="1985803"/>
           </a:xfrm>
           <a:custGeom>
@@ -8974,7 +9085,7 @@
         </p:nvSpPr>
         <p:spPr>
           <a:xfrm>
-            <a:off x="886404" y="935245"/>
+            <a:off x="886404" y="977773"/>
             <a:ext cx="3601953" cy="3041025"/>
           </a:xfrm>
           <a:custGeom>
@@ -9442,7 +9553,7 @@
         </p:nvCxnSpPr>
         <p:spPr>
           <a:xfrm flipH="1" flipV="1">
-            <a:off x="2892157" y="1140204"/>
+            <a:off x="2892157" y="1182732"/>
             <a:ext cx="1274618" cy="735900"/>
           </a:xfrm>
           <a:prstGeom prst="line">
@@ -9487,7 +9598,7 @@
         </p:nvCxnSpPr>
         <p:spPr>
           <a:xfrm flipV="1">
-            <a:off x="1617539" y="1140204"/>
+            <a:off x="1617539" y="1182732"/>
             <a:ext cx="1274618" cy="735900"/>
           </a:xfrm>
           <a:prstGeom prst="line">
@@ -9532,7 +9643,7 @@
         </p:nvCxnSpPr>
         <p:spPr>
           <a:xfrm flipV="1">
-            <a:off x="3550339" y="1876127"/>
+            <a:off x="3550339" y="1918655"/>
             <a:ext cx="617551" cy="1127461"/>
           </a:xfrm>
           <a:prstGeom prst="line">
@@ -9577,7 +9688,7 @@
         </p:nvCxnSpPr>
         <p:spPr>
           <a:xfrm flipV="1">
-            <a:off x="3203806" y="3003576"/>
+            <a:off x="3203806" y="3046104"/>
             <a:ext cx="345754" cy="1383043"/>
           </a:xfrm>
           <a:prstGeom prst="line">
@@ -9622,7 +9733,7 @@
         </p:nvCxnSpPr>
         <p:spPr>
           <a:xfrm flipH="1" flipV="1">
-            <a:off x="4165700" y="1876127"/>
+            <a:off x="4165700" y="1918655"/>
             <a:ext cx="617551" cy="1127461"/>
           </a:xfrm>
           <a:prstGeom prst="line">
@@ -9667,7 +9778,7 @@
         </p:nvCxnSpPr>
         <p:spPr>
           <a:xfrm flipH="1" flipV="1">
-            <a:off x="3551411" y="3003576"/>
+            <a:off x="3551411" y="3046104"/>
             <a:ext cx="345754" cy="1383043"/>
           </a:xfrm>
           <a:prstGeom prst="line">
@@ -9712,7 +9823,7 @@
         </p:nvCxnSpPr>
         <p:spPr>
           <a:xfrm flipV="1">
-            <a:off x="1004390" y="1876126"/>
+            <a:off x="1004390" y="1918654"/>
             <a:ext cx="617551" cy="1127461"/>
           </a:xfrm>
           <a:prstGeom prst="line">
@@ -9757,7 +9868,7 @@
         </p:nvCxnSpPr>
         <p:spPr>
           <a:xfrm flipH="1" flipV="1">
-            <a:off x="1618959" y="1876126"/>
+            <a:off x="1618959" y="1918654"/>
             <a:ext cx="617551" cy="1127461"/>
           </a:xfrm>
           <a:prstGeom prst="line">
@@ -9802,7 +9913,7 @@
         </p:nvCxnSpPr>
         <p:spPr>
           <a:xfrm>
-            <a:off x="1620068" y="1876127"/>
+            <a:off x="1620068" y="1918655"/>
             <a:ext cx="0" cy="1"/>
           </a:xfrm>
           <a:prstGeom prst="line">
@@ -9847,7 +9958,7 @@
         </p:nvCxnSpPr>
         <p:spPr>
           <a:xfrm>
-            <a:off x="3897164" y="4386630"/>
+            <a:off x="3897164" y="4429158"/>
             <a:ext cx="0" cy="33851"/>
           </a:xfrm>
           <a:prstGeom prst="line">
@@ -9876,8 +9987,8 @@
           </a:fontRef>
         </p:style>
       </p:cxnSp>
-      <mc:AlternateContent xmlns:mc="http://schemas.openxmlformats.org/markup-compatibility/2006" xmlns:a14="http://schemas.microsoft.com/office/drawing/2010/main">
-        <mc:Choice Requires="a14">
+      <mc:AlternateContent xmlns:mc="http://schemas.openxmlformats.org/markup-compatibility/2006">
+        <mc:Choice xmlns:a14="http://schemas.microsoft.com/office/drawing/2010/main" Requires="a14">
           <p:sp>
             <p:nvSpPr>
               <p:cNvPr id="46" name="ZoneTexte 45">
@@ -9892,7 +10003,7 @@
             </p:nvSpPr>
             <p:spPr>
               <a:xfrm>
-                <a:off x="4710012" y="2216491"/>
+                <a:off x="4710012" y="2259019"/>
                 <a:ext cx="313355" cy="430887"/>
               </a:xfrm>
               <a:prstGeom prst="rect">
@@ -9930,7 +10041,7 @@
             </p:txBody>
           </p:sp>
         </mc:Choice>
-        <mc:Fallback xmlns="">
+        <mc:Fallback>
           <p:sp>
             <p:nvSpPr>
               <p:cNvPr id="46" name="ZoneTexte 45">
@@ -9947,7 +10058,7 @@
             </p:nvSpPr>
             <p:spPr>
               <a:xfrm>
-                <a:off x="4710012" y="2216491"/>
+                <a:off x="4710012" y="2259019"/>
                 <a:ext cx="313355" cy="430887"/>
               </a:xfrm>
               <a:prstGeom prst="rect">
@@ -9994,7 +10105,7 @@
         </p:nvCxnSpPr>
         <p:spPr>
           <a:xfrm>
-            <a:off x="1004390" y="3003587"/>
+            <a:off x="1004390" y="3046115"/>
             <a:ext cx="1" cy="1"/>
           </a:xfrm>
           <a:prstGeom prst="line">
@@ -10039,7 +10150,7 @@
         </p:nvCxnSpPr>
         <p:spPr>
           <a:xfrm flipH="1">
-            <a:off x="4783251" y="3003563"/>
+            <a:off x="4783251" y="3046091"/>
             <a:ext cx="1" cy="0"/>
           </a:xfrm>
           <a:prstGeom prst="line">
@@ -10068,141 +10179,8 @@
           </a:fontRef>
         </p:style>
       </p:cxnSp>
-      <mc:AlternateContent xmlns:mc="http://schemas.openxmlformats.org/markup-compatibility/2006" xmlns:a14="http://schemas.microsoft.com/office/drawing/2010/main">
-        <mc:Choice Requires="a14">
-          <p:sp>
-            <p:nvSpPr>
-              <p:cNvPr id="18" name="ZoneTexte 17">
-                <a:extLst>
-                  <a:ext uri="{FF2B5EF4-FFF2-40B4-BE49-F238E27FC236}">
-                    <a16:creationId xmlns:a16="http://schemas.microsoft.com/office/drawing/2014/main" id="{A38FD0A1-68E1-4571-8AD0-B83BBCDE1F00}"/>
-                  </a:ext>
-                </a:extLst>
-              </p:cNvPr>
-              <p:cNvSpPr txBox="1"/>
-              <p:nvPr/>
-            </p:nvSpPr>
-            <p:spPr>
-              <a:xfrm>
-                <a:off x="2803265" y="2001048"/>
-                <a:ext cx="435119" cy="444417"/>
-              </a:xfrm>
-              <a:prstGeom prst="rect">
-                <a:avLst/>
-              </a:prstGeom>
-              <a:noFill/>
-              <a:ln>
-                <a:noFill/>
-              </a:ln>
-            </p:spPr>
-            <p:txBody>
-              <a:bodyPr wrap="none" lIns="0" tIns="0" rIns="0" bIns="0" rtlCol="0">
-                <a:spAutoFit/>
-              </a:bodyPr>
-              <a:lstStyle/>
-              <a:p>
-                <a:pPr/>
-                <a14:m>
-                  <m:oMathPara xmlns:m="http://schemas.openxmlformats.org/officeDocument/2006/math">
-                    <m:oMathParaPr>
-                      <m:jc m:val="centerGroup"/>
-                    </m:oMathParaPr>
-                    <m:oMath xmlns:m="http://schemas.openxmlformats.org/officeDocument/2006/math">
-                      <m:sSub>
-                        <m:sSubPr>
-                          <m:ctrlPr>
-                            <a:rPr lang="fr-FR" sz="2800" i="1">
-                              <a:latin typeface="Cambria Math" panose="02040503050406030204" pitchFamily="18" charset="0"/>
-                            </a:rPr>
-                          </m:ctrlPr>
-                        </m:sSubPr>
-                        <m:e>
-                          <m:acc>
-                            <m:accPr>
-                              <m:chr m:val="̇"/>
-                              <m:ctrlPr>
-                                <a:rPr lang="fr-FR" sz="2800" i="1">
-                                  <a:latin typeface="Cambria Math" panose="02040503050406030204" pitchFamily="18" charset="0"/>
-                                </a:rPr>
-                              </m:ctrlPr>
-                            </m:accPr>
-                            <m:e>
-                              <m:r>
-                                <a:rPr lang="fr-FR" sz="2800" i="1">
-                                  <a:latin typeface="Cambria Math" panose="02040503050406030204" pitchFamily="18" charset="0"/>
-                                </a:rPr>
-                                <m:t>𝑇</m:t>
-                              </m:r>
-                            </m:e>
-                          </m:acc>
-                        </m:e>
-                        <m:sub>
-                          <m:r>
-                            <a:rPr lang="fr-FR" sz="2800" i="1">
-                              <a:latin typeface="Cambria Math" panose="02040503050406030204" pitchFamily="18" charset="0"/>
-                            </a:rPr>
-                            <m:t>𝑛</m:t>
-                          </m:r>
-                        </m:sub>
-                      </m:sSub>
-                    </m:oMath>
-                  </m:oMathPara>
-                </a14:m>
-                <a:endParaRPr lang="fr-FR" sz="2800" dirty="0"/>
-              </a:p>
-            </p:txBody>
-          </p:sp>
-        </mc:Choice>
-        <mc:Fallback xmlns="">
-          <p:sp>
-            <p:nvSpPr>
-              <p:cNvPr id="18" name="ZoneTexte 17">
-                <a:extLst>
-                  <a:ext uri="{FF2B5EF4-FFF2-40B4-BE49-F238E27FC236}">
-                    <a16:creationId xmlns:a16="http://schemas.microsoft.com/office/drawing/2014/main" id="{A38FD0A1-68E1-4571-8AD0-B83BBCDE1F00}"/>
-                  </a:ext>
-                </a:extLst>
-              </p:cNvPr>
-              <p:cNvSpPr txBox="1">
-                <a:spLocks noRot="1" noChangeAspect="1" noMove="1" noResize="1" noEditPoints="1" noAdjustHandles="1" noChangeArrowheads="1" noChangeShapeType="1" noTextEdit="1"/>
-              </p:cNvSpPr>
-              <p:nvPr/>
-            </p:nvSpPr>
-            <p:spPr>
-              <a:xfrm>
-                <a:off x="2803265" y="2001048"/>
-                <a:ext cx="435119" cy="444417"/>
-              </a:xfrm>
-              <a:prstGeom prst="rect">
-                <a:avLst/>
-              </a:prstGeom>
-              <a:blipFill>
-                <a:blip r:embed="rId3"/>
-                <a:stretch>
-                  <a:fillRect/>
-                </a:stretch>
-              </a:blipFill>
-              <a:ln>
-                <a:noFill/>
-              </a:ln>
-            </p:spPr>
-            <p:txBody>
-              <a:bodyPr/>
-              <a:lstStyle/>
-              <a:p>
-                <a:r>
-                  <a:rPr lang="fr-FR">
-                    <a:noFill/>
-                  </a:rPr>
-                  <a:t> </a:t>
-                </a:r>
-              </a:p>
-            </p:txBody>
-          </p:sp>
-        </mc:Fallback>
-      </mc:AlternateContent>
-      <mc:AlternateContent xmlns:mc="http://schemas.openxmlformats.org/markup-compatibility/2006" xmlns:a14="http://schemas.microsoft.com/office/drawing/2010/main">
-        <mc:Choice Requires="a14">
+      <mc:AlternateContent xmlns:mc="http://schemas.openxmlformats.org/markup-compatibility/2006">
+        <mc:Choice xmlns:a14="http://schemas.microsoft.com/office/drawing/2010/main" Requires="a14">
           <p:sp>
             <p:nvSpPr>
               <p:cNvPr id="22" name="ZoneTexte 21">
@@ -10217,7 +10195,7 @@
             </p:nvSpPr>
             <p:spPr>
               <a:xfrm>
-                <a:off x="1617539" y="3394917"/>
+                <a:off x="1617539" y="3437445"/>
                 <a:ext cx="729366" cy="430887"/>
               </a:xfrm>
               <a:prstGeom prst="rect">
@@ -10288,7 +10266,7 @@
             </p:txBody>
           </p:sp>
         </mc:Choice>
-        <mc:Fallback xmlns="">
+        <mc:Fallback>
           <p:sp>
             <p:nvSpPr>
               <p:cNvPr id="22" name="ZoneTexte 21">
@@ -10305,14 +10283,14 @@
             </p:nvSpPr>
             <p:spPr>
               <a:xfrm>
-                <a:off x="1617539" y="3394917"/>
+                <a:off x="1617539" y="3437445"/>
                 <a:ext cx="729366" cy="430887"/>
               </a:xfrm>
               <a:prstGeom prst="rect">
                 <a:avLst/>
               </a:prstGeom>
               <a:blipFill>
-                <a:blip r:embed="rId4"/>
+                <a:blip r:embed="rId3"/>
                 <a:stretch>
                   <a:fillRect/>
                 </a:stretch>
@@ -10336,8 +10314,8 @@
           </p:sp>
         </mc:Fallback>
       </mc:AlternateContent>
-      <mc:AlternateContent xmlns:mc="http://schemas.openxmlformats.org/markup-compatibility/2006" xmlns:a14="http://schemas.microsoft.com/office/drawing/2010/main">
-        <mc:Choice Requires="a14">
+      <mc:AlternateContent xmlns:mc="http://schemas.openxmlformats.org/markup-compatibility/2006">
+        <mc:Choice xmlns:a14="http://schemas.microsoft.com/office/drawing/2010/main" Requires="a14">
           <p:sp>
             <p:nvSpPr>
               <p:cNvPr id="25" name="ZoneTexte 24">
@@ -10352,7 +10330,7 @@
             </p:nvSpPr>
             <p:spPr>
               <a:xfrm>
-                <a:off x="4783238" y="3518196"/>
+                <a:off x="4783238" y="3560724"/>
                 <a:ext cx="644600" cy="430887"/>
               </a:xfrm>
               <a:prstGeom prst="rect">
@@ -10441,7 +10419,7 @@
             </p:txBody>
           </p:sp>
         </mc:Choice>
-        <mc:Fallback xmlns="">
+        <mc:Fallback>
           <p:sp>
             <p:nvSpPr>
               <p:cNvPr id="25" name="ZoneTexte 24">
@@ -10458,14 +10436,14 @@
             </p:nvSpPr>
             <p:spPr>
               <a:xfrm>
-                <a:off x="4783238" y="3518196"/>
+                <a:off x="4783238" y="3560724"/>
                 <a:ext cx="644600" cy="430887"/>
               </a:xfrm>
               <a:prstGeom prst="rect">
                 <a:avLst/>
               </a:prstGeom>
               <a:blipFill>
-                <a:blip r:embed="rId5"/>
+                <a:blip r:embed="rId4"/>
                 <a:stretch>
                   <a:fillRect/>
                 </a:stretch>
@@ -10489,6 +10467,250 @@
           </p:sp>
         </mc:Fallback>
       </mc:AlternateContent>
+      <p:grpSp>
+        <p:nvGrpSpPr>
+          <p:cNvPr id="2" name="Groupe 1">
+            <a:extLst>
+              <a:ext uri="{FF2B5EF4-FFF2-40B4-BE49-F238E27FC236}">
+                <a16:creationId xmlns:a16="http://schemas.microsoft.com/office/drawing/2014/main" id="{9DD1075C-A2BD-4877-AEF9-951A90EF6213}"/>
+              </a:ext>
+            </a:extLst>
+          </p:cNvPr>
+          <p:cNvGrpSpPr/>
+          <p:nvPr/>
+        </p:nvGrpSpPr>
+        <p:grpSpPr>
+          <a:xfrm>
+            <a:off x="2803274" y="1928924"/>
+            <a:ext cx="435119" cy="552699"/>
+            <a:chOff x="2803274" y="1928924"/>
+            <a:chExt cx="435119" cy="552699"/>
+          </a:xfrm>
+        </p:grpSpPr>
+        <mc:AlternateContent xmlns:mc="http://schemas.openxmlformats.org/markup-compatibility/2006">
+          <mc:Choice xmlns:a14="http://schemas.microsoft.com/office/drawing/2010/main" Requires="a14">
+            <p:sp>
+              <p:nvSpPr>
+                <p:cNvPr id="24" name="ZoneTexte 23">
+                  <a:extLst>
+                    <a:ext uri="{FF2B5EF4-FFF2-40B4-BE49-F238E27FC236}">
+                      <a16:creationId xmlns:a16="http://schemas.microsoft.com/office/drawing/2014/main" id="{9187D171-7253-4B8F-8276-D0C87E125339}"/>
+                    </a:ext>
+                  </a:extLst>
+                </p:cNvPr>
+                <p:cNvSpPr txBox="1"/>
+                <p:nvPr/>
+              </p:nvSpPr>
+              <p:spPr>
+                <a:xfrm>
+                  <a:off x="2803274" y="2050736"/>
+                  <a:ext cx="435119" cy="430887"/>
+                </a:xfrm>
+                <a:prstGeom prst="rect">
+                  <a:avLst/>
+                </a:prstGeom>
+                <a:noFill/>
+                <a:ln>
+                  <a:noFill/>
+                </a:ln>
+              </p:spPr>
+              <p:txBody>
+                <a:bodyPr wrap="none" lIns="0" tIns="0" rIns="0" bIns="0" rtlCol="0">
+                  <a:spAutoFit/>
+                </a:bodyPr>
+                <a:lstStyle/>
+                <a:p>
+                  <a:pPr/>
+                  <a14:m>
+                    <m:oMathPara xmlns:m="http://schemas.openxmlformats.org/officeDocument/2006/math">
+                      <m:oMathParaPr>
+                        <m:jc m:val="centerGroup"/>
+                      </m:oMathParaPr>
+                      <m:oMath xmlns:m="http://schemas.openxmlformats.org/officeDocument/2006/math">
+                        <m:sSub>
+                          <m:sSubPr>
+                            <m:ctrlPr>
+                              <a:rPr lang="fr-FR" sz="2800" b="0" i="1" smtClean="0">
+                                <a:latin typeface="Cambria Math" panose="02040503050406030204" pitchFamily="18" charset="0"/>
+                              </a:rPr>
+                            </m:ctrlPr>
+                          </m:sSubPr>
+                          <m:e>
+                            <m:r>
+                              <a:rPr lang="fr-FR" sz="2800" b="0" i="1" smtClean="0">
+                                <a:latin typeface="Cambria Math" panose="02040503050406030204" pitchFamily="18" charset="0"/>
+                              </a:rPr>
+                              <m:t>𝑇</m:t>
+                            </m:r>
+                          </m:e>
+                          <m:sub>
+                            <m:r>
+                              <a:rPr lang="fr-FR" sz="2800" b="0" i="1" smtClean="0">
+                                <a:latin typeface="Cambria Math" panose="02040503050406030204" pitchFamily="18" charset="0"/>
+                              </a:rPr>
+                              <m:t>𝑛</m:t>
+                            </m:r>
+                          </m:sub>
+                        </m:sSub>
+                      </m:oMath>
+                    </m:oMathPara>
+                  </a14:m>
+                  <a:endParaRPr lang="fr-FR" sz="2800" dirty="0"/>
+                </a:p>
+              </p:txBody>
+            </p:sp>
+          </mc:Choice>
+          <mc:Fallback>
+            <p:sp>
+              <p:nvSpPr>
+                <p:cNvPr id="24" name="ZoneTexte 23">
+                  <a:extLst>
+                    <a:ext uri="{FF2B5EF4-FFF2-40B4-BE49-F238E27FC236}">
+                      <a16:creationId xmlns:a16="http://schemas.microsoft.com/office/drawing/2014/main" id="{9187D171-7253-4B8F-8276-D0C87E125339}"/>
+                    </a:ext>
+                  </a:extLst>
+                </p:cNvPr>
+                <p:cNvSpPr txBox="1">
+                  <a:spLocks noRot="1" noChangeAspect="1" noMove="1" noResize="1" noEditPoints="1" noAdjustHandles="1" noChangeArrowheads="1" noChangeShapeType="1" noTextEdit="1"/>
+                </p:cNvSpPr>
+                <p:nvPr/>
+              </p:nvSpPr>
+              <p:spPr>
+                <a:xfrm>
+                  <a:off x="2803274" y="2050736"/>
+                  <a:ext cx="435119" cy="430887"/>
+                </a:xfrm>
+                <a:prstGeom prst="rect">
+                  <a:avLst/>
+                </a:prstGeom>
+                <a:blipFill>
+                  <a:blip r:embed="rId5"/>
+                  <a:stretch>
+                    <a:fillRect/>
+                  </a:stretch>
+                </a:blipFill>
+                <a:ln>
+                  <a:noFill/>
+                </a:ln>
+              </p:spPr>
+              <p:txBody>
+                <a:bodyPr/>
+                <a:lstStyle/>
+                <a:p>
+                  <a:r>
+                    <a:rPr lang="fr-FR">
+                      <a:noFill/>
+                    </a:rPr>
+                    <a:t> </a:t>
+                  </a:r>
+                </a:p>
+              </p:txBody>
+            </p:sp>
+          </mc:Fallback>
+        </mc:AlternateContent>
+        <mc:AlternateContent xmlns:mc="http://schemas.openxmlformats.org/markup-compatibility/2006">
+          <mc:Choice xmlns:a14="http://schemas.microsoft.com/office/drawing/2010/main" Requires="a14">
+            <p:sp>
+              <p:nvSpPr>
+                <p:cNvPr id="26" name="ZoneTexte 25">
+                  <a:extLst>
+                    <a:ext uri="{FF2B5EF4-FFF2-40B4-BE49-F238E27FC236}">
+                      <a16:creationId xmlns:a16="http://schemas.microsoft.com/office/drawing/2014/main" id="{E2776D1F-D55C-4EA2-9D6D-1D05577450B5}"/>
+                    </a:ext>
+                  </a:extLst>
+                </p:cNvPr>
+                <p:cNvSpPr txBox="1"/>
+                <p:nvPr/>
+              </p:nvSpPr>
+              <p:spPr>
+                <a:xfrm>
+                  <a:off x="2892132" y="1928924"/>
+                  <a:ext cx="155492" cy="276999"/>
+                </a:xfrm>
+                <a:prstGeom prst="rect">
+                  <a:avLst/>
+                </a:prstGeom>
+                <a:noFill/>
+                <a:ln>
+                  <a:noFill/>
+                </a:ln>
+              </p:spPr>
+              <p:txBody>
+                <a:bodyPr wrap="none" lIns="0" tIns="0" rIns="0" bIns="0" rtlCol="0">
+                  <a:spAutoFit/>
+                </a:bodyPr>
+                <a:lstStyle/>
+                <a:p>
+                  <a:pPr/>
+                  <a14:m>
+                    <m:oMathPara xmlns:m="http://schemas.openxmlformats.org/officeDocument/2006/math">
+                      <m:oMathParaPr>
+                        <m:jc m:val="centerGroup"/>
+                      </m:oMathParaPr>
+                      <m:oMath xmlns:m="http://schemas.openxmlformats.org/officeDocument/2006/math">
+                        <m:r>
+                          <a:rPr lang="fr-FR" b="0" i="1" smtClean="0">
+                            <a:latin typeface="Cambria Math" panose="02040503050406030204" pitchFamily="18" charset="0"/>
+                          </a:rPr>
+                          <m:t>∘</m:t>
+                        </m:r>
+                      </m:oMath>
+                    </m:oMathPara>
+                  </a14:m>
+                  <a:endParaRPr lang="fr-FR" sz="2800" dirty="0"/>
+                </a:p>
+              </p:txBody>
+            </p:sp>
+          </mc:Choice>
+          <mc:Fallback>
+            <p:sp>
+              <p:nvSpPr>
+                <p:cNvPr id="26" name="ZoneTexte 25">
+                  <a:extLst>
+                    <a:ext uri="{FF2B5EF4-FFF2-40B4-BE49-F238E27FC236}">
+                      <a16:creationId xmlns:a16="http://schemas.microsoft.com/office/drawing/2014/main" id="{E2776D1F-D55C-4EA2-9D6D-1D05577450B5}"/>
+                    </a:ext>
+                  </a:extLst>
+                </p:cNvPr>
+                <p:cNvSpPr txBox="1">
+                  <a:spLocks noRot="1" noChangeAspect="1" noMove="1" noResize="1" noEditPoints="1" noAdjustHandles="1" noChangeArrowheads="1" noChangeShapeType="1" noTextEdit="1"/>
+                </p:cNvSpPr>
+                <p:nvPr/>
+              </p:nvSpPr>
+              <p:spPr>
+                <a:xfrm>
+                  <a:off x="2892132" y="1928924"/>
+                  <a:ext cx="155492" cy="276999"/>
+                </a:xfrm>
+                <a:prstGeom prst="rect">
+                  <a:avLst/>
+                </a:prstGeom>
+                <a:blipFill>
+                  <a:blip r:embed="rId6"/>
+                  <a:stretch>
+                    <a:fillRect l="-19231" r="-15385"/>
+                  </a:stretch>
+                </a:blipFill>
+                <a:ln>
+                  <a:noFill/>
+                </a:ln>
+              </p:spPr>
+              <p:txBody>
+                <a:bodyPr/>
+                <a:lstStyle/>
+                <a:p>
+                  <a:r>
+                    <a:rPr lang="fr-FR">
+                      <a:noFill/>
+                    </a:rPr>
+                    <a:t> </a:t>
+                  </a:r>
+                </a:p>
+              </p:txBody>
+            </p:sp>
+          </mc:Fallback>
+        </mc:AlternateContent>
+      </p:grpSp>
     </p:spTree>
     <p:extLst>
       <p:ext uri="{BB962C8B-B14F-4D97-AF65-F5344CB8AC3E}">

--- a/img/trees.pptx
+++ b/img/trees.pptx
@@ -5,7 +5,7 @@
     <p:sldMasterId id="2147483696" r:id="rId1"/>
   </p:sldMasterIdLst>
   <p:notesMasterIdLst>
-    <p:notesMasterId r:id="rId16"/>
+    <p:notesMasterId r:id="rId17"/>
   </p:notesMasterIdLst>
   <p:sldIdLst>
     <p:sldId id="256" r:id="rId2"/>
@@ -18,10 +18,11 @@
     <p:sldId id="266" r:id="rId9"/>
     <p:sldId id="268" r:id="rId10"/>
     <p:sldId id="269" r:id="rId11"/>
-    <p:sldId id="257" r:id="rId12"/>
-    <p:sldId id="258" r:id="rId13"/>
-    <p:sldId id="259" r:id="rId14"/>
-    <p:sldId id="261" r:id="rId15"/>
+    <p:sldId id="272" r:id="rId12"/>
+    <p:sldId id="257" r:id="rId13"/>
+    <p:sldId id="258" r:id="rId14"/>
+    <p:sldId id="259" r:id="rId15"/>
+    <p:sldId id="261" r:id="rId16"/>
   </p:sldIdLst>
   <p:sldSz cx="5759450" cy="5759450"/>
   <p:notesSz cx="6858000" cy="9144000"/>
@@ -210,7 +211,7 @@
           <a:p>
             <a:fld id="{7032D634-87B9-4515-9E90-7412EACBC911}" type="datetimeFigureOut">
               <a:rPr lang="fr-FR" smtClean="0"/>
-              <a:t>26/10/2020</a:t>
+              <a:t>27/10/2020</a:t>
             </a:fld>
             <a:endParaRPr lang="fr-FR"/>
           </a:p>
@@ -608,7 +609,7 @@
           <a:p>
             <a:fld id="{CC506755-3F84-4679-BA59-3527CD676A9A}" type="datetimeFigureOut">
               <a:rPr lang="fr-FR" smtClean="0"/>
-              <a:t>26/10/2020</a:t>
+              <a:t>27/10/2020</a:t>
             </a:fld>
             <a:endParaRPr lang="fr-FR"/>
           </a:p>
@@ -778,7 +779,7 @@
           <a:p>
             <a:fld id="{CC506755-3F84-4679-BA59-3527CD676A9A}" type="datetimeFigureOut">
               <a:rPr lang="fr-FR" smtClean="0"/>
-              <a:t>26/10/2020</a:t>
+              <a:t>27/10/2020</a:t>
             </a:fld>
             <a:endParaRPr lang="fr-FR"/>
           </a:p>
@@ -958,7 +959,7 @@
           <a:p>
             <a:fld id="{CC506755-3F84-4679-BA59-3527CD676A9A}" type="datetimeFigureOut">
               <a:rPr lang="fr-FR" smtClean="0"/>
-              <a:t>26/10/2020</a:t>
+              <a:t>27/10/2020</a:t>
             </a:fld>
             <a:endParaRPr lang="fr-FR"/>
           </a:p>
@@ -1128,7 +1129,7 @@
           <a:p>
             <a:fld id="{CC506755-3F84-4679-BA59-3527CD676A9A}" type="datetimeFigureOut">
               <a:rPr lang="fr-FR" smtClean="0"/>
-              <a:t>26/10/2020</a:t>
+              <a:t>27/10/2020</a:t>
             </a:fld>
             <a:endParaRPr lang="fr-FR"/>
           </a:p>
@@ -1372,7 +1373,7 @@
           <a:p>
             <a:fld id="{CC506755-3F84-4679-BA59-3527CD676A9A}" type="datetimeFigureOut">
               <a:rPr lang="fr-FR" smtClean="0"/>
-              <a:t>26/10/2020</a:t>
+              <a:t>27/10/2020</a:t>
             </a:fld>
             <a:endParaRPr lang="fr-FR"/>
           </a:p>
@@ -1604,7 +1605,7 @@
           <a:p>
             <a:fld id="{CC506755-3F84-4679-BA59-3527CD676A9A}" type="datetimeFigureOut">
               <a:rPr lang="fr-FR" smtClean="0"/>
-              <a:t>26/10/2020</a:t>
+              <a:t>27/10/2020</a:t>
             </a:fld>
             <a:endParaRPr lang="fr-FR"/>
           </a:p>
@@ -1971,7 +1972,7 @@
           <a:p>
             <a:fld id="{CC506755-3F84-4679-BA59-3527CD676A9A}" type="datetimeFigureOut">
               <a:rPr lang="fr-FR" smtClean="0"/>
-              <a:t>26/10/2020</a:t>
+              <a:t>27/10/2020</a:t>
             </a:fld>
             <a:endParaRPr lang="fr-FR"/>
           </a:p>
@@ -2089,7 +2090,7 @@
           <a:p>
             <a:fld id="{CC506755-3F84-4679-BA59-3527CD676A9A}" type="datetimeFigureOut">
               <a:rPr lang="fr-FR" smtClean="0"/>
-              <a:t>26/10/2020</a:t>
+              <a:t>27/10/2020</a:t>
             </a:fld>
             <a:endParaRPr lang="fr-FR"/>
           </a:p>
@@ -2184,7 +2185,7 @@
           <a:p>
             <a:fld id="{CC506755-3F84-4679-BA59-3527CD676A9A}" type="datetimeFigureOut">
               <a:rPr lang="fr-FR" smtClean="0"/>
-              <a:t>26/10/2020</a:t>
+              <a:t>27/10/2020</a:t>
             </a:fld>
             <a:endParaRPr lang="fr-FR"/>
           </a:p>
@@ -2461,7 +2462,7 @@
           <a:p>
             <a:fld id="{CC506755-3F84-4679-BA59-3527CD676A9A}" type="datetimeFigureOut">
               <a:rPr lang="fr-FR" smtClean="0"/>
-              <a:t>26/10/2020</a:t>
+              <a:t>27/10/2020</a:t>
             </a:fld>
             <a:endParaRPr lang="fr-FR"/>
           </a:p>
@@ -2718,7 +2719,7 @@
           <a:p>
             <a:fld id="{CC506755-3F84-4679-BA59-3527CD676A9A}" type="datetimeFigureOut">
               <a:rPr lang="fr-FR" smtClean="0"/>
-              <a:t>26/10/2020</a:t>
+              <a:t>27/10/2020</a:t>
             </a:fld>
             <a:endParaRPr lang="fr-FR"/>
           </a:p>
@@ -2931,7 +2932,7 @@
           <a:p>
             <a:fld id="{CC506755-3F84-4679-BA59-3527CD676A9A}" type="datetimeFigureOut">
               <a:rPr lang="fr-FR" smtClean="0"/>
-              <a:t>26/10/2020</a:t>
+              <a:t>27/10/2020</a:t>
             </a:fld>
             <a:endParaRPr lang="fr-FR"/>
           </a:p>
@@ -6417,6 +6418,3976 @@
           <a:chExt cx="0" cy="0"/>
         </a:xfrm>
       </p:grpSpPr>
+      <p:sp>
+        <p:nvSpPr>
+          <p:cNvPr id="4" name="Rectangle 3">
+            <a:extLst>
+              <a:ext uri="{FF2B5EF4-FFF2-40B4-BE49-F238E27FC236}">
+                <a16:creationId xmlns:a16="http://schemas.microsoft.com/office/drawing/2014/main" id="{877F6070-AC21-41B7-A7FE-B5AC26E4FD75}"/>
+              </a:ext>
+            </a:extLst>
+          </p:cNvPr>
+          <p:cNvSpPr/>
+          <p:nvPr/>
+        </p:nvSpPr>
+        <p:spPr>
+          <a:xfrm>
+            <a:off x="1688877" y="1837733"/>
+            <a:ext cx="297712" cy="297712"/>
+          </a:xfrm>
+          <a:prstGeom prst="rect">
+            <a:avLst/>
+          </a:prstGeom>
+          <a:noFill/>
+          <a:ln w="9525" cap="flat" cmpd="sng" algn="ctr">
+            <a:solidFill>
+              <a:schemeClr val="dk1"/>
+            </a:solidFill>
+            <a:prstDash val="solid"/>
+            <a:round/>
+            <a:headEnd type="none" w="med" len="med"/>
+            <a:tailEnd type="none" w="med" len="med"/>
+          </a:ln>
+        </p:spPr>
+        <p:style>
+          <a:lnRef idx="0">
+            <a:scrgbClr r="0" g="0" b="0"/>
+          </a:lnRef>
+          <a:fillRef idx="0">
+            <a:scrgbClr r="0" g="0" b="0"/>
+          </a:fillRef>
+          <a:effectRef idx="0">
+            <a:scrgbClr r="0" g="0" b="0"/>
+          </a:effectRef>
+          <a:fontRef idx="minor">
+            <a:schemeClr val="dk1"/>
+          </a:fontRef>
+        </p:style>
+        <p:txBody>
+          <a:bodyPr rtlCol="0" anchor="ctr"/>
+          <a:lstStyle/>
+          <a:p>
+            <a:pPr algn="ctr"/>
+            <a:endParaRPr lang="en-GB"/>
+          </a:p>
+        </p:txBody>
+      </p:sp>
+      <p:sp>
+        <p:nvSpPr>
+          <p:cNvPr id="8" name="Rectangle 7">
+            <a:extLst>
+              <a:ext uri="{FF2B5EF4-FFF2-40B4-BE49-F238E27FC236}">
+                <a16:creationId xmlns:a16="http://schemas.microsoft.com/office/drawing/2014/main" id="{BBAACC65-F28B-4757-B39B-36FCD6342D0A}"/>
+              </a:ext>
+            </a:extLst>
+          </p:cNvPr>
+          <p:cNvSpPr/>
+          <p:nvPr/>
+        </p:nvSpPr>
+        <p:spPr>
+          <a:xfrm>
+            <a:off x="2284301" y="1837733"/>
+            <a:ext cx="297712" cy="297712"/>
+          </a:xfrm>
+          <a:prstGeom prst="rect">
+            <a:avLst/>
+          </a:prstGeom>
+          <a:noFill/>
+          <a:ln w="9525" cap="flat" cmpd="sng" algn="ctr">
+            <a:solidFill>
+              <a:schemeClr val="dk1"/>
+            </a:solidFill>
+            <a:prstDash val="solid"/>
+            <a:round/>
+            <a:headEnd type="none" w="med" len="med"/>
+            <a:tailEnd type="none" w="med" len="med"/>
+          </a:ln>
+        </p:spPr>
+        <p:style>
+          <a:lnRef idx="0">
+            <a:scrgbClr r="0" g="0" b="0"/>
+          </a:lnRef>
+          <a:fillRef idx="0">
+            <a:scrgbClr r="0" g="0" b="0"/>
+          </a:fillRef>
+          <a:effectRef idx="0">
+            <a:scrgbClr r="0" g="0" b="0"/>
+          </a:effectRef>
+          <a:fontRef idx="minor">
+            <a:schemeClr val="dk1"/>
+          </a:fontRef>
+        </p:style>
+        <p:txBody>
+          <a:bodyPr rtlCol="0" anchor="ctr"/>
+          <a:lstStyle/>
+          <a:p>
+            <a:pPr algn="ctr"/>
+            <a:endParaRPr lang="en-GB"/>
+          </a:p>
+        </p:txBody>
+      </p:sp>
+      <p:sp>
+        <p:nvSpPr>
+          <p:cNvPr id="10" name="Rectangle 9">
+            <a:extLst>
+              <a:ext uri="{FF2B5EF4-FFF2-40B4-BE49-F238E27FC236}">
+                <a16:creationId xmlns:a16="http://schemas.microsoft.com/office/drawing/2014/main" id="{705926DF-3C52-48FD-9307-D6CAEA9AE752}"/>
+              </a:ext>
+            </a:extLst>
+          </p:cNvPr>
+          <p:cNvSpPr/>
+          <p:nvPr/>
+        </p:nvSpPr>
+        <p:spPr>
+          <a:xfrm>
+            <a:off x="1986589" y="1837733"/>
+            <a:ext cx="297712" cy="297712"/>
+          </a:xfrm>
+          <a:prstGeom prst="rect">
+            <a:avLst/>
+          </a:prstGeom>
+          <a:noFill/>
+          <a:ln w="9525" cap="flat" cmpd="sng" algn="ctr">
+            <a:solidFill>
+              <a:schemeClr val="dk1"/>
+            </a:solidFill>
+            <a:prstDash val="solid"/>
+            <a:round/>
+            <a:headEnd type="none" w="med" len="med"/>
+            <a:tailEnd type="none" w="med" len="med"/>
+          </a:ln>
+        </p:spPr>
+        <p:style>
+          <a:lnRef idx="0">
+            <a:scrgbClr r="0" g="0" b="0"/>
+          </a:lnRef>
+          <a:fillRef idx="0">
+            <a:scrgbClr r="0" g="0" b="0"/>
+          </a:fillRef>
+          <a:effectRef idx="0">
+            <a:scrgbClr r="0" g="0" b="0"/>
+          </a:effectRef>
+          <a:fontRef idx="minor">
+            <a:schemeClr val="dk1"/>
+          </a:fontRef>
+        </p:style>
+        <p:txBody>
+          <a:bodyPr rtlCol="0" anchor="ctr"/>
+          <a:lstStyle/>
+          <a:p>
+            <a:pPr algn="ctr"/>
+            <a:endParaRPr lang="en-GB"/>
+          </a:p>
+        </p:txBody>
+      </p:sp>
+      <p:sp>
+        <p:nvSpPr>
+          <p:cNvPr id="14" name="Rectangle 13">
+            <a:extLst>
+              <a:ext uri="{FF2B5EF4-FFF2-40B4-BE49-F238E27FC236}">
+                <a16:creationId xmlns:a16="http://schemas.microsoft.com/office/drawing/2014/main" id="{3C33456F-D8AF-4AB7-9EA3-39E244941FB0}"/>
+              </a:ext>
+            </a:extLst>
+          </p:cNvPr>
+          <p:cNvSpPr/>
+          <p:nvPr/>
+        </p:nvSpPr>
+        <p:spPr>
+          <a:xfrm>
+            <a:off x="2582013" y="1837733"/>
+            <a:ext cx="297712" cy="297712"/>
+          </a:xfrm>
+          <a:prstGeom prst="rect">
+            <a:avLst/>
+          </a:prstGeom>
+          <a:noFill/>
+          <a:ln w="9525" cap="flat" cmpd="sng" algn="ctr">
+            <a:solidFill>
+              <a:schemeClr val="dk1"/>
+            </a:solidFill>
+            <a:prstDash val="solid"/>
+            <a:round/>
+            <a:headEnd type="none" w="med" len="med"/>
+            <a:tailEnd type="none" w="med" len="med"/>
+          </a:ln>
+        </p:spPr>
+        <p:style>
+          <a:lnRef idx="0">
+            <a:scrgbClr r="0" g="0" b="0"/>
+          </a:lnRef>
+          <a:fillRef idx="0">
+            <a:scrgbClr r="0" g="0" b="0"/>
+          </a:fillRef>
+          <a:effectRef idx="0">
+            <a:scrgbClr r="0" g="0" b="0"/>
+          </a:effectRef>
+          <a:fontRef idx="minor">
+            <a:schemeClr val="dk1"/>
+          </a:fontRef>
+        </p:style>
+        <p:txBody>
+          <a:bodyPr rtlCol="0" anchor="ctr"/>
+          <a:lstStyle/>
+          <a:p>
+            <a:pPr algn="ctr"/>
+            <a:endParaRPr lang="en-GB"/>
+          </a:p>
+        </p:txBody>
+      </p:sp>
+      <p:sp>
+        <p:nvSpPr>
+          <p:cNvPr id="16" name="Rectangle 15">
+            <a:extLst>
+              <a:ext uri="{FF2B5EF4-FFF2-40B4-BE49-F238E27FC236}">
+                <a16:creationId xmlns:a16="http://schemas.microsoft.com/office/drawing/2014/main" id="{DBD61920-F978-4C4A-985F-141B0C694405}"/>
+              </a:ext>
+            </a:extLst>
+          </p:cNvPr>
+          <p:cNvSpPr/>
+          <p:nvPr/>
+        </p:nvSpPr>
+        <p:spPr>
+          <a:xfrm>
+            <a:off x="1688877" y="2135445"/>
+            <a:ext cx="297712" cy="297712"/>
+          </a:xfrm>
+          <a:prstGeom prst="rect">
+            <a:avLst/>
+          </a:prstGeom>
+          <a:noFill/>
+          <a:ln w="9525" cap="flat" cmpd="sng" algn="ctr">
+            <a:solidFill>
+              <a:schemeClr val="dk1"/>
+            </a:solidFill>
+            <a:prstDash val="solid"/>
+            <a:round/>
+            <a:headEnd type="none" w="med" len="med"/>
+            <a:tailEnd type="none" w="med" len="med"/>
+          </a:ln>
+        </p:spPr>
+        <p:style>
+          <a:lnRef idx="0">
+            <a:scrgbClr r="0" g="0" b="0"/>
+          </a:lnRef>
+          <a:fillRef idx="0">
+            <a:scrgbClr r="0" g="0" b="0"/>
+          </a:fillRef>
+          <a:effectRef idx="0">
+            <a:scrgbClr r="0" g="0" b="0"/>
+          </a:effectRef>
+          <a:fontRef idx="minor">
+            <a:schemeClr val="dk1"/>
+          </a:fontRef>
+        </p:style>
+        <p:txBody>
+          <a:bodyPr rtlCol="0" anchor="ctr"/>
+          <a:lstStyle/>
+          <a:p>
+            <a:pPr algn="ctr"/>
+            <a:endParaRPr lang="en-GB"/>
+          </a:p>
+        </p:txBody>
+      </p:sp>
+      <p:sp>
+        <p:nvSpPr>
+          <p:cNvPr id="20" name="Rectangle 19">
+            <a:extLst>
+              <a:ext uri="{FF2B5EF4-FFF2-40B4-BE49-F238E27FC236}">
+                <a16:creationId xmlns:a16="http://schemas.microsoft.com/office/drawing/2014/main" id="{306A7D6C-D411-42B8-AFE4-739BE0B19AA3}"/>
+              </a:ext>
+            </a:extLst>
+          </p:cNvPr>
+          <p:cNvSpPr/>
+          <p:nvPr/>
+        </p:nvSpPr>
+        <p:spPr>
+          <a:xfrm>
+            <a:off x="2284301" y="2135445"/>
+            <a:ext cx="297712" cy="297712"/>
+          </a:xfrm>
+          <a:prstGeom prst="rect">
+            <a:avLst/>
+          </a:prstGeom>
+          <a:noFill/>
+          <a:ln w="9525" cap="flat" cmpd="sng" algn="ctr">
+            <a:solidFill>
+              <a:schemeClr val="dk1"/>
+            </a:solidFill>
+            <a:prstDash val="solid"/>
+            <a:round/>
+            <a:headEnd type="none" w="med" len="med"/>
+            <a:tailEnd type="none" w="med" len="med"/>
+          </a:ln>
+        </p:spPr>
+        <p:style>
+          <a:lnRef idx="0">
+            <a:scrgbClr r="0" g="0" b="0"/>
+          </a:lnRef>
+          <a:fillRef idx="0">
+            <a:scrgbClr r="0" g="0" b="0"/>
+          </a:fillRef>
+          <a:effectRef idx="0">
+            <a:scrgbClr r="0" g="0" b="0"/>
+          </a:effectRef>
+          <a:fontRef idx="minor">
+            <a:schemeClr val="dk1"/>
+          </a:fontRef>
+        </p:style>
+        <p:txBody>
+          <a:bodyPr rtlCol="0" anchor="ctr"/>
+          <a:lstStyle/>
+          <a:p>
+            <a:pPr algn="ctr"/>
+            <a:endParaRPr lang="en-GB"/>
+          </a:p>
+        </p:txBody>
+      </p:sp>
+      <p:sp>
+        <p:nvSpPr>
+          <p:cNvPr id="26" name="Rectangle 25">
+            <a:extLst>
+              <a:ext uri="{FF2B5EF4-FFF2-40B4-BE49-F238E27FC236}">
+                <a16:creationId xmlns:a16="http://schemas.microsoft.com/office/drawing/2014/main" id="{41FD35F9-B8FF-4719-9333-FEA0CF3832E4}"/>
+              </a:ext>
+            </a:extLst>
+          </p:cNvPr>
+          <p:cNvSpPr/>
+          <p:nvPr/>
+        </p:nvSpPr>
+        <p:spPr>
+          <a:xfrm>
+            <a:off x="2582013" y="2135445"/>
+            <a:ext cx="297712" cy="297712"/>
+          </a:xfrm>
+          <a:prstGeom prst="rect">
+            <a:avLst/>
+          </a:prstGeom>
+          <a:noFill/>
+          <a:ln w="9525" cap="flat" cmpd="sng" algn="ctr">
+            <a:solidFill>
+              <a:schemeClr val="dk1"/>
+            </a:solidFill>
+            <a:prstDash val="solid"/>
+            <a:round/>
+            <a:headEnd type="none" w="med" len="med"/>
+            <a:tailEnd type="none" w="med" len="med"/>
+          </a:ln>
+        </p:spPr>
+        <p:style>
+          <a:lnRef idx="0">
+            <a:scrgbClr r="0" g="0" b="0"/>
+          </a:lnRef>
+          <a:fillRef idx="0">
+            <a:scrgbClr r="0" g="0" b="0"/>
+          </a:fillRef>
+          <a:effectRef idx="0">
+            <a:scrgbClr r="0" g="0" b="0"/>
+          </a:effectRef>
+          <a:fontRef idx="minor">
+            <a:schemeClr val="dk1"/>
+          </a:fontRef>
+        </p:style>
+        <p:txBody>
+          <a:bodyPr rtlCol="0" anchor="ctr"/>
+          <a:lstStyle/>
+          <a:p>
+            <a:pPr algn="ctr"/>
+            <a:endParaRPr lang="en-GB"/>
+          </a:p>
+        </p:txBody>
+      </p:sp>
+      <p:sp>
+        <p:nvSpPr>
+          <p:cNvPr id="28" name="Rectangle 27">
+            <a:extLst>
+              <a:ext uri="{FF2B5EF4-FFF2-40B4-BE49-F238E27FC236}">
+                <a16:creationId xmlns:a16="http://schemas.microsoft.com/office/drawing/2014/main" id="{CD02B513-15A8-4B42-9147-B317743B416E}"/>
+              </a:ext>
+            </a:extLst>
+          </p:cNvPr>
+          <p:cNvSpPr/>
+          <p:nvPr/>
+        </p:nvSpPr>
+        <p:spPr>
+          <a:xfrm>
+            <a:off x="1688877" y="2433157"/>
+            <a:ext cx="297712" cy="297712"/>
+          </a:xfrm>
+          <a:prstGeom prst="rect">
+            <a:avLst/>
+          </a:prstGeom>
+          <a:noFill/>
+          <a:ln w="9525" cap="flat" cmpd="sng" algn="ctr">
+            <a:solidFill>
+              <a:schemeClr val="dk1"/>
+            </a:solidFill>
+            <a:prstDash val="solid"/>
+            <a:round/>
+            <a:headEnd type="none" w="med" len="med"/>
+            <a:tailEnd type="none" w="med" len="med"/>
+          </a:ln>
+        </p:spPr>
+        <p:style>
+          <a:lnRef idx="0">
+            <a:scrgbClr r="0" g="0" b="0"/>
+          </a:lnRef>
+          <a:fillRef idx="0">
+            <a:scrgbClr r="0" g="0" b="0"/>
+          </a:fillRef>
+          <a:effectRef idx="0">
+            <a:scrgbClr r="0" g="0" b="0"/>
+          </a:effectRef>
+          <a:fontRef idx="minor">
+            <a:schemeClr val="dk1"/>
+          </a:fontRef>
+        </p:style>
+        <p:txBody>
+          <a:bodyPr rtlCol="0" anchor="ctr"/>
+          <a:lstStyle/>
+          <a:p>
+            <a:pPr algn="ctr"/>
+            <a:endParaRPr lang="en-GB"/>
+          </a:p>
+        </p:txBody>
+      </p:sp>
+      <p:sp>
+        <p:nvSpPr>
+          <p:cNvPr id="34" name="Rectangle 33">
+            <a:extLst>
+              <a:ext uri="{FF2B5EF4-FFF2-40B4-BE49-F238E27FC236}">
+                <a16:creationId xmlns:a16="http://schemas.microsoft.com/office/drawing/2014/main" id="{84C1AE47-3E72-4C05-A279-048B361A8450}"/>
+              </a:ext>
+            </a:extLst>
+          </p:cNvPr>
+          <p:cNvSpPr/>
+          <p:nvPr/>
+        </p:nvSpPr>
+        <p:spPr>
+          <a:xfrm>
+            <a:off x="1986589" y="2433157"/>
+            <a:ext cx="297712" cy="297712"/>
+          </a:xfrm>
+          <a:prstGeom prst="rect">
+            <a:avLst/>
+          </a:prstGeom>
+          <a:noFill/>
+          <a:ln w="9525" cap="flat" cmpd="sng" algn="ctr">
+            <a:solidFill>
+              <a:schemeClr val="dk1"/>
+            </a:solidFill>
+            <a:prstDash val="solid"/>
+            <a:round/>
+            <a:headEnd type="none" w="med" len="med"/>
+            <a:tailEnd type="none" w="med" len="med"/>
+          </a:ln>
+        </p:spPr>
+        <p:style>
+          <a:lnRef idx="0">
+            <a:scrgbClr r="0" g="0" b="0"/>
+          </a:lnRef>
+          <a:fillRef idx="0">
+            <a:scrgbClr r="0" g="0" b="0"/>
+          </a:fillRef>
+          <a:effectRef idx="0">
+            <a:scrgbClr r="0" g="0" b="0"/>
+          </a:effectRef>
+          <a:fontRef idx="minor">
+            <a:schemeClr val="dk1"/>
+          </a:fontRef>
+        </p:style>
+        <p:txBody>
+          <a:bodyPr rtlCol="0" anchor="ctr"/>
+          <a:lstStyle/>
+          <a:p>
+            <a:pPr algn="ctr"/>
+            <a:endParaRPr lang="en-GB"/>
+          </a:p>
+        </p:txBody>
+      </p:sp>
+      <p:sp>
+        <p:nvSpPr>
+          <p:cNvPr id="38" name="Rectangle 37">
+            <a:extLst>
+              <a:ext uri="{FF2B5EF4-FFF2-40B4-BE49-F238E27FC236}">
+                <a16:creationId xmlns:a16="http://schemas.microsoft.com/office/drawing/2014/main" id="{E7BB6980-0CBF-4886-B417-A36EA160560C}"/>
+              </a:ext>
+            </a:extLst>
+          </p:cNvPr>
+          <p:cNvSpPr/>
+          <p:nvPr/>
+        </p:nvSpPr>
+        <p:spPr>
+          <a:xfrm>
+            <a:off x="2582013" y="2433157"/>
+            <a:ext cx="297712" cy="297712"/>
+          </a:xfrm>
+          <a:prstGeom prst="rect">
+            <a:avLst/>
+          </a:prstGeom>
+          <a:noFill/>
+          <a:ln w="9525" cap="flat" cmpd="sng" algn="ctr">
+            <a:solidFill>
+              <a:schemeClr val="dk1"/>
+            </a:solidFill>
+            <a:prstDash val="solid"/>
+            <a:round/>
+            <a:headEnd type="none" w="med" len="med"/>
+            <a:tailEnd type="none" w="med" len="med"/>
+          </a:ln>
+        </p:spPr>
+        <p:style>
+          <a:lnRef idx="0">
+            <a:scrgbClr r="0" g="0" b="0"/>
+          </a:lnRef>
+          <a:fillRef idx="0">
+            <a:scrgbClr r="0" g="0" b="0"/>
+          </a:fillRef>
+          <a:effectRef idx="0">
+            <a:scrgbClr r="0" g="0" b="0"/>
+          </a:effectRef>
+          <a:fontRef idx="minor">
+            <a:schemeClr val="dk1"/>
+          </a:fontRef>
+        </p:style>
+        <p:txBody>
+          <a:bodyPr rtlCol="0" anchor="ctr"/>
+          <a:lstStyle/>
+          <a:p>
+            <a:pPr algn="ctr"/>
+            <a:endParaRPr lang="en-GB"/>
+          </a:p>
+        </p:txBody>
+      </p:sp>
+      <p:sp>
+        <p:nvSpPr>
+          <p:cNvPr id="40" name="Rectangle 39">
+            <a:extLst>
+              <a:ext uri="{FF2B5EF4-FFF2-40B4-BE49-F238E27FC236}">
+                <a16:creationId xmlns:a16="http://schemas.microsoft.com/office/drawing/2014/main" id="{14C3634F-FA20-4E49-9B08-2C9B08D5D485}"/>
+              </a:ext>
+            </a:extLst>
+          </p:cNvPr>
+          <p:cNvSpPr/>
+          <p:nvPr/>
+        </p:nvSpPr>
+        <p:spPr>
+          <a:xfrm>
+            <a:off x="1688877" y="2730869"/>
+            <a:ext cx="297712" cy="297712"/>
+          </a:xfrm>
+          <a:prstGeom prst="rect">
+            <a:avLst/>
+          </a:prstGeom>
+          <a:noFill/>
+          <a:ln w="9525" cap="flat" cmpd="sng" algn="ctr">
+            <a:solidFill>
+              <a:schemeClr val="dk1"/>
+            </a:solidFill>
+            <a:prstDash val="solid"/>
+            <a:round/>
+            <a:headEnd type="none" w="med" len="med"/>
+            <a:tailEnd type="none" w="med" len="med"/>
+          </a:ln>
+        </p:spPr>
+        <p:style>
+          <a:lnRef idx="0">
+            <a:scrgbClr r="0" g="0" b="0"/>
+          </a:lnRef>
+          <a:fillRef idx="0">
+            <a:scrgbClr r="0" g="0" b="0"/>
+          </a:fillRef>
+          <a:effectRef idx="0">
+            <a:scrgbClr r="0" g="0" b="0"/>
+          </a:effectRef>
+          <a:fontRef idx="minor">
+            <a:schemeClr val="dk1"/>
+          </a:fontRef>
+        </p:style>
+        <p:txBody>
+          <a:bodyPr rtlCol="0" anchor="ctr"/>
+          <a:lstStyle/>
+          <a:p>
+            <a:pPr algn="ctr"/>
+            <a:endParaRPr lang="en-GB"/>
+          </a:p>
+        </p:txBody>
+      </p:sp>
+      <p:sp>
+        <p:nvSpPr>
+          <p:cNvPr id="44" name="Rectangle 43">
+            <a:extLst>
+              <a:ext uri="{FF2B5EF4-FFF2-40B4-BE49-F238E27FC236}">
+                <a16:creationId xmlns:a16="http://schemas.microsoft.com/office/drawing/2014/main" id="{2E93C439-0E0B-410A-AB94-18919EC21A41}"/>
+              </a:ext>
+            </a:extLst>
+          </p:cNvPr>
+          <p:cNvSpPr/>
+          <p:nvPr/>
+        </p:nvSpPr>
+        <p:spPr>
+          <a:xfrm>
+            <a:off x="2284301" y="2730869"/>
+            <a:ext cx="297712" cy="297712"/>
+          </a:xfrm>
+          <a:prstGeom prst="rect">
+            <a:avLst/>
+          </a:prstGeom>
+          <a:noFill/>
+          <a:ln w="9525" cap="flat" cmpd="sng" algn="ctr">
+            <a:solidFill>
+              <a:schemeClr val="dk1"/>
+            </a:solidFill>
+            <a:prstDash val="solid"/>
+            <a:round/>
+            <a:headEnd type="none" w="med" len="med"/>
+            <a:tailEnd type="none" w="med" len="med"/>
+          </a:ln>
+        </p:spPr>
+        <p:style>
+          <a:lnRef idx="0">
+            <a:scrgbClr r="0" g="0" b="0"/>
+          </a:lnRef>
+          <a:fillRef idx="0">
+            <a:scrgbClr r="0" g="0" b="0"/>
+          </a:fillRef>
+          <a:effectRef idx="0">
+            <a:scrgbClr r="0" g="0" b="0"/>
+          </a:effectRef>
+          <a:fontRef idx="minor">
+            <a:schemeClr val="dk1"/>
+          </a:fontRef>
+        </p:style>
+        <p:txBody>
+          <a:bodyPr rtlCol="0" anchor="ctr"/>
+          <a:lstStyle/>
+          <a:p>
+            <a:pPr algn="ctr"/>
+            <a:endParaRPr lang="en-GB"/>
+          </a:p>
+        </p:txBody>
+      </p:sp>
+      <p:sp>
+        <p:nvSpPr>
+          <p:cNvPr id="46" name="Rectangle 45">
+            <a:extLst>
+              <a:ext uri="{FF2B5EF4-FFF2-40B4-BE49-F238E27FC236}">
+                <a16:creationId xmlns:a16="http://schemas.microsoft.com/office/drawing/2014/main" id="{A679CF97-508D-4250-A048-763AE7C57F8E}"/>
+              </a:ext>
+            </a:extLst>
+          </p:cNvPr>
+          <p:cNvSpPr/>
+          <p:nvPr/>
+        </p:nvSpPr>
+        <p:spPr>
+          <a:xfrm>
+            <a:off x="1986589" y="2730869"/>
+            <a:ext cx="297712" cy="297712"/>
+          </a:xfrm>
+          <a:prstGeom prst="rect">
+            <a:avLst/>
+          </a:prstGeom>
+          <a:noFill/>
+          <a:ln w="9525" cap="flat" cmpd="sng" algn="ctr">
+            <a:solidFill>
+              <a:schemeClr val="dk1"/>
+            </a:solidFill>
+            <a:prstDash val="solid"/>
+            <a:round/>
+            <a:headEnd type="none" w="med" len="med"/>
+            <a:tailEnd type="none" w="med" len="med"/>
+          </a:ln>
+        </p:spPr>
+        <p:style>
+          <a:lnRef idx="0">
+            <a:scrgbClr r="0" g="0" b="0"/>
+          </a:lnRef>
+          <a:fillRef idx="0">
+            <a:scrgbClr r="0" g="0" b="0"/>
+          </a:fillRef>
+          <a:effectRef idx="0">
+            <a:scrgbClr r="0" g="0" b="0"/>
+          </a:effectRef>
+          <a:fontRef idx="minor">
+            <a:schemeClr val="dk1"/>
+          </a:fontRef>
+        </p:style>
+        <p:txBody>
+          <a:bodyPr rtlCol="0" anchor="ctr"/>
+          <a:lstStyle/>
+          <a:p>
+            <a:pPr algn="ctr"/>
+            <a:endParaRPr lang="en-GB"/>
+          </a:p>
+        </p:txBody>
+      </p:sp>
+      <p:sp>
+        <p:nvSpPr>
+          <p:cNvPr id="50" name="Rectangle 49">
+            <a:extLst>
+              <a:ext uri="{FF2B5EF4-FFF2-40B4-BE49-F238E27FC236}">
+                <a16:creationId xmlns:a16="http://schemas.microsoft.com/office/drawing/2014/main" id="{A2CC6030-5320-44DE-BA39-E05FE47013EB}"/>
+              </a:ext>
+            </a:extLst>
+          </p:cNvPr>
+          <p:cNvSpPr/>
+          <p:nvPr/>
+        </p:nvSpPr>
+        <p:spPr>
+          <a:xfrm>
+            <a:off x="2582013" y="2730869"/>
+            <a:ext cx="297712" cy="297712"/>
+          </a:xfrm>
+          <a:prstGeom prst="rect">
+            <a:avLst/>
+          </a:prstGeom>
+          <a:noFill/>
+          <a:ln w="9525" cap="flat" cmpd="sng" algn="ctr">
+            <a:solidFill>
+              <a:schemeClr val="dk1"/>
+            </a:solidFill>
+            <a:prstDash val="solid"/>
+            <a:round/>
+            <a:headEnd type="none" w="med" len="med"/>
+            <a:tailEnd type="none" w="med" len="med"/>
+          </a:ln>
+        </p:spPr>
+        <p:style>
+          <a:lnRef idx="0">
+            <a:scrgbClr r="0" g="0" b="0"/>
+          </a:lnRef>
+          <a:fillRef idx="0">
+            <a:scrgbClr r="0" g="0" b="0"/>
+          </a:fillRef>
+          <a:effectRef idx="0">
+            <a:scrgbClr r="0" g="0" b="0"/>
+          </a:effectRef>
+          <a:fontRef idx="minor">
+            <a:schemeClr val="dk1"/>
+          </a:fontRef>
+        </p:style>
+        <p:txBody>
+          <a:bodyPr rtlCol="0" anchor="ctr"/>
+          <a:lstStyle/>
+          <a:p>
+            <a:pPr algn="ctr"/>
+            <a:endParaRPr lang="en-GB"/>
+          </a:p>
+        </p:txBody>
+      </p:sp>
+      <p:sp>
+        <p:nvSpPr>
+          <p:cNvPr id="36" name="Rectangle 35">
+            <a:extLst>
+              <a:ext uri="{FF2B5EF4-FFF2-40B4-BE49-F238E27FC236}">
+                <a16:creationId xmlns:a16="http://schemas.microsoft.com/office/drawing/2014/main" id="{9AA81CEF-E145-40FF-9D4E-92671398B5F3}"/>
+              </a:ext>
+            </a:extLst>
+          </p:cNvPr>
+          <p:cNvSpPr/>
+          <p:nvPr/>
+        </p:nvSpPr>
+        <p:spPr>
+          <a:xfrm>
+            <a:off x="2879725" y="1837733"/>
+            <a:ext cx="297712" cy="297712"/>
+          </a:xfrm>
+          <a:prstGeom prst="rect">
+            <a:avLst/>
+          </a:prstGeom>
+          <a:noFill/>
+          <a:ln w="9525" cap="flat" cmpd="sng" algn="ctr">
+            <a:solidFill>
+              <a:schemeClr val="dk1"/>
+            </a:solidFill>
+            <a:prstDash val="solid"/>
+            <a:round/>
+            <a:headEnd type="none" w="med" len="med"/>
+            <a:tailEnd type="none" w="med" len="med"/>
+          </a:ln>
+        </p:spPr>
+        <p:style>
+          <a:lnRef idx="0">
+            <a:scrgbClr r="0" g="0" b="0"/>
+          </a:lnRef>
+          <a:fillRef idx="0">
+            <a:scrgbClr r="0" g="0" b="0"/>
+          </a:fillRef>
+          <a:effectRef idx="0">
+            <a:scrgbClr r="0" g="0" b="0"/>
+          </a:effectRef>
+          <a:fontRef idx="minor">
+            <a:schemeClr val="dk1"/>
+          </a:fontRef>
+        </p:style>
+        <p:txBody>
+          <a:bodyPr rtlCol="0" anchor="ctr"/>
+          <a:lstStyle/>
+          <a:p>
+            <a:pPr algn="ctr"/>
+            <a:endParaRPr lang="en-GB"/>
+          </a:p>
+        </p:txBody>
+      </p:sp>
+      <p:sp>
+        <p:nvSpPr>
+          <p:cNvPr id="42" name="Rectangle 41">
+            <a:extLst>
+              <a:ext uri="{FF2B5EF4-FFF2-40B4-BE49-F238E27FC236}">
+                <a16:creationId xmlns:a16="http://schemas.microsoft.com/office/drawing/2014/main" id="{9EDEB243-F500-4C3A-9A7A-2CE6E4A84068}"/>
+              </a:ext>
+            </a:extLst>
+          </p:cNvPr>
+          <p:cNvSpPr/>
+          <p:nvPr/>
+        </p:nvSpPr>
+        <p:spPr>
+          <a:xfrm>
+            <a:off x="3475149" y="1837733"/>
+            <a:ext cx="297712" cy="297712"/>
+          </a:xfrm>
+          <a:prstGeom prst="rect">
+            <a:avLst/>
+          </a:prstGeom>
+          <a:noFill/>
+          <a:ln w="9525" cap="flat" cmpd="sng" algn="ctr">
+            <a:solidFill>
+              <a:schemeClr val="dk1"/>
+            </a:solidFill>
+            <a:prstDash val="solid"/>
+            <a:round/>
+            <a:headEnd type="none" w="med" len="med"/>
+            <a:tailEnd type="none" w="med" len="med"/>
+          </a:ln>
+        </p:spPr>
+        <p:style>
+          <a:lnRef idx="0">
+            <a:scrgbClr r="0" g="0" b="0"/>
+          </a:lnRef>
+          <a:fillRef idx="0">
+            <a:scrgbClr r="0" g="0" b="0"/>
+          </a:fillRef>
+          <a:effectRef idx="0">
+            <a:scrgbClr r="0" g="0" b="0"/>
+          </a:effectRef>
+          <a:fontRef idx="minor">
+            <a:schemeClr val="dk1"/>
+          </a:fontRef>
+        </p:style>
+        <p:txBody>
+          <a:bodyPr rtlCol="0" anchor="ctr"/>
+          <a:lstStyle/>
+          <a:p>
+            <a:pPr algn="ctr"/>
+            <a:endParaRPr lang="en-GB"/>
+          </a:p>
+        </p:txBody>
+      </p:sp>
+      <p:sp>
+        <p:nvSpPr>
+          <p:cNvPr id="48" name="Rectangle 47">
+            <a:extLst>
+              <a:ext uri="{FF2B5EF4-FFF2-40B4-BE49-F238E27FC236}">
+                <a16:creationId xmlns:a16="http://schemas.microsoft.com/office/drawing/2014/main" id="{0761F81B-647B-4B9F-A233-B77AE4D0A44D}"/>
+              </a:ext>
+            </a:extLst>
+          </p:cNvPr>
+          <p:cNvSpPr/>
+          <p:nvPr/>
+        </p:nvSpPr>
+        <p:spPr>
+          <a:xfrm>
+            <a:off x="3177437" y="1837733"/>
+            <a:ext cx="297712" cy="297712"/>
+          </a:xfrm>
+          <a:prstGeom prst="rect">
+            <a:avLst/>
+          </a:prstGeom>
+          <a:noFill/>
+          <a:ln w="9525" cap="flat" cmpd="sng" algn="ctr">
+            <a:solidFill>
+              <a:schemeClr val="dk1"/>
+            </a:solidFill>
+            <a:prstDash val="solid"/>
+            <a:round/>
+            <a:headEnd type="none" w="med" len="med"/>
+            <a:tailEnd type="none" w="med" len="med"/>
+          </a:ln>
+        </p:spPr>
+        <p:style>
+          <a:lnRef idx="0">
+            <a:scrgbClr r="0" g="0" b="0"/>
+          </a:lnRef>
+          <a:fillRef idx="0">
+            <a:scrgbClr r="0" g="0" b="0"/>
+          </a:fillRef>
+          <a:effectRef idx="0">
+            <a:scrgbClr r="0" g="0" b="0"/>
+          </a:effectRef>
+          <a:fontRef idx="minor">
+            <a:schemeClr val="dk1"/>
+          </a:fontRef>
+        </p:style>
+        <p:txBody>
+          <a:bodyPr rtlCol="0" anchor="ctr"/>
+          <a:lstStyle/>
+          <a:p>
+            <a:pPr algn="ctr"/>
+            <a:endParaRPr lang="en-GB"/>
+          </a:p>
+        </p:txBody>
+      </p:sp>
+      <p:sp>
+        <p:nvSpPr>
+          <p:cNvPr id="52" name="Rectangle 51">
+            <a:extLst>
+              <a:ext uri="{FF2B5EF4-FFF2-40B4-BE49-F238E27FC236}">
+                <a16:creationId xmlns:a16="http://schemas.microsoft.com/office/drawing/2014/main" id="{415C9F8A-7327-4F20-AAF5-E7D23F1F9E6F}"/>
+              </a:ext>
+            </a:extLst>
+          </p:cNvPr>
+          <p:cNvSpPr/>
+          <p:nvPr/>
+        </p:nvSpPr>
+        <p:spPr>
+          <a:xfrm>
+            <a:off x="3772861" y="1837733"/>
+            <a:ext cx="297712" cy="297712"/>
+          </a:xfrm>
+          <a:prstGeom prst="rect">
+            <a:avLst/>
+          </a:prstGeom>
+          <a:noFill/>
+          <a:ln w="9525" cap="flat" cmpd="sng" algn="ctr">
+            <a:solidFill>
+              <a:schemeClr val="dk1"/>
+            </a:solidFill>
+            <a:prstDash val="solid"/>
+            <a:round/>
+            <a:headEnd type="none" w="med" len="med"/>
+            <a:tailEnd type="none" w="med" len="med"/>
+          </a:ln>
+        </p:spPr>
+        <p:style>
+          <a:lnRef idx="0">
+            <a:scrgbClr r="0" g="0" b="0"/>
+          </a:lnRef>
+          <a:fillRef idx="0">
+            <a:scrgbClr r="0" g="0" b="0"/>
+          </a:fillRef>
+          <a:effectRef idx="0">
+            <a:scrgbClr r="0" g="0" b="0"/>
+          </a:effectRef>
+          <a:fontRef idx="minor">
+            <a:schemeClr val="dk1"/>
+          </a:fontRef>
+        </p:style>
+        <p:txBody>
+          <a:bodyPr rtlCol="0" anchor="ctr"/>
+          <a:lstStyle/>
+          <a:p>
+            <a:pPr algn="ctr"/>
+            <a:endParaRPr lang="en-GB"/>
+          </a:p>
+        </p:txBody>
+      </p:sp>
+      <p:sp>
+        <p:nvSpPr>
+          <p:cNvPr id="54" name="Rectangle 53">
+            <a:extLst>
+              <a:ext uri="{FF2B5EF4-FFF2-40B4-BE49-F238E27FC236}">
+                <a16:creationId xmlns:a16="http://schemas.microsoft.com/office/drawing/2014/main" id="{A082DA5E-F9A2-4265-8809-845C7FE8C5AF}"/>
+              </a:ext>
+            </a:extLst>
+          </p:cNvPr>
+          <p:cNvSpPr/>
+          <p:nvPr/>
+        </p:nvSpPr>
+        <p:spPr>
+          <a:xfrm>
+            <a:off x="2879725" y="2135445"/>
+            <a:ext cx="297712" cy="297712"/>
+          </a:xfrm>
+          <a:prstGeom prst="rect">
+            <a:avLst/>
+          </a:prstGeom>
+          <a:noFill/>
+          <a:ln w="9525" cap="flat" cmpd="sng" algn="ctr">
+            <a:solidFill>
+              <a:schemeClr val="dk1"/>
+            </a:solidFill>
+            <a:prstDash val="solid"/>
+            <a:round/>
+            <a:headEnd type="none" w="med" len="med"/>
+            <a:tailEnd type="none" w="med" len="med"/>
+          </a:ln>
+        </p:spPr>
+        <p:style>
+          <a:lnRef idx="0">
+            <a:scrgbClr r="0" g="0" b="0"/>
+          </a:lnRef>
+          <a:fillRef idx="0">
+            <a:scrgbClr r="0" g="0" b="0"/>
+          </a:fillRef>
+          <a:effectRef idx="0">
+            <a:scrgbClr r="0" g="0" b="0"/>
+          </a:effectRef>
+          <a:fontRef idx="minor">
+            <a:schemeClr val="dk1"/>
+          </a:fontRef>
+        </p:style>
+        <p:txBody>
+          <a:bodyPr rtlCol="0" anchor="ctr"/>
+          <a:lstStyle/>
+          <a:p>
+            <a:pPr algn="ctr"/>
+            <a:endParaRPr lang="en-GB"/>
+          </a:p>
+        </p:txBody>
+      </p:sp>
+      <p:sp>
+        <p:nvSpPr>
+          <p:cNvPr id="56" name="Rectangle 55">
+            <a:extLst>
+              <a:ext uri="{FF2B5EF4-FFF2-40B4-BE49-F238E27FC236}">
+                <a16:creationId xmlns:a16="http://schemas.microsoft.com/office/drawing/2014/main" id="{F40CF294-6602-40D5-827A-EB078A06FFBF}"/>
+              </a:ext>
+            </a:extLst>
+          </p:cNvPr>
+          <p:cNvSpPr/>
+          <p:nvPr/>
+        </p:nvSpPr>
+        <p:spPr>
+          <a:xfrm>
+            <a:off x="3475149" y="2135445"/>
+            <a:ext cx="297712" cy="297712"/>
+          </a:xfrm>
+          <a:prstGeom prst="rect">
+            <a:avLst/>
+          </a:prstGeom>
+          <a:noFill/>
+          <a:ln w="9525" cap="flat" cmpd="sng" algn="ctr">
+            <a:solidFill>
+              <a:schemeClr val="dk1"/>
+            </a:solidFill>
+            <a:prstDash val="solid"/>
+            <a:round/>
+            <a:headEnd type="none" w="med" len="med"/>
+            <a:tailEnd type="none" w="med" len="med"/>
+          </a:ln>
+        </p:spPr>
+        <p:style>
+          <a:lnRef idx="0">
+            <a:scrgbClr r="0" g="0" b="0"/>
+          </a:lnRef>
+          <a:fillRef idx="0">
+            <a:scrgbClr r="0" g="0" b="0"/>
+          </a:fillRef>
+          <a:effectRef idx="0">
+            <a:scrgbClr r="0" g="0" b="0"/>
+          </a:effectRef>
+          <a:fontRef idx="minor">
+            <a:schemeClr val="dk1"/>
+          </a:fontRef>
+        </p:style>
+        <p:txBody>
+          <a:bodyPr rtlCol="0" anchor="ctr"/>
+          <a:lstStyle/>
+          <a:p>
+            <a:pPr algn="ctr"/>
+            <a:endParaRPr lang="en-GB"/>
+          </a:p>
+        </p:txBody>
+      </p:sp>
+      <p:sp>
+        <p:nvSpPr>
+          <p:cNvPr id="58" name="Rectangle 57">
+            <a:extLst>
+              <a:ext uri="{FF2B5EF4-FFF2-40B4-BE49-F238E27FC236}">
+                <a16:creationId xmlns:a16="http://schemas.microsoft.com/office/drawing/2014/main" id="{497C005E-42D9-4C36-9B47-AC868B2EC4D1}"/>
+              </a:ext>
+            </a:extLst>
+          </p:cNvPr>
+          <p:cNvSpPr/>
+          <p:nvPr/>
+        </p:nvSpPr>
+        <p:spPr>
+          <a:xfrm>
+            <a:off x="3772861" y="2135445"/>
+            <a:ext cx="297712" cy="297712"/>
+          </a:xfrm>
+          <a:prstGeom prst="rect">
+            <a:avLst/>
+          </a:prstGeom>
+          <a:noFill/>
+          <a:ln w="9525" cap="flat" cmpd="sng" algn="ctr">
+            <a:solidFill>
+              <a:schemeClr val="dk1"/>
+            </a:solidFill>
+            <a:prstDash val="solid"/>
+            <a:round/>
+            <a:headEnd type="none" w="med" len="med"/>
+            <a:tailEnd type="none" w="med" len="med"/>
+          </a:ln>
+        </p:spPr>
+        <p:style>
+          <a:lnRef idx="0">
+            <a:scrgbClr r="0" g="0" b="0"/>
+          </a:lnRef>
+          <a:fillRef idx="0">
+            <a:scrgbClr r="0" g="0" b="0"/>
+          </a:fillRef>
+          <a:effectRef idx="0">
+            <a:scrgbClr r="0" g="0" b="0"/>
+          </a:effectRef>
+          <a:fontRef idx="minor">
+            <a:schemeClr val="dk1"/>
+          </a:fontRef>
+        </p:style>
+        <p:txBody>
+          <a:bodyPr rtlCol="0" anchor="ctr"/>
+          <a:lstStyle/>
+          <a:p>
+            <a:pPr algn="ctr"/>
+            <a:endParaRPr lang="en-GB"/>
+          </a:p>
+        </p:txBody>
+      </p:sp>
+      <p:sp>
+        <p:nvSpPr>
+          <p:cNvPr id="60" name="Rectangle 59">
+            <a:extLst>
+              <a:ext uri="{FF2B5EF4-FFF2-40B4-BE49-F238E27FC236}">
+                <a16:creationId xmlns:a16="http://schemas.microsoft.com/office/drawing/2014/main" id="{053BEE83-86D5-4E96-8DBC-430D1AB5FA11}"/>
+              </a:ext>
+            </a:extLst>
+          </p:cNvPr>
+          <p:cNvSpPr/>
+          <p:nvPr/>
+        </p:nvSpPr>
+        <p:spPr>
+          <a:xfrm>
+            <a:off x="2879725" y="2433157"/>
+            <a:ext cx="297712" cy="297712"/>
+          </a:xfrm>
+          <a:prstGeom prst="rect">
+            <a:avLst/>
+          </a:prstGeom>
+          <a:noFill/>
+          <a:ln w="9525" cap="flat" cmpd="sng" algn="ctr">
+            <a:solidFill>
+              <a:schemeClr val="dk1"/>
+            </a:solidFill>
+            <a:prstDash val="solid"/>
+            <a:round/>
+            <a:headEnd type="none" w="med" len="med"/>
+            <a:tailEnd type="none" w="med" len="med"/>
+          </a:ln>
+        </p:spPr>
+        <p:style>
+          <a:lnRef idx="0">
+            <a:scrgbClr r="0" g="0" b="0"/>
+          </a:lnRef>
+          <a:fillRef idx="0">
+            <a:scrgbClr r="0" g="0" b="0"/>
+          </a:fillRef>
+          <a:effectRef idx="0">
+            <a:scrgbClr r="0" g="0" b="0"/>
+          </a:effectRef>
+          <a:fontRef idx="minor">
+            <a:schemeClr val="dk1"/>
+          </a:fontRef>
+        </p:style>
+        <p:txBody>
+          <a:bodyPr rtlCol="0" anchor="ctr"/>
+          <a:lstStyle/>
+          <a:p>
+            <a:pPr algn="ctr"/>
+            <a:endParaRPr lang="en-GB"/>
+          </a:p>
+        </p:txBody>
+      </p:sp>
+      <p:sp>
+        <p:nvSpPr>
+          <p:cNvPr id="62" name="Rectangle 61">
+            <a:extLst>
+              <a:ext uri="{FF2B5EF4-FFF2-40B4-BE49-F238E27FC236}">
+                <a16:creationId xmlns:a16="http://schemas.microsoft.com/office/drawing/2014/main" id="{C5AC1ECF-E419-474D-93AB-C331D8FD3CC1}"/>
+              </a:ext>
+            </a:extLst>
+          </p:cNvPr>
+          <p:cNvSpPr/>
+          <p:nvPr/>
+        </p:nvSpPr>
+        <p:spPr>
+          <a:xfrm>
+            <a:off x="3177437" y="2433157"/>
+            <a:ext cx="297712" cy="297712"/>
+          </a:xfrm>
+          <a:prstGeom prst="rect">
+            <a:avLst/>
+          </a:prstGeom>
+          <a:noFill/>
+          <a:ln w="9525" cap="flat" cmpd="sng" algn="ctr">
+            <a:solidFill>
+              <a:schemeClr val="dk1"/>
+            </a:solidFill>
+            <a:prstDash val="solid"/>
+            <a:round/>
+            <a:headEnd type="none" w="med" len="med"/>
+            <a:tailEnd type="none" w="med" len="med"/>
+          </a:ln>
+        </p:spPr>
+        <p:style>
+          <a:lnRef idx="0">
+            <a:scrgbClr r="0" g="0" b="0"/>
+          </a:lnRef>
+          <a:fillRef idx="0">
+            <a:scrgbClr r="0" g="0" b="0"/>
+          </a:fillRef>
+          <a:effectRef idx="0">
+            <a:scrgbClr r="0" g="0" b="0"/>
+          </a:effectRef>
+          <a:fontRef idx="minor">
+            <a:schemeClr val="dk1"/>
+          </a:fontRef>
+        </p:style>
+        <p:txBody>
+          <a:bodyPr rtlCol="0" anchor="ctr"/>
+          <a:lstStyle/>
+          <a:p>
+            <a:pPr algn="ctr"/>
+            <a:endParaRPr lang="en-GB"/>
+          </a:p>
+        </p:txBody>
+      </p:sp>
+      <p:sp>
+        <p:nvSpPr>
+          <p:cNvPr id="64" name="Rectangle 63">
+            <a:extLst>
+              <a:ext uri="{FF2B5EF4-FFF2-40B4-BE49-F238E27FC236}">
+                <a16:creationId xmlns:a16="http://schemas.microsoft.com/office/drawing/2014/main" id="{EF2110B8-E446-41CE-8C1C-E10374909EE2}"/>
+              </a:ext>
+            </a:extLst>
+          </p:cNvPr>
+          <p:cNvSpPr/>
+          <p:nvPr/>
+        </p:nvSpPr>
+        <p:spPr>
+          <a:xfrm>
+            <a:off x="3772861" y="2433157"/>
+            <a:ext cx="297712" cy="297712"/>
+          </a:xfrm>
+          <a:prstGeom prst="rect">
+            <a:avLst/>
+          </a:prstGeom>
+          <a:noFill/>
+          <a:ln w="9525" cap="flat" cmpd="sng" algn="ctr">
+            <a:solidFill>
+              <a:schemeClr val="dk1"/>
+            </a:solidFill>
+            <a:prstDash val="solid"/>
+            <a:round/>
+            <a:headEnd type="none" w="med" len="med"/>
+            <a:tailEnd type="none" w="med" len="med"/>
+          </a:ln>
+        </p:spPr>
+        <p:style>
+          <a:lnRef idx="0">
+            <a:scrgbClr r="0" g="0" b="0"/>
+          </a:lnRef>
+          <a:fillRef idx="0">
+            <a:scrgbClr r="0" g="0" b="0"/>
+          </a:fillRef>
+          <a:effectRef idx="0">
+            <a:scrgbClr r="0" g="0" b="0"/>
+          </a:effectRef>
+          <a:fontRef idx="minor">
+            <a:schemeClr val="dk1"/>
+          </a:fontRef>
+        </p:style>
+        <p:txBody>
+          <a:bodyPr rtlCol="0" anchor="ctr"/>
+          <a:lstStyle/>
+          <a:p>
+            <a:pPr algn="ctr"/>
+            <a:endParaRPr lang="en-GB"/>
+          </a:p>
+        </p:txBody>
+      </p:sp>
+      <p:sp>
+        <p:nvSpPr>
+          <p:cNvPr id="66" name="Rectangle 65">
+            <a:extLst>
+              <a:ext uri="{FF2B5EF4-FFF2-40B4-BE49-F238E27FC236}">
+                <a16:creationId xmlns:a16="http://schemas.microsoft.com/office/drawing/2014/main" id="{FD3BCBA4-3742-4250-BEEF-C34325796F2B}"/>
+              </a:ext>
+            </a:extLst>
+          </p:cNvPr>
+          <p:cNvSpPr/>
+          <p:nvPr/>
+        </p:nvSpPr>
+        <p:spPr>
+          <a:xfrm>
+            <a:off x="2879725" y="2730869"/>
+            <a:ext cx="297712" cy="297712"/>
+          </a:xfrm>
+          <a:prstGeom prst="rect">
+            <a:avLst/>
+          </a:prstGeom>
+          <a:noFill/>
+          <a:ln w="9525" cap="flat" cmpd="sng" algn="ctr">
+            <a:solidFill>
+              <a:schemeClr val="dk1"/>
+            </a:solidFill>
+            <a:prstDash val="solid"/>
+            <a:round/>
+            <a:headEnd type="none" w="med" len="med"/>
+            <a:tailEnd type="none" w="med" len="med"/>
+          </a:ln>
+        </p:spPr>
+        <p:style>
+          <a:lnRef idx="0">
+            <a:scrgbClr r="0" g="0" b="0"/>
+          </a:lnRef>
+          <a:fillRef idx="0">
+            <a:scrgbClr r="0" g="0" b="0"/>
+          </a:fillRef>
+          <a:effectRef idx="0">
+            <a:scrgbClr r="0" g="0" b="0"/>
+          </a:effectRef>
+          <a:fontRef idx="minor">
+            <a:schemeClr val="dk1"/>
+          </a:fontRef>
+        </p:style>
+        <p:txBody>
+          <a:bodyPr rtlCol="0" anchor="ctr"/>
+          <a:lstStyle/>
+          <a:p>
+            <a:pPr algn="ctr"/>
+            <a:endParaRPr lang="en-GB"/>
+          </a:p>
+        </p:txBody>
+      </p:sp>
+      <p:sp>
+        <p:nvSpPr>
+          <p:cNvPr id="68" name="Rectangle 67">
+            <a:extLst>
+              <a:ext uri="{FF2B5EF4-FFF2-40B4-BE49-F238E27FC236}">
+                <a16:creationId xmlns:a16="http://schemas.microsoft.com/office/drawing/2014/main" id="{E5384F79-F254-434E-AAC3-65501251BA33}"/>
+              </a:ext>
+            </a:extLst>
+          </p:cNvPr>
+          <p:cNvSpPr/>
+          <p:nvPr/>
+        </p:nvSpPr>
+        <p:spPr>
+          <a:xfrm>
+            <a:off x="3475149" y="2730869"/>
+            <a:ext cx="297712" cy="297712"/>
+          </a:xfrm>
+          <a:prstGeom prst="rect">
+            <a:avLst/>
+          </a:prstGeom>
+          <a:noFill/>
+          <a:ln w="9525" cap="flat" cmpd="sng" algn="ctr">
+            <a:solidFill>
+              <a:schemeClr val="dk1"/>
+            </a:solidFill>
+            <a:prstDash val="solid"/>
+            <a:round/>
+            <a:headEnd type="none" w="med" len="med"/>
+            <a:tailEnd type="none" w="med" len="med"/>
+          </a:ln>
+        </p:spPr>
+        <p:style>
+          <a:lnRef idx="0">
+            <a:scrgbClr r="0" g="0" b="0"/>
+          </a:lnRef>
+          <a:fillRef idx="0">
+            <a:scrgbClr r="0" g="0" b="0"/>
+          </a:fillRef>
+          <a:effectRef idx="0">
+            <a:scrgbClr r="0" g="0" b="0"/>
+          </a:effectRef>
+          <a:fontRef idx="minor">
+            <a:schemeClr val="dk1"/>
+          </a:fontRef>
+        </p:style>
+        <p:txBody>
+          <a:bodyPr rtlCol="0" anchor="ctr"/>
+          <a:lstStyle/>
+          <a:p>
+            <a:pPr algn="ctr"/>
+            <a:endParaRPr lang="en-GB"/>
+          </a:p>
+        </p:txBody>
+      </p:sp>
+      <p:sp>
+        <p:nvSpPr>
+          <p:cNvPr id="70" name="Rectangle 69">
+            <a:extLst>
+              <a:ext uri="{FF2B5EF4-FFF2-40B4-BE49-F238E27FC236}">
+                <a16:creationId xmlns:a16="http://schemas.microsoft.com/office/drawing/2014/main" id="{AF321599-8934-4BF2-AA13-D69B15408D2D}"/>
+              </a:ext>
+            </a:extLst>
+          </p:cNvPr>
+          <p:cNvSpPr/>
+          <p:nvPr/>
+        </p:nvSpPr>
+        <p:spPr>
+          <a:xfrm>
+            <a:off x="3177437" y="2730869"/>
+            <a:ext cx="297712" cy="297712"/>
+          </a:xfrm>
+          <a:prstGeom prst="rect">
+            <a:avLst/>
+          </a:prstGeom>
+          <a:noFill/>
+          <a:ln w="9525" cap="flat" cmpd="sng" algn="ctr">
+            <a:solidFill>
+              <a:schemeClr val="dk1"/>
+            </a:solidFill>
+            <a:prstDash val="solid"/>
+            <a:round/>
+            <a:headEnd type="none" w="med" len="med"/>
+            <a:tailEnd type="none" w="med" len="med"/>
+          </a:ln>
+        </p:spPr>
+        <p:style>
+          <a:lnRef idx="0">
+            <a:scrgbClr r="0" g="0" b="0"/>
+          </a:lnRef>
+          <a:fillRef idx="0">
+            <a:scrgbClr r="0" g="0" b="0"/>
+          </a:fillRef>
+          <a:effectRef idx="0">
+            <a:scrgbClr r="0" g="0" b="0"/>
+          </a:effectRef>
+          <a:fontRef idx="minor">
+            <a:schemeClr val="dk1"/>
+          </a:fontRef>
+        </p:style>
+        <p:txBody>
+          <a:bodyPr rtlCol="0" anchor="ctr"/>
+          <a:lstStyle/>
+          <a:p>
+            <a:pPr algn="ctr"/>
+            <a:endParaRPr lang="en-GB"/>
+          </a:p>
+        </p:txBody>
+      </p:sp>
+      <p:sp>
+        <p:nvSpPr>
+          <p:cNvPr id="72" name="Rectangle 71">
+            <a:extLst>
+              <a:ext uri="{FF2B5EF4-FFF2-40B4-BE49-F238E27FC236}">
+                <a16:creationId xmlns:a16="http://schemas.microsoft.com/office/drawing/2014/main" id="{C81761AE-BE3B-493C-90FB-C6FB03A073C8}"/>
+              </a:ext>
+            </a:extLst>
+          </p:cNvPr>
+          <p:cNvSpPr/>
+          <p:nvPr/>
+        </p:nvSpPr>
+        <p:spPr>
+          <a:xfrm>
+            <a:off x="3772861" y="2730869"/>
+            <a:ext cx="297712" cy="297712"/>
+          </a:xfrm>
+          <a:prstGeom prst="rect">
+            <a:avLst/>
+          </a:prstGeom>
+          <a:noFill/>
+          <a:ln w="9525" cap="flat" cmpd="sng" algn="ctr">
+            <a:solidFill>
+              <a:schemeClr val="dk1"/>
+            </a:solidFill>
+            <a:prstDash val="solid"/>
+            <a:round/>
+            <a:headEnd type="none" w="med" len="med"/>
+            <a:tailEnd type="none" w="med" len="med"/>
+          </a:ln>
+        </p:spPr>
+        <p:style>
+          <a:lnRef idx="0">
+            <a:scrgbClr r="0" g="0" b="0"/>
+          </a:lnRef>
+          <a:fillRef idx="0">
+            <a:scrgbClr r="0" g="0" b="0"/>
+          </a:fillRef>
+          <a:effectRef idx="0">
+            <a:scrgbClr r="0" g="0" b="0"/>
+          </a:effectRef>
+          <a:fontRef idx="minor">
+            <a:schemeClr val="dk1"/>
+          </a:fontRef>
+        </p:style>
+        <p:txBody>
+          <a:bodyPr rtlCol="0" anchor="ctr"/>
+          <a:lstStyle/>
+          <a:p>
+            <a:pPr algn="ctr"/>
+            <a:endParaRPr lang="en-GB"/>
+          </a:p>
+        </p:txBody>
+      </p:sp>
+      <p:sp>
+        <p:nvSpPr>
+          <p:cNvPr id="74" name="Rectangle 73">
+            <a:extLst>
+              <a:ext uri="{FF2B5EF4-FFF2-40B4-BE49-F238E27FC236}">
+                <a16:creationId xmlns:a16="http://schemas.microsoft.com/office/drawing/2014/main" id="{939AE142-B25F-42BD-B403-3A5352DF7C4F}"/>
+              </a:ext>
+            </a:extLst>
+          </p:cNvPr>
+          <p:cNvSpPr/>
+          <p:nvPr/>
+        </p:nvSpPr>
+        <p:spPr>
+          <a:xfrm>
+            <a:off x="1688877" y="3025185"/>
+            <a:ext cx="297712" cy="297712"/>
+          </a:xfrm>
+          <a:prstGeom prst="rect">
+            <a:avLst/>
+          </a:prstGeom>
+          <a:noFill/>
+          <a:ln w="9525" cap="flat" cmpd="sng" algn="ctr">
+            <a:solidFill>
+              <a:schemeClr val="dk1"/>
+            </a:solidFill>
+            <a:prstDash val="solid"/>
+            <a:round/>
+            <a:headEnd type="none" w="med" len="med"/>
+            <a:tailEnd type="none" w="med" len="med"/>
+          </a:ln>
+        </p:spPr>
+        <p:style>
+          <a:lnRef idx="0">
+            <a:scrgbClr r="0" g="0" b="0"/>
+          </a:lnRef>
+          <a:fillRef idx="0">
+            <a:scrgbClr r="0" g="0" b="0"/>
+          </a:fillRef>
+          <a:effectRef idx="0">
+            <a:scrgbClr r="0" g="0" b="0"/>
+          </a:effectRef>
+          <a:fontRef idx="minor">
+            <a:schemeClr val="dk1"/>
+          </a:fontRef>
+        </p:style>
+        <p:txBody>
+          <a:bodyPr rtlCol="0" anchor="ctr"/>
+          <a:lstStyle/>
+          <a:p>
+            <a:pPr algn="ctr"/>
+            <a:endParaRPr lang="en-GB"/>
+          </a:p>
+        </p:txBody>
+      </p:sp>
+      <p:sp>
+        <p:nvSpPr>
+          <p:cNvPr id="76" name="Rectangle 75">
+            <a:extLst>
+              <a:ext uri="{FF2B5EF4-FFF2-40B4-BE49-F238E27FC236}">
+                <a16:creationId xmlns:a16="http://schemas.microsoft.com/office/drawing/2014/main" id="{A194DE73-8258-49AB-9F70-B5C261557CD6}"/>
+              </a:ext>
+            </a:extLst>
+          </p:cNvPr>
+          <p:cNvSpPr/>
+          <p:nvPr/>
+        </p:nvSpPr>
+        <p:spPr>
+          <a:xfrm>
+            <a:off x="2284301" y="3025185"/>
+            <a:ext cx="297712" cy="297712"/>
+          </a:xfrm>
+          <a:prstGeom prst="rect">
+            <a:avLst/>
+          </a:prstGeom>
+          <a:noFill/>
+          <a:ln w="9525" cap="flat" cmpd="sng" algn="ctr">
+            <a:solidFill>
+              <a:schemeClr val="dk1"/>
+            </a:solidFill>
+            <a:prstDash val="solid"/>
+            <a:round/>
+            <a:headEnd type="none" w="med" len="med"/>
+            <a:tailEnd type="none" w="med" len="med"/>
+          </a:ln>
+        </p:spPr>
+        <p:style>
+          <a:lnRef idx="0">
+            <a:scrgbClr r="0" g="0" b="0"/>
+          </a:lnRef>
+          <a:fillRef idx="0">
+            <a:scrgbClr r="0" g="0" b="0"/>
+          </a:fillRef>
+          <a:effectRef idx="0">
+            <a:scrgbClr r="0" g="0" b="0"/>
+          </a:effectRef>
+          <a:fontRef idx="minor">
+            <a:schemeClr val="dk1"/>
+          </a:fontRef>
+        </p:style>
+        <p:txBody>
+          <a:bodyPr rtlCol="0" anchor="ctr"/>
+          <a:lstStyle/>
+          <a:p>
+            <a:pPr algn="ctr"/>
+            <a:endParaRPr lang="en-GB"/>
+          </a:p>
+        </p:txBody>
+      </p:sp>
+      <p:sp>
+        <p:nvSpPr>
+          <p:cNvPr id="78" name="Rectangle 77">
+            <a:extLst>
+              <a:ext uri="{FF2B5EF4-FFF2-40B4-BE49-F238E27FC236}">
+                <a16:creationId xmlns:a16="http://schemas.microsoft.com/office/drawing/2014/main" id="{871888CB-B81C-4D65-A4CA-090E62D4324E}"/>
+              </a:ext>
+            </a:extLst>
+          </p:cNvPr>
+          <p:cNvSpPr/>
+          <p:nvPr/>
+        </p:nvSpPr>
+        <p:spPr>
+          <a:xfrm>
+            <a:off x="1986589" y="3025185"/>
+            <a:ext cx="297712" cy="297712"/>
+          </a:xfrm>
+          <a:prstGeom prst="rect">
+            <a:avLst/>
+          </a:prstGeom>
+          <a:noFill/>
+          <a:ln w="9525" cap="flat" cmpd="sng" algn="ctr">
+            <a:solidFill>
+              <a:schemeClr val="dk1"/>
+            </a:solidFill>
+            <a:prstDash val="solid"/>
+            <a:round/>
+            <a:headEnd type="none" w="med" len="med"/>
+            <a:tailEnd type="none" w="med" len="med"/>
+          </a:ln>
+        </p:spPr>
+        <p:style>
+          <a:lnRef idx="0">
+            <a:scrgbClr r="0" g="0" b="0"/>
+          </a:lnRef>
+          <a:fillRef idx="0">
+            <a:scrgbClr r="0" g="0" b="0"/>
+          </a:fillRef>
+          <a:effectRef idx="0">
+            <a:scrgbClr r="0" g="0" b="0"/>
+          </a:effectRef>
+          <a:fontRef idx="minor">
+            <a:schemeClr val="dk1"/>
+          </a:fontRef>
+        </p:style>
+        <p:txBody>
+          <a:bodyPr rtlCol="0" anchor="ctr"/>
+          <a:lstStyle/>
+          <a:p>
+            <a:pPr algn="ctr"/>
+            <a:endParaRPr lang="en-GB"/>
+          </a:p>
+        </p:txBody>
+      </p:sp>
+      <p:sp>
+        <p:nvSpPr>
+          <p:cNvPr id="80" name="Rectangle 79">
+            <a:extLst>
+              <a:ext uri="{FF2B5EF4-FFF2-40B4-BE49-F238E27FC236}">
+                <a16:creationId xmlns:a16="http://schemas.microsoft.com/office/drawing/2014/main" id="{239E9AC0-95F4-47DD-AB2C-F8049FD74D60}"/>
+              </a:ext>
+            </a:extLst>
+          </p:cNvPr>
+          <p:cNvSpPr/>
+          <p:nvPr/>
+        </p:nvSpPr>
+        <p:spPr>
+          <a:xfrm>
+            <a:off x="2582013" y="3025185"/>
+            <a:ext cx="297712" cy="297712"/>
+          </a:xfrm>
+          <a:prstGeom prst="rect">
+            <a:avLst/>
+          </a:prstGeom>
+          <a:noFill/>
+          <a:ln w="9525" cap="flat" cmpd="sng" algn="ctr">
+            <a:solidFill>
+              <a:schemeClr val="dk1"/>
+            </a:solidFill>
+            <a:prstDash val="solid"/>
+            <a:round/>
+            <a:headEnd type="none" w="med" len="med"/>
+            <a:tailEnd type="none" w="med" len="med"/>
+          </a:ln>
+        </p:spPr>
+        <p:style>
+          <a:lnRef idx="0">
+            <a:scrgbClr r="0" g="0" b="0"/>
+          </a:lnRef>
+          <a:fillRef idx="0">
+            <a:scrgbClr r="0" g="0" b="0"/>
+          </a:fillRef>
+          <a:effectRef idx="0">
+            <a:scrgbClr r="0" g="0" b="0"/>
+          </a:effectRef>
+          <a:fontRef idx="minor">
+            <a:schemeClr val="dk1"/>
+          </a:fontRef>
+        </p:style>
+        <p:txBody>
+          <a:bodyPr rtlCol="0" anchor="ctr"/>
+          <a:lstStyle/>
+          <a:p>
+            <a:pPr algn="ctr"/>
+            <a:endParaRPr lang="en-GB"/>
+          </a:p>
+        </p:txBody>
+      </p:sp>
+      <p:sp>
+        <p:nvSpPr>
+          <p:cNvPr id="82" name="Rectangle 81">
+            <a:extLst>
+              <a:ext uri="{FF2B5EF4-FFF2-40B4-BE49-F238E27FC236}">
+                <a16:creationId xmlns:a16="http://schemas.microsoft.com/office/drawing/2014/main" id="{2FA3D8A9-3574-42B0-99B3-CA475AE6FA84}"/>
+              </a:ext>
+            </a:extLst>
+          </p:cNvPr>
+          <p:cNvSpPr/>
+          <p:nvPr/>
+        </p:nvSpPr>
+        <p:spPr>
+          <a:xfrm>
+            <a:off x="1688877" y="3322897"/>
+            <a:ext cx="297712" cy="297712"/>
+          </a:xfrm>
+          <a:prstGeom prst="rect">
+            <a:avLst/>
+          </a:prstGeom>
+          <a:noFill/>
+          <a:ln w="9525" cap="flat" cmpd="sng" algn="ctr">
+            <a:solidFill>
+              <a:schemeClr val="dk1"/>
+            </a:solidFill>
+            <a:prstDash val="solid"/>
+            <a:round/>
+            <a:headEnd type="none" w="med" len="med"/>
+            <a:tailEnd type="none" w="med" len="med"/>
+          </a:ln>
+        </p:spPr>
+        <p:style>
+          <a:lnRef idx="0">
+            <a:scrgbClr r="0" g="0" b="0"/>
+          </a:lnRef>
+          <a:fillRef idx="0">
+            <a:scrgbClr r="0" g="0" b="0"/>
+          </a:fillRef>
+          <a:effectRef idx="0">
+            <a:scrgbClr r="0" g="0" b="0"/>
+          </a:effectRef>
+          <a:fontRef idx="minor">
+            <a:schemeClr val="dk1"/>
+          </a:fontRef>
+        </p:style>
+        <p:txBody>
+          <a:bodyPr rtlCol="0" anchor="ctr"/>
+          <a:lstStyle/>
+          <a:p>
+            <a:pPr algn="ctr"/>
+            <a:endParaRPr lang="en-GB"/>
+          </a:p>
+        </p:txBody>
+      </p:sp>
+      <p:sp>
+        <p:nvSpPr>
+          <p:cNvPr id="84" name="Rectangle 83">
+            <a:extLst>
+              <a:ext uri="{FF2B5EF4-FFF2-40B4-BE49-F238E27FC236}">
+                <a16:creationId xmlns:a16="http://schemas.microsoft.com/office/drawing/2014/main" id="{0BCC2987-1A5B-4200-A7CF-A49DBFC701DF}"/>
+              </a:ext>
+            </a:extLst>
+          </p:cNvPr>
+          <p:cNvSpPr/>
+          <p:nvPr/>
+        </p:nvSpPr>
+        <p:spPr>
+          <a:xfrm>
+            <a:off x="2284301" y="3322897"/>
+            <a:ext cx="297712" cy="297712"/>
+          </a:xfrm>
+          <a:prstGeom prst="rect">
+            <a:avLst/>
+          </a:prstGeom>
+          <a:noFill/>
+          <a:ln w="9525" cap="flat" cmpd="sng" algn="ctr">
+            <a:solidFill>
+              <a:schemeClr val="dk1"/>
+            </a:solidFill>
+            <a:prstDash val="solid"/>
+            <a:round/>
+            <a:headEnd type="none" w="med" len="med"/>
+            <a:tailEnd type="none" w="med" len="med"/>
+          </a:ln>
+        </p:spPr>
+        <p:style>
+          <a:lnRef idx="0">
+            <a:scrgbClr r="0" g="0" b="0"/>
+          </a:lnRef>
+          <a:fillRef idx="0">
+            <a:scrgbClr r="0" g="0" b="0"/>
+          </a:fillRef>
+          <a:effectRef idx="0">
+            <a:scrgbClr r="0" g="0" b="0"/>
+          </a:effectRef>
+          <a:fontRef idx="minor">
+            <a:schemeClr val="dk1"/>
+          </a:fontRef>
+        </p:style>
+        <p:txBody>
+          <a:bodyPr rtlCol="0" anchor="ctr"/>
+          <a:lstStyle/>
+          <a:p>
+            <a:pPr algn="ctr"/>
+            <a:endParaRPr lang="en-GB"/>
+          </a:p>
+        </p:txBody>
+      </p:sp>
+      <p:sp>
+        <p:nvSpPr>
+          <p:cNvPr id="86" name="Rectangle 85">
+            <a:extLst>
+              <a:ext uri="{FF2B5EF4-FFF2-40B4-BE49-F238E27FC236}">
+                <a16:creationId xmlns:a16="http://schemas.microsoft.com/office/drawing/2014/main" id="{5220FAB0-6FDC-4169-A2E4-4C4B9C591856}"/>
+              </a:ext>
+            </a:extLst>
+          </p:cNvPr>
+          <p:cNvSpPr/>
+          <p:nvPr/>
+        </p:nvSpPr>
+        <p:spPr>
+          <a:xfrm>
+            <a:off x="2582013" y="3322897"/>
+            <a:ext cx="297712" cy="297712"/>
+          </a:xfrm>
+          <a:prstGeom prst="rect">
+            <a:avLst/>
+          </a:prstGeom>
+          <a:noFill/>
+          <a:ln w="9525" cap="flat" cmpd="sng" algn="ctr">
+            <a:solidFill>
+              <a:schemeClr val="dk1"/>
+            </a:solidFill>
+            <a:prstDash val="solid"/>
+            <a:round/>
+            <a:headEnd type="none" w="med" len="med"/>
+            <a:tailEnd type="none" w="med" len="med"/>
+          </a:ln>
+        </p:spPr>
+        <p:style>
+          <a:lnRef idx="0">
+            <a:scrgbClr r="0" g="0" b="0"/>
+          </a:lnRef>
+          <a:fillRef idx="0">
+            <a:scrgbClr r="0" g="0" b="0"/>
+          </a:fillRef>
+          <a:effectRef idx="0">
+            <a:scrgbClr r="0" g="0" b="0"/>
+          </a:effectRef>
+          <a:fontRef idx="minor">
+            <a:schemeClr val="dk1"/>
+          </a:fontRef>
+        </p:style>
+        <p:txBody>
+          <a:bodyPr rtlCol="0" anchor="ctr"/>
+          <a:lstStyle/>
+          <a:p>
+            <a:pPr algn="ctr"/>
+            <a:endParaRPr lang="en-GB"/>
+          </a:p>
+        </p:txBody>
+      </p:sp>
+      <p:sp>
+        <p:nvSpPr>
+          <p:cNvPr id="88" name="Rectangle 87">
+            <a:extLst>
+              <a:ext uri="{FF2B5EF4-FFF2-40B4-BE49-F238E27FC236}">
+                <a16:creationId xmlns:a16="http://schemas.microsoft.com/office/drawing/2014/main" id="{FA92B2CF-D614-4AC9-B77E-3E93E1E67806}"/>
+              </a:ext>
+            </a:extLst>
+          </p:cNvPr>
+          <p:cNvSpPr/>
+          <p:nvPr/>
+        </p:nvSpPr>
+        <p:spPr>
+          <a:xfrm>
+            <a:off x="1688877" y="3620609"/>
+            <a:ext cx="297712" cy="297712"/>
+          </a:xfrm>
+          <a:prstGeom prst="rect">
+            <a:avLst/>
+          </a:prstGeom>
+          <a:noFill/>
+          <a:ln w="9525" cap="flat" cmpd="sng" algn="ctr">
+            <a:solidFill>
+              <a:schemeClr val="dk1"/>
+            </a:solidFill>
+            <a:prstDash val="solid"/>
+            <a:round/>
+            <a:headEnd type="none" w="med" len="med"/>
+            <a:tailEnd type="none" w="med" len="med"/>
+          </a:ln>
+        </p:spPr>
+        <p:style>
+          <a:lnRef idx="0">
+            <a:scrgbClr r="0" g="0" b="0"/>
+          </a:lnRef>
+          <a:fillRef idx="0">
+            <a:scrgbClr r="0" g="0" b="0"/>
+          </a:fillRef>
+          <a:effectRef idx="0">
+            <a:scrgbClr r="0" g="0" b="0"/>
+          </a:effectRef>
+          <a:fontRef idx="minor">
+            <a:schemeClr val="dk1"/>
+          </a:fontRef>
+        </p:style>
+        <p:txBody>
+          <a:bodyPr rtlCol="0" anchor="ctr"/>
+          <a:lstStyle/>
+          <a:p>
+            <a:pPr algn="ctr"/>
+            <a:endParaRPr lang="en-GB"/>
+          </a:p>
+        </p:txBody>
+      </p:sp>
+      <p:sp>
+        <p:nvSpPr>
+          <p:cNvPr id="90" name="Rectangle 89">
+            <a:extLst>
+              <a:ext uri="{FF2B5EF4-FFF2-40B4-BE49-F238E27FC236}">
+                <a16:creationId xmlns:a16="http://schemas.microsoft.com/office/drawing/2014/main" id="{F3426586-77AC-4FE3-8AB6-97479C6EBFE0}"/>
+              </a:ext>
+            </a:extLst>
+          </p:cNvPr>
+          <p:cNvSpPr/>
+          <p:nvPr/>
+        </p:nvSpPr>
+        <p:spPr>
+          <a:xfrm>
+            <a:off x="1986589" y="3620609"/>
+            <a:ext cx="297712" cy="297712"/>
+          </a:xfrm>
+          <a:prstGeom prst="rect">
+            <a:avLst/>
+          </a:prstGeom>
+          <a:noFill/>
+          <a:ln w="9525" cap="flat" cmpd="sng" algn="ctr">
+            <a:solidFill>
+              <a:schemeClr val="dk1"/>
+            </a:solidFill>
+            <a:prstDash val="solid"/>
+            <a:round/>
+            <a:headEnd type="none" w="med" len="med"/>
+            <a:tailEnd type="none" w="med" len="med"/>
+          </a:ln>
+        </p:spPr>
+        <p:style>
+          <a:lnRef idx="0">
+            <a:scrgbClr r="0" g="0" b="0"/>
+          </a:lnRef>
+          <a:fillRef idx="0">
+            <a:scrgbClr r="0" g="0" b="0"/>
+          </a:fillRef>
+          <a:effectRef idx="0">
+            <a:scrgbClr r="0" g="0" b="0"/>
+          </a:effectRef>
+          <a:fontRef idx="minor">
+            <a:schemeClr val="dk1"/>
+          </a:fontRef>
+        </p:style>
+        <p:txBody>
+          <a:bodyPr rtlCol="0" anchor="ctr"/>
+          <a:lstStyle/>
+          <a:p>
+            <a:pPr algn="ctr"/>
+            <a:endParaRPr lang="en-GB"/>
+          </a:p>
+        </p:txBody>
+      </p:sp>
+      <p:sp>
+        <p:nvSpPr>
+          <p:cNvPr id="92" name="Rectangle 91">
+            <a:extLst>
+              <a:ext uri="{FF2B5EF4-FFF2-40B4-BE49-F238E27FC236}">
+                <a16:creationId xmlns:a16="http://schemas.microsoft.com/office/drawing/2014/main" id="{66CB7AEA-EDC8-4CB4-8342-E4BFFA72C6D0}"/>
+              </a:ext>
+            </a:extLst>
+          </p:cNvPr>
+          <p:cNvSpPr/>
+          <p:nvPr/>
+        </p:nvSpPr>
+        <p:spPr>
+          <a:xfrm>
+            <a:off x="2582013" y="3620609"/>
+            <a:ext cx="297712" cy="297712"/>
+          </a:xfrm>
+          <a:prstGeom prst="rect">
+            <a:avLst/>
+          </a:prstGeom>
+          <a:noFill/>
+          <a:ln w="9525" cap="flat" cmpd="sng" algn="ctr">
+            <a:solidFill>
+              <a:schemeClr val="dk1"/>
+            </a:solidFill>
+            <a:prstDash val="solid"/>
+            <a:round/>
+            <a:headEnd type="none" w="med" len="med"/>
+            <a:tailEnd type="none" w="med" len="med"/>
+          </a:ln>
+        </p:spPr>
+        <p:style>
+          <a:lnRef idx="0">
+            <a:scrgbClr r="0" g="0" b="0"/>
+          </a:lnRef>
+          <a:fillRef idx="0">
+            <a:scrgbClr r="0" g="0" b="0"/>
+          </a:fillRef>
+          <a:effectRef idx="0">
+            <a:scrgbClr r="0" g="0" b="0"/>
+          </a:effectRef>
+          <a:fontRef idx="minor">
+            <a:schemeClr val="dk1"/>
+          </a:fontRef>
+        </p:style>
+        <p:txBody>
+          <a:bodyPr rtlCol="0" anchor="ctr"/>
+          <a:lstStyle/>
+          <a:p>
+            <a:pPr algn="ctr"/>
+            <a:endParaRPr lang="en-GB"/>
+          </a:p>
+        </p:txBody>
+      </p:sp>
+      <p:sp>
+        <p:nvSpPr>
+          <p:cNvPr id="94" name="Rectangle 93">
+            <a:extLst>
+              <a:ext uri="{FF2B5EF4-FFF2-40B4-BE49-F238E27FC236}">
+                <a16:creationId xmlns:a16="http://schemas.microsoft.com/office/drawing/2014/main" id="{B7447B19-639A-4092-94FA-C5BBBBBB4040}"/>
+              </a:ext>
+            </a:extLst>
+          </p:cNvPr>
+          <p:cNvSpPr/>
+          <p:nvPr/>
+        </p:nvSpPr>
+        <p:spPr>
+          <a:xfrm>
+            <a:off x="1688877" y="3918321"/>
+            <a:ext cx="297712" cy="297712"/>
+          </a:xfrm>
+          <a:prstGeom prst="rect">
+            <a:avLst/>
+          </a:prstGeom>
+          <a:noFill/>
+          <a:ln w="9525" cap="flat" cmpd="sng" algn="ctr">
+            <a:solidFill>
+              <a:schemeClr val="dk1"/>
+            </a:solidFill>
+            <a:prstDash val="solid"/>
+            <a:round/>
+            <a:headEnd type="none" w="med" len="med"/>
+            <a:tailEnd type="none" w="med" len="med"/>
+          </a:ln>
+        </p:spPr>
+        <p:style>
+          <a:lnRef idx="0">
+            <a:scrgbClr r="0" g="0" b="0"/>
+          </a:lnRef>
+          <a:fillRef idx="0">
+            <a:scrgbClr r="0" g="0" b="0"/>
+          </a:fillRef>
+          <a:effectRef idx="0">
+            <a:scrgbClr r="0" g="0" b="0"/>
+          </a:effectRef>
+          <a:fontRef idx="minor">
+            <a:schemeClr val="dk1"/>
+          </a:fontRef>
+        </p:style>
+        <p:txBody>
+          <a:bodyPr rtlCol="0" anchor="ctr"/>
+          <a:lstStyle/>
+          <a:p>
+            <a:pPr algn="ctr"/>
+            <a:endParaRPr lang="en-GB"/>
+          </a:p>
+        </p:txBody>
+      </p:sp>
+      <p:sp>
+        <p:nvSpPr>
+          <p:cNvPr id="96" name="Rectangle 95">
+            <a:extLst>
+              <a:ext uri="{FF2B5EF4-FFF2-40B4-BE49-F238E27FC236}">
+                <a16:creationId xmlns:a16="http://schemas.microsoft.com/office/drawing/2014/main" id="{2ACE0327-EE64-489E-9BC0-4469DA81947F}"/>
+              </a:ext>
+            </a:extLst>
+          </p:cNvPr>
+          <p:cNvSpPr/>
+          <p:nvPr/>
+        </p:nvSpPr>
+        <p:spPr>
+          <a:xfrm>
+            <a:off x="2284301" y="3918321"/>
+            <a:ext cx="297712" cy="297712"/>
+          </a:xfrm>
+          <a:prstGeom prst="rect">
+            <a:avLst/>
+          </a:prstGeom>
+          <a:noFill/>
+          <a:ln w="9525" cap="flat" cmpd="sng" algn="ctr">
+            <a:solidFill>
+              <a:schemeClr val="dk1"/>
+            </a:solidFill>
+            <a:prstDash val="solid"/>
+            <a:round/>
+            <a:headEnd type="none" w="med" len="med"/>
+            <a:tailEnd type="none" w="med" len="med"/>
+          </a:ln>
+        </p:spPr>
+        <p:style>
+          <a:lnRef idx="0">
+            <a:scrgbClr r="0" g="0" b="0"/>
+          </a:lnRef>
+          <a:fillRef idx="0">
+            <a:scrgbClr r="0" g="0" b="0"/>
+          </a:fillRef>
+          <a:effectRef idx="0">
+            <a:scrgbClr r="0" g="0" b="0"/>
+          </a:effectRef>
+          <a:fontRef idx="minor">
+            <a:schemeClr val="dk1"/>
+          </a:fontRef>
+        </p:style>
+        <p:txBody>
+          <a:bodyPr rtlCol="0" anchor="ctr"/>
+          <a:lstStyle/>
+          <a:p>
+            <a:pPr algn="ctr"/>
+            <a:endParaRPr lang="en-GB"/>
+          </a:p>
+        </p:txBody>
+      </p:sp>
+      <p:sp>
+        <p:nvSpPr>
+          <p:cNvPr id="98" name="Rectangle 97">
+            <a:extLst>
+              <a:ext uri="{FF2B5EF4-FFF2-40B4-BE49-F238E27FC236}">
+                <a16:creationId xmlns:a16="http://schemas.microsoft.com/office/drawing/2014/main" id="{3DDA631B-BD91-4870-B7E4-32D87ACC06AF}"/>
+              </a:ext>
+            </a:extLst>
+          </p:cNvPr>
+          <p:cNvSpPr/>
+          <p:nvPr/>
+        </p:nvSpPr>
+        <p:spPr>
+          <a:xfrm>
+            <a:off x="1986589" y="3918321"/>
+            <a:ext cx="297712" cy="297712"/>
+          </a:xfrm>
+          <a:prstGeom prst="rect">
+            <a:avLst/>
+          </a:prstGeom>
+          <a:noFill/>
+          <a:ln w="9525" cap="flat" cmpd="sng" algn="ctr">
+            <a:solidFill>
+              <a:schemeClr val="dk1"/>
+            </a:solidFill>
+            <a:prstDash val="solid"/>
+            <a:round/>
+            <a:headEnd type="none" w="med" len="med"/>
+            <a:tailEnd type="none" w="med" len="med"/>
+          </a:ln>
+        </p:spPr>
+        <p:style>
+          <a:lnRef idx="0">
+            <a:scrgbClr r="0" g="0" b="0"/>
+          </a:lnRef>
+          <a:fillRef idx="0">
+            <a:scrgbClr r="0" g="0" b="0"/>
+          </a:fillRef>
+          <a:effectRef idx="0">
+            <a:scrgbClr r="0" g="0" b="0"/>
+          </a:effectRef>
+          <a:fontRef idx="minor">
+            <a:schemeClr val="dk1"/>
+          </a:fontRef>
+        </p:style>
+        <p:txBody>
+          <a:bodyPr rtlCol="0" anchor="ctr"/>
+          <a:lstStyle/>
+          <a:p>
+            <a:pPr algn="ctr"/>
+            <a:endParaRPr lang="en-GB"/>
+          </a:p>
+        </p:txBody>
+      </p:sp>
+      <p:sp>
+        <p:nvSpPr>
+          <p:cNvPr id="100" name="Rectangle 99">
+            <a:extLst>
+              <a:ext uri="{FF2B5EF4-FFF2-40B4-BE49-F238E27FC236}">
+                <a16:creationId xmlns:a16="http://schemas.microsoft.com/office/drawing/2014/main" id="{34A7E3F0-9403-4BB3-9F16-8471F65A041B}"/>
+              </a:ext>
+            </a:extLst>
+          </p:cNvPr>
+          <p:cNvSpPr/>
+          <p:nvPr/>
+        </p:nvSpPr>
+        <p:spPr>
+          <a:xfrm>
+            <a:off x="2582013" y="3918321"/>
+            <a:ext cx="297712" cy="297712"/>
+          </a:xfrm>
+          <a:prstGeom prst="rect">
+            <a:avLst/>
+          </a:prstGeom>
+          <a:noFill/>
+          <a:ln w="9525" cap="flat" cmpd="sng" algn="ctr">
+            <a:solidFill>
+              <a:schemeClr val="dk1"/>
+            </a:solidFill>
+            <a:prstDash val="solid"/>
+            <a:round/>
+            <a:headEnd type="none" w="med" len="med"/>
+            <a:tailEnd type="none" w="med" len="med"/>
+          </a:ln>
+        </p:spPr>
+        <p:style>
+          <a:lnRef idx="0">
+            <a:scrgbClr r="0" g="0" b="0"/>
+          </a:lnRef>
+          <a:fillRef idx="0">
+            <a:scrgbClr r="0" g="0" b="0"/>
+          </a:fillRef>
+          <a:effectRef idx="0">
+            <a:scrgbClr r="0" g="0" b="0"/>
+          </a:effectRef>
+          <a:fontRef idx="minor">
+            <a:schemeClr val="dk1"/>
+          </a:fontRef>
+        </p:style>
+        <p:txBody>
+          <a:bodyPr rtlCol="0" anchor="ctr"/>
+          <a:lstStyle/>
+          <a:p>
+            <a:pPr algn="ctr"/>
+            <a:endParaRPr lang="en-GB"/>
+          </a:p>
+        </p:txBody>
+      </p:sp>
+      <p:sp>
+        <p:nvSpPr>
+          <p:cNvPr id="102" name="Rectangle 101">
+            <a:extLst>
+              <a:ext uri="{FF2B5EF4-FFF2-40B4-BE49-F238E27FC236}">
+                <a16:creationId xmlns:a16="http://schemas.microsoft.com/office/drawing/2014/main" id="{7B98A06C-09CE-4B3A-BD9D-3D9743FE2D89}"/>
+              </a:ext>
+            </a:extLst>
+          </p:cNvPr>
+          <p:cNvSpPr/>
+          <p:nvPr/>
+        </p:nvSpPr>
+        <p:spPr>
+          <a:xfrm>
+            <a:off x="2879725" y="3025185"/>
+            <a:ext cx="297712" cy="297712"/>
+          </a:xfrm>
+          <a:prstGeom prst="rect">
+            <a:avLst/>
+          </a:prstGeom>
+          <a:solidFill>
+            <a:schemeClr val="accent2">
+              <a:alpha val="50000"/>
+            </a:schemeClr>
+          </a:solidFill>
+          <a:ln>
+            <a:noFill/>
+          </a:ln>
+        </p:spPr>
+        <p:style>
+          <a:lnRef idx="0">
+            <a:scrgbClr r="0" g="0" b="0"/>
+          </a:lnRef>
+          <a:fillRef idx="0">
+            <a:scrgbClr r="0" g="0" b="0"/>
+          </a:fillRef>
+          <a:effectRef idx="0">
+            <a:scrgbClr r="0" g="0" b="0"/>
+          </a:effectRef>
+          <a:fontRef idx="minor">
+            <a:schemeClr val="lt1"/>
+          </a:fontRef>
+        </p:style>
+        <p:txBody>
+          <a:bodyPr rtlCol="0" anchor="ctr"/>
+          <a:lstStyle/>
+          <a:p>
+            <a:pPr algn="ctr"/>
+            <a:endParaRPr lang="en-GB"/>
+          </a:p>
+        </p:txBody>
+      </p:sp>
+      <p:sp>
+        <p:nvSpPr>
+          <p:cNvPr id="104" name="Rectangle 103">
+            <a:extLst>
+              <a:ext uri="{FF2B5EF4-FFF2-40B4-BE49-F238E27FC236}">
+                <a16:creationId xmlns:a16="http://schemas.microsoft.com/office/drawing/2014/main" id="{13457B9B-1587-445B-8779-42B26F85C7C1}"/>
+              </a:ext>
+            </a:extLst>
+          </p:cNvPr>
+          <p:cNvSpPr/>
+          <p:nvPr/>
+        </p:nvSpPr>
+        <p:spPr>
+          <a:xfrm>
+            <a:off x="3475149" y="3025185"/>
+            <a:ext cx="297712" cy="297712"/>
+          </a:xfrm>
+          <a:prstGeom prst="rect">
+            <a:avLst/>
+          </a:prstGeom>
+          <a:noFill/>
+          <a:ln w="9525" cap="flat" cmpd="sng" algn="ctr">
+            <a:solidFill>
+              <a:schemeClr val="dk1"/>
+            </a:solidFill>
+            <a:prstDash val="solid"/>
+            <a:round/>
+            <a:headEnd type="none" w="med" len="med"/>
+            <a:tailEnd type="none" w="med" len="med"/>
+          </a:ln>
+        </p:spPr>
+        <p:style>
+          <a:lnRef idx="0">
+            <a:scrgbClr r="0" g="0" b="0"/>
+          </a:lnRef>
+          <a:fillRef idx="0">
+            <a:scrgbClr r="0" g="0" b="0"/>
+          </a:fillRef>
+          <a:effectRef idx="0">
+            <a:scrgbClr r="0" g="0" b="0"/>
+          </a:effectRef>
+          <a:fontRef idx="minor">
+            <a:schemeClr val="dk1"/>
+          </a:fontRef>
+        </p:style>
+        <p:txBody>
+          <a:bodyPr rtlCol="0" anchor="ctr"/>
+          <a:lstStyle/>
+          <a:p>
+            <a:pPr algn="ctr"/>
+            <a:endParaRPr lang="en-GB"/>
+          </a:p>
+        </p:txBody>
+      </p:sp>
+      <p:sp>
+        <p:nvSpPr>
+          <p:cNvPr id="106" name="Rectangle 105">
+            <a:extLst>
+              <a:ext uri="{FF2B5EF4-FFF2-40B4-BE49-F238E27FC236}">
+                <a16:creationId xmlns:a16="http://schemas.microsoft.com/office/drawing/2014/main" id="{2D5BE78C-FF8A-4B24-B7A9-791BDF115669}"/>
+              </a:ext>
+            </a:extLst>
+          </p:cNvPr>
+          <p:cNvSpPr/>
+          <p:nvPr/>
+        </p:nvSpPr>
+        <p:spPr>
+          <a:xfrm>
+            <a:off x="3177437" y="3025185"/>
+            <a:ext cx="297712" cy="297712"/>
+          </a:xfrm>
+          <a:prstGeom prst="rect">
+            <a:avLst/>
+          </a:prstGeom>
+          <a:noFill/>
+          <a:ln w="9525" cap="flat" cmpd="sng" algn="ctr">
+            <a:solidFill>
+              <a:schemeClr val="dk1"/>
+            </a:solidFill>
+            <a:prstDash val="solid"/>
+            <a:round/>
+            <a:headEnd type="none" w="med" len="med"/>
+            <a:tailEnd type="none" w="med" len="med"/>
+          </a:ln>
+        </p:spPr>
+        <p:style>
+          <a:lnRef idx="0">
+            <a:scrgbClr r="0" g="0" b="0"/>
+          </a:lnRef>
+          <a:fillRef idx="0">
+            <a:scrgbClr r="0" g="0" b="0"/>
+          </a:fillRef>
+          <a:effectRef idx="0">
+            <a:scrgbClr r="0" g="0" b="0"/>
+          </a:effectRef>
+          <a:fontRef idx="minor">
+            <a:schemeClr val="dk1"/>
+          </a:fontRef>
+        </p:style>
+        <p:txBody>
+          <a:bodyPr rtlCol="0" anchor="ctr"/>
+          <a:lstStyle/>
+          <a:p>
+            <a:pPr algn="ctr"/>
+            <a:endParaRPr lang="en-GB"/>
+          </a:p>
+        </p:txBody>
+      </p:sp>
+      <p:sp>
+        <p:nvSpPr>
+          <p:cNvPr id="108" name="Rectangle 107">
+            <a:extLst>
+              <a:ext uri="{FF2B5EF4-FFF2-40B4-BE49-F238E27FC236}">
+                <a16:creationId xmlns:a16="http://schemas.microsoft.com/office/drawing/2014/main" id="{6BFD6998-E890-4377-9941-C62BEFACB684}"/>
+              </a:ext>
+            </a:extLst>
+          </p:cNvPr>
+          <p:cNvSpPr/>
+          <p:nvPr/>
+        </p:nvSpPr>
+        <p:spPr>
+          <a:xfrm>
+            <a:off x="3772861" y="3025185"/>
+            <a:ext cx="297712" cy="297712"/>
+          </a:xfrm>
+          <a:prstGeom prst="rect">
+            <a:avLst/>
+          </a:prstGeom>
+          <a:noFill/>
+          <a:ln w="9525" cap="flat" cmpd="sng" algn="ctr">
+            <a:solidFill>
+              <a:schemeClr val="dk1"/>
+            </a:solidFill>
+            <a:prstDash val="solid"/>
+            <a:round/>
+            <a:headEnd type="none" w="med" len="med"/>
+            <a:tailEnd type="none" w="med" len="med"/>
+          </a:ln>
+        </p:spPr>
+        <p:style>
+          <a:lnRef idx="0">
+            <a:scrgbClr r="0" g="0" b="0"/>
+          </a:lnRef>
+          <a:fillRef idx="0">
+            <a:scrgbClr r="0" g="0" b="0"/>
+          </a:fillRef>
+          <a:effectRef idx="0">
+            <a:scrgbClr r="0" g="0" b="0"/>
+          </a:effectRef>
+          <a:fontRef idx="minor">
+            <a:schemeClr val="dk1"/>
+          </a:fontRef>
+        </p:style>
+        <p:txBody>
+          <a:bodyPr rtlCol="0" anchor="ctr"/>
+          <a:lstStyle/>
+          <a:p>
+            <a:pPr algn="ctr"/>
+            <a:endParaRPr lang="en-GB"/>
+          </a:p>
+        </p:txBody>
+      </p:sp>
+      <p:sp>
+        <p:nvSpPr>
+          <p:cNvPr id="110" name="Rectangle 109">
+            <a:extLst>
+              <a:ext uri="{FF2B5EF4-FFF2-40B4-BE49-F238E27FC236}">
+                <a16:creationId xmlns:a16="http://schemas.microsoft.com/office/drawing/2014/main" id="{B22052E1-7A67-460E-83DF-4E712EC562FF}"/>
+              </a:ext>
+            </a:extLst>
+          </p:cNvPr>
+          <p:cNvSpPr/>
+          <p:nvPr/>
+        </p:nvSpPr>
+        <p:spPr>
+          <a:xfrm>
+            <a:off x="2879725" y="3322897"/>
+            <a:ext cx="297712" cy="297712"/>
+          </a:xfrm>
+          <a:prstGeom prst="rect">
+            <a:avLst/>
+          </a:prstGeom>
+          <a:noFill/>
+          <a:ln w="9525" cap="flat" cmpd="sng" algn="ctr">
+            <a:solidFill>
+              <a:schemeClr val="dk1"/>
+            </a:solidFill>
+            <a:prstDash val="solid"/>
+            <a:round/>
+            <a:headEnd type="none" w="med" len="med"/>
+            <a:tailEnd type="none" w="med" len="med"/>
+          </a:ln>
+        </p:spPr>
+        <p:style>
+          <a:lnRef idx="0">
+            <a:scrgbClr r="0" g="0" b="0"/>
+          </a:lnRef>
+          <a:fillRef idx="0">
+            <a:scrgbClr r="0" g="0" b="0"/>
+          </a:fillRef>
+          <a:effectRef idx="0">
+            <a:scrgbClr r="0" g="0" b="0"/>
+          </a:effectRef>
+          <a:fontRef idx="minor">
+            <a:schemeClr val="dk1"/>
+          </a:fontRef>
+        </p:style>
+        <p:txBody>
+          <a:bodyPr rtlCol="0" anchor="ctr"/>
+          <a:lstStyle/>
+          <a:p>
+            <a:pPr algn="ctr"/>
+            <a:endParaRPr lang="en-GB"/>
+          </a:p>
+        </p:txBody>
+      </p:sp>
+      <p:sp>
+        <p:nvSpPr>
+          <p:cNvPr id="112" name="Rectangle 111">
+            <a:extLst>
+              <a:ext uri="{FF2B5EF4-FFF2-40B4-BE49-F238E27FC236}">
+                <a16:creationId xmlns:a16="http://schemas.microsoft.com/office/drawing/2014/main" id="{D6452AE2-3D9A-4011-BDD8-3B7E235B19AF}"/>
+              </a:ext>
+            </a:extLst>
+          </p:cNvPr>
+          <p:cNvSpPr/>
+          <p:nvPr/>
+        </p:nvSpPr>
+        <p:spPr>
+          <a:xfrm>
+            <a:off x="3475149" y="3322897"/>
+            <a:ext cx="297712" cy="297712"/>
+          </a:xfrm>
+          <a:prstGeom prst="rect">
+            <a:avLst/>
+          </a:prstGeom>
+          <a:noFill/>
+          <a:ln w="9525" cap="flat" cmpd="sng" algn="ctr">
+            <a:solidFill>
+              <a:schemeClr val="dk1"/>
+            </a:solidFill>
+            <a:prstDash val="solid"/>
+            <a:round/>
+            <a:headEnd type="none" w="med" len="med"/>
+            <a:tailEnd type="none" w="med" len="med"/>
+          </a:ln>
+        </p:spPr>
+        <p:style>
+          <a:lnRef idx="0">
+            <a:scrgbClr r="0" g="0" b="0"/>
+          </a:lnRef>
+          <a:fillRef idx="0">
+            <a:scrgbClr r="0" g="0" b="0"/>
+          </a:fillRef>
+          <a:effectRef idx="0">
+            <a:scrgbClr r="0" g="0" b="0"/>
+          </a:effectRef>
+          <a:fontRef idx="minor">
+            <a:schemeClr val="dk1"/>
+          </a:fontRef>
+        </p:style>
+        <p:txBody>
+          <a:bodyPr rtlCol="0" anchor="ctr"/>
+          <a:lstStyle/>
+          <a:p>
+            <a:pPr algn="ctr"/>
+            <a:endParaRPr lang="en-GB"/>
+          </a:p>
+        </p:txBody>
+      </p:sp>
+      <p:sp>
+        <p:nvSpPr>
+          <p:cNvPr id="114" name="Rectangle 113">
+            <a:extLst>
+              <a:ext uri="{FF2B5EF4-FFF2-40B4-BE49-F238E27FC236}">
+                <a16:creationId xmlns:a16="http://schemas.microsoft.com/office/drawing/2014/main" id="{DBD2303C-D5A2-451C-9ED2-D6347341AF98}"/>
+              </a:ext>
+            </a:extLst>
+          </p:cNvPr>
+          <p:cNvSpPr/>
+          <p:nvPr/>
+        </p:nvSpPr>
+        <p:spPr>
+          <a:xfrm>
+            <a:off x="3772861" y="3322897"/>
+            <a:ext cx="297712" cy="297712"/>
+          </a:xfrm>
+          <a:prstGeom prst="rect">
+            <a:avLst/>
+          </a:prstGeom>
+          <a:noFill/>
+          <a:ln w="9525" cap="flat" cmpd="sng" algn="ctr">
+            <a:solidFill>
+              <a:schemeClr val="dk1"/>
+            </a:solidFill>
+            <a:prstDash val="solid"/>
+            <a:round/>
+            <a:headEnd type="none" w="med" len="med"/>
+            <a:tailEnd type="none" w="med" len="med"/>
+          </a:ln>
+        </p:spPr>
+        <p:style>
+          <a:lnRef idx="0">
+            <a:scrgbClr r="0" g="0" b="0"/>
+          </a:lnRef>
+          <a:fillRef idx="0">
+            <a:scrgbClr r="0" g="0" b="0"/>
+          </a:fillRef>
+          <a:effectRef idx="0">
+            <a:scrgbClr r="0" g="0" b="0"/>
+          </a:effectRef>
+          <a:fontRef idx="minor">
+            <a:schemeClr val="dk1"/>
+          </a:fontRef>
+        </p:style>
+        <p:txBody>
+          <a:bodyPr rtlCol="0" anchor="ctr"/>
+          <a:lstStyle/>
+          <a:p>
+            <a:pPr algn="ctr"/>
+            <a:endParaRPr lang="en-GB"/>
+          </a:p>
+        </p:txBody>
+      </p:sp>
+      <p:sp>
+        <p:nvSpPr>
+          <p:cNvPr id="116" name="Rectangle 115">
+            <a:extLst>
+              <a:ext uri="{FF2B5EF4-FFF2-40B4-BE49-F238E27FC236}">
+                <a16:creationId xmlns:a16="http://schemas.microsoft.com/office/drawing/2014/main" id="{693A7D53-0B66-4011-8A59-4DD08EE31C96}"/>
+              </a:ext>
+            </a:extLst>
+          </p:cNvPr>
+          <p:cNvSpPr/>
+          <p:nvPr/>
+        </p:nvSpPr>
+        <p:spPr>
+          <a:xfrm>
+            <a:off x="2879725" y="3620609"/>
+            <a:ext cx="297712" cy="297712"/>
+          </a:xfrm>
+          <a:prstGeom prst="rect">
+            <a:avLst/>
+          </a:prstGeom>
+          <a:noFill/>
+          <a:ln w="9525" cap="flat" cmpd="sng" algn="ctr">
+            <a:solidFill>
+              <a:schemeClr val="dk1"/>
+            </a:solidFill>
+            <a:prstDash val="solid"/>
+            <a:round/>
+            <a:headEnd type="none" w="med" len="med"/>
+            <a:tailEnd type="none" w="med" len="med"/>
+          </a:ln>
+        </p:spPr>
+        <p:style>
+          <a:lnRef idx="0">
+            <a:scrgbClr r="0" g="0" b="0"/>
+          </a:lnRef>
+          <a:fillRef idx="0">
+            <a:scrgbClr r="0" g="0" b="0"/>
+          </a:fillRef>
+          <a:effectRef idx="0">
+            <a:scrgbClr r="0" g="0" b="0"/>
+          </a:effectRef>
+          <a:fontRef idx="minor">
+            <a:schemeClr val="dk1"/>
+          </a:fontRef>
+        </p:style>
+        <p:txBody>
+          <a:bodyPr rtlCol="0" anchor="ctr"/>
+          <a:lstStyle/>
+          <a:p>
+            <a:pPr algn="ctr"/>
+            <a:endParaRPr lang="en-GB"/>
+          </a:p>
+        </p:txBody>
+      </p:sp>
+      <p:sp>
+        <p:nvSpPr>
+          <p:cNvPr id="118" name="Rectangle 117">
+            <a:extLst>
+              <a:ext uri="{FF2B5EF4-FFF2-40B4-BE49-F238E27FC236}">
+                <a16:creationId xmlns:a16="http://schemas.microsoft.com/office/drawing/2014/main" id="{6459F657-3E7F-4374-8AC4-116CEABDF9DC}"/>
+              </a:ext>
+            </a:extLst>
+          </p:cNvPr>
+          <p:cNvSpPr/>
+          <p:nvPr/>
+        </p:nvSpPr>
+        <p:spPr>
+          <a:xfrm>
+            <a:off x="3177437" y="3620609"/>
+            <a:ext cx="297712" cy="297712"/>
+          </a:xfrm>
+          <a:prstGeom prst="rect">
+            <a:avLst/>
+          </a:prstGeom>
+          <a:noFill/>
+          <a:ln w="9525" cap="flat" cmpd="sng" algn="ctr">
+            <a:solidFill>
+              <a:schemeClr val="dk1"/>
+            </a:solidFill>
+            <a:prstDash val="solid"/>
+            <a:round/>
+            <a:headEnd type="none" w="med" len="med"/>
+            <a:tailEnd type="none" w="med" len="med"/>
+          </a:ln>
+        </p:spPr>
+        <p:style>
+          <a:lnRef idx="0">
+            <a:scrgbClr r="0" g="0" b="0"/>
+          </a:lnRef>
+          <a:fillRef idx="0">
+            <a:scrgbClr r="0" g="0" b="0"/>
+          </a:fillRef>
+          <a:effectRef idx="0">
+            <a:scrgbClr r="0" g="0" b="0"/>
+          </a:effectRef>
+          <a:fontRef idx="minor">
+            <a:schemeClr val="dk1"/>
+          </a:fontRef>
+        </p:style>
+        <p:txBody>
+          <a:bodyPr rtlCol="0" anchor="ctr"/>
+          <a:lstStyle/>
+          <a:p>
+            <a:pPr algn="ctr"/>
+            <a:endParaRPr lang="en-GB"/>
+          </a:p>
+        </p:txBody>
+      </p:sp>
+      <p:sp>
+        <p:nvSpPr>
+          <p:cNvPr id="120" name="Rectangle 119">
+            <a:extLst>
+              <a:ext uri="{FF2B5EF4-FFF2-40B4-BE49-F238E27FC236}">
+                <a16:creationId xmlns:a16="http://schemas.microsoft.com/office/drawing/2014/main" id="{4761D747-2C83-4576-89A7-C5FFAA532455}"/>
+              </a:ext>
+            </a:extLst>
+          </p:cNvPr>
+          <p:cNvSpPr/>
+          <p:nvPr/>
+        </p:nvSpPr>
+        <p:spPr>
+          <a:xfrm>
+            <a:off x="3772861" y="3620609"/>
+            <a:ext cx="297712" cy="297712"/>
+          </a:xfrm>
+          <a:prstGeom prst="rect">
+            <a:avLst/>
+          </a:prstGeom>
+          <a:noFill/>
+          <a:ln w="9525" cap="flat" cmpd="sng" algn="ctr">
+            <a:solidFill>
+              <a:schemeClr val="dk1"/>
+            </a:solidFill>
+            <a:prstDash val="solid"/>
+            <a:round/>
+            <a:headEnd type="none" w="med" len="med"/>
+            <a:tailEnd type="none" w="med" len="med"/>
+          </a:ln>
+        </p:spPr>
+        <p:style>
+          <a:lnRef idx="0">
+            <a:scrgbClr r="0" g="0" b="0"/>
+          </a:lnRef>
+          <a:fillRef idx="0">
+            <a:scrgbClr r="0" g="0" b="0"/>
+          </a:fillRef>
+          <a:effectRef idx="0">
+            <a:scrgbClr r="0" g="0" b="0"/>
+          </a:effectRef>
+          <a:fontRef idx="minor">
+            <a:schemeClr val="dk1"/>
+          </a:fontRef>
+        </p:style>
+        <p:txBody>
+          <a:bodyPr rtlCol="0" anchor="ctr"/>
+          <a:lstStyle/>
+          <a:p>
+            <a:pPr algn="ctr"/>
+            <a:endParaRPr lang="en-GB"/>
+          </a:p>
+        </p:txBody>
+      </p:sp>
+      <p:sp>
+        <p:nvSpPr>
+          <p:cNvPr id="124" name="Rectangle 123">
+            <a:extLst>
+              <a:ext uri="{FF2B5EF4-FFF2-40B4-BE49-F238E27FC236}">
+                <a16:creationId xmlns:a16="http://schemas.microsoft.com/office/drawing/2014/main" id="{DD9A6D2B-E94F-48C5-B32B-049CC0956AC5}"/>
+              </a:ext>
+            </a:extLst>
+          </p:cNvPr>
+          <p:cNvSpPr/>
+          <p:nvPr/>
+        </p:nvSpPr>
+        <p:spPr>
+          <a:xfrm>
+            <a:off x="2879725" y="3918321"/>
+            <a:ext cx="297712" cy="297712"/>
+          </a:xfrm>
+          <a:prstGeom prst="rect">
+            <a:avLst/>
+          </a:prstGeom>
+          <a:noFill/>
+          <a:ln w="9525" cap="flat" cmpd="sng" algn="ctr">
+            <a:solidFill>
+              <a:schemeClr val="dk1"/>
+            </a:solidFill>
+            <a:prstDash val="solid"/>
+            <a:round/>
+            <a:headEnd type="none" w="med" len="med"/>
+            <a:tailEnd type="none" w="med" len="med"/>
+          </a:ln>
+        </p:spPr>
+        <p:style>
+          <a:lnRef idx="0">
+            <a:scrgbClr r="0" g="0" b="0"/>
+          </a:lnRef>
+          <a:fillRef idx="0">
+            <a:scrgbClr r="0" g="0" b="0"/>
+          </a:fillRef>
+          <a:effectRef idx="0">
+            <a:scrgbClr r="0" g="0" b="0"/>
+          </a:effectRef>
+          <a:fontRef idx="minor">
+            <a:schemeClr val="dk1"/>
+          </a:fontRef>
+        </p:style>
+        <p:txBody>
+          <a:bodyPr rtlCol="0" anchor="ctr"/>
+          <a:lstStyle/>
+          <a:p>
+            <a:pPr algn="ctr"/>
+            <a:endParaRPr lang="en-GB"/>
+          </a:p>
+        </p:txBody>
+      </p:sp>
+      <p:sp>
+        <p:nvSpPr>
+          <p:cNvPr id="126" name="Rectangle 125">
+            <a:extLst>
+              <a:ext uri="{FF2B5EF4-FFF2-40B4-BE49-F238E27FC236}">
+                <a16:creationId xmlns:a16="http://schemas.microsoft.com/office/drawing/2014/main" id="{CB5658E1-7C6C-4858-B823-5A0FCE309A8F}"/>
+              </a:ext>
+            </a:extLst>
+          </p:cNvPr>
+          <p:cNvSpPr/>
+          <p:nvPr/>
+        </p:nvSpPr>
+        <p:spPr>
+          <a:xfrm>
+            <a:off x="3475149" y="3918321"/>
+            <a:ext cx="297712" cy="297712"/>
+          </a:xfrm>
+          <a:prstGeom prst="rect">
+            <a:avLst/>
+          </a:prstGeom>
+          <a:noFill/>
+          <a:ln w="9525" cap="flat" cmpd="sng" algn="ctr">
+            <a:solidFill>
+              <a:schemeClr val="dk1"/>
+            </a:solidFill>
+            <a:prstDash val="solid"/>
+            <a:round/>
+            <a:headEnd type="none" w="med" len="med"/>
+            <a:tailEnd type="none" w="med" len="med"/>
+          </a:ln>
+        </p:spPr>
+        <p:style>
+          <a:lnRef idx="0">
+            <a:scrgbClr r="0" g="0" b="0"/>
+          </a:lnRef>
+          <a:fillRef idx="0">
+            <a:scrgbClr r="0" g="0" b="0"/>
+          </a:fillRef>
+          <a:effectRef idx="0">
+            <a:scrgbClr r="0" g="0" b="0"/>
+          </a:effectRef>
+          <a:fontRef idx="minor">
+            <a:schemeClr val="dk1"/>
+          </a:fontRef>
+        </p:style>
+        <p:txBody>
+          <a:bodyPr rtlCol="0" anchor="ctr"/>
+          <a:lstStyle/>
+          <a:p>
+            <a:pPr algn="ctr"/>
+            <a:endParaRPr lang="en-GB"/>
+          </a:p>
+        </p:txBody>
+      </p:sp>
+      <p:sp>
+        <p:nvSpPr>
+          <p:cNvPr id="128" name="Rectangle 127">
+            <a:extLst>
+              <a:ext uri="{FF2B5EF4-FFF2-40B4-BE49-F238E27FC236}">
+                <a16:creationId xmlns:a16="http://schemas.microsoft.com/office/drawing/2014/main" id="{AA38C7E4-0B70-417B-83CB-CFF499DBF35F}"/>
+              </a:ext>
+            </a:extLst>
+          </p:cNvPr>
+          <p:cNvSpPr/>
+          <p:nvPr/>
+        </p:nvSpPr>
+        <p:spPr>
+          <a:xfrm>
+            <a:off x="3177437" y="3918321"/>
+            <a:ext cx="297712" cy="297712"/>
+          </a:xfrm>
+          <a:prstGeom prst="rect">
+            <a:avLst/>
+          </a:prstGeom>
+          <a:noFill/>
+          <a:ln w="9525" cap="flat" cmpd="sng" algn="ctr">
+            <a:solidFill>
+              <a:schemeClr val="dk1"/>
+            </a:solidFill>
+            <a:prstDash val="solid"/>
+            <a:round/>
+            <a:headEnd type="none" w="med" len="med"/>
+            <a:tailEnd type="none" w="med" len="med"/>
+          </a:ln>
+        </p:spPr>
+        <p:style>
+          <a:lnRef idx="0">
+            <a:scrgbClr r="0" g="0" b="0"/>
+          </a:lnRef>
+          <a:fillRef idx="0">
+            <a:scrgbClr r="0" g="0" b="0"/>
+          </a:fillRef>
+          <a:effectRef idx="0">
+            <a:scrgbClr r="0" g="0" b="0"/>
+          </a:effectRef>
+          <a:fontRef idx="minor">
+            <a:schemeClr val="dk1"/>
+          </a:fontRef>
+        </p:style>
+        <p:txBody>
+          <a:bodyPr rtlCol="0" anchor="ctr"/>
+          <a:lstStyle/>
+          <a:p>
+            <a:pPr algn="ctr"/>
+            <a:endParaRPr lang="en-GB"/>
+          </a:p>
+        </p:txBody>
+      </p:sp>
+      <p:sp>
+        <p:nvSpPr>
+          <p:cNvPr id="130" name="Rectangle 129">
+            <a:extLst>
+              <a:ext uri="{FF2B5EF4-FFF2-40B4-BE49-F238E27FC236}">
+                <a16:creationId xmlns:a16="http://schemas.microsoft.com/office/drawing/2014/main" id="{14E64E27-9480-4F42-A2F1-2E536DFD7CA7}"/>
+              </a:ext>
+            </a:extLst>
+          </p:cNvPr>
+          <p:cNvSpPr/>
+          <p:nvPr/>
+        </p:nvSpPr>
+        <p:spPr>
+          <a:xfrm>
+            <a:off x="3772861" y="3918321"/>
+            <a:ext cx="297712" cy="297712"/>
+          </a:xfrm>
+          <a:prstGeom prst="rect">
+            <a:avLst/>
+          </a:prstGeom>
+          <a:noFill/>
+          <a:ln w="9525" cap="flat" cmpd="sng" algn="ctr">
+            <a:solidFill>
+              <a:schemeClr val="dk1"/>
+            </a:solidFill>
+            <a:prstDash val="solid"/>
+            <a:round/>
+            <a:headEnd type="none" w="med" len="med"/>
+            <a:tailEnd type="none" w="med" len="med"/>
+          </a:ln>
+        </p:spPr>
+        <p:style>
+          <a:lnRef idx="0">
+            <a:scrgbClr r="0" g="0" b="0"/>
+          </a:lnRef>
+          <a:fillRef idx="0">
+            <a:scrgbClr r="0" g="0" b="0"/>
+          </a:fillRef>
+          <a:effectRef idx="0">
+            <a:scrgbClr r="0" g="0" b="0"/>
+          </a:effectRef>
+          <a:fontRef idx="minor">
+            <a:schemeClr val="dk1"/>
+          </a:fontRef>
+        </p:style>
+        <p:txBody>
+          <a:bodyPr rtlCol="0" anchor="ctr"/>
+          <a:lstStyle/>
+          <a:p>
+            <a:pPr algn="ctr"/>
+            <a:endParaRPr lang="en-GB"/>
+          </a:p>
+        </p:txBody>
+      </p:sp>
+      <p:sp>
+        <p:nvSpPr>
+          <p:cNvPr id="132" name="Rectangle 131">
+            <a:extLst>
+              <a:ext uri="{FF2B5EF4-FFF2-40B4-BE49-F238E27FC236}">
+                <a16:creationId xmlns:a16="http://schemas.microsoft.com/office/drawing/2014/main" id="{BD9C2E01-C2EF-42C5-BCEA-67AB8190C8FF}"/>
+              </a:ext>
+            </a:extLst>
+          </p:cNvPr>
+          <p:cNvSpPr/>
+          <p:nvPr/>
+        </p:nvSpPr>
+        <p:spPr>
+          <a:xfrm>
+            <a:off x="4070573" y="1837733"/>
+            <a:ext cx="297712" cy="297712"/>
+          </a:xfrm>
+          <a:prstGeom prst="rect">
+            <a:avLst/>
+          </a:prstGeom>
+          <a:noFill/>
+          <a:ln w="9525" cap="flat" cmpd="sng" algn="ctr">
+            <a:solidFill>
+              <a:schemeClr val="dk1"/>
+            </a:solidFill>
+            <a:prstDash val="solid"/>
+            <a:round/>
+            <a:headEnd type="none" w="med" len="med"/>
+            <a:tailEnd type="none" w="med" len="med"/>
+          </a:ln>
+        </p:spPr>
+        <p:style>
+          <a:lnRef idx="0">
+            <a:scrgbClr r="0" g="0" b="0"/>
+          </a:lnRef>
+          <a:fillRef idx="0">
+            <a:scrgbClr r="0" g="0" b="0"/>
+          </a:fillRef>
+          <a:effectRef idx="0">
+            <a:scrgbClr r="0" g="0" b="0"/>
+          </a:effectRef>
+          <a:fontRef idx="minor">
+            <a:schemeClr val="dk1"/>
+          </a:fontRef>
+        </p:style>
+        <p:txBody>
+          <a:bodyPr rtlCol="0" anchor="ctr"/>
+          <a:lstStyle/>
+          <a:p>
+            <a:pPr algn="ctr"/>
+            <a:endParaRPr lang="en-GB"/>
+          </a:p>
+        </p:txBody>
+      </p:sp>
+      <p:sp>
+        <p:nvSpPr>
+          <p:cNvPr id="134" name="Rectangle 133">
+            <a:extLst>
+              <a:ext uri="{FF2B5EF4-FFF2-40B4-BE49-F238E27FC236}">
+                <a16:creationId xmlns:a16="http://schemas.microsoft.com/office/drawing/2014/main" id="{3439C3EC-7ECD-457F-8731-D35BC21593DC}"/>
+              </a:ext>
+            </a:extLst>
+          </p:cNvPr>
+          <p:cNvSpPr/>
+          <p:nvPr/>
+        </p:nvSpPr>
+        <p:spPr>
+          <a:xfrm>
+            <a:off x="4070573" y="2135445"/>
+            <a:ext cx="297712" cy="297712"/>
+          </a:xfrm>
+          <a:prstGeom prst="rect">
+            <a:avLst/>
+          </a:prstGeom>
+          <a:noFill/>
+          <a:ln w="9525" cap="flat" cmpd="sng" algn="ctr">
+            <a:solidFill>
+              <a:schemeClr val="dk1"/>
+            </a:solidFill>
+            <a:prstDash val="solid"/>
+            <a:round/>
+            <a:headEnd type="none" w="med" len="med"/>
+            <a:tailEnd type="none" w="med" len="med"/>
+          </a:ln>
+        </p:spPr>
+        <p:style>
+          <a:lnRef idx="0">
+            <a:scrgbClr r="0" g="0" b="0"/>
+          </a:lnRef>
+          <a:fillRef idx="0">
+            <a:scrgbClr r="0" g="0" b="0"/>
+          </a:fillRef>
+          <a:effectRef idx="0">
+            <a:scrgbClr r="0" g="0" b="0"/>
+          </a:effectRef>
+          <a:fontRef idx="minor">
+            <a:schemeClr val="dk1"/>
+          </a:fontRef>
+        </p:style>
+        <p:txBody>
+          <a:bodyPr rtlCol="0" anchor="ctr"/>
+          <a:lstStyle/>
+          <a:p>
+            <a:pPr algn="ctr"/>
+            <a:endParaRPr lang="en-GB"/>
+          </a:p>
+        </p:txBody>
+      </p:sp>
+      <p:sp>
+        <p:nvSpPr>
+          <p:cNvPr id="136" name="Rectangle 135">
+            <a:extLst>
+              <a:ext uri="{FF2B5EF4-FFF2-40B4-BE49-F238E27FC236}">
+                <a16:creationId xmlns:a16="http://schemas.microsoft.com/office/drawing/2014/main" id="{96DD36D3-200F-46AA-9256-FEFAF4C2F17F}"/>
+              </a:ext>
+            </a:extLst>
+          </p:cNvPr>
+          <p:cNvSpPr/>
+          <p:nvPr/>
+        </p:nvSpPr>
+        <p:spPr>
+          <a:xfrm>
+            <a:off x="4070573" y="2433157"/>
+            <a:ext cx="297712" cy="297712"/>
+          </a:xfrm>
+          <a:prstGeom prst="rect">
+            <a:avLst/>
+          </a:prstGeom>
+          <a:noFill/>
+          <a:ln w="9525" cap="flat" cmpd="sng" algn="ctr">
+            <a:solidFill>
+              <a:schemeClr val="dk1"/>
+            </a:solidFill>
+            <a:prstDash val="solid"/>
+            <a:round/>
+            <a:headEnd type="none" w="med" len="med"/>
+            <a:tailEnd type="none" w="med" len="med"/>
+          </a:ln>
+        </p:spPr>
+        <p:style>
+          <a:lnRef idx="0">
+            <a:scrgbClr r="0" g="0" b="0"/>
+          </a:lnRef>
+          <a:fillRef idx="0">
+            <a:scrgbClr r="0" g="0" b="0"/>
+          </a:fillRef>
+          <a:effectRef idx="0">
+            <a:scrgbClr r="0" g="0" b="0"/>
+          </a:effectRef>
+          <a:fontRef idx="minor">
+            <a:schemeClr val="dk1"/>
+          </a:fontRef>
+        </p:style>
+        <p:txBody>
+          <a:bodyPr rtlCol="0" anchor="ctr"/>
+          <a:lstStyle/>
+          <a:p>
+            <a:pPr algn="ctr"/>
+            <a:endParaRPr lang="en-GB"/>
+          </a:p>
+        </p:txBody>
+      </p:sp>
+      <p:sp>
+        <p:nvSpPr>
+          <p:cNvPr id="138" name="Rectangle 137">
+            <a:extLst>
+              <a:ext uri="{FF2B5EF4-FFF2-40B4-BE49-F238E27FC236}">
+                <a16:creationId xmlns:a16="http://schemas.microsoft.com/office/drawing/2014/main" id="{85224944-5D31-4780-B2F2-0168EEB66804}"/>
+              </a:ext>
+            </a:extLst>
+          </p:cNvPr>
+          <p:cNvSpPr/>
+          <p:nvPr/>
+        </p:nvSpPr>
+        <p:spPr>
+          <a:xfrm>
+            <a:off x="4070573" y="2730869"/>
+            <a:ext cx="297712" cy="297712"/>
+          </a:xfrm>
+          <a:prstGeom prst="rect">
+            <a:avLst/>
+          </a:prstGeom>
+          <a:noFill/>
+          <a:ln w="9525" cap="flat" cmpd="sng" algn="ctr">
+            <a:solidFill>
+              <a:schemeClr val="dk1"/>
+            </a:solidFill>
+            <a:prstDash val="solid"/>
+            <a:round/>
+            <a:headEnd type="none" w="med" len="med"/>
+            <a:tailEnd type="none" w="med" len="med"/>
+          </a:ln>
+        </p:spPr>
+        <p:style>
+          <a:lnRef idx="0">
+            <a:scrgbClr r="0" g="0" b="0"/>
+          </a:lnRef>
+          <a:fillRef idx="0">
+            <a:scrgbClr r="0" g="0" b="0"/>
+          </a:fillRef>
+          <a:effectRef idx="0">
+            <a:scrgbClr r="0" g="0" b="0"/>
+          </a:effectRef>
+          <a:fontRef idx="minor">
+            <a:schemeClr val="dk1"/>
+          </a:fontRef>
+        </p:style>
+        <p:txBody>
+          <a:bodyPr rtlCol="0" anchor="ctr"/>
+          <a:lstStyle/>
+          <a:p>
+            <a:pPr algn="ctr"/>
+            <a:endParaRPr lang="en-GB"/>
+          </a:p>
+        </p:txBody>
+      </p:sp>
+      <p:sp>
+        <p:nvSpPr>
+          <p:cNvPr id="140" name="Rectangle 139">
+            <a:extLst>
+              <a:ext uri="{FF2B5EF4-FFF2-40B4-BE49-F238E27FC236}">
+                <a16:creationId xmlns:a16="http://schemas.microsoft.com/office/drawing/2014/main" id="{083C734A-B89A-4BCA-AD64-468A61D85DF5}"/>
+              </a:ext>
+            </a:extLst>
+          </p:cNvPr>
+          <p:cNvSpPr/>
+          <p:nvPr/>
+        </p:nvSpPr>
+        <p:spPr>
+          <a:xfrm>
+            <a:off x="4070573" y="3025185"/>
+            <a:ext cx="297712" cy="297712"/>
+          </a:xfrm>
+          <a:prstGeom prst="rect">
+            <a:avLst/>
+          </a:prstGeom>
+          <a:noFill/>
+          <a:ln w="9525" cap="flat" cmpd="sng" algn="ctr">
+            <a:solidFill>
+              <a:schemeClr val="dk1"/>
+            </a:solidFill>
+            <a:prstDash val="solid"/>
+            <a:round/>
+            <a:headEnd type="none" w="med" len="med"/>
+            <a:tailEnd type="none" w="med" len="med"/>
+          </a:ln>
+        </p:spPr>
+        <p:style>
+          <a:lnRef idx="0">
+            <a:scrgbClr r="0" g="0" b="0"/>
+          </a:lnRef>
+          <a:fillRef idx="0">
+            <a:scrgbClr r="0" g="0" b="0"/>
+          </a:fillRef>
+          <a:effectRef idx="0">
+            <a:scrgbClr r="0" g="0" b="0"/>
+          </a:effectRef>
+          <a:fontRef idx="minor">
+            <a:schemeClr val="dk1"/>
+          </a:fontRef>
+        </p:style>
+        <p:txBody>
+          <a:bodyPr rtlCol="0" anchor="ctr"/>
+          <a:lstStyle/>
+          <a:p>
+            <a:pPr algn="ctr"/>
+            <a:endParaRPr lang="en-GB"/>
+          </a:p>
+        </p:txBody>
+      </p:sp>
+      <p:sp>
+        <p:nvSpPr>
+          <p:cNvPr id="142" name="Rectangle 141">
+            <a:extLst>
+              <a:ext uri="{FF2B5EF4-FFF2-40B4-BE49-F238E27FC236}">
+                <a16:creationId xmlns:a16="http://schemas.microsoft.com/office/drawing/2014/main" id="{5914B8F5-0CB9-4930-B76C-A706D01CD4B9}"/>
+              </a:ext>
+            </a:extLst>
+          </p:cNvPr>
+          <p:cNvSpPr/>
+          <p:nvPr/>
+        </p:nvSpPr>
+        <p:spPr>
+          <a:xfrm>
+            <a:off x="4070573" y="3322897"/>
+            <a:ext cx="297712" cy="297712"/>
+          </a:xfrm>
+          <a:prstGeom prst="rect">
+            <a:avLst/>
+          </a:prstGeom>
+          <a:noFill/>
+          <a:ln w="9525" cap="flat" cmpd="sng" algn="ctr">
+            <a:solidFill>
+              <a:schemeClr val="dk1"/>
+            </a:solidFill>
+            <a:prstDash val="solid"/>
+            <a:round/>
+            <a:headEnd type="none" w="med" len="med"/>
+            <a:tailEnd type="none" w="med" len="med"/>
+          </a:ln>
+        </p:spPr>
+        <p:style>
+          <a:lnRef idx="0">
+            <a:scrgbClr r="0" g="0" b="0"/>
+          </a:lnRef>
+          <a:fillRef idx="0">
+            <a:scrgbClr r="0" g="0" b="0"/>
+          </a:fillRef>
+          <a:effectRef idx="0">
+            <a:scrgbClr r="0" g="0" b="0"/>
+          </a:effectRef>
+          <a:fontRef idx="minor">
+            <a:schemeClr val="dk1"/>
+          </a:fontRef>
+        </p:style>
+        <p:txBody>
+          <a:bodyPr rtlCol="0" anchor="ctr"/>
+          <a:lstStyle/>
+          <a:p>
+            <a:pPr algn="ctr"/>
+            <a:endParaRPr lang="en-GB"/>
+          </a:p>
+        </p:txBody>
+      </p:sp>
+      <p:sp>
+        <p:nvSpPr>
+          <p:cNvPr id="144" name="Rectangle 143">
+            <a:extLst>
+              <a:ext uri="{FF2B5EF4-FFF2-40B4-BE49-F238E27FC236}">
+                <a16:creationId xmlns:a16="http://schemas.microsoft.com/office/drawing/2014/main" id="{069042AD-5220-49BD-AF42-B549B75D14AA}"/>
+              </a:ext>
+            </a:extLst>
+          </p:cNvPr>
+          <p:cNvSpPr/>
+          <p:nvPr/>
+        </p:nvSpPr>
+        <p:spPr>
+          <a:xfrm>
+            <a:off x="4070573" y="3620609"/>
+            <a:ext cx="297712" cy="297712"/>
+          </a:xfrm>
+          <a:prstGeom prst="rect">
+            <a:avLst/>
+          </a:prstGeom>
+          <a:noFill/>
+          <a:ln w="9525" cap="flat" cmpd="sng" algn="ctr">
+            <a:solidFill>
+              <a:schemeClr val="dk1"/>
+            </a:solidFill>
+            <a:prstDash val="solid"/>
+            <a:round/>
+            <a:headEnd type="none" w="med" len="med"/>
+            <a:tailEnd type="none" w="med" len="med"/>
+          </a:ln>
+        </p:spPr>
+        <p:style>
+          <a:lnRef idx="0">
+            <a:scrgbClr r="0" g="0" b="0"/>
+          </a:lnRef>
+          <a:fillRef idx="0">
+            <a:scrgbClr r="0" g="0" b="0"/>
+          </a:fillRef>
+          <a:effectRef idx="0">
+            <a:scrgbClr r="0" g="0" b="0"/>
+          </a:effectRef>
+          <a:fontRef idx="minor">
+            <a:schemeClr val="dk1"/>
+          </a:fontRef>
+        </p:style>
+        <p:txBody>
+          <a:bodyPr rtlCol="0" anchor="ctr"/>
+          <a:lstStyle/>
+          <a:p>
+            <a:pPr algn="ctr"/>
+            <a:endParaRPr lang="en-GB"/>
+          </a:p>
+        </p:txBody>
+      </p:sp>
+      <p:sp>
+        <p:nvSpPr>
+          <p:cNvPr id="146" name="Rectangle 145">
+            <a:extLst>
+              <a:ext uri="{FF2B5EF4-FFF2-40B4-BE49-F238E27FC236}">
+                <a16:creationId xmlns:a16="http://schemas.microsoft.com/office/drawing/2014/main" id="{6AC4D131-B5C0-436F-9570-A1288F2D4982}"/>
+              </a:ext>
+            </a:extLst>
+          </p:cNvPr>
+          <p:cNvSpPr/>
+          <p:nvPr/>
+        </p:nvSpPr>
+        <p:spPr>
+          <a:xfrm>
+            <a:off x="4070573" y="3918321"/>
+            <a:ext cx="297712" cy="297712"/>
+          </a:xfrm>
+          <a:prstGeom prst="rect">
+            <a:avLst/>
+          </a:prstGeom>
+          <a:noFill/>
+          <a:ln w="9525" cap="flat" cmpd="sng" algn="ctr">
+            <a:solidFill>
+              <a:schemeClr val="dk1"/>
+            </a:solidFill>
+            <a:prstDash val="solid"/>
+            <a:round/>
+            <a:headEnd type="none" w="med" len="med"/>
+            <a:tailEnd type="none" w="med" len="med"/>
+          </a:ln>
+        </p:spPr>
+        <p:style>
+          <a:lnRef idx="0">
+            <a:scrgbClr r="0" g="0" b="0"/>
+          </a:lnRef>
+          <a:fillRef idx="0">
+            <a:scrgbClr r="0" g="0" b="0"/>
+          </a:fillRef>
+          <a:effectRef idx="0">
+            <a:scrgbClr r="0" g="0" b="0"/>
+          </a:effectRef>
+          <a:fontRef idx="minor">
+            <a:schemeClr val="dk1"/>
+          </a:fontRef>
+        </p:style>
+        <p:txBody>
+          <a:bodyPr rtlCol="0" anchor="ctr"/>
+          <a:lstStyle/>
+          <a:p>
+            <a:pPr algn="ctr"/>
+            <a:endParaRPr lang="en-GB"/>
+          </a:p>
+        </p:txBody>
+      </p:sp>
+      <p:sp>
+        <p:nvSpPr>
+          <p:cNvPr id="148" name="Rectangle 147">
+            <a:extLst>
+              <a:ext uri="{FF2B5EF4-FFF2-40B4-BE49-F238E27FC236}">
+                <a16:creationId xmlns:a16="http://schemas.microsoft.com/office/drawing/2014/main" id="{2584AE4F-7220-4331-BFD9-80BA7B17E1AA}"/>
+              </a:ext>
+            </a:extLst>
+          </p:cNvPr>
+          <p:cNvSpPr/>
+          <p:nvPr/>
+        </p:nvSpPr>
+        <p:spPr>
+          <a:xfrm>
+            <a:off x="1688877" y="4216033"/>
+            <a:ext cx="297712" cy="297712"/>
+          </a:xfrm>
+          <a:prstGeom prst="rect">
+            <a:avLst/>
+          </a:prstGeom>
+          <a:noFill/>
+          <a:ln w="9525" cap="flat" cmpd="sng" algn="ctr">
+            <a:solidFill>
+              <a:schemeClr val="dk1"/>
+            </a:solidFill>
+            <a:prstDash val="solid"/>
+            <a:round/>
+            <a:headEnd type="none" w="med" len="med"/>
+            <a:tailEnd type="none" w="med" len="med"/>
+          </a:ln>
+        </p:spPr>
+        <p:style>
+          <a:lnRef idx="0">
+            <a:scrgbClr r="0" g="0" b="0"/>
+          </a:lnRef>
+          <a:fillRef idx="0">
+            <a:scrgbClr r="0" g="0" b="0"/>
+          </a:fillRef>
+          <a:effectRef idx="0">
+            <a:scrgbClr r="0" g="0" b="0"/>
+          </a:effectRef>
+          <a:fontRef idx="minor">
+            <a:schemeClr val="dk1"/>
+          </a:fontRef>
+        </p:style>
+        <p:txBody>
+          <a:bodyPr rtlCol="0" anchor="ctr"/>
+          <a:lstStyle/>
+          <a:p>
+            <a:pPr algn="ctr"/>
+            <a:endParaRPr lang="en-GB"/>
+          </a:p>
+        </p:txBody>
+      </p:sp>
+      <p:sp>
+        <p:nvSpPr>
+          <p:cNvPr id="150" name="Rectangle 149">
+            <a:extLst>
+              <a:ext uri="{FF2B5EF4-FFF2-40B4-BE49-F238E27FC236}">
+                <a16:creationId xmlns:a16="http://schemas.microsoft.com/office/drawing/2014/main" id="{1E5C25C6-3728-4A5E-B38B-28FB200C1CBB}"/>
+              </a:ext>
+            </a:extLst>
+          </p:cNvPr>
+          <p:cNvSpPr/>
+          <p:nvPr/>
+        </p:nvSpPr>
+        <p:spPr>
+          <a:xfrm>
+            <a:off x="2284301" y="4216033"/>
+            <a:ext cx="297712" cy="297712"/>
+          </a:xfrm>
+          <a:prstGeom prst="rect">
+            <a:avLst/>
+          </a:prstGeom>
+          <a:noFill/>
+          <a:ln w="9525" cap="flat" cmpd="sng" algn="ctr">
+            <a:solidFill>
+              <a:schemeClr val="dk1"/>
+            </a:solidFill>
+            <a:prstDash val="solid"/>
+            <a:round/>
+            <a:headEnd type="none" w="med" len="med"/>
+            <a:tailEnd type="none" w="med" len="med"/>
+          </a:ln>
+        </p:spPr>
+        <p:style>
+          <a:lnRef idx="0">
+            <a:scrgbClr r="0" g="0" b="0"/>
+          </a:lnRef>
+          <a:fillRef idx="0">
+            <a:scrgbClr r="0" g="0" b="0"/>
+          </a:fillRef>
+          <a:effectRef idx="0">
+            <a:scrgbClr r="0" g="0" b="0"/>
+          </a:effectRef>
+          <a:fontRef idx="minor">
+            <a:schemeClr val="dk1"/>
+          </a:fontRef>
+        </p:style>
+        <p:txBody>
+          <a:bodyPr rtlCol="0" anchor="ctr"/>
+          <a:lstStyle/>
+          <a:p>
+            <a:pPr algn="ctr"/>
+            <a:endParaRPr lang="en-GB"/>
+          </a:p>
+        </p:txBody>
+      </p:sp>
+      <p:sp>
+        <p:nvSpPr>
+          <p:cNvPr id="152" name="Rectangle 151">
+            <a:extLst>
+              <a:ext uri="{FF2B5EF4-FFF2-40B4-BE49-F238E27FC236}">
+                <a16:creationId xmlns:a16="http://schemas.microsoft.com/office/drawing/2014/main" id="{D8E175BB-D5BD-4E1A-A5B6-76C40546DC87}"/>
+              </a:ext>
+            </a:extLst>
+          </p:cNvPr>
+          <p:cNvSpPr/>
+          <p:nvPr/>
+        </p:nvSpPr>
+        <p:spPr>
+          <a:xfrm>
+            <a:off x="1986589" y="4216033"/>
+            <a:ext cx="297712" cy="297712"/>
+          </a:xfrm>
+          <a:prstGeom prst="rect">
+            <a:avLst/>
+          </a:prstGeom>
+          <a:noFill/>
+          <a:ln w="9525" cap="flat" cmpd="sng" algn="ctr">
+            <a:solidFill>
+              <a:schemeClr val="dk1"/>
+            </a:solidFill>
+            <a:prstDash val="solid"/>
+            <a:round/>
+            <a:headEnd type="none" w="med" len="med"/>
+            <a:tailEnd type="none" w="med" len="med"/>
+          </a:ln>
+        </p:spPr>
+        <p:style>
+          <a:lnRef idx="0">
+            <a:scrgbClr r="0" g="0" b="0"/>
+          </a:lnRef>
+          <a:fillRef idx="0">
+            <a:scrgbClr r="0" g="0" b="0"/>
+          </a:fillRef>
+          <a:effectRef idx="0">
+            <a:scrgbClr r="0" g="0" b="0"/>
+          </a:effectRef>
+          <a:fontRef idx="minor">
+            <a:schemeClr val="dk1"/>
+          </a:fontRef>
+        </p:style>
+        <p:txBody>
+          <a:bodyPr rtlCol="0" anchor="ctr"/>
+          <a:lstStyle/>
+          <a:p>
+            <a:pPr algn="ctr"/>
+            <a:endParaRPr lang="en-GB"/>
+          </a:p>
+        </p:txBody>
+      </p:sp>
+      <p:sp>
+        <p:nvSpPr>
+          <p:cNvPr id="154" name="Rectangle 153">
+            <a:extLst>
+              <a:ext uri="{FF2B5EF4-FFF2-40B4-BE49-F238E27FC236}">
+                <a16:creationId xmlns:a16="http://schemas.microsoft.com/office/drawing/2014/main" id="{B4CACF53-97EB-4737-AD8D-466F2FE70CE9}"/>
+              </a:ext>
+            </a:extLst>
+          </p:cNvPr>
+          <p:cNvSpPr/>
+          <p:nvPr/>
+        </p:nvSpPr>
+        <p:spPr>
+          <a:xfrm>
+            <a:off x="2582013" y="4216033"/>
+            <a:ext cx="297712" cy="297712"/>
+          </a:xfrm>
+          <a:prstGeom prst="rect">
+            <a:avLst/>
+          </a:prstGeom>
+          <a:noFill/>
+          <a:ln w="9525" cap="flat" cmpd="sng" algn="ctr">
+            <a:solidFill>
+              <a:schemeClr val="dk1"/>
+            </a:solidFill>
+            <a:prstDash val="solid"/>
+            <a:round/>
+            <a:headEnd type="none" w="med" len="med"/>
+            <a:tailEnd type="none" w="med" len="med"/>
+          </a:ln>
+        </p:spPr>
+        <p:style>
+          <a:lnRef idx="0">
+            <a:scrgbClr r="0" g="0" b="0"/>
+          </a:lnRef>
+          <a:fillRef idx="0">
+            <a:scrgbClr r="0" g="0" b="0"/>
+          </a:fillRef>
+          <a:effectRef idx="0">
+            <a:scrgbClr r="0" g="0" b="0"/>
+          </a:effectRef>
+          <a:fontRef idx="minor">
+            <a:schemeClr val="dk1"/>
+          </a:fontRef>
+        </p:style>
+        <p:txBody>
+          <a:bodyPr rtlCol="0" anchor="ctr"/>
+          <a:lstStyle/>
+          <a:p>
+            <a:pPr algn="ctr"/>
+            <a:endParaRPr lang="en-GB"/>
+          </a:p>
+        </p:txBody>
+      </p:sp>
+      <p:sp>
+        <p:nvSpPr>
+          <p:cNvPr id="156" name="Rectangle 155">
+            <a:extLst>
+              <a:ext uri="{FF2B5EF4-FFF2-40B4-BE49-F238E27FC236}">
+                <a16:creationId xmlns:a16="http://schemas.microsoft.com/office/drawing/2014/main" id="{80B929A4-3C5E-4EA7-9600-31AC9C869197}"/>
+              </a:ext>
+            </a:extLst>
+          </p:cNvPr>
+          <p:cNvSpPr/>
+          <p:nvPr/>
+        </p:nvSpPr>
+        <p:spPr>
+          <a:xfrm>
+            <a:off x="2879725" y="4216033"/>
+            <a:ext cx="297712" cy="297712"/>
+          </a:xfrm>
+          <a:prstGeom prst="rect">
+            <a:avLst/>
+          </a:prstGeom>
+          <a:noFill/>
+          <a:ln w="9525" cap="flat" cmpd="sng" algn="ctr">
+            <a:solidFill>
+              <a:schemeClr val="dk1"/>
+            </a:solidFill>
+            <a:prstDash val="solid"/>
+            <a:round/>
+            <a:headEnd type="none" w="med" len="med"/>
+            <a:tailEnd type="none" w="med" len="med"/>
+          </a:ln>
+        </p:spPr>
+        <p:style>
+          <a:lnRef idx="0">
+            <a:scrgbClr r="0" g="0" b="0"/>
+          </a:lnRef>
+          <a:fillRef idx="0">
+            <a:scrgbClr r="0" g="0" b="0"/>
+          </a:fillRef>
+          <a:effectRef idx="0">
+            <a:scrgbClr r="0" g="0" b="0"/>
+          </a:effectRef>
+          <a:fontRef idx="minor">
+            <a:schemeClr val="dk1"/>
+          </a:fontRef>
+        </p:style>
+        <p:txBody>
+          <a:bodyPr rtlCol="0" anchor="ctr"/>
+          <a:lstStyle/>
+          <a:p>
+            <a:pPr algn="ctr"/>
+            <a:endParaRPr lang="en-GB"/>
+          </a:p>
+        </p:txBody>
+      </p:sp>
+      <p:sp>
+        <p:nvSpPr>
+          <p:cNvPr id="158" name="Rectangle 157">
+            <a:extLst>
+              <a:ext uri="{FF2B5EF4-FFF2-40B4-BE49-F238E27FC236}">
+                <a16:creationId xmlns:a16="http://schemas.microsoft.com/office/drawing/2014/main" id="{71549351-4C8D-41CC-A697-EC22A450AA9B}"/>
+              </a:ext>
+            </a:extLst>
+          </p:cNvPr>
+          <p:cNvSpPr/>
+          <p:nvPr/>
+        </p:nvSpPr>
+        <p:spPr>
+          <a:xfrm>
+            <a:off x="3475149" y="4216033"/>
+            <a:ext cx="297712" cy="297712"/>
+          </a:xfrm>
+          <a:prstGeom prst="rect">
+            <a:avLst/>
+          </a:prstGeom>
+          <a:noFill/>
+          <a:ln w="9525" cap="flat" cmpd="sng" algn="ctr">
+            <a:solidFill>
+              <a:schemeClr val="dk1"/>
+            </a:solidFill>
+            <a:prstDash val="solid"/>
+            <a:round/>
+            <a:headEnd type="none" w="med" len="med"/>
+            <a:tailEnd type="none" w="med" len="med"/>
+          </a:ln>
+        </p:spPr>
+        <p:style>
+          <a:lnRef idx="0">
+            <a:scrgbClr r="0" g="0" b="0"/>
+          </a:lnRef>
+          <a:fillRef idx="0">
+            <a:scrgbClr r="0" g="0" b="0"/>
+          </a:fillRef>
+          <a:effectRef idx="0">
+            <a:scrgbClr r="0" g="0" b="0"/>
+          </a:effectRef>
+          <a:fontRef idx="minor">
+            <a:schemeClr val="dk1"/>
+          </a:fontRef>
+        </p:style>
+        <p:txBody>
+          <a:bodyPr rtlCol="0" anchor="ctr"/>
+          <a:lstStyle/>
+          <a:p>
+            <a:pPr algn="ctr"/>
+            <a:endParaRPr lang="en-GB"/>
+          </a:p>
+        </p:txBody>
+      </p:sp>
+      <p:sp>
+        <p:nvSpPr>
+          <p:cNvPr id="160" name="Rectangle 159">
+            <a:extLst>
+              <a:ext uri="{FF2B5EF4-FFF2-40B4-BE49-F238E27FC236}">
+                <a16:creationId xmlns:a16="http://schemas.microsoft.com/office/drawing/2014/main" id="{6B1F752E-D706-49D9-B869-7DF2CEED19AF}"/>
+              </a:ext>
+            </a:extLst>
+          </p:cNvPr>
+          <p:cNvSpPr/>
+          <p:nvPr/>
+        </p:nvSpPr>
+        <p:spPr>
+          <a:xfrm>
+            <a:off x="3177437" y="4216033"/>
+            <a:ext cx="297712" cy="297712"/>
+          </a:xfrm>
+          <a:prstGeom prst="rect">
+            <a:avLst/>
+          </a:prstGeom>
+          <a:noFill/>
+          <a:ln w="9525" cap="flat" cmpd="sng" algn="ctr">
+            <a:solidFill>
+              <a:schemeClr val="dk1"/>
+            </a:solidFill>
+            <a:prstDash val="solid"/>
+            <a:round/>
+            <a:headEnd type="none" w="med" len="med"/>
+            <a:tailEnd type="none" w="med" len="med"/>
+          </a:ln>
+        </p:spPr>
+        <p:style>
+          <a:lnRef idx="0">
+            <a:scrgbClr r="0" g="0" b="0"/>
+          </a:lnRef>
+          <a:fillRef idx="0">
+            <a:scrgbClr r="0" g="0" b="0"/>
+          </a:fillRef>
+          <a:effectRef idx="0">
+            <a:scrgbClr r="0" g="0" b="0"/>
+          </a:effectRef>
+          <a:fontRef idx="minor">
+            <a:schemeClr val="dk1"/>
+          </a:fontRef>
+        </p:style>
+        <p:txBody>
+          <a:bodyPr rtlCol="0" anchor="ctr"/>
+          <a:lstStyle/>
+          <a:p>
+            <a:pPr algn="ctr"/>
+            <a:endParaRPr lang="en-GB"/>
+          </a:p>
+        </p:txBody>
+      </p:sp>
+      <p:sp>
+        <p:nvSpPr>
+          <p:cNvPr id="162" name="Rectangle 161">
+            <a:extLst>
+              <a:ext uri="{FF2B5EF4-FFF2-40B4-BE49-F238E27FC236}">
+                <a16:creationId xmlns:a16="http://schemas.microsoft.com/office/drawing/2014/main" id="{5F0840B5-29DB-48C4-89CC-5CBECDC71176}"/>
+              </a:ext>
+            </a:extLst>
+          </p:cNvPr>
+          <p:cNvSpPr/>
+          <p:nvPr/>
+        </p:nvSpPr>
+        <p:spPr>
+          <a:xfrm>
+            <a:off x="3772861" y="4216033"/>
+            <a:ext cx="297712" cy="297712"/>
+          </a:xfrm>
+          <a:prstGeom prst="rect">
+            <a:avLst/>
+          </a:prstGeom>
+          <a:noFill/>
+          <a:ln w="9525" cap="flat" cmpd="sng" algn="ctr">
+            <a:solidFill>
+              <a:schemeClr val="dk1"/>
+            </a:solidFill>
+            <a:prstDash val="solid"/>
+            <a:round/>
+            <a:headEnd type="none" w="med" len="med"/>
+            <a:tailEnd type="none" w="med" len="med"/>
+          </a:ln>
+        </p:spPr>
+        <p:style>
+          <a:lnRef idx="0">
+            <a:scrgbClr r="0" g="0" b="0"/>
+          </a:lnRef>
+          <a:fillRef idx="0">
+            <a:scrgbClr r="0" g="0" b="0"/>
+          </a:fillRef>
+          <a:effectRef idx="0">
+            <a:scrgbClr r="0" g="0" b="0"/>
+          </a:effectRef>
+          <a:fontRef idx="minor">
+            <a:schemeClr val="dk1"/>
+          </a:fontRef>
+        </p:style>
+        <p:txBody>
+          <a:bodyPr rtlCol="0" anchor="ctr"/>
+          <a:lstStyle/>
+          <a:p>
+            <a:pPr algn="ctr"/>
+            <a:endParaRPr lang="en-GB"/>
+          </a:p>
+        </p:txBody>
+      </p:sp>
+      <p:sp>
+        <p:nvSpPr>
+          <p:cNvPr id="164" name="Rectangle 163">
+            <a:extLst>
+              <a:ext uri="{FF2B5EF4-FFF2-40B4-BE49-F238E27FC236}">
+                <a16:creationId xmlns:a16="http://schemas.microsoft.com/office/drawing/2014/main" id="{E5332EA1-4AFD-483E-969A-F3E15F00CD6A}"/>
+              </a:ext>
+            </a:extLst>
+          </p:cNvPr>
+          <p:cNvSpPr/>
+          <p:nvPr/>
+        </p:nvSpPr>
+        <p:spPr>
+          <a:xfrm>
+            <a:off x="4070573" y="4216033"/>
+            <a:ext cx="297712" cy="297712"/>
+          </a:xfrm>
+          <a:prstGeom prst="rect">
+            <a:avLst/>
+          </a:prstGeom>
+          <a:noFill/>
+          <a:ln w="9525" cap="flat" cmpd="sng" algn="ctr">
+            <a:solidFill>
+              <a:schemeClr val="dk1"/>
+            </a:solidFill>
+            <a:prstDash val="solid"/>
+            <a:round/>
+            <a:headEnd type="none" w="med" len="med"/>
+            <a:tailEnd type="none" w="med" len="med"/>
+          </a:ln>
+        </p:spPr>
+        <p:style>
+          <a:lnRef idx="0">
+            <a:scrgbClr r="0" g="0" b="0"/>
+          </a:lnRef>
+          <a:fillRef idx="0">
+            <a:scrgbClr r="0" g="0" b="0"/>
+          </a:fillRef>
+          <a:effectRef idx="0">
+            <a:scrgbClr r="0" g="0" b="0"/>
+          </a:effectRef>
+          <a:fontRef idx="minor">
+            <a:schemeClr val="dk1"/>
+          </a:fontRef>
+        </p:style>
+        <p:txBody>
+          <a:bodyPr rtlCol="0" anchor="ctr"/>
+          <a:lstStyle/>
+          <a:p>
+            <a:pPr algn="ctr"/>
+            <a:endParaRPr lang="en-GB"/>
+          </a:p>
+        </p:txBody>
+      </p:sp>
+    </p:spTree>
+    <p:extLst>
+      <p:ext uri="{BB962C8B-B14F-4D97-AF65-F5344CB8AC3E}">
+        <p14:creationId xmlns:p14="http://schemas.microsoft.com/office/powerpoint/2010/main" val="1254550180"/>
+      </p:ext>
+    </p:extLst>
+  </p:cSld>
+  <p:clrMapOvr>
+    <a:masterClrMapping/>
+  </p:clrMapOvr>
+</p:sld>
+</file>
+
+<file path=ppt/slides/slide12.xml><?xml version="1.0" encoding="utf-8"?>
+<p:sld xmlns:a="http://schemas.openxmlformats.org/drawingml/2006/main" xmlns:r="http://schemas.openxmlformats.org/officeDocument/2006/relationships" xmlns:p="http://schemas.openxmlformats.org/presentationml/2006/main">
+  <p:cSld>
+    <p:spTree>
+      <p:nvGrpSpPr>
+        <p:cNvPr id="1" name=""/>
+        <p:cNvGrpSpPr/>
+        <p:nvPr/>
+      </p:nvGrpSpPr>
+      <p:grpSpPr>
+        <a:xfrm>
+          <a:off x="0" y="0"/>
+          <a:ext cx="0" cy="0"/>
+          <a:chOff x="0" y="0"/>
+          <a:chExt cx="0" cy="0"/>
+        </a:xfrm>
+      </p:grpSpPr>
       <p:cxnSp>
         <p:nvCxnSpPr>
           <p:cNvPr id="8" name="Connecteur droit 7">
@@ -7503,7 +11474,7 @@
 </p:sld>
 </file>
 
-<file path=ppt/slides/slide12.xml><?xml version="1.0" encoding="utf-8"?>
+<file path=ppt/slides/slide13.xml><?xml version="1.0" encoding="utf-8"?>
 <p:sld xmlns:a="http://schemas.openxmlformats.org/drawingml/2006/main" xmlns:r="http://schemas.openxmlformats.org/officeDocument/2006/relationships" xmlns:p="http://schemas.openxmlformats.org/presentationml/2006/main">
   <p:cSld>
     <p:spTree>
@@ -8404,7 +12375,7 @@
 </p:sld>
 </file>
 
-<file path=ppt/slides/slide13.xml><?xml version="1.0" encoding="utf-8"?>
+<file path=ppt/slides/slide14.xml><?xml version="1.0" encoding="utf-8"?>
 <p:sld xmlns:a="http://schemas.openxmlformats.org/drawingml/2006/main" xmlns:r="http://schemas.openxmlformats.org/officeDocument/2006/relationships" xmlns:p="http://schemas.openxmlformats.org/presentationml/2006/main">
   <p:cSld>
     <p:spTree>
@@ -11673,7 +15644,7 @@
 </p:sld>
 </file>
 
-<file path=ppt/slides/slide14.xml><?xml version="1.0" encoding="utf-8"?>
+<file path=ppt/slides/slide15.xml><?xml version="1.0" encoding="utf-8"?>
 <p:sld xmlns:a="http://schemas.openxmlformats.org/drawingml/2006/main" xmlns:r="http://schemas.openxmlformats.org/officeDocument/2006/relationships" xmlns:p="http://schemas.openxmlformats.org/presentationml/2006/main">
   <p:cSld>
     <p:spTree>
@@ -18229,8 +22200,8 @@
           </a:fontRef>
         </p:style>
       </p:cxnSp>
-      <mc:AlternateContent xmlns:mc="http://schemas.openxmlformats.org/markup-compatibility/2006">
-        <mc:Choice xmlns:a14="http://schemas.microsoft.com/office/drawing/2010/main" Requires="a14">
+      <mc:AlternateContent xmlns:mc="http://schemas.openxmlformats.org/markup-compatibility/2006" xmlns:a14="http://schemas.microsoft.com/office/drawing/2010/main">
+        <mc:Choice Requires="a14">
           <p:sp>
             <p:nvSpPr>
               <p:cNvPr id="42" name="ZoneTexte 41">
@@ -18314,7 +22285,7 @@
             </p:txBody>
           </p:sp>
         </mc:Choice>
-        <mc:Fallback>
+        <mc:Fallback xmlns="">
           <p:sp>
             <p:nvSpPr>
               <p:cNvPr id="42" name="ZoneTexte 41">
@@ -18598,8 +22569,8 @@
             <a:chExt cx="788677" cy="552699"/>
           </a:xfrm>
         </p:grpSpPr>
-        <mc:AlternateContent xmlns:mc="http://schemas.openxmlformats.org/markup-compatibility/2006">
-          <mc:Choice xmlns:a14="http://schemas.microsoft.com/office/drawing/2010/main" Requires="a14">
+        <mc:AlternateContent xmlns:mc="http://schemas.openxmlformats.org/markup-compatibility/2006" xmlns:a14="http://schemas.microsoft.com/office/drawing/2010/main">
+          <mc:Choice Requires="a14">
             <p:sp>
               <p:nvSpPr>
                 <p:cNvPr id="41" name="ZoneTexte 40">
@@ -18677,7 +22648,7 @@
               </p:txBody>
             </p:sp>
           </mc:Choice>
-          <mc:Fallback>
+          <mc:Fallback xmlns="">
             <p:sp>
               <p:nvSpPr>
                 <p:cNvPr id="41" name="ZoneTexte 40">
